--- a/WebContent/hsw/3조 화면구현_hsw.pptx
+++ b/WebContent/hsw/3조 화면구현_hsw.pptx
@@ -709,7 +709,7 @@
           <p:cNvPr id="2" name="제목 1">
             <a:extLst>
               <a:ext uri="{FF2B5EF4-FFF2-40B4-BE49-F238E27FC236}">
-                <a16:creationId xmlns="" xmlns:a16="http://schemas.microsoft.com/office/drawing/2014/main" id="{9E5E4632-E9C2-430D-8860-5B671341959C}"/>
+                <a16:creationId xmlns:a16="http://schemas.microsoft.com/office/drawing/2014/main" xmlns="" id="{9E5E4632-E9C2-430D-8860-5B671341959C}"/>
               </a:ext>
             </a:extLst>
           </p:cNvPr>
@@ -746,7 +746,7 @@
           <p:cNvPr id="3" name="부제목 2">
             <a:extLst>
               <a:ext uri="{FF2B5EF4-FFF2-40B4-BE49-F238E27FC236}">
-                <a16:creationId xmlns="" xmlns:a16="http://schemas.microsoft.com/office/drawing/2014/main" id="{8516A487-29F9-4EB6-A4BF-CF7F6C176945}"/>
+                <a16:creationId xmlns:a16="http://schemas.microsoft.com/office/drawing/2014/main" xmlns="" id="{8516A487-29F9-4EB6-A4BF-CF7F6C176945}"/>
               </a:ext>
             </a:extLst>
           </p:cNvPr>
@@ -816,7 +816,7 @@
           <p:cNvPr id="4" name="날짜 개체 틀 3">
             <a:extLst>
               <a:ext uri="{FF2B5EF4-FFF2-40B4-BE49-F238E27FC236}">
-                <a16:creationId xmlns="" xmlns:a16="http://schemas.microsoft.com/office/drawing/2014/main" id="{5458794D-BF22-4D43-9B43-3407B0731DF3}"/>
+                <a16:creationId xmlns:a16="http://schemas.microsoft.com/office/drawing/2014/main" xmlns="" id="{5458794D-BF22-4D43-9B43-3407B0731DF3}"/>
               </a:ext>
             </a:extLst>
           </p:cNvPr>
@@ -858,7 +858,7 @@
           <p:cNvPr id="5" name="바닥글 개체 틀 4">
             <a:extLst>
               <a:ext uri="{FF2B5EF4-FFF2-40B4-BE49-F238E27FC236}">
-                <a16:creationId xmlns="" xmlns:a16="http://schemas.microsoft.com/office/drawing/2014/main" id="{B1CF189C-4CDA-41C3-A048-F232B4C4B8D2}"/>
+                <a16:creationId xmlns:a16="http://schemas.microsoft.com/office/drawing/2014/main" xmlns="" id="{B1CF189C-4CDA-41C3-A048-F232B4C4B8D2}"/>
               </a:ext>
             </a:extLst>
           </p:cNvPr>
@@ -889,7 +889,7 @@
           <p:cNvPr id="6" name="슬라이드 번호 개체 틀 5">
             <a:extLst>
               <a:ext uri="{FF2B5EF4-FFF2-40B4-BE49-F238E27FC236}">
-                <a16:creationId xmlns="" xmlns:a16="http://schemas.microsoft.com/office/drawing/2014/main" id="{BAF061BA-CD52-4A93-9968-2D177FB0947C}"/>
+                <a16:creationId xmlns:a16="http://schemas.microsoft.com/office/drawing/2014/main" xmlns="" id="{BAF061BA-CD52-4A93-9968-2D177FB0947C}"/>
               </a:ext>
             </a:extLst>
           </p:cNvPr>
@@ -961,7 +961,7 @@
           <p:cNvPr id="2" name="제목 1">
             <a:extLst>
               <a:ext uri="{FF2B5EF4-FFF2-40B4-BE49-F238E27FC236}">
-                <a16:creationId xmlns="" xmlns:a16="http://schemas.microsoft.com/office/drawing/2014/main" id="{2478CD97-4610-41D5-9293-07E4F7EF8330}"/>
+                <a16:creationId xmlns:a16="http://schemas.microsoft.com/office/drawing/2014/main" xmlns="" id="{2478CD97-4610-41D5-9293-07E4F7EF8330}"/>
               </a:ext>
             </a:extLst>
           </p:cNvPr>
@@ -989,7 +989,7 @@
           <p:cNvPr id="3" name="내용 개체 틀 2">
             <a:extLst>
               <a:ext uri="{FF2B5EF4-FFF2-40B4-BE49-F238E27FC236}">
-                <a16:creationId xmlns="" xmlns:a16="http://schemas.microsoft.com/office/drawing/2014/main" id="{A4761A08-28DB-4E61-B23C-47F9FF94B03B}"/>
+                <a16:creationId xmlns:a16="http://schemas.microsoft.com/office/drawing/2014/main" xmlns="" id="{A4761A08-28DB-4E61-B23C-47F9FF94B03B}"/>
               </a:ext>
             </a:extLst>
           </p:cNvPr>
@@ -1046,7 +1046,7 @@
           <p:cNvPr id="4" name="날짜 개체 틀 3">
             <a:extLst>
               <a:ext uri="{FF2B5EF4-FFF2-40B4-BE49-F238E27FC236}">
-                <a16:creationId xmlns="" xmlns:a16="http://schemas.microsoft.com/office/drawing/2014/main" id="{8A0B1E4E-9D0C-4F38-8350-90F7893A1DD4}"/>
+                <a16:creationId xmlns:a16="http://schemas.microsoft.com/office/drawing/2014/main" xmlns="" id="{8A0B1E4E-9D0C-4F38-8350-90F7893A1DD4}"/>
               </a:ext>
             </a:extLst>
           </p:cNvPr>
@@ -1088,7 +1088,7 @@
           <p:cNvPr id="5" name="바닥글 개체 틀 4">
             <a:extLst>
               <a:ext uri="{FF2B5EF4-FFF2-40B4-BE49-F238E27FC236}">
-                <a16:creationId xmlns="" xmlns:a16="http://schemas.microsoft.com/office/drawing/2014/main" id="{3EB51119-FFCC-46AF-9F51-2823DEF4A6AF}"/>
+                <a16:creationId xmlns:a16="http://schemas.microsoft.com/office/drawing/2014/main" xmlns="" id="{3EB51119-FFCC-46AF-9F51-2823DEF4A6AF}"/>
               </a:ext>
             </a:extLst>
           </p:cNvPr>
@@ -1119,7 +1119,7 @@
           <p:cNvPr id="6" name="슬라이드 번호 개체 틀 5">
             <a:extLst>
               <a:ext uri="{FF2B5EF4-FFF2-40B4-BE49-F238E27FC236}">
-                <a16:creationId xmlns="" xmlns:a16="http://schemas.microsoft.com/office/drawing/2014/main" id="{5E5C2C86-356F-4ACF-9EEC-3B3D8462A39C}"/>
+                <a16:creationId xmlns:a16="http://schemas.microsoft.com/office/drawing/2014/main" xmlns="" id="{5E5C2C86-356F-4ACF-9EEC-3B3D8462A39C}"/>
               </a:ext>
             </a:extLst>
           </p:cNvPr>
@@ -1191,7 +1191,7 @@
           <p:cNvPr id="2" name="제목 1">
             <a:extLst>
               <a:ext uri="{FF2B5EF4-FFF2-40B4-BE49-F238E27FC236}">
-                <a16:creationId xmlns="" xmlns:a16="http://schemas.microsoft.com/office/drawing/2014/main" id="{DBF78962-7159-4DAF-9E07-D4AC9AFA9BC1}"/>
+                <a16:creationId xmlns:a16="http://schemas.microsoft.com/office/drawing/2014/main" xmlns="" id="{DBF78962-7159-4DAF-9E07-D4AC9AFA9BC1}"/>
               </a:ext>
             </a:extLst>
           </p:cNvPr>
@@ -1228,7 +1228,7 @@
           <p:cNvPr id="3" name="텍스트 개체 틀 2">
             <a:extLst>
               <a:ext uri="{FF2B5EF4-FFF2-40B4-BE49-F238E27FC236}">
-                <a16:creationId xmlns="" xmlns:a16="http://schemas.microsoft.com/office/drawing/2014/main" id="{FAB5D699-135E-49BA-9606-CB890CD5D6CE}"/>
+                <a16:creationId xmlns:a16="http://schemas.microsoft.com/office/drawing/2014/main" xmlns="" id="{FAB5D699-135E-49BA-9606-CB890CD5D6CE}"/>
               </a:ext>
             </a:extLst>
           </p:cNvPr>
@@ -1353,7 +1353,7 @@
           <p:cNvPr id="4" name="날짜 개체 틀 3">
             <a:extLst>
               <a:ext uri="{FF2B5EF4-FFF2-40B4-BE49-F238E27FC236}">
-                <a16:creationId xmlns="" xmlns:a16="http://schemas.microsoft.com/office/drawing/2014/main" id="{3717AFA4-E80B-48F1-B566-3D5FA0DCC2E5}"/>
+                <a16:creationId xmlns:a16="http://schemas.microsoft.com/office/drawing/2014/main" xmlns="" id="{3717AFA4-E80B-48F1-B566-3D5FA0DCC2E5}"/>
               </a:ext>
             </a:extLst>
           </p:cNvPr>
@@ -1395,7 +1395,7 @@
           <p:cNvPr id="5" name="바닥글 개체 틀 4">
             <a:extLst>
               <a:ext uri="{FF2B5EF4-FFF2-40B4-BE49-F238E27FC236}">
-                <a16:creationId xmlns="" xmlns:a16="http://schemas.microsoft.com/office/drawing/2014/main" id="{530C7227-51F8-4DD4-93DC-2046C220BC2B}"/>
+                <a16:creationId xmlns:a16="http://schemas.microsoft.com/office/drawing/2014/main" xmlns="" id="{530C7227-51F8-4DD4-93DC-2046C220BC2B}"/>
               </a:ext>
             </a:extLst>
           </p:cNvPr>
@@ -1426,7 +1426,7 @@
           <p:cNvPr id="6" name="슬라이드 번호 개체 틀 5">
             <a:extLst>
               <a:ext uri="{FF2B5EF4-FFF2-40B4-BE49-F238E27FC236}">
-                <a16:creationId xmlns="" xmlns:a16="http://schemas.microsoft.com/office/drawing/2014/main" id="{CF23AE0C-87AE-419F-8C21-C05064D5F98B}"/>
+                <a16:creationId xmlns:a16="http://schemas.microsoft.com/office/drawing/2014/main" xmlns="" id="{CF23AE0C-87AE-419F-8C21-C05064D5F98B}"/>
               </a:ext>
             </a:extLst>
           </p:cNvPr>
@@ -1498,7 +1498,7 @@
           <p:cNvPr id="2" name="제목 1">
             <a:extLst>
               <a:ext uri="{FF2B5EF4-FFF2-40B4-BE49-F238E27FC236}">
-                <a16:creationId xmlns="" xmlns:a16="http://schemas.microsoft.com/office/drawing/2014/main" id="{EF53F05C-1B53-4997-8D4F-574B40BFB6D2}"/>
+                <a16:creationId xmlns:a16="http://schemas.microsoft.com/office/drawing/2014/main" xmlns="" id="{EF53F05C-1B53-4997-8D4F-574B40BFB6D2}"/>
               </a:ext>
             </a:extLst>
           </p:cNvPr>
@@ -1526,7 +1526,7 @@
           <p:cNvPr id="3" name="내용 개체 틀 2">
             <a:extLst>
               <a:ext uri="{FF2B5EF4-FFF2-40B4-BE49-F238E27FC236}">
-                <a16:creationId xmlns="" xmlns:a16="http://schemas.microsoft.com/office/drawing/2014/main" id="{F2EE759F-A91E-45FB-BC0F-52B204A43CE5}"/>
+                <a16:creationId xmlns:a16="http://schemas.microsoft.com/office/drawing/2014/main" xmlns="" id="{F2EE759F-A91E-45FB-BC0F-52B204A43CE5}"/>
               </a:ext>
             </a:extLst>
           </p:cNvPr>
@@ -1588,7 +1588,7 @@
           <p:cNvPr id="4" name="내용 개체 틀 3">
             <a:extLst>
               <a:ext uri="{FF2B5EF4-FFF2-40B4-BE49-F238E27FC236}">
-                <a16:creationId xmlns="" xmlns:a16="http://schemas.microsoft.com/office/drawing/2014/main" id="{CBA814ED-B083-468B-A3B1-B0834E8C8212}"/>
+                <a16:creationId xmlns:a16="http://schemas.microsoft.com/office/drawing/2014/main" xmlns="" id="{CBA814ED-B083-468B-A3B1-B0834E8C8212}"/>
               </a:ext>
             </a:extLst>
           </p:cNvPr>
@@ -1650,7 +1650,7 @@
           <p:cNvPr id="5" name="날짜 개체 틀 4">
             <a:extLst>
               <a:ext uri="{FF2B5EF4-FFF2-40B4-BE49-F238E27FC236}">
-                <a16:creationId xmlns="" xmlns:a16="http://schemas.microsoft.com/office/drawing/2014/main" id="{877DEBD2-BAE9-4C14-A7E8-517148C14EED}"/>
+                <a16:creationId xmlns:a16="http://schemas.microsoft.com/office/drawing/2014/main" xmlns="" id="{877DEBD2-BAE9-4C14-A7E8-517148C14EED}"/>
               </a:ext>
             </a:extLst>
           </p:cNvPr>
@@ -1692,7 +1692,7 @@
           <p:cNvPr id="6" name="바닥글 개체 틀 5">
             <a:extLst>
               <a:ext uri="{FF2B5EF4-FFF2-40B4-BE49-F238E27FC236}">
-                <a16:creationId xmlns="" xmlns:a16="http://schemas.microsoft.com/office/drawing/2014/main" id="{2F72D31F-47DB-4B78-B8CC-AB9D0A4DCEC0}"/>
+                <a16:creationId xmlns:a16="http://schemas.microsoft.com/office/drawing/2014/main" xmlns="" id="{2F72D31F-47DB-4B78-B8CC-AB9D0A4DCEC0}"/>
               </a:ext>
             </a:extLst>
           </p:cNvPr>
@@ -1723,7 +1723,7 @@
           <p:cNvPr id="7" name="슬라이드 번호 개체 틀 6">
             <a:extLst>
               <a:ext uri="{FF2B5EF4-FFF2-40B4-BE49-F238E27FC236}">
-                <a16:creationId xmlns="" xmlns:a16="http://schemas.microsoft.com/office/drawing/2014/main" id="{F1B67971-49C1-46A6-BFE1-F14E5E9F87CF}"/>
+                <a16:creationId xmlns:a16="http://schemas.microsoft.com/office/drawing/2014/main" xmlns="" id="{F1B67971-49C1-46A6-BFE1-F14E5E9F87CF}"/>
               </a:ext>
             </a:extLst>
           </p:cNvPr>
@@ -1795,7 +1795,7 @@
           <p:cNvPr id="2" name="제목 1">
             <a:extLst>
               <a:ext uri="{FF2B5EF4-FFF2-40B4-BE49-F238E27FC236}">
-                <a16:creationId xmlns="" xmlns:a16="http://schemas.microsoft.com/office/drawing/2014/main" id="{E54246B1-789C-445A-A33C-EE193AF6AB31}"/>
+                <a16:creationId xmlns:a16="http://schemas.microsoft.com/office/drawing/2014/main" xmlns="" id="{E54246B1-789C-445A-A33C-EE193AF6AB31}"/>
               </a:ext>
             </a:extLst>
           </p:cNvPr>
@@ -1828,7 +1828,7 @@
           <p:cNvPr id="3" name="텍스트 개체 틀 2">
             <a:extLst>
               <a:ext uri="{FF2B5EF4-FFF2-40B4-BE49-F238E27FC236}">
-                <a16:creationId xmlns="" xmlns:a16="http://schemas.microsoft.com/office/drawing/2014/main" id="{C60DCCE6-A432-4D2A-810A-99E8AFAD1DD0}"/>
+                <a16:creationId xmlns:a16="http://schemas.microsoft.com/office/drawing/2014/main" xmlns="" id="{C60DCCE6-A432-4D2A-810A-99E8AFAD1DD0}"/>
               </a:ext>
             </a:extLst>
           </p:cNvPr>
@@ -1899,7 +1899,7 @@
           <p:cNvPr id="4" name="내용 개체 틀 3">
             <a:extLst>
               <a:ext uri="{FF2B5EF4-FFF2-40B4-BE49-F238E27FC236}">
-                <a16:creationId xmlns="" xmlns:a16="http://schemas.microsoft.com/office/drawing/2014/main" id="{16D0CEB2-1187-4252-AD05-8D872A1D3F3F}"/>
+                <a16:creationId xmlns:a16="http://schemas.microsoft.com/office/drawing/2014/main" xmlns="" id="{16D0CEB2-1187-4252-AD05-8D872A1D3F3F}"/>
               </a:ext>
             </a:extLst>
           </p:cNvPr>
@@ -1961,7 +1961,7 @@
           <p:cNvPr id="5" name="텍스트 개체 틀 4">
             <a:extLst>
               <a:ext uri="{FF2B5EF4-FFF2-40B4-BE49-F238E27FC236}">
-                <a16:creationId xmlns="" xmlns:a16="http://schemas.microsoft.com/office/drawing/2014/main" id="{5AE31809-3F66-4FEC-8D60-2F4D07A12196}"/>
+                <a16:creationId xmlns:a16="http://schemas.microsoft.com/office/drawing/2014/main" xmlns="" id="{5AE31809-3F66-4FEC-8D60-2F4D07A12196}"/>
               </a:ext>
             </a:extLst>
           </p:cNvPr>
@@ -2032,7 +2032,7 @@
           <p:cNvPr id="6" name="내용 개체 틀 5">
             <a:extLst>
               <a:ext uri="{FF2B5EF4-FFF2-40B4-BE49-F238E27FC236}">
-                <a16:creationId xmlns="" xmlns:a16="http://schemas.microsoft.com/office/drawing/2014/main" id="{A23AB223-7027-45B7-A59D-E463A79FDDD7}"/>
+                <a16:creationId xmlns:a16="http://schemas.microsoft.com/office/drawing/2014/main" xmlns="" id="{A23AB223-7027-45B7-A59D-E463A79FDDD7}"/>
               </a:ext>
             </a:extLst>
           </p:cNvPr>
@@ -2094,7 +2094,7 @@
           <p:cNvPr id="7" name="날짜 개체 틀 6">
             <a:extLst>
               <a:ext uri="{FF2B5EF4-FFF2-40B4-BE49-F238E27FC236}">
-                <a16:creationId xmlns="" xmlns:a16="http://schemas.microsoft.com/office/drawing/2014/main" id="{D2A2B8DD-7358-465C-8CC1-F71D7DE0E812}"/>
+                <a16:creationId xmlns:a16="http://schemas.microsoft.com/office/drawing/2014/main" xmlns="" id="{D2A2B8DD-7358-465C-8CC1-F71D7DE0E812}"/>
               </a:ext>
             </a:extLst>
           </p:cNvPr>
@@ -2136,7 +2136,7 @@
           <p:cNvPr id="8" name="바닥글 개체 틀 7">
             <a:extLst>
               <a:ext uri="{FF2B5EF4-FFF2-40B4-BE49-F238E27FC236}">
-                <a16:creationId xmlns="" xmlns:a16="http://schemas.microsoft.com/office/drawing/2014/main" id="{0D010038-A30A-4B64-BB25-7C3590F3E110}"/>
+                <a16:creationId xmlns:a16="http://schemas.microsoft.com/office/drawing/2014/main" xmlns="" id="{0D010038-A30A-4B64-BB25-7C3590F3E110}"/>
               </a:ext>
             </a:extLst>
           </p:cNvPr>
@@ -2167,7 +2167,7 @@
           <p:cNvPr id="9" name="슬라이드 번호 개체 틀 8">
             <a:extLst>
               <a:ext uri="{FF2B5EF4-FFF2-40B4-BE49-F238E27FC236}">
-                <a16:creationId xmlns="" xmlns:a16="http://schemas.microsoft.com/office/drawing/2014/main" id="{65054B27-799F-4A0D-8BE0-631E52465DC1}"/>
+                <a16:creationId xmlns:a16="http://schemas.microsoft.com/office/drawing/2014/main" xmlns="" id="{65054B27-799F-4A0D-8BE0-631E52465DC1}"/>
               </a:ext>
             </a:extLst>
           </p:cNvPr>
@@ -2239,7 +2239,7 @@
           <p:cNvPr id="2" name="제목 1">
             <a:extLst>
               <a:ext uri="{FF2B5EF4-FFF2-40B4-BE49-F238E27FC236}">
-                <a16:creationId xmlns="" xmlns:a16="http://schemas.microsoft.com/office/drawing/2014/main" id="{C485E51C-A240-4608-92DA-E50F807F41C0}"/>
+                <a16:creationId xmlns:a16="http://schemas.microsoft.com/office/drawing/2014/main" xmlns="" id="{C485E51C-A240-4608-92DA-E50F807F41C0}"/>
               </a:ext>
             </a:extLst>
           </p:cNvPr>
@@ -2267,7 +2267,7 @@
           <p:cNvPr id="3" name="날짜 개체 틀 2">
             <a:extLst>
               <a:ext uri="{FF2B5EF4-FFF2-40B4-BE49-F238E27FC236}">
-                <a16:creationId xmlns="" xmlns:a16="http://schemas.microsoft.com/office/drawing/2014/main" id="{2B851E15-AFBE-4FC3-8B78-027D54EB8877}"/>
+                <a16:creationId xmlns:a16="http://schemas.microsoft.com/office/drawing/2014/main" xmlns="" id="{2B851E15-AFBE-4FC3-8B78-027D54EB8877}"/>
               </a:ext>
             </a:extLst>
           </p:cNvPr>
@@ -2309,7 +2309,7 @@
           <p:cNvPr id="4" name="바닥글 개체 틀 3">
             <a:extLst>
               <a:ext uri="{FF2B5EF4-FFF2-40B4-BE49-F238E27FC236}">
-                <a16:creationId xmlns="" xmlns:a16="http://schemas.microsoft.com/office/drawing/2014/main" id="{5FEBB580-75E4-48D4-AEF3-E10C58CF6EA4}"/>
+                <a16:creationId xmlns:a16="http://schemas.microsoft.com/office/drawing/2014/main" xmlns="" id="{5FEBB580-75E4-48D4-AEF3-E10C58CF6EA4}"/>
               </a:ext>
             </a:extLst>
           </p:cNvPr>
@@ -2340,7 +2340,7 @@
           <p:cNvPr id="5" name="슬라이드 번호 개체 틀 4">
             <a:extLst>
               <a:ext uri="{FF2B5EF4-FFF2-40B4-BE49-F238E27FC236}">
-                <a16:creationId xmlns="" xmlns:a16="http://schemas.microsoft.com/office/drawing/2014/main" id="{BF32AC2E-0C50-4FB0-8820-A7AC6BDE4173}"/>
+                <a16:creationId xmlns:a16="http://schemas.microsoft.com/office/drawing/2014/main" xmlns="" id="{BF32AC2E-0C50-4FB0-8820-A7AC6BDE4173}"/>
               </a:ext>
             </a:extLst>
           </p:cNvPr>
@@ -2412,7 +2412,7 @@
           <p:cNvPr id="2" name="날짜 개체 틀 1">
             <a:extLst>
               <a:ext uri="{FF2B5EF4-FFF2-40B4-BE49-F238E27FC236}">
-                <a16:creationId xmlns="" xmlns:a16="http://schemas.microsoft.com/office/drawing/2014/main" id="{2C192448-72D9-4BA8-A3A5-9279810622F2}"/>
+                <a16:creationId xmlns:a16="http://schemas.microsoft.com/office/drawing/2014/main" xmlns="" id="{2C192448-72D9-4BA8-A3A5-9279810622F2}"/>
               </a:ext>
             </a:extLst>
           </p:cNvPr>
@@ -2454,7 +2454,7 @@
           <p:cNvPr id="3" name="바닥글 개체 틀 2">
             <a:extLst>
               <a:ext uri="{FF2B5EF4-FFF2-40B4-BE49-F238E27FC236}">
-                <a16:creationId xmlns="" xmlns:a16="http://schemas.microsoft.com/office/drawing/2014/main" id="{6A464358-B5B5-49B6-9CA3-2BE74CF87DC8}"/>
+                <a16:creationId xmlns:a16="http://schemas.microsoft.com/office/drawing/2014/main" xmlns="" id="{6A464358-B5B5-49B6-9CA3-2BE74CF87DC8}"/>
               </a:ext>
             </a:extLst>
           </p:cNvPr>
@@ -2485,7 +2485,7 @@
           <p:cNvPr id="4" name="슬라이드 번호 개체 틀 3">
             <a:extLst>
               <a:ext uri="{FF2B5EF4-FFF2-40B4-BE49-F238E27FC236}">
-                <a16:creationId xmlns="" xmlns:a16="http://schemas.microsoft.com/office/drawing/2014/main" id="{5B606F01-6E92-4C16-A968-94433D122A35}"/>
+                <a16:creationId xmlns:a16="http://schemas.microsoft.com/office/drawing/2014/main" xmlns="" id="{5B606F01-6E92-4C16-A968-94433D122A35}"/>
               </a:ext>
             </a:extLst>
           </p:cNvPr>
@@ -2557,7 +2557,7 @@
           <p:cNvPr id="2" name="제목 1">
             <a:extLst>
               <a:ext uri="{FF2B5EF4-FFF2-40B4-BE49-F238E27FC236}">
-                <a16:creationId xmlns="" xmlns:a16="http://schemas.microsoft.com/office/drawing/2014/main" id="{78C9915E-4301-4868-A5EC-6F607A83BF22}"/>
+                <a16:creationId xmlns:a16="http://schemas.microsoft.com/office/drawing/2014/main" xmlns="" id="{78C9915E-4301-4868-A5EC-6F607A83BF22}"/>
               </a:ext>
             </a:extLst>
           </p:cNvPr>
@@ -2594,7 +2594,7 @@
           <p:cNvPr id="3" name="내용 개체 틀 2">
             <a:extLst>
               <a:ext uri="{FF2B5EF4-FFF2-40B4-BE49-F238E27FC236}">
-                <a16:creationId xmlns="" xmlns:a16="http://schemas.microsoft.com/office/drawing/2014/main" id="{4507BFFD-DC79-4CFE-A2B2-BACA06190953}"/>
+                <a16:creationId xmlns:a16="http://schemas.microsoft.com/office/drawing/2014/main" xmlns="" id="{4507BFFD-DC79-4CFE-A2B2-BACA06190953}"/>
               </a:ext>
             </a:extLst>
           </p:cNvPr>
@@ -2684,7 +2684,7 @@
           <p:cNvPr id="4" name="텍스트 개체 틀 3">
             <a:extLst>
               <a:ext uri="{FF2B5EF4-FFF2-40B4-BE49-F238E27FC236}">
-                <a16:creationId xmlns="" xmlns:a16="http://schemas.microsoft.com/office/drawing/2014/main" id="{9A00C531-2EB8-4478-9A6C-4CD6FE675072}"/>
+                <a16:creationId xmlns:a16="http://schemas.microsoft.com/office/drawing/2014/main" xmlns="" id="{9A00C531-2EB8-4478-9A6C-4CD6FE675072}"/>
               </a:ext>
             </a:extLst>
           </p:cNvPr>
@@ -2755,7 +2755,7 @@
           <p:cNvPr id="5" name="날짜 개체 틀 4">
             <a:extLst>
               <a:ext uri="{FF2B5EF4-FFF2-40B4-BE49-F238E27FC236}">
-                <a16:creationId xmlns="" xmlns:a16="http://schemas.microsoft.com/office/drawing/2014/main" id="{8B9102F9-10D2-4689-A3F0-BD4C609347E9}"/>
+                <a16:creationId xmlns:a16="http://schemas.microsoft.com/office/drawing/2014/main" xmlns="" id="{8B9102F9-10D2-4689-A3F0-BD4C609347E9}"/>
               </a:ext>
             </a:extLst>
           </p:cNvPr>
@@ -2797,7 +2797,7 @@
           <p:cNvPr id="6" name="바닥글 개체 틀 5">
             <a:extLst>
               <a:ext uri="{FF2B5EF4-FFF2-40B4-BE49-F238E27FC236}">
-                <a16:creationId xmlns="" xmlns:a16="http://schemas.microsoft.com/office/drawing/2014/main" id="{D7F39764-04A1-4A55-9A18-7F042A006344}"/>
+                <a16:creationId xmlns:a16="http://schemas.microsoft.com/office/drawing/2014/main" xmlns="" id="{D7F39764-04A1-4A55-9A18-7F042A006344}"/>
               </a:ext>
             </a:extLst>
           </p:cNvPr>
@@ -2828,7 +2828,7 @@
           <p:cNvPr id="7" name="슬라이드 번호 개체 틀 6">
             <a:extLst>
               <a:ext uri="{FF2B5EF4-FFF2-40B4-BE49-F238E27FC236}">
-                <a16:creationId xmlns="" xmlns:a16="http://schemas.microsoft.com/office/drawing/2014/main" id="{34225F41-6CDF-4265-BBB3-81FCF28FB82A}"/>
+                <a16:creationId xmlns:a16="http://schemas.microsoft.com/office/drawing/2014/main" xmlns="" id="{34225F41-6CDF-4265-BBB3-81FCF28FB82A}"/>
               </a:ext>
             </a:extLst>
           </p:cNvPr>
@@ -3068,7 +3068,7 @@
           <p:cNvPr id="2" name="제목 1">
             <a:extLst>
               <a:ext uri="{FF2B5EF4-FFF2-40B4-BE49-F238E27FC236}">
-                <a16:creationId xmlns="" xmlns:a16="http://schemas.microsoft.com/office/drawing/2014/main" id="{E1595260-FA6D-4888-ADF7-F499EEC9CAF3}"/>
+                <a16:creationId xmlns:a16="http://schemas.microsoft.com/office/drawing/2014/main" xmlns="" id="{E1595260-FA6D-4888-ADF7-F499EEC9CAF3}"/>
               </a:ext>
             </a:extLst>
           </p:cNvPr>
@@ -3105,7 +3105,7 @@
           <p:cNvPr id="3" name="그림 개체 틀 2">
             <a:extLst>
               <a:ext uri="{FF2B5EF4-FFF2-40B4-BE49-F238E27FC236}">
-                <a16:creationId xmlns="" xmlns:a16="http://schemas.microsoft.com/office/drawing/2014/main" id="{83A50628-D8CA-4077-960A-F39CE72B43AC}"/>
+                <a16:creationId xmlns:a16="http://schemas.microsoft.com/office/drawing/2014/main" xmlns="" id="{83A50628-D8CA-4077-960A-F39CE72B43AC}"/>
               </a:ext>
             </a:extLst>
           </p:cNvPr>
@@ -3172,7 +3172,7 @@
           <p:cNvPr id="4" name="텍스트 개체 틀 3">
             <a:extLst>
               <a:ext uri="{FF2B5EF4-FFF2-40B4-BE49-F238E27FC236}">
-                <a16:creationId xmlns="" xmlns:a16="http://schemas.microsoft.com/office/drawing/2014/main" id="{19E7AA03-FBD8-4A50-A92B-5AC38CFD2159}"/>
+                <a16:creationId xmlns:a16="http://schemas.microsoft.com/office/drawing/2014/main" xmlns="" id="{19E7AA03-FBD8-4A50-A92B-5AC38CFD2159}"/>
               </a:ext>
             </a:extLst>
           </p:cNvPr>
@@ -3243,7 +3243,7 @@
           <p:cNvPr id="5" name="날짜 개체 틀 4">
             <a:extLst>
               <a:ext uri="{FF2B5EF4-FFF2-40B4-BE49-F238E27FC236}">
-                <a16:creationId xmlns="" xmlns:a16="http://schemas.microsoft.com/office/drawing/2014/main" id="{68D9E59A-44BD-4C8B-A629-A61BC819DCDC}"/>
+                <a16:creationId xmlns:a16="http://schemas.microsoft.com/office/drawing/2014/main" xmlns="" id="{68D9E59A-44BD-4C8B-A629-A61BC819DCDC}"/>
               </a:ext>
             </a:extLst>
           </p:cNvPr>
@@ -3285,7 +3285,7 @@
           <p:cNvPr id="6" name="바닥글 개체 틀 5">
             <a:extLst>
               <a:ext uri="{FF2B5EF4-FFF2-40B4-BE49-F238E27FC236}">
-                <a16:creationId xmlns="" xmlns:a16="http://schemas.microsoft.com/office/drawing/2014/main" id="{1D2B7321-A165-476B-A4ED-83B774277E09}"/>
+                <a16:creationId xmlns:a16="http://schemas.microsoft.com/office/drawing/2014/main" xmlns="" id="{1D2B7321-A165-476B-A4ED-83B774277E09}"/>
               </a:ext>
             </a:extLst>
           </p:cNvPr>
@@ -3316,7 +3316,7 @@
           <p:cNvPr id="7" name="슬라이드 번호 개체 틀 6">
             <a:extLst>
               <a:ext uri="{FF2B5EF4-FFF2-40B4-BE49-F238E27FC236}">
-                <a16:creationId xmlns="" xmlns:a16="http://schemas.microsoft.com/office/drawing/2014/main" id="{07F02D81-149F-45ED-BBC5-576EF0493F03}"/>
+                <a16:creationId xmlns:a16="http://schemas.microsoft.com/office/drawing/2014/main" xmlns="" id="{07F02D81-149F-45ED-BBC5-576EF0493F03}"/>
               </a:ext>
             </a:extLst>
           </p:cNvPr>
@@ -3388,7 +3388,7 @@
           <p:cNvPr id="2" name="제목 1">
             <a:extLst>
               <a:ext uri="{FF2B5EF4-FFF2-40B4-BE49-F238E27FC236}">
-                <a16:creationId xmlns="" xmlns:a16="http://schemas.microsoft.com/office/drawing/2014/main" id="{C7E2F226-2DB6-4832-A3E8-E1A82BC8412B}"/>
+                <a16:creationId xmlns:a16="http://schemas.microsoft.com/office/drawing/2014/main" xmlns="" id="{C7E2F226-2DB6-4832-A3E8-E1A82BC8412B}"/>
               </a:ext>
             </a:extLst>
           </p:cNvPr>
@@ -3416,7 +3416,7 @@
           <p:cNvPr id="3" name="세로 텍스트 개체 틀 2">
             <a:extLst>
               <a:ext uri="{FF2B5EF4-FFF2-40B4-BE49-F238E27FC236}">
-                <a16:creationId xmlns="" xmlns:a16="http://schemas.microsoft.com/office/drawing/2014/main" id="{35E32266-CD01-4901-8FE7-5010FC0706F7}"/>
+                <a16:creationId xmlns:a16="http://schemas.microsoft.com/office/drawing/2014/main" xmlns="" id="{35E32266-CD01-4901-8FE7-5010FC0706F7}"/>
               </a:ext>
             </a:extLst>
           </p:cNvPr>
@@ -3473,7 +3473,7 @@
           <p:cNvPr id="4" name="날짜 개체 틀 3">
             <a:extLst>
               <a:ext uri="{FF2B5EF4-FFF2-40B4-BE49-F238E27FC236}">
-                <a16:creationId xmlns="" xmlns:a16="http://schemas.microsoft.com/office/drawing/2014/main" id="{8918B274-9924-4562-A19B-0EF8383C8F5F}"/>
+                <a16:creationId xmlns:a16="http://schemas.microsoft.com/office/drawing/2014/main" xmlns="" id="{8918B274-9924-4562-A19B-0EF8383C8F5F}"/>
               </a:ext>
             </a:extLst>
           </p:cNvPr>
@@ -3515,7 +3515,7 @@
           <p:cNvPr id="5" name="바닥글 개체 틀 4">
             <a:extLst>
               <a:ext uri="{FF2B5EF4-FFF2-40B4-BE49-F238E27FC236}">
-                <a16:creationId xmlns="" xmlns:a16="http://schemas.microsoft.com/office/drawing/2014/main" id="{48ABDFFA-1327-4FDA-A13E-DCF7D4AB5F2C}"/>
+                <a16:creationId xmlns:a16="http://schemas.microsoft.com/office/drawing/2014/main" xmlns="" id="{48ABDFFA-1327-4FDA-A13E-DCF7D4AB5F2C}"/>
               </a:ext>
             </a:extLst>
           </p:cNvPr>
@@ -3546,7 +3546,7 @@
           <p:cNvPr id="6" name="슬라이드 번호 개체 틀 5">
             <a:extLst>
               <a:ext uri="{FF2B5EF4-FFF2-40B4-BE49-F238E27FC236}">
-                <a16:creationId xmlns="" xmlns:a16="http://schemas.microsoft.com/office/drawing/2014/main" id="{7E941122-80C3-410F-B4B5-38B3C974463E}"/>
+                <a16:creationId xmlns:a16="http://schemas.microsoft.com/office/drawing/2014/main" xmlns="" id="{7E941122-80C3-410F-B4B5-38B3C974463E}"/>
               </a:ext>
             </a:extLst>
           </p:cNvPr>
@@ -3618,7 +3618,7 @@
           <p:cNvPr id="2" name="세로 제목 1">
             <a:extLst>
               <a:ext uri="{FF2B5EF4-FFF2-40B4-BE49-F238E27FC236}">
-                <a16:creationId xmlns="" xmlns:a16="http://schemas.microsoft.com/office/drawing/2014/main" id="{F39004B4-A2BB-4353-9490-3CFBF08BEECF}"/>
+                <a16:creationId xmlns:a16="http://schemas.microsoft.com/office/drawing/2014/main" xmlns="" id="{F39004B4-A2BB-4353-9490-3CFBF08BEECF}"/>
               </a:ext>
             </a:extLst>
           </p:cNvPr>
@@ -3651,7 +3651,7 @@
           <p:cNvPr id="3" name="세로 텍스트 개체 틀 2">
             <a:extLst>
               <a:ext uri="{FF2B5EF4-FFF2-40B4-BE49-F238E27FC236}">
-                <a16:creationId xmlns="" xmlns:a16="http://schemas.microsoft.com/office/drawing/2014/main" id="{17E252EA-6994-4BCF-9119-33B60AFB14F3}"/>
+                <a16:creationId xmlns:a16="http://schemas.microsoft.com/office/drawing/2014/main" xmlns="" id="{17E252EA-6994-4BCF-9119-33B60AFB14F3}"/>
               </a:ext>
             </a:extLst>
           </p:cNvPr>
@@ -3713,7 +3713,7 @@
           <p:cNvPr id="4" name="날짜 개체 틀 3">
             <a:extLst>
               <a:ext uri="{FF2B5EF4-FFF2-40B4-BE49-F238E27FC236}">
-                <a16:creationId xmlns="" xmlns:a16="http://schemas.microsoft.com/office/drawing/2014/main" id="{205F8584-D66D-4296-852C-CFABE2A758E0}"/>
+                <a16:creationId xmlns:a16="http://schemas.microsoft.com/office/drawing/2014/main" xmlns="" id="{205F8584-D66D-4296-852C-CFABE2A758E0}"/>
               </a:ext>
             </a:extLst>
           </p:cNvPr>
@@ -3755,7 +3755,7 @@
           <p:cNvPr id="5" name="바닥글 개체 틀 4">
             <a:extLst>
               <a:ext uri="{FF2B5EF4-FFF2-40B4-BE49-F238E27FC236}">
-                <a16:creationId xmlns="" xmlns:a16="http://schemas.microsoft.com/office/drawing/2014/main" id="{A78C3D8F-5F5B-47A5-9BBC-6F058C6ECD7E}"/>
+                <a16:creationId xmlns:a16="http://schemas.microsoft.com/office/drawing/2014/main" xmlns="" id="{A78C3D8F-5F5B-47A5-9BBC-6F058C6ECD7E}"/>
               </a:ext>
             </a:extLst>
           </p:cNvPr>
@@ -3786,7 +3786,7 @@
           <p:cNvPr id="6" name="슬라이드 번호 개체 틀 5">
             <a:extLst>
               <a:ext uri="{FF2B5EF4-FFF2-40B4-BE49-F238E27FC236}">
-                <a16:creationId xmlns="" xmlns:a16="http://schemas.microsoft.com/office/drawing/2014/main" id="{7E72ED3D-DC97-4CF5-A83F-A0F4CD5D3061}"/>
+                <a16:creationId xmlns:a16="http://schemas.microsoft.com/office/drawing/2014/main" xmlns="" id="{7E72ED3D-DC97-4CF5-A83F-A0F4CD5D3061}"/>
               </a:ext>
             </a:extLst>
           </p:cNvPr>
@@ -3858,7 +3858,7 @@
           <p:cNvPr id="2" name="제목 1">
             <a:extLst>
               <a:ext uri="{FF2B5EF4-FFF2-40B4-BE49-F238E27FC236}">
-                <a16:creationId xmlns="" xmlns:a16="http://schemas.microsoft.com/office/drawing/2014/main" id="{9E5E4632-E9C2-430D-8860-5B671341959C}"/>
+                <a16:creationId xmlns:a16="http://schemas.microsoft.com/office/drawing/2014/main" xmlns="" id="{9E5E4632-E9C2-430D-8860-5B671341959C}"/>
               </a:ext>
             </a:extLst>
           </p:cNvPr>
@@ -3895,7 +3895,7 @@
           <p:cNvPr id="3" name="부제목 2">
             <a:extLst>
               <a:ext uri="{FF2B5EF4-FFF2-40B4-BE49-F238E27FC236}">
-                <a16:creationId xmlns="" xmlns:a16="http://schemas.microsoft.com/office/drawing/2014/main" id="{8516A487-29F9-4EB6-A4BF-CF7F6C176945}"/>
+                <a16:creationId xmlns:a16="http://schemas.microsoft.com/office/drawing/2014/main" xmlns="" id="{8516A487-29F9-4EB6-A4BF-CF7F6C176945}"/>
               </a:ext>
             </a:extLst>
           </p:cNvPr>
@@ -3965,7 +3965,7 @@
           <p:cNvPr id="4" name="날짜 개체 틀 3">
             <a:extLst>
               <a:ext uri="{FF2B5EF4-FFF2-40B4-BE49-F238E27FC236}">
-                <a16:creationId xmlns="" xmlns:a16="http://schemas.microsoft.com/office/drawing/2014/main" id="{5458794D-BF22-4D43-9B43-3407B0731DF3}"/>
+                <a16:creationId xmlns:a16="http://schemas.microsoft.com/office/drawing/2014/main" xmlns="" id="{5458794D-BF22-4D43-9B43-3407B0731DF3}"/>
               </a:ext>
             </a:extLst>
           </p:cNvPr>
@@ -4007,7 +4007,7 @@
           <p:cNvPr id="5" name="바닥글 개체 틀 4">
             <a:extLst>
               <a:ext uri="{FF2B5EF4-FFF2-40B4-BE49-F238E27FC236}">
-                <a16:creationId xmlns="" xmlns:a16="http://schemas.microsoft.com/office/drawing/2014/main" id="{B1CF189C-4CDA-41C3-A048-F232B4C4B8D2}"/>
+                <a16:creationId xmlns:a16="http://schemas.microsoft.com/office/drawing/2014/main" xmlns="" id="{B1CF189C-4CDA-41C3-A048-F232B4C4B8D2}"/>
               </a:ext>
             </a:extLst>
           </p:cNvPr>
@@ -4038,7 +4038,7 @@
           <p:cNvPr id="6" name="슬라이드 번호 개체 틀 5">
             <a:extLst>
               <a:ext uri="{FF2B5EF4-FFF2-40B4-BE49-F238E27FC236}">
-                <a16:creationId xmlns="" xmlns:a16="http://schemas.microsoft.com/office/drawing/2014/main" id="{BAF061BA-CD52-4A93-9968-2D177FB0947C}"/>
+                <a16:creationId xmlns:a16="http://schemas.microsoft.com/office/drawing/2014/main" xmlns="" id="{BAF061BA-CD52-4A93-9968-2D177FB0947C}"/>
               </a:ext>
             </a:extLst>
           </p:cNvPr>
@@ -4110,7 +4110,7 @@
           <p:cNvPr id="2" name="제목 1">
             <a:extLst>
               <a:ext uri="{FF2B5EF4-FFF2-40B4-BE49-F238E27FC236}">
-                <a16:creationId xmlns="" xmlns:a16="http://schemas.microsoft.com/office/drawing/2014/main" id="{2478CD97-4610-41D5-9293-07E4F7EF8330}"/>
+                <a16:creationId xmlns:a16="http://schemas.microsoft.com/office/drawing/2014/main" xmlns="" id="{2478CD97-4610-41D5-9293-07E4F7EF8330}"/>
               </a:ext>
             </a:extLst>
           </p:cNvPr>
@@ -4138,7 +4138,7 @@
           <p:cNvPr id="3" name="내용 개체 틀 2">
             <a:extLst>
               <a:ext uri="{FF2B5EF4-FFF2-40B4-BE49-F238E27FC236}">
-                <a16:creationId xmlns="" xmlns:a16="http://schemas.microsoft.com/office/drawing/2014/main" id="{A4761A08-28DB-4E61-B23C-47F9FF94B03B}"/>
+                <a16:creationId xmlns:a16="http://schemas.microsoft.com/office/drawing/2014/main" xmlns="" id="{A4761A08-28DB-4E61-B23C-47F9FF94B03B}"/>
               </a:ext>
             </a:extLst>
           </p:cNvPr>
@@ -4195,7 +4195,7 @@
           <p:cNvPr id="4" name="날짜 개체 틀 3">
             <a:extLst>
               <a:ext uri="{FF2B5EF4-FFF2-40B4-BE49-F238E27FC236}">
-                <a16:creationId xmlns="" xmlns:a16="http://schemas.microsoft.com/office/drawing/2014/main" id="{8A0B1E4E-9D0C-4F38-8350-90F7893A1DD4}"/>
+                <a16:creationId xmlns:a16="http://schemas.microsoft.com/office/drawing/2014/main" xmlns="" id="{8A0B1E4E-9D0C-4F38-8350-90F7893A1DD4}"/>
               </a:ext>
             </a:extLst>
           </p:cNvPr>
@@ -4237,7 +4237,7 @@
           <p:cNvPr id="5" name="바닥글 개체 틀 4">
             <a:extLst>
               <a:ext uri="{FF2B5EF4-FFF2-40B4-BE49-F238E27FC236}">
-                <a16:creationId xmlns="" xmlns:a16="http://schemas.microsoft.com/office/drawing/2014/main" id="{3EB51119-FFCC-46AF-9F51-2823DEF4A6AF}"/>
+                <a16:creationId xmlns:a16="http://schemas.microsoft.com/office/drawing/2014/main" xmlns="" id="{3EB51119-FFCC-46AF-9F51-2823DEF4A6AF}"/>
               </a:ext>
             </a:extLst>
           </p:cNvPr>
@@ -4268,7 +4268,7 @@
           <p:cNvPr id="6" name="슬라이드 번호 개체 틀 5">
             <a:extLst>
               <a:ext uri="{FF2B5EF4-FFF2-40B4-BE49-F238E27FC236}">
-                <a16:creationId xmlns="" xmlns:a16="http://schemas.microsoft.com/office/drawing/2014/main" id="{5E5C2C86-356F-4ACF-9EEC-3B3D8462A39C}"/>
+                <a16:creationId xmlns:a16="http://schemas.microsoft.com/office/drawing/2014/main" xmlns="" id="{5E5C2C86-356F-4ACF-9EEC-3B3D8462A39C}"/>
               </a:ext>
             </a:extLst>
           </p:cNvPr>
@@ -4340,7 +4340,7 @@
           <p:cNvPr id="2" name="제목 1">
             <a:extLst>
               <a:ext uri="{FF2B5EF4-FFF2-40B4-BE49-F238E27FC236}">
-                <a16:creationId xmlns="" xmlns:a16="http://schemas.microsoft.com/office/drawing/2014/main" id="{DBF78962-7159-4DAF-9E07-D4AC9AFA9BC1}"/>
+                <a16:creationId xmlns:a16="http://schemas.microsoft.com/office/drawing/2014/main" xmlns="" id="{DBF78962-7159-4DAF-9E07-D4AC9AFA9BC1}"/>
               </a:ext>
             </a:extLst>
           </p:cNvPr>
@@ -4377,7 +4377,7 @@
           <p:cNvPr id="3" name="텍스트 개체 틀 2">
             <a:extLst>
               <a:ext uri="{FF2B5EF4-FFF2-40B4-BE49-F238E27FC236}">
-                <a16:creationId xmlns="" xmlns:a16="http://schemas.microsoft.com/office/drawing/2014/main" id="{FAB5D699-135E-49BA-9606-CB890CD5D6CE}"/>
+                <a16:creationId xmlns:a16="http://schemas.microsoft.com/office/drawing/2014/main" xmlns="" id="{FAB5D699-135E-49BA-9606-CB890CD5D6CE}"/>
               </a:ext>
             </a:extLst>
           </p:cNvPr>
@@ -4502,7 +4502,7 @@
           <p:cNvPr id="4" name="날짜 개체 틀 3">
             <a:extLst>
               <a:ext uri="{FF2B5EF4-FFF2-40B4-BE49-F238E27FC236}">
-                <a16:creationId xmlns="" xmlns:a16="http://schemas.microsoft.com/office/drawing/2014/main" id="{3717AFA4-E80B-48F1-B566-3D5FA0DCC2E5}"/>
+                <a16:creationId xmlns:a16="http://schemas.microsoft.com/office/drawing/2014/main" xmlns="" id="{3717AFA4-E80B-48F1-B566-3D5FA0DCC2E5}"/>
               </a:ext>
             </a:extLst>
           </p:cNvPr>
@@ -4544,7 +4544,7 @@
           <p:cNvPr id="5" name="바닥글 개체 틀 4">
             <a:extLst>
               <a:ext uri="{FF2B5EF4-FFF2-40B4-BE49-F238E27FC236}">
-                <a16:creationId xmlns="" xmlns:a16="http://schemas.microsoft.com/office/drawing/2014/main" id="{530C7227-51F8-4DD4-93DC-2046C220BC2B}"/>
+                <a16:creationId xmlns:a16="http://schemas.microsoft.com/office/drawing/2014/main" xmlns="" id="{530C7227-51F8-4DD4-93DC-2046C220BC2B}"/>
               </a:ext>
             </a:extLst>
           </p:cNvPr>
@@ -4575,7 +4575,7 @@
           <p:cNvPr id="6" name="슬라이드 번호 개체 틀 5">
             <a:extLst>
               <a:ext uri="{FF2B5EF4-FFF2-40B4-BE49-F238E27FC236}">
-                <a16:creationId xmlns="" xmlns:a16="http://schemas.microsoft.com/office/drawing/2014/main" id="{CF23AE0C-87AE-419F-8C21-C05064D5F98B}"/>
+                <a16:creationId xmlns:a16="http://schemas.microsoft.com/office/drawing/2014/main" xmlns="" id="{CF23AE0C-87AE-419F-8C21-C05064D5F98B}"/>
               </a:ext>
             </a:extLst>
           </p:cNvPr>
@@ -4647,7 +4647,7 @@
           <p:cNvPr id="2" name="제목 1">
             <a:extLst>
               <a:ext uri="{FF2B5EF4-FFF2-40B4-BE49-F238E27FC236}">
-                <a16:creationId xmlns="" xmlns:a16="http://schemas.microsoft.com/office/drawing/2014/main" id="{EF53F05C-1B53-4997-8D4F-574B40BFB6D2}"/>
+                <a16:creationId xmlns:a16="http://schemas.microsoft.com/office/drawing/2014/main" xmlns="" id="{EF53F05C-1B53-4997-8D4F-574B40BFB6D2}"/>
               </a:ext>
             </a:extLst>
           </p:cNvPr>
@@ -4675,7 +4675,7 @@
           <p:cNvPr id="3" name="내용 개체 틀 2">
             <a:extLst>
               <a:ext uri="{FF2B5EF4-FFF2-40B4-BE49-F238E27FC236}">
-                <a16:creationId xmlns="" xmlns:a16="http://schemas.microsoft.com/office/drawing/2014/main" id="{F2EE759F-A91E-45FB-BC0F-52B204A43CE5}"/>
+                <a16:creationId xmlns:a16="http://schemas.microsoft.com/office/drawing/2014/main" xmlns="" id="{F2EE759F-A91E-45FB-BC0F-52B204A43CE5}"/>
               </a:ext>
             </a:extLst>
           </p:cNvPr>
@@ -4737,7 +4737,7 @@
           <p:cNvPr id="4" name="내용 개체 틀 3">
             <a:extLst>
               <a:ext uri="{FF2B5EF4-FFF2-40B4-BE49-F238E27FC236}">
-                <a16:creationId xmlns="" xmlns:a16="http://schemas.microsoft.com/office/drawing/2014/main" id="{CBA814ED-B083-468B-A3B1-B0834E8C8212}"/>
+                <a16:creationId xmlns:a16="http://schemas.microsoft.com/office/drawing/2014/main" xmlns="" id="{CBA814ED-B083-468B-A3B1-B0834E8C8212}"/>
               </a:ext>
             </a:extLst>
           </p:cNvPr>
@@ -4799,7 +4799,7 @@
           <p:cNvPr id="5" name="날짜 개체 틀 4">
             <a:extLst>
               <a:ext uri="{FF2B5EF4-FFF2-40B4-BE49-F238E27FC236}">
-                <a16:creationId xmlns="" xmlns:a16="http://schemas.microsoft.com/office/drawing/2014/main" id="{877DEBD2-BAE9-4C14-A7E8-517148C14EED}"/>
+                <a16:creationId xmlns:a16="http://schemas.microsoft.com/office/drawing/2014/main" xmlns="" id="{877DEBD2-BAE9-4C14-A7E8-517148C14EED}"/>
               </a:ext>
             </a:extLst>
           </p:cNvPr>
@@ -4841,7 +4841,7 @@
           <p:cNvPr id="6" name="바닥글 개체 틀 5">
             <a:extLst>
               <a:ext uri="{FF2B5EF4-FFF2-40B4-BE49-F238E27FC236}">
-                <a16:creationId xmlns="" xmlns:a16="http://schemas.microsoft.com/office/drawing/2014/main" id="{2F72D31F-47DB-4B78-B8CC-AB9D0A4DCEC0}"/>
+                <a16:creationId xmlns:a16="http://schemas.microsoft.com/office/drawing/2014/main" xmlns="" id="{2F72D31F-47DB-4B78-B8CC-AB9D0A4DCEC0}"/>
               </a:ext>
             </a:extLst>
           </p:cNvPr>
@@ -4872,7 +4872,7 @@
           <p:cNvPr id="7" name="슬라이드 번호 개체 틀 6">
             <a:extLst>
               <a:ext uri="{FF2B5EF4-FFF2-40B4-BE49-F238E27FC236}">
-                <a16:creationId xmlns="" xmlns:a16="http://schemas.microsoft.com/office/drawing/2014/main" id="{F1B67971-49C1-46A6-BFE1-F14E5E9F87CF}"/>
+                <a16:creationId xmlns:a16="http://schemas.microsoft.com/office/drawing/2014/main" xmlns="" id="{F1B67971-49C1-46A6-BFE1-F14E5E9F87CF}"/>
               </a:ext>
             </a:extLst>
           </p:cNvPr>
@@ -4944,7 +4944,7 @@
           <p:cNvPr id="2" name="제목 1">
             <a:extLst>
               <a:ext uri="{FF2B5EF4-FFF2-40B4-BE49-F238E27FC236}">
-                <a16:creationId xmlns="" xmlns:a16="http://schemas.microsoft.com/office/drawing/2014/main" id="{E54246B1-789C-445A-A33C-EE193AF6AB31}"/>
+                <a16:creationId xmlns:a16="http://schemas.microsoft.com/office/drawing/2014/main" xmlns="" id="{E54246B1-789C-445A-A33C-EE193AF6AB31}"/>
               </a:ext>
             </a:extLst>
           </p:cNvPr>
@@ -4977,7 +4977,7 @@
           <p:cNvPr id="3" name="텍스트 개체 틀 2">
             <a:extLst>
               <a:ext uri="{FF2B5EF4-FFF2-40B4-BE49-F238E27FC236}">
-                <a16:creationId xmlns="" xmlns:a16="http://schemas.microsoft.com/office/drawing/2014/main" id="{C60DCCE6-A432-4D2A-810A-99E8AFAD1DD0}"/>
+                <a16:creationId xmlns:a16="http://schemas.microsoft.com/office/drawing/2014/main" xmlns="" id="{C60DCCE6-A432-4D2A-810A-99E8AFAD1DD0}"/>
               </a:ext>
             </a:extLst>
           </p:cNvPr>
@@ -5048,7 +5048,7 @@
           <p:cNvPr id="4" name="내용 개체 틀 3">
             <a:extLst>
               <a:ext uri="{FF2B5EF4-FFF2-40B4-BE49-F238E27FC236}">
-                <a16:creationId xmlns="" xmlns:a16="http://schemas.microsoft.com/office/drawing/2014/main" id="{16D0CEB2-1187-4252-AD05-8D872A1D3F3F}"/>
+                <a16:creationId xmlns:a16="http://schemas.microsoft.com/office/drawing/2014/main" xmlns="" id="{16D0CEB2-1187-4252-AD05-8D872A1D3F3F}"/>
               </a:ext>
             </a:extLst>
           </p:cNvPr>
@@ -5110,7 +5110,7 @@
           <p:cNvPr id="5" name="텍스트 개체 틀 4">
             <a:extLst>
               <a:ext uri="{FF2B5EF4-FFF2-40B4-BE49-F238E27FC236}">
-                <a16:creationId xmlns="" xmlns:a16="http://schemas.microsoft.com/office/drawing/2014/main" id="{5AE31809-3F66-4FEC-8D60-2F4D07A12196}"/>
+                <a16:creationId xmlns:a16="http://schemas.microsoft.com/office/drawing/2014/main" xmlns="" id="{5AE31809-3F66-4FEC-8D60-2F4D07A12196}"/>
               </a:ext>
             </a:extLst>
           </p:cNvPr>
@@ -5181,7 +5181,7 @@
           <p:cNvPr id="6" name="내용 개체 틀 5">
             <a:extLst>
               <a:ext uri="{FF2B5EF4-FFF2-40B4-BE49-F238E27FC236}">
-                <a16:creationId xmlns="" xmlns:a16="http://schemas.microsoft.com/office/drawing/2014/main" id="{A23AB223-7027-45B7-A59D-E463A79FDDD7}"/>
+                <a16:creationId xmlns:a16="http://schemas.microsoft.com/office/drawing/2014/main" xmlns="" id="{A23AB223-7027-45B7-A59D-E463A79FDDD7}"/>
               </a:ext>
             </a:extLst>
           </p:cNvPr>
@@ -5243,7 +5243,7 @@
           <p:cNvPr id="7" name="날짜 개체 틀 6">
             <a:extLst>
               <a:ext uri="{FF2B5EF4-FFF2-40B4-BE49-F238E27FC236}">
-                <a16:creationId xmlns="" xmlns:a16="http://schemas.microsoft.com/office/drawing/2014/main" id="{D2A2B8DD-7358-465C-8CC1-F71D7DE0E812}"/>
+                <a16:creationId xmlns:a16="http://schemas.microsoft.com/office/drawing/2014/main" xmlns="" id="{D2A2B8DD-7358-465C-8CC1-F71D7DE0E812}"/>
               </a:ext>
             </a:extLst>
           </p:cNvPr>
@@ -5285,7 +5285,7 @@
           <p:cNvPr id="8" name="바닥글 개체 틀 7">
             <a:extLst>
               <a:ext uri="{FF2B5EF4-FFF2-40B4-BE49-F238E27FC236}">
-                <a16:creationId xmlns="" xmlns:a16="http://schemas.microsoft.com/office/drawing/2014/main" id="{0D010038-A30A-4B64-BB25-7C3590F3E110}"/>
+                <a16:creationId xmlns:a16="http://schemas.microsoft.com/office/drawing/2014/main" xmlns="" id="{0D010038-A30A-4B64-BB25-7C3590F3E110}"/>
               </a:ext>
             </a:extLst>
           </p:cNvPr>
@@ -5316,7 +5316,7 @@
           <p:cNvPr id="9" name="슬라이드 번호 개체 틀 8">
             <a:extLst>
               <a:ext uri="{FF2B5EF4-FFF2-40B4-BE49-F238E27FC236}">
-                <a16:creationId xmlns="" xmlns:a16="http://schemas.microsoft.com/office/drawing/2014/main" id="{65054B27-799F-4A0D-8BE0-631E52465DC1}"/>
+                <a16:creationId xmlns:a16="http://schemas.microsoft.com/office/drawing/2014/main" xmlns="" id="{65054B27-799F-4A0D-8BE0-631E52465DC1}"/>
               </a:ext>
             </a:extLst>
           </p:cNvPr>
@@ -5388,7 +5388,7 @@
           <p:cNvPr id="2" name="제목 1">
             <a:extLst>
               <a:ext uri="{FF2B5EF4-FFF2-40B4-BE49-F238E27FC236}">
-                <a16:creationId xmlns="" xmlns:a16="http://schemas.microsoft.com/office/drawing/2014/main" id="{C485E51C-A240-4608-92DA-E50F807F41C0}"/>
+                <a16:creationId xmlns:a16="http://schemas.microsoft.com/office/drawing/2014/main" xmlns="" id="{C485E51C-A240-4608-92DA-E50F807F41C0}"/>
               </a:ext>
             </a:extLst>
           </p:cNvPr>
@@ -5416,7 +5416,7 @@
           <p:cNvPr id="3" name="날짜 개체 틀 2">
             <a:extLst>
               <a:ext uri="{FF2B5EF4-FFF2-40B4-BE49-F238E27FC236}">
-                <a16:creationId xmlns="" xmlns:a16="http://schemas.microsoft.com/office/drawing/2014/main" id="{2B851E15-AFBE-4FC3-8B78-027D54EB8877}"/>
+                <a16:creationId xmlns:a16="http://schemas.microsoft.com/office/drawing/2014/main" xmlns="" id="{2B851E15-AFBE-4FC3-8B78-027D54EB8877}"/>
               </a:ext>
             </a:extLst>
           </p:cNvPr>
@@ -5458,7 +5458,7 @@
           <p:cNvPr id="4" name="바닥글 개체 틀 3">
             <a:extLst>
               <a:ext uri="{FF2B5EF4-FFF2-40B4-BE49-F238E27FC236}">
-                <a16:creationId xmlns="" xmlns:a16="http://schemas.microsoft.com/office/drawing/2014/main" id="{5FEBB580-75E4-48D4-AEF3-E10C58CF6EA4}"/>
+                <a16:creationId xmlns:a16="http://schemas.microsoft.com/office/drawing/2014/main" xmlns="" id="{5FEBB580-75E4-48D4-AEF3-E10C58CF6EA4}"/>
               </a:ext>
             </a:extLst>
           </p:cNvPr>
@@ -5489,7 +5489,7 @@
           <p:cNvPr id="5" name="슬라이드 번호 개체 틀 4">
             <a:extLst>
               <a:ext uri="{FF2B5EF4-FFF2-40B4-BE49-F238E27FC236}">
-                <a16:creationId xmlns="" xmlns:a16="http://schemas.microsoft.com/office/drawing/2014/main" id="{BF32AC2E-0C50-4FB0-8820-A7AC6BDE4173}"/>
+                <a16:creationId xmlns:a16="http://schemas.microsoft.com/office/drawing/2014/main" xmlns="" id="{BF32AC2E-0C50-4FB0-8820-A7AC6BDE4173}"/>
               </a:ext>
             </a:extLst>
           </p:cNvPr>
@@ -5561,7 +5561,7 @@
           <p:cNvPr id="2" name="날짜 개체 틀 1">
             <a:extLst>
               <a:ext uri="{FF2B5EF4-FFF2-40B4-BE49-F238E27FC236}">
-                <a16:creationId xmlns="" xmlns:a16="http://schemas.microsoft.com/office/drawing/2014/main" id="{2C192448-72D9-4BA8-A3A5-9279810622F2}"/>
+                <a16:creationId xmlns:a16="http://schemas.microsoft.com/office/drawing/2014/main" xmlns="" id="{2C192448-72D9-4BA8-A3A5-9279810622F2}"/>
               </a:ext>
             </a:extLst>
           </p:cNvPr>
@@ -5603,7 +5603,7 @@
           <p:cNvPr id="3" name="바닥글 개체 틀 2">
             <a:extLst>
               <a:ext uri="{FF2B5EF4-FFF2-40B4-BE49-F238E27FC236}">
-                <a16:creationId xmlns="" xmlns:a16="http://schemas.microsoft.com/office/drawing/2014/main" id="{6A464358-B5B5-49B6-9CA3-2BE74CF87DC8}"/>
+                <a16:creationId xmlns:a16="http://schemas.microsoft.com/office/drawing/2014/main" xmlns="" id="{6A464358-B5B5-49B6-9CA3-2BE74CF87DC8}"/>
               </a:ext>
             </a:extLst>
           </p:cNvPr>
@@ -5634,7 +5634,7 @@
           <p:cNvPr id="4" name="슬라이드 번호 개체 틀 3">
             <a:extLst>
               <a:ext uri="{FF2B5EF4-FFF2-40B4-BE49-F238E27FC236}">
-                <a16:creationId xmlns="" xmlns:a16="http://schemas.microsoft.com/office/drawing/2014/main" id="{5B606F01-6E92-4C16-A968-94433D122A35}"/>
+                <a16:creationId xmlns:a16="http://schemas.microsoft.com/office/drawing/2014/main" xmlns="" id="{5B606F01-6E92-4C16-A968-94433D122A35}"/>
               </a:ext>
             </a:extLst>
           </p:cNvPr>
@@ -5951,7 +5951,7 @@
           <p:cNvPr id="2" name="제목 1">
             <a:extLst>
               <a:ext uri="{FF2B5EF4-FFF2-40B4-BE49-F238E27FC236}">
-                <a16:creationId xmlns="" xmlns:a16="http://schemas.microsoft.com/office/drawing/2014/main" id="{78C9915E-4301-4868-A5EC-6F607A83BF22}"/>
+                <a16:creationId xmlns:a16="http://schemas.microsoft.com/office/drawing/2014/main" xmlns="" id="{78C9915E-4301-4868-A5EC-6F607A83BF22}"/>
               </a:ext>
             </a:extLst>
           </p:cNvPr>
@@ -5988,7 +5988,7 @@
           <p:cNvPr id="3" name="내용 개체 틀 2">
             <a:extLst>
               <a:ext uri="{FF2B5EF4-FFF2-40B4-BE49-F238E27FC236}">
-                <a16:creationId xmlns="" xmlns:a16="http://schemas.microsoft.com/office/drawing/2014/main" id="{4507BFFD-DC79-4CFE-A2B2-BACA06190953}"/>
+                <a16:creationId xmlns:a16="http://schemas.microsoft.com/office/drawing/2014/main" xmlns="" id="{4507BFFD-DC79-4CFE-A2B2-BACA06190953}"/>
               </a:ext>
             </a:extLst>
           </p:cNvPr>
@@ -6078,7 +6078,7 @@
           <p:cNvPr id="4" name="텍스트 개체 틀 3">
             <a:extLst>
               <a:ext uri="{FF2B5EF4-FFF2-40B4-BE49-F238E27FC236}">
-                <a16:creationId xmlns="" xmlns:a16="http://schemas.microsoft.com/office/drawing/2014/main" id="{9A00C531-2EB8-4478-9A6C-4CD6FE675072}"/>
+                <a16:creationId xmlns:a16="http://schemas.microsoft.com/office/drawing/2014/main" xmlns="" id="{9A00C531-2EB8-4478-9A6C-4CD6FE675072}"/>
               </a:ext>
             </a:extLst>
           </p:cNvPr>
@@ -6149,7 +6149,7 @@
           <p:cNvPr id="5" name="날짜 개체 틀 4">
             <a:extLst>
               <a:ext uri="{FF2B5EF4-FFF2-40B4-BE49-F238E27FC236}">
-                <a16:creationId xmlns="" xmlns:a16="http://schemas.microsoft.com/office/drawing/2014/main" id="{8B9102F9-10D2-4689-A3F0-BD4C609347E9}"/>
+                <a16:creationId xmlns:a16="http://schemas.microsoft.com/office/drawing/2014/main" xmlns="" id="{8B9102F9-10D2-4689-A3F0-BD4C609347E9}"/>
               </a:ext>
             </a:extLst>
           </p:cNvPr>
@@ -6191,7 +6191,7 @@
           <p:cNvPr id="6" name="바닥글 개체 틀 5">
             <a:extLst>
               <a:ext uri="{FF2B5EF4-FFF2-40B4-BE49-F238E27FC236}">
-                <a16:creationId xmlns="" xmlns:a16="http://schemas.microsoft.com/office/drawing/2014/main" id="{D7F39764-04A1-4A55-9A18-7F042A006344}"/>
+                <a16:creationId xmlns:a16="http://schemas.microsoft.com/office/drawing/2014/main" xmlns="" id="{D7F39764-04A1-4A55-9A18-7F042A006344}"/>
               </a:ext>
             </a:extLst>
           </p:cNvPr>
@@ -6222,7 +6222,7 @@
           <p:cNvPr id="7" name="슬라이드 번호 개체 틀 6">
             <a:extLst>
               <a:ext uri="{FF2B5EF4-FFF2-40B4-BE49-F238E27FC236}">
-                <a16:creationId xmlns="" xmlns:a16="http://schemas.microsoft.com/office/drawing/2014/main" id="{34225F41-6CDF-4265-BBB3-81FCF28FB82A}"/>
+                <a16:creationId xmlns:a16="http://schemas.microsoft.com/office/drawing/2014/main" xmlns="" id="{34225F41-6CDF-4265-BBB3-81FCF28FB82A}"/>
               </a:ext>
             </a:extLst>
           </p:cNvPr>
@@ -6294,7 +6294,7 @@
           <p:cNvPr id="2" name="제목 1">
             <a:extLst>
               <a:ext uri="{FF2B5EF4-FFF2-40B4-BE49-F238E27FC236}">
-                <a16:creationId xmlns="" xmlns:a16="http://schemas.microsoft.com/office/drawing/2014/main" id="{E1595260-FA6D-4888-ADF7-F499EEC9CAF3}"/>
+                <a16:creationId xmlns:a16="http://schemas.microsoft.com/office/drawing/2014/main" xmlns="" id="{E1595260-FA6D-4888-ADF7-F499EEC9CAF3}"/>
               </a:ext>
             </a:extLst>
           </p:cNvPr>
@@ -6331,7 +6331,7 @@
           <p:cNvPr id="3" name="그림 개체 틀 2">
             <a:extLst>
               <a:ext uri="{FF2B5EF4-FFF2-40B4-BE49-F238E27FC236}">
-                <a16:creationId xmlns="" xmlns:a16="http://schemas.microsoft.com/office/drawing/2014/main" id="{83A50628-D8CA-4077-960A-F39CE72B43AC}"/>
+                <a16:creationId xmlns:a16="http://schemas.microsoft.com/office/drawing/2014/main" xmlns="" id="{83A50628-D8CA-4077-960A-F39CE72B43AC}"/>
               </a:ext>
             </a:extLst>
           </p:cNvPr>
@@ -6398,7 +6398,7 @@
           <p:cNvPr id="4" name="텍스트 개체 틀 3">
             <a:extLst>
               <a:ext uri="{FF2B5EF4-FFF2-40B4-BE49-F238E27FC236}">
-                <a16:creationId xmlns="" xmlns:a16="http://schemas.microsoft.com/office/drawing/2014/main" id="{19E7AA03-FBD8-4A50-A92B-5AC38CFD2159}"/>
+                <a16:creationId xmlns:a16="http://schemas.microsoft.com/office/drawing/2014/main" xmlns="" id="{19E7AA03-FBD8-4A50-A92B-5AC38CFD2159}"/>
               </a:ext>
             </a:extLst>
           </p:cNvPr>
@@ -6469,7 +6469,7 @@
           <p:cNvPr id="5" name="날짜 개체 틀 4">
             <a:extLst>
               <a:ext uri="{FF2B5EF4-FFF2-40B4-BE49-F238E27FC236}">
-                <a16:creationId xmlns="" xmlns:a16="http://schemas.microsoft.com/office/drawing/2014/main" id="{68D9E59A-44BD-4C8B-A629-A61BC819DCDC}"/>
+                <a16:creationId xmlns:a16="http://schemas.microsoft.com/office/drawing/2014/main" xmlns="" id="{68D9E59A-44BD-4C8B-A629-A61BC819DCDC}"/>
               </a:ext>
             </a:extLst>
           </p:cNvPr>
@@ -6511,7 +6511,7 @@
           <p:cNvPr id="6" name="바닥글 개체 틀 5">
             <a:extLst>
               <a:ext uri="{FF2B5EF4-FFF2-40B4-BE49-F238E27FC236}">
-                <a16:creationId xmlns="" xmlns:a16="http://schemas.microsoft.com/office/drawing/2014/main" id="{1D2B7321-A165-476B-A4ED-83B774277E09}"/>
+                <a16:creationId xmlns:a16="http://schemas.microsoft.com/office/drawing/2014/main" xmlns="" id="{1D2B7321-A165-476B-A4ED-83B774277E09}"/>
               </a:ext>
             </a:extLst>
           </p:cNvPr>
@@ -6542,7 +6542,7 @@
           <p:cNvPr id="7" name="슬라이드 번호 개체 틀 6">
             <a:extLst>
               <a:ext uri="{FF2B5EF4-FFF2-40B4-BE49-F238E27FC236}">
-                <a16:creationId xmlns="" xmlns:a16="http://schemas.microsoft.com/office/drawing/2014/main" id="{07F02D81-149F-45ED-BBC5-576EF0493F03}"/>
+                <a16:creationId xmlns:a16="http://schemas.microsoft.com/office/drawing/2014/main" xmlns="" id="{07F02D81-149F-45ED-BBC5-576EF0493F03}"/>
               </a:ext>
             </a:extLst>
           </p:cNvPr>
@@ -6614,7 +6614,7 @@
           <p:cNvPr id="2" name="제목 1">
             <a:extLst>
               <a:ext uri="{FF2B5EF4-FFF2-40B4-BE49-F238E27FC236}">
-                <a16:creationId xmlns="" xmlns:a16="http://schemas.microsoft.com/office/drawing/2014/main" id="{C7E2F226-2DB6-4832-A3E8-E1A82BC8412B}"/>
+                <a16:creationId xmlns:a16="http://schemas.microsoft.com/office/drawing/2014/main" xmlns="" id="{C7E2F226-2DB6-4832-A3E8-E1A82BC8412B}"/>
               </a:ext>
             </a:extLst>
           </p:cNvPr>
@@ -6642,7 +6642,7 @@
           <p:cNvPr id="3" name="세로 텍스트 개체 틀 2">
             <a:extLst>
               <a:ext uri="{FF2B5EF4-FFF2-40B4-BE49-F238E27FC236}">
-                <a16:creationId xmlns="" xmlns:a16="http://schemas.microsoft.com/office/drawing/2014/main" id="{35E32266-CD01-4901-8FE7-5010FC0706F7}"/>
+                <a16:creationId xmlns:a16="http://schemas.microsoft.com/office/drawing/2014/main" xmlns="" id="{35E32266-CD01-4901-8FE7-5010FC0706F7}"/>
               </a:ext>
             </a:extLst>
           </p:cNvPr>
@@ -6699,7 +6699,7 @@
           <p:cNvPr id="4" name="날짜 개체 틀 3">
             <a:extLst>
               <a:ext uri="{FF2B5EF4-FFF2-40B4-BE49-F238E27FC236}">
-                <a16:creationId xmlns="" xmlns:a16="http://schemas.microsoft.com/office/drawing/2014/main" id="{8918B274-9924-4562-A19B-0EF8383C8F5F}"/>
+                <a16:creationId xmlns:a16="http://schemas.microsoft.com/office/drawing/2014/main" xmlns="" id="{8918B274-9924-4562-A19B-0EF8383C8F5F}"/>
               </a:ext>
             </a:extLst>
           </p:cNvPr>
@@ -6741,7 +6741,7 @@
           <p:cNvPr id="5" name="바닥글 개체 틀 4">
             <a:extLst>
               <a:ext uri="{FF2B5EF4-FFF2-40B4-BE49-F238E27FC236}">
-                <a16:creationId xmlns="" xmlns:a16="http://schemas.microsoft.com/office/drawing/2014/main" id="{48ABDFFA-1327-4FDA-A13E-DCF7D4AB5F2C}"/>
+                <a16:creationId xmlns:a16="http://schemas.microsoft.com/office/drawing/2014/main" xmlns="" id="{48ABDFFA-1327-4FDA-A13E-DCF7D4AB5F2C}"/>
               </a:ext>
             </a:extLst>
           </p:cNvPr>
@@ -6772,7 +6772,7 @@
           <p:cNvPr id="6" name="슬라이드 번호 개체 틀 5">
             <a:extLst>
               <a:ext uri="{FF2B5EF4-FFF2-40B4-BE49-F238E27FC236}">
-                <a16:creationId xmlns="" xmlns:a16="http://schemas.microsoft.com/office/drawing/2014/main" id="{7E941122-80C3-410F-B4B5-38B3C974463E}"/>
+                <a16:creationId xmlns:a16="http://schemas.microsoft.com/office/drawing/2014/main" xmlns="" id="{7E941122-80C3-410F-B4B5-38B3C974463E}"/>
               </a:ext>
             </a:extLst>
           </p:cNvPr>
@@ -6844,7 +6844,7 @@
           <p:cNvPr id="2" name="세로 제목 1">
             <a:extLst>
               <a:ext uri="{FF2B5EF4-FFF2-40B4-BE49-F238E27FC236}">
-                <a16:creationId xmlns="" xmlns:a16="http://schemas.microsoft.com/office/drawing/2014/main" id="{F39004B4-A2BB-4353-9490-3CFBF08BEECF}"/>
+                <a16:creationId xmlns:a16="http://schemas.microsoft.com/office/drawing/2014/main" xmlns="" id="{F39004B4-A2BB-4353-9490-3CFBF08BEECF}"/>
               </a:ext>
             </a:extLst>
           </p:cNvPr>
@@ -6877,7 +6877,7 @@
           <p:cNvPr id="3" name="세로 텍스트 개체 틀 2">
             <a:extLst>
               <a:ext uri="{FF2B5EF4-FFF2-40B4-BE49-F238E27FC236}">
-                <a16:creationId xmlns="" xmlns:a16="http://schemas.microsoft.com/office/drawing/2014/main" id="{17E252EA-6994-4BCF-9119-33B60AFB14F3}"/>
+                <a16:creationId xmlns:a16="http://schemas.microsoft.com/office/drawing/2014/main" xmlns="" id="{17E252EA-6994-4BCF-9119-33B60AFB14F3}"/>
               </a:ext>
             </a:extLst>
           </p:cNvPr>
@@ -6939,7 +6939,7 @@
           <p:cNvPr id="4" name="날짜 개체 틀 3">
             <a:extLst>
               <a:ext uri="{FF2B5EF4-FFF2-40B4-BE49-F238E27FC236}">
-                <a16:creationId xmlns="" xmlns:a16="http://schemas.microsoft.com/office/drawing/2014/main" id="{205F8584-D66D-4296-852C-CFABE2A758E0}"/>
+                <a16:creationId xmlns:a16="http://schemas.microsoft.com/office/drawing/2014/main" xmlns="" id="{205F8584-D66D-4296-852C-CFABE2A758E0}"/>
               </a:ext>
             </a:extLst>
           </p:cNvPr>
@@ -6981,7 +6981,7 @@
           <p:cNvPr id="5" name="바닥글 개체 틀 4">
             <a:extLst>
               <a:ext uri="{FF2B5EF4-FFF2-40B4-BE49-F238E27FC236}">
-                <a16:creationId xmlns="" xmlns:a16="http://schemas.microsoft.com/office/drawing/2014/main" id="{A78C3D8F-5F5B-47A5-9BBC-6F058C6ECD7E}"/>
+                <a16:creationId xmlns:a16="http://schemas.microsoft.com/office/drawing/2014/main" xmlns="" id="{A78C3D8F-5F5B-47A5-9BBC-6F058C6ECD7E}"/>
               </a:ext>
             </a:extLst>
           </p:cNvPr>
@@ -7012,7 +7012,7 @@
           <p:cNvPr id="6" name="슬라이드 번호 개체 틀 5">
             <a:extLst>
               <a:ext uri="{FF2B5EF4-FFF2-40B4-BE49-F238E27FC236}">
-                <a16:creationId xmlns="" xmlns:a16="http://schemas.microsoft.com/office/drawing/2014/main" id="{7E72ED3D-DC97-4CF5-A83F-A0F4CD5D3061}"/>
+                <a16:creationId xmlns:a16="http://schemas.microsoft.com/office/drawing/2014/main" xmlns="" id="{7E72ED3D-DC97-4CF5-A83F-A0F4CD5D3061}"/>
               </a:ext>
             </a:extLst>
           </p:cNvPr>
@@ -8959,7 +8959,7 @@
           <p:cNvPr id="2" name="제목 개체 틀 1">
             <a:extLst>
               <a:ext uri="{FF2B5EF4-FFF2-40B4-BE49-F238E27FC236}">
-                <a16:creationId xmlns="" xmlns:a16="http://schemas.microsoft.com/office/drawing/2014/main" id="{738525D4-1253-4608-9D52-B7981AC4FCC8}"/>
+                <a16:creationId xmlns:a16="http://schemas.microsoft.com/office/drawing/2014/main" xmlns="" id="{738525D4-1253-4608-9D52-B7981AC4FCC8}"/>
               </a:ext>
             </a:extLst>
           </p:cNvPr>
@@ -8997,7 +8997,7 @@
           <p:cNvPr id="3" name="텍스트 개체 틀 2">
             <a:extLst>
               <a:ext uri="{FF2B5EF4-FFF2-40B4-BE49-F238E27FC236}">
-                <a16:creationId xmlns="" xmlns:a16="http://schemas.microsoft.com/office/drawing/2014/main" id="{0D5AEAAA-7600-4903-ACEF-1D36CDCD268E}"/>
+                <a16:creationId xmlns:a16="http://schemas.microsoft.com/office/drawing/2014/main" xmlns="" id="{0D5AEAAA-7600-4903-ACEF-1D36CDCD268E}"/>
               </a:ext>
             </a:extLst>
           </p:cNvPr>
@@ -9064,7 +9064,7 @@
           <p:cNvPr id="4" name="날짜 개체 틀 3">
             <a:extLst>
               <a:ext uri="{FF2B5EF4-FFF2-40B4-BE49-F238E27FC236}">
-                <a16:creationId xmlns="" xmlns:a16="http://schemas.microsoft.com/office/drawing/2014/main" id="{4DC8EC6A-27D7-4EF9-B45D-C2D39B14F126}"/>
+                <a16:creationId xmlns:a16="http://schemas.microsoft.com/office/drawing/2014/main" xmlns="" id="{4DC8EC6A-27D7-4EF9-B45D-C2D39B14F126}"/>
               </a:ext>
             </a:extLst>
           </p:cNvPr>
@@ -9124,7 +9124,7 @@
           <p:cNvPr id="5" name="바닥글 개체 틀 4">
             <a:extLst>
               <a:ext uri="{FF2B5EF4-FFF2-40B4-BE49-F238E27FC236}">
-                <a16:creationId xmlns="" xmlns:a16="http://schemas.microsoft.com/office/drawing/2014/main" id="{260EB541-017D-4B3F-9895-2DFE884EA7DA}"/>
+                <a16:creationId xmlns:a16="http://schemas.microsoft.com/office/drawing/2014/main" xmlns="" id="{260EB541-017D-4B3F-9895-2DFE884EA7DA}"/>
               </a:ext>
             </a:extLst>
           </p:cNvPr>
@@ -9173,7 +9173,7 @@
           <p:cNvPr id="6" name="슬라이드 번호 개체 틀 5">
             <a:extLst>
               <a:ext uri="{FF2B5EF4-FFF2-40B4-BE49-F238E27FC236}">
-                <a16:creationId xmlns="" xmlns:a16="http://schemas.microsoft.com/office/drawing/2014/main" id="{51440F6D-AE56-4BC9-B00D-4A215980C939}"/>
+                <a16:creationId xmlns:a16="http://schemas.microsoft.com/office/drawing/2014/main" xmlns="" id="{51440F6D-AE56-4BC9-B00D-4A215980C939}"/>
               </a:ext>
             </a:extLst>
           </p:cNvPr>
@@ -9559,7 +9559,7 @@
           <p:cNvPr id="2" name="제목 개체 틀 1">
             <a:extLst>
               <a:ext uri="{FF2B5EF4-FFF2-40B4-BE49-F238E27FC236}">
-                <a16:creationId xmlns="" xmlns:a16="http://schemas.microsoft.com/office/drawing/2014/main" id="{738525D4-1253-4608-9D52-B7981AC4FCC8}"/>
+                <a16:creationId xmlns:a16="http://schemas.microsoft.com/office/drawing/2014/main" xmlns="" id="{738525D4-1253-4608-9D52-B7981AC4FCC8}"/>
               </a:ext>
             </a:extLst>
           </p:cNvPr>
@@ -9597,7 +9597,7 @@
           <p:cNvPr id="3" name="텍스트 개체 틀 2">
             <a:extLst>
               <a:ext uri="{FF2B5EF4-FFF2-40B4-BE49-F238E27FC236}">
-                <a16:creationId xmlns="" xmlns:a16="http://schemas.microsoft.com/office/drawing/2014/main" id="{0D5AEAAA-7600-4903-ACEF-1D36CDCD268E}"/>
+                <a16:creationId xmlns:a16="http://schemas.microsoft.com/office/drawing/2014/main" xmlns="" id="{0D5AEAAA-7600-4903-ACEF-1D36CDCD268E}"/>
               </a:ext>
             </a:extLst>
           </p:cNvPr>
@@ -9664,7 +9664,7 @@
           <p:cNvPr id="4" name="날짜 개체 틀 3">
             <a:extLst>
               <a:ext uri="{FF2B5EF4-FFF2-40B4-BE49-F238E27FC236}">
-                <a16:creationId xmlns="" xmlns:a16="http://schemas.microsoft.com/office/drawing/2014/main" id="{4DC8EC6A-27D7-4EF9-B45D-C2D39B14F126}"/>
+                <a16:creationId xmlns:a16="http://schemas.microsoft.com/office/drawing/2014/main" xmlns="" id="{4DC8EC6A-27D7-4EF9-B45D-C2D39B14F126}"/>
               </a:ext>
             </a:extLst>
           </p:cNvPr>
@@ -9724,7 +9724,7 @@
           <p:cNvPr id="5" name="바닥글 개체 틀 4">
             <a:extLst>
               <a:ext uri="{FF2B5EF4-FFF2-40B4-BE49-F238E27FC236}">
-                <a16:creationId xmlns="" xmlns:a16="http://schemas.microsoft.com/office/drawing/2014/main" id="{260EB541-017D-4B3F-9895-2DFE884EA7DA}"/>
+                <a16:creationId xmlns:a16="http://schemas.microsoft.com/office/drawing/2014/main" xmlns="" id="{260EB541-017D-4B3F-9895-2DFE884EA7DA}"/>
               </a:ext>
             </a:extLst>
           </p:cNvPr>
@@ -9773,7 +9773,7 @@
           <p:cNvPr id="6" name="슬라이드 번호 개체 틀 5">
             <a:extLst>
               <a:ext uri="{FF2B5EF4-FFF2-40B4-BE49-F238E27FC236}">
-                <a16:creationId xmlns="" xmlns:a16="http://schemas.microsoft.com/office/drawing/2014/main" id="{51440F6D-AE56-4BC9-B00D-4A215980C939}"/>
+                <a16:creationId xmlns:a16="http://schemas.microsoft.com/office/drawing/2014/main" xmlns="" id="{51440F6D-AE56-4BC9-B00D-4A215980C939}"/>
               </a:ext>
             </a:extLst>
           </p:cNvPr>
@@ -10162,7 +10162,7 @@
           <p:cNvPr id="3" name="부제목 2">
             <a:extLst>
               <a:ext uri="{FF2B5EF4-FFF2-40B4-BE49-F238E27FC236}">
-                <a16:creationId xmlns="" xmlns:a16="http://schemas.microsoft.com/office/drawing/2014/main" id="{84DAC65C-FE20-4D6D-AFFA-57D16B16FADF}"/>
+                <a16:creationId xmlns:a16="http://schemas.microsoft.com/office/drawing/2014/main" xmlns="" id="{84DAC65C-FE20-4D6D-AFFA-57D16B16FADF}"/>
               </a:ext>
             </a:extLst>
           </p:cNvPr>
@@ -10202,7 +10202,7 @@
           <p:cNvPr id="9" name="그림 8">
             <a:extLst>
               <a:ext uri="{FF2B5EF4-FFF2-40B4-BE49-F238E27FC236}">
-                <a16:creationId xmlns="" xmlns:a16="http://schemas.microsoft.com/office/drawing/2014/main" id="{58A568A6-F904-4025-9A14-67F5B32BB43F}"/>
+                <a16:creationId xmlns:a16="http://schemas.microsoft.com/office/drawing/2014/main" xmlns="" id="{58A568A6-F904-4025-9A14-67F5B32BB43F}"/>
               </a:ext>
             </a:extLst>
           </p:cNvPr>
@@ -10231,7 +10231,7 @@
           <p:cNvPr id="6" name="正方形/長方形 1">
             <a:extLst>
               <a:ext uri="{FF2B5EF4-FFF2-40B4-BE49-F238E27FC236}">
-                <a16:creationId xmlns="" xmlns:a16="http://schemas.microsoft.com/office/drawing/2014/main" id="{3DB5B2C5-F5B3-4CC9-BEAC-DB38B7D18AB0}"/>
+                <a16:creationId xmlns:a16="http://schemas.microsoft.com/office/drawing/2014/main" xmlns="" id="{3DB5B2C5-F5B3-4CC9-BEAC-DB38B7D18AB0}"/>
               </a:ext>
             </a:extLst>
           </p:cNvPr>
@@ -10287,7 +10287,7 @@
           <p:cNvPr id="5" name="그림 4">
             <a:extLst>
               <a:ext uri="{FF2B5EF4-FFF2-40B4-BE49-F238E27FC236}">
-                <a16:creationId xmlns="" xmlns:a16="http://schemas.microsoft.com/office/drawing/2014/main" id="{70CD73FB-6A8C-4053-8E55-05DD338095CE}"/>
+                <a16:creationId xmlns:a16="http://schemas.microsoft.com/office/drawing/2014/main" xmlns="" id="{70CD73FB-6A8C-4053-8E55-05DD338095CE}"/>
               </a:ext>
             </a:extLst>
           </p:cNvPr>
@@ -10323,7 +10323,7 @@
           <p:cNvPr id="10" name="TextBox 9">
             <a:extLst>
               <a:ext uri="{FF2B5EF4-FFF2-40B4-BE49-F238E27FC236}">
-                <a16:creationId xmlns="" xmlns:a16="http://schemas.microsoft.com/office/drawing/2014/main" id="{FE48E1B1-BE68-4CDF-B1A5-546E3D5FD453}"/>
+                <a16:creationId xmlns:a16="http://schemas.microsoft.com/office/drawing/2014/main" xmlns="" id="{FE48E1B1-BE68-4CDF-B1A5-546E3D5FD453}"/>
               </a:ext>
             </a:extLst>
           </p:cNvPr>
@@ -10508,7 +10508,7 @@
           <p:cNvPr id="2" name="직사각형 1">
             <a:extLst>
               <a:ext uri="{FF2B5EF4-FFF2-40B4-BE49-F238E27FC236}">
-                <a16:creationId xmlns="" xmlns:a16="http://schemas.microsoft.com/office/drawing/2014/main" id="{8E5B996D-DF87-49E5-95D1-45B1EEB9EE9A}"/>
+                <a16:creationId xmlns:a16="http://schemas.microsoft.com/office/drawing/2014/main" xmlns="" id="{8E5B996D-DF87-49E5-95D1-45B1EEB9EE9A}"/>
               </a:ext>
             </a:extLst>
           </p:cNvPr>
@@ -10560,7 +10560,7 @@
           <p:cNvPr id="4" name="직사각형 3">
             <a:extLst>
               <a:ext uri="{FF2B5EF4-FFF2-40B4-BE49-F238E27FC236}">
-                <a16:creationId xmlns="" xmlns:a16="http://schemas.microsoft.com/office/drawing/2014/main" id="{080CEE4E-4BCA-42C3-BECA-9BCEB9931EEA}"/>
+                <a16:creationId xmlns:a16="http://schemas.microsoft.com/office/drawing/2014/main" xmlns="" id="{080CEE4E-4BCA-42C3-BECA-9BCEB9931EEA}"/>
               </a:ext>
             </a:extLst>
           </p:cNvPr>
@@ -10816,21 +10816,21 @@
                 <a:gridCol w="572240">
                   <a:extLst>
                     <a:ext uri="{9D8B030D-6E8A-4147-A177-3AD203B41FA5}">
-                      <a16:colId xmlns="" xmlns:a16="http://schemas.microsoft.com/office/drawing/2014/main" val="20000"/>
+                      <a16:colId xmlns:a16="http://schemas.microsoft.com/office/drawing/2014/main" xmlns="" val="20000"/>
                     </a:ext>
                   </a:extLst>
                 </a:gridCol>
                 <a:gridCol w="1005288">
                   <a:extLst>
                     <a:ext uri="{9D8B030D-6E8A-4147-A177-3AD203B41FA5}">
-                      <a16:colId xmlns="" xmlns:a16="http://schemas.microsoft.com/office/drawing/2014/main" val="20001"/>
+                      <a16:colId xmlns:a16="http://schemas.microsoft.com/office/drawing/2014/main" xmlns="" val="20001"/>
                     </a:ext>
                   </a:extLst>
                 </a:gridCol>
                 <a:gridCol w="725613">
                   <a:extLst>
                     <a:ext uri="{9D8B030D-6E8A-4147-A177-3AD203B41FA5}">
-                      <a16:colId xmlns="" xmlns:a16="http://schemas.microsoft.com/office/drawing/2014/main" val="20002"/>
+                      <a16:colId xmlns:a16="http://schemas.microsoft.com/office/drawing/2014/main" xmlns="" val="20002"/>
                     </a:ext>
                   </a:extLst>
                 </a:gridCol>
@@ -11012,7 +11012,7 @@
                 </a:tc>
                 <a:extLst>
                   <a:ext uri="{0D108BD9-81ED-4DB2-BD59-A6C34878D82A}">
-                    <a16:rowId xmlns="" xmlns:a16="http://schemas.microsoft.com/office/drawing/2014/main" val="10000"/>
+                    <a16:rowId xmlns:a16="http://schemas.microsoft.com/office/drawing/2014/main" xmlns="" val="10000"/>
                   </a:ext>
                 </a:extLst>
               </a:tr>
@@ -11296,7 +11296,7 @@
                 </a:tc>
                 <a:extLst>
                   <a:ext uri="{0D108BD9-81ED-4DB2-BD59-A6C34878D82A}">
-                    <a16:rowId xmlns="" xmlns:a16="http://schemas.microsoft.com/office/drawing/2014/main" val="10001"/>
+                    <a16:rowId xmlns:a16="http://schemas.microsoft.com/office/drawing/2014/main" xmlns="" val="10001"/>
                   </a:ext>
                 </a:extLst>
               </a:tr>
@@ -11483,7 +11483,7 @@
                 </a:tc>
                 <a:extLst>
                   <a:ext uri="{0D108BD9-81ED-4DB2-BD59-A6C34878D82A}">
-                    <a16:rowId xmlns="" xmlns:a16="http://schemas.microsoft.com/office/drawing/2014/main" val="10002"/>
+                    <a16:rowId xmlns:a16="http://schemas.microsoft.com/office/drawing/2014/main" xmlns="" val="10002"/>
                   </a:ext>
                 </a:extLst>
               </a:tr>
@@ -11766,7 +11766,7 @@
                 </a:tc>
                 <a:extLst>
                   <a:ext uri="{0D108BD9-81ED-4DB2-BD59-A6C34878D82A}">
-                    <a16:rowId xmlns="" xmlns:a16="http://schemas.microsoft.com/office/drawing/2014/main" val="10003"/>
+                    <a16:rowId xmlns:a16="http://schemas.microsoft.com/office/drawing/2014/main" xmlns="" val="10003"/>
                   </a:ext>
                 </a:extLst>
               </a:tr>
@@ -11779,7 +11779,7 @@
           <p:cNvPr id="25" name="직사각형 24">
             <a:extLst>
               <a:ext uri="{FF2B5EF4-FFF2-40B4-BE49-F238E27FC236}">
-                <a16:creationId xmlns="" xmlns:a16="http://schemas.microsoft.com/office/drawing/2014/main" id="{2DD24BCC-FCE6-4F3D-9102-0338A277724E}"/>
+                <a16:creationId xmlns:a16="http://schemas.microsoft.com/office/drawing/2014/main" xmlns="" id="{2DD24BCC-FCE6-4F3D-9102-0338A277724E}"/>
               </a:ext>
             </a:extLst>
           </p:cNvPr>
@@ -11833,7 +11833,7 @@
           <p:cNvPr id="27" name="직선 연결선 26">
             <a:extLst>
               <a:ext uri="{FF2B5EF4-FFF2-40B4-BE49-F238E27FC236}">
-                <a16:creationId xmlns="" xmlns:a16="http://schemas.microsoft.com/office/drawing/2014/main" id="{BBD31C63-515F-4941-8A12-DD68C1031400}"/>
+                <a16:creationId xmlns:a16="http://schemas.microsoft.com/office/drawing/2014/main" xmlns="" id="{BBD31C63-515F-4941-8A12-DD68C1031400}"/>
               </a:ext>
             </a:extLst>
           </p:cNvPr>
@@ -11874,7 +11874,7 @@
           <p:cNvPr id="29" name="직선 화살표 연결선 28">
             <a:extLst>
               <a:ext uri="{FF2B5EF4-FFF2-40B4-BE49-F238E27FC236}">
-                <a16:creationId xmlns="" xmlns:a16="http://schemas.microsoft.com/office/drawing/2014/main" id="{6ADB57C1-71A6-460D-8130-56C2C112542B}"/>
+                <a16:creationId xmlns:a16="http://schemas.microsoft.com/office/drawing/2014/main" xmlns="" id="{6ADB57C1-71A6-460D-8130-56C2C112542B}"/>
               </a:ext>
             </a:extLst>
           </p:cNvPr>
@@ -11918,7 +11918,7 @@
           <p:cNvPr id="31" name="TextBox 30">
             <a:extLst>
               <a:ext uri="{FF2B5EF4-FFF2-40B4-BE49-F238E27FC236}">
-                <a16:creationId xmlns="" xmlns:a16="http://schemas.microsoft.com/office/drawing/2014/main" id="{9CCCD44E-9A9A-4ED8-A5D1-4872F5E16D21}"/>
+                <a16:creationId xmlns:a16="http://schemas.microsoft.com/office/drawing/2014/main" xmlns="" id="{9CCCD44E-9A9A-4ED8-A5D1-4872F5E16D21}"/>
               </a:ext>
             </a:extLst>
           </p:cNvPr>
@@ -11992,7 +11992,7 @@
           <p:cNvPr id="41" name="사각형: 위쪽 모서리의 한쪽은 둥글고 다른 한쪽은 잘림 105">
             <a:extLst>
               <a:ext uri="{FF2B5EF4-FFF2-40B4-BE49-F238E27FC236}">
-                <a16:creationId xmlns="" xmlns:a16="http://schemas.microsoft.com/office/drawing/2014/main" id="{875A8A77-BFCB-4609-8E7A-6BD81E857F42}"/>
+                <a16:creationId xmlns:a16="http://schemas.microsoft.com/office/drawing/2014/main" xmlns="" id="{875A8A77-BFCB-4609-8E7A-6BD81E857F42}"/>
               </a:ext>
             </a:extLst>
           </p:cNvPr>
@@ -12053,7 +12053,7 @@
           <p:cNvPr id="42" name="사각형: 위쪽 모서리의 한쪽은 둥글고 다른 한쪽은 잘림 106">
             <a:extLst>
               <a:ext uri="{FF2B5EF4-FFF2-40B4-BE49-F238E27FC236}">
-                <a16:creationId xmlns="" xmlns:a16="http://schemas.microsoft.com/office/drawing/2014/main" id="{688550BD-BEE7-4EA1-ACF9-CE6AD5A7BA27}"/>
+                <a16:creationId xmlns:a16="http://schemas.microsoft.com/office/drawing/2014/main" xmlns="" id="{688550BD-BEE7-4EA1-ACF9-CE6AD5A7BA27}"/>
               </a:ext>
             </a:extLst>
           </p:cNvPr>
@@ -12114,7 +12114,7 @@
           <p:cNvPr id="43" name="사각형: 위쪽 모서리의 한쪽은 둥글고 다른 한쪽은 잘림 107">
             <a:extLst>
               <a:ext uri="{FF2B5EF4-FFF2-40B4-BE49-F238E27FC236}">
-                <a16:creationId xmlns="" xmlns:a16="http://schemas.microsoft.com/office/drawing/2014/main" id="{C7644D33-14E9-47D2-8EC9-1B1E911B2842}"/>
+                <a16:creationId xmlns:a16="http://schemas.microsoft.com/office/drawing/2014/main" xmlns="" id="{C7644D33-14E9-47D2-8EC9-1B1E911B2842}"/>
               </a:ext>
             </a:extLst>
           </p:cNvPr>
@@ -12192,21 +12192,21 @@
                 <a:gridCol w="572240">
                   <a:extLst>
                     <a:ext uri="{9D8B030D-6E8A-4147-A177-3AD203B41FA5}">
-                      <a16:colId xmlns="" xmlns:a16="http://schemas.microsoft.com/office/drawing/2014/main" val="20000"/>
+                      <a16:colId xmlns:a16="http://schemas.microsoft.com/office/drawing/2014/main" xmlns="" val="20000"/>
                     </a:ext>
                   </a:extLst>
                 </a:gridCol>
                 <a:gridCol w="1005288">
                   <a:extLst>
                     <a:ext uri="{9D8B030D-6E8A-4147-A177-3AD203B41FA5}">
-                      <a16:colId xmlns="" xmlns:a16="http://schemas.microsoft.com/office/drawing/2014/main" val="20001"/>
+                      <a16:colId xmlns:a16="http://schemas.microsoft.com/office/drawing/2014/main" xmlns="" val="20001"/>
                     </a:ext>
                   </a:extLst>
                 </a:gridCol>
                 <a:gridCol w="725613">
                   <a:extLst>
                     <a:ext uri="{9D8B030D-6E8A-4147-A177-3AD203B41FA5}">
-                      <a16:colId xmlns="" xmlns:a16="http://schemas.microsoft.com/office/drawing/2014/main" val="20002"/>
+                      <a16:colId xmlns:a16="http://schemas.microsoft.com/office/drawing/2014/main" xmlns="" val="20002"/>
                     </a:ext>
                   </a:extLst>
                 </a:gridCol>
@@ -12388,7 +12388,7 @@
                 </a:tc>
                 <a:extLst>
                   <a:ext uri="{0D108BD9-81ED-4DB2-BD59-A6C34878D82A}">
-                    <a16:rowId xmlns="" xmlns:a16="http://schemas.microsoft.com/office/drawing/2014/main" val="10000"/>
+                    <a16:rowId xmlns:a16="http://schemas.microsoft.com/office/drawing/2014/main" xmlns="" val="10000"/>
                   </a:ext>
                 </a:extLst>
               </a:tr>
@@ -12704,7 +12704,7 @@
                 </a:tc>
                 <a:extLst>
                   <a:ext uri="{0D108BD9-81ED-4DB2-BD59-A6C34878D82A}">
-                    <a16:rowId xmlns="" xmlns:a16="http://schemas.microsoft.com/office/drawing/2014/main" val="10001"/>
+                    <a16:rowId xmlns:a16="http://schemas.microsoft.com/office/drawing/2014/main" xmlns="" val="10001"/>
                   </a:ext>
                 </a:extLst>
               </a:tr>
@@ -12717,7 +12717,7 @@
           <p:cNvPr id="84" name="TextBox 83">
             <a:extLst>
               <a:ext uri="{FF2B5EF4-FFF2-40B4-BE49-F238E27FC236}">
-                <a16:creationId xmlns="" xmlns:a16="http://schemas.microsoft.com/office/drawing/2014/main" id="{175D0501-8E3C-4360-9052-D93A553D6261}"/>
+                <a16:creationId xmlns:a16="http://schemas.microsoft.com/office/drawing/2014/main" xmlns="" id="{175D0501-8E3C-4360-9052-D93A553D6261}"/>
               </a:ext>
             </a:extLst>
           </p:cNvPr>
@@ -12800,7 +12800,7 @@
           <p:cNvPr id="101" name="TextBox 100">
             <a:extLst>
               <a:ext uri="{FF2B5EF4-FFF2-40B4-BE49-F238E27FC236}">
-                <a16:creationId xmlns="" xmlns:a16="http://schemas.microsoft.com/office/drawing/2014/main" id="{A92788C2-846F-4D8E-84DB-0156E44840FE}"/>
+                <a16:creationId xmlns:a16="http://schemas.microsoft.com/office/drawing/2014/main" xmlns="" id="{A92788C2-846F-4D8E-84DB-0156E44840FE}"/>
               </a:ext>
             </a:extLst>
           </p:cNvPr>
@@ -12836,7 +12836,7 @@
           <p:cNvPr id="102" name="직사각형 101">
             <a:extLst>
               <a:ext uri="{FF2B5EF4-FFF2-40B4-BE49-F238E27FC236}">
-                <a16:creationId xmlns="" xmlns:a16="http://schemas.microsoft.com/office/drawing/2014/main" id="{F0815B9A-D30D-4481-805B-BC00FA17F1AF}"/>
+                <a16:creationId xmlns:a16="http://schemas.microsoft.com/office/drawing/2014/main" xmlns="" id="{F0815B9A-D30D-4481-805B-BC00FA17F1AF}"/>
               </a:ext>
             </a:extLst>
           </p:cNvPr>
@@ -12890,7 +12890,7 @@
           <p:cNvPr id="103" name="직사각형 102">
             <a:extLst>
               <a:ext uri="{FF2B5EF4-FFF2-40B4-BE49-F238E27FC236}">
-                <a16:creationId xmlns="" xmlns:a16="http://schemas.microsoft.com/office/drawing/2014/main" id="{9444EAA7-F80D-40EE-85F2-FC3FD2665367}"/>
+                <a16:creationId xmlns:a16="http://schemas.microsoft.com/office/drawing/2014/main" xmlns="" id="{9444EAA7-F80D-40EE-85F2-FC3FD2665367}"/>
               </a:ext>
             </a:extLst>
           </p:cNvPr>
@@ -12944,7 +12944,7 @@
           <p:cNvPr id="104" name="직사각형 103">
             <a:extLst>
               <a:ext uri="{FF2B5EF4-FFF2-40B4-BE49-F238E27FC236}">
-                <a16:creationId xmlns="" xmlns:a16="http://schemas.microsoft.com/office/drawing/2014/main" id="{018390F8-461E-47B1-8D02-662749C7B01B}"/>
+                <a16:creationId xmlns:a16="http://schemas.microsoft.com/office/drawing/2014/main" xmlns="" id="{018390F8-461E-47B1-8D02-662749C7B01B}"/>
               </a:ext>
             </a:extLst>
           </p:cNvPr>
@@ -12998,7 +12998,7 @@
           <p:cNvPr id="105" name="직사각형 104">
             <a:extLst>
               <a:ext uri="{FF2B5EF4-FFF2-40B4-BE49-F238E27FC236}">
-                <a16:creationId xmlns="" xmlns:a16="http://schemas.microsoft.com/office/drawing/2014/main" id="{B27559C4-A53D-4627-9D4C-4825196BF918}"/>
+                <a16:creationId xmlns:a16="http://schemas.microsoft.com/office/drawing/2014/main" xmlns="" id="{B27559C4-A53D-4627-9D4C-4825196BF918}"/>
               </a:ext>
             </a:extLst>
           </p:cNvPr>
@@ -13052,7 +13052,7 @@
           <p:cNvPr id="106" name="직사각형 105">
             <a:extLst>
               <a:ext uri="{FF2B5EF4-FFF2-40B4-BE49-F238E27FC236}">
-                <a16:creationId xmlns="" xmlns:a16="http://schemas.microsoft.com/office/drawing/2014/main" id="{2F41D995-6A71-4509-80F3-049E8D1F63ED}"/>
+                <a16:creationId xmlns:a16="http://schemas.microsoft.com/office/drawing/2014/main" xmlns="" id="{2F41D995-6A71-4509-80F3-049E8D1F63ED}"/>
               </a:ext>
             </a:extLst>
           </p:cNvPr>
@@ -13106,7 +13106,7 @@
           <p:cNvPr id="107" name="직선 화살표 연결선 106">
             <a:extLst>
               <a:ext uri="{FF2B5EF4-FFF2-40B4-BE49-F238E27FC236}">
-                <a16:creationId xmlns="" xmlns:a16="http://schemas.microsoft.com/office/drawing/2014/main" id="{34A269B8-E321-4ACE-B82D-29FFBDBEAE20}"/>
+                <a16:creationId xmlns:a16="http://schemas.microsoft.com/office/drawing/2014/main" xmlns="" id="{34A269B8-E321-4ACE-B82D-29FFBDBEAE20}"/>
               </a:ext>
             </a:extLst>
           </p:cNvPr>
@@ -13150,7 +13150,7 @@
           <p:cNvPr id="108" name="직선 화살표 연결선 107">
             <a:extLst>
               <a:ext uri="{FF2B5EF4-FFF2-40B4-BE49-F238E27FC236}">
-                <a16:creationId xmlns="" xmlns:a16="http://schemas.microsoft.com/office/drawing/2014/main" id="{594868FA-F542-4BC7-B4EE-561EE6C24D2A}"/>
+                <a16:creationId xmlns:a16="http://schemas.microsoft.com/office/drawing/2014/main" xmlns="" id="{594868FA-F542-4BC7-B4EE-561EE6C24D2A}"/>
               </a:ext>
             </a:extLst>
           </p:cNvPr>
@@ -13194,7 +13194,7 @@
           <p:cNvPr id="109" name="직선 화살표 연결선 108">
             <a:extLst>
               <a:ext uri="{FF2B5EF4-FFF2-40B4-BE49-F238E27FC236}">
-                <a16:creationId xmlns="" xmlns:a16="http://schemas.microsoft.com/office/drawing/2014/main" id="{B835CB0E-7318-4621-AAC0-357EB1D055EC}"/>
+                <a16:creationId xmlns:a16="http://schemas.microsoft.com/office/drawing/2014/main" xmlns="" id="{B835CB0E-7318-4621-AAC0-357EB1D055EC}"/>
               </a:ext>
             </a:extLst>
           </p:cNvPr>
@@ -13238,7 +13238,7 @@
           <p:cNvPr id="110" name="직선 화살표 연결선 109">
             <a:extLst>
               <a:ext uri="{FF2B5EF4-FFF2-40B4-BE49-F238E27FC236}">
-                <a16:creationId xmlns="" xmlns:a16="http://schemas.microsoft.com/office/drawing/2014/main" id="{8A1FA3B6-56FA-4F9A-B582-879E45C4E554}"/>
+                <a16:creationId xmlns:a16="http://schemas.microsoft.com/office/drawing/2014/main" xmlns="" id="{8A1FA3B6-56FA-4F9A-B582-879E45C4E554}"/>
               </a:ext>
             </a:extLst>
           </p:cNvPr>
@@ -13282,7 +13282,7 @@
           <p:cNvPr id="111" name="직선 화살표 연결선 110">
             <a:extLst>
               <a:ext uri="{FF2B5EF4-FFF2-40B4-BE49-F238E27FC236}">
-                <a16:creationId xmlns="" xmlns:a16="http://schemas.microsoft.com/office/drawing/2014/main" id="{8DBC9891-F555-4406-9800-4BBC560D541A}"/>
+                <a16:creationId xmlns:a16="http://schemas.microsoft.com/office/drawing/2014/main" xmlns="" id="{8DBC9891-F555-4406-9800-4BBC560D541A}"/>
               </a:ext>
             </a:extLst>
           </p:cNvPr>
@@ -13327,7 +13327,7 @@
           <p:cNvPr id="112" name="TextBox 111">
             <a:extLst>
               <a:ext uri="{FF2B5EF4-FFF2-40B4-BE49-F238E27FC236}">
-                <a16:creationId xmlns="" xmlns:a16="http://schemas.microsoft.com/office/drawing/2014/main" id="{B01CA544-E067-4DD5-8F99-FC7AFCA9239E}"/>
+                <a16:creationId xmlns:a16="http://schemas.microsoft.com/office/drawing/2014/main" xmlns="" id="{B01CA544-E067-4DD5-8F99-FC7AFCA9239E}"/>
               </a:ext>
             </a:extLst>
           </p:cNvPr>
@@ -13362,7 +13362,7 @@
           <p:cNvPr id="113" name="TextBox 112">
             <a:extLst>
               <a:ext uri="{FF2B5EF4-FFF2-40B4-BE49-F238E27FC236}">
-                <a16:creationId xmlns="" xmlns:a16="http://schemas.microsoft.com/office/drawing/2014/main" id="{B8C8D169-440D-4BD5-98C5-A86EABD72686}"/>
+                <a16:creationId xmlns:a16="http://schemas.microsoft.com/office/drawing/2014/main" xmlns="" id="{B8C8D169-440D-4BD5-98C5-A86EABD72686}"/>
               </a:ext>
             </a:extLst>
           </p:cNvPr>
@@ -13397,7 +13397,7 @@
           <p:cNvPr id="114" name="TextBox 113">
             <a:extLst>
               <a:ext uri="{FF2B5EF4-FFF2-40B4-BE49-F238E27FC236}">
-                <a16:creationId xmlns="" xmlns:a16="http://schemas.microsoft.com/office/drawing/2014/main" id="{E7D4196B-6BCE-4D69-980E-BB15BBA201CC}"/>
+                <a16:creationId xmlns:a16="http://schemas.microsoft.com/office/drawing/2014/main" xmlns="" id="{E7D4196B-6BCE-4D69-980E-BB15BBA201CC}"/>
               </a:ext>
             </a:extLst>
           </p:cNvPr>
@@ -13905,7 +13905,7 @@
           <p:cNvPr id="96" name="타원 95">
             <a:extLst>
               <a:ext uri="{FF2B5EF4-FFF2-40B4-BE49-F238E27FC236}">
-                <a16:creationId xmlns="" xmlns:a16="http://schemas.microsoft.com/office/drawing/2014/main" id="{7FE78A22-2935-4C42-B992-EE85D6EBE630}"/>
+                <a16:creationId xmlns:a16="http://schemas.microsoft.com/office/drawing/2014/main" xmlns="" id="{7FE78A22-2935-4C42-B992-EE85D6EBE630}"/>
               </a:ext>
             </a:extLst>
           </p:cNvPr>
@@ -14000,7 +14000,7 @@
           <p:cNvPr id="6" name="그림 5" descr="스크린샷이(가) 표시된 사진&#10;&#10;자동 생성된 설명">
             <a:extLst>
               <a:ext uri="{FF2B5EF4-FFF2-40B4-BE49-F238E27FC236}">
-                <a16:creationId xmlns="" xmlns:a16="http://schemas.microsoft.com/office/drawing/2014/main" id="{7D1DC28E-A97F-4F0E-AA0A-C1BEE9C97E58}"/>
+                <a16:creationId xmlns:a16="http://schemas.microsoft.com/office/drawing/2014/main" xmlns="" id="{7D1DC28E-A97F-4F0E-AA0A-C1BEE9C97E58}"/>
               </a:ext>
             </a:extLst>
           </p:cNvPr>
@@ -14036,7 +14036,7 @@
           <p:cNvPr id="11" name="그림 10">
             <a:extLst>
               <a:ext uri="{FF2B5EF4-FFF2-40B4-BE49-F238E27FC236}">
-                <a16:creationId xmlns="" xmlns:a16="http://schemas.microsoft.com/office/drawing/2014/main" id="{211E1DB5-8016-4516-BD56-308E55C20C1C}"/>
+                <a16:creationId xmlns:a16="http://schemas.microsoft.com/office/drawing/2014/main" xmlns="" id="{211E1DB5-8016-4516-BD56-308E55C20C1C}"/>
               </a:ext>
             </a:extLst>
           </p:cNvPr>
@@ -14072,7 +14072,7 @@
           <p:cNvPr id="15" name="그림 14" descr="표지판이(가) 표시된 사진&#10;&#10;자동 생성된 설명">
             <a:extLst>
               <a:ext uri="{FF2B5EF4-FFF2-40B4-BE49-F238E27FC236}">
-                <a16:creationId xmlns="" xmlns:a16="http://schemas.microsoft.com/office/drawing/2014/main" id="{5766484A-8763-4865-AEEC-35C99D8E1EE9}"/>
+                <a16:creationId xmlns:a16="http://schemas.microsoft.com/office/drawing/2014/main" xmlns="" id="{5766484A-8763-4865-AEEC-35C99D8E1EE9}"/>
               </a:ext>
             </a:extLst>
           </p:cNvPr>
@@ -14108,7 +14108,7 @@
           <p:cNvPr id="18" name="그림 17">
             <a:extLst>
               <a:ext uri="{FF2B5EF4-FFF2-40B4-BE49-F238E27FC236}">
-                <a16:creationId xmlns="" xmlns:a16="http://schemas.microsoft.com/office/drawing/2014/main" id="{FE9996B3-BF94-48D0-94A3-9573110CCF87}"/>
+                <a16:creationId xmlns:a16="http://schemas.microsoft.com/office/drawing/2014/main" xmlns="" id="{FE9996B3-BF94-48D0-94A3-9573110CCF87}"/>
               </a:ext>
             </a:extLst>
           </p:cNvPr>
@@ -14144,7 +14144,7 @@
           <p:cNvPr id="99" name="그림 98">
             <a:extLst>
               <a:ext uri="{FF2B5EF4-FFF2-40B4-BE49-F238E27FC236}">
-                <a16:creationId xmlns="" xmlns:a16="http://schemas.microsoft.com/office/drawing/2014/main" id="{58AB2B4D-74FD-4E34-AD5D-C547D5CDA3C9}"/>
+                <a16:creationId xmlns:a16="http://schemas.microsoft.com/office/drawing/2014/main" xmlns="" id="{58AB2B4D-74FD-4E34-AD5D-C547D5CDA3C9}"/>
               </a:ext>
             </a:extLst>
           </p:cNvPr>
@@ -14180,7 +14180,7 @@
           <p:cNvPr id="115" name="사각형: 둥근 모서리 114">
             <a:extLst>
               <a:ext uri="{FF2B5EF4-FFF2-40B4-BE49-F238E27FC236}">
-                <a16:creationId xmlns="" xmlns:a16="http://schemas.microsoft.com/office/drawing/2014/main" id="{59E9FA8F-C318-4E7C-9749-F70BC404C1D0}"/>
+                <a16:creationId xmlns:a16="http://schemas.microsoft.com/office/drawing/2014/main" xmlns="" id="{59E9FA8F-C318-4E7C-9749-F70BC404C1D0}"/>
               </a:ext>
             </a:extLst>
           </p:cNvPr>
@@ -14425,7 +14425,7 @@
           <p:cNvPr id="118" name="TextBox 117">
             <a:extLst>
               <a:ext uri="{FF2B5EF4-FFF2-40B4-BE49-F238E27FC236}">
-                <a16:creationId xmlns:a16="http://schemas.microsoft.com/office/drawing/2014/main" xmlns="" id="{D12B0B12-AB99-4F88-B4B2-948DADC833EA}"/>
+                <a16:creationId xmlns="" xmlns:a16="http://schemas.microsoft.com/office/drawing/2014/main" id="{D12B0B12-AB99-4F88-B4B2-948DADC833EA}"/>
               </a:ext>
             </a:extLst>
           </p:cNvPr>
@@ -14508,7 +14508,7 @@
           <p:cNvPr id="119" name="그림 118">
             <a:extLst>
               <a:ext uri="{FF2B5EF4-FFF2-40B4-BE49-F238E27FC236}">
-                <a16:creationId xmlns:a16="http://schemas.microsoft.com/office/drawing/2014/main" xmlns="" id="{0F0992E8-2696-42E6-805A-0C12780D8FA1}"/>
+                <a16:creationId xmlns="" xmlns:a16="http://schemas.microsoft.com/office/drawing/2014/main" id="{0F0992E8-2696-42E6-805A-0C12780D8FA1}"/>
               </a:ext>
             </a:extLst>
           </p:cNvPr>
@@ -14617,7 +14617,7 @@
           <p:cNvPr id="2" name="직사각형 1">
             <a:extLst>
               <a:ext uri="{FF2B5EF4-FFF2-40B4-BE49-F238E27FC236}">
-                <a16:creationId xmlns="" xmlns:a16="http://schemas.microsoft.com/office/drawing/2014/main" id="{8E5B996D-DF87-49E5-95D1-45B1EEB9EE9A}"/>
+                <a16:creationId xmlns:a16="http://schemas.microsoft.com/office/drawing/2014/main" xmlns="" id="{8E5B996D-DF87-49E5-95D1-45B1EEB9EE9A}"/>
               </a:ext>
             </a:extLst>
           </p:cNvPr>
@@ -14669,7 +14669,7 @@
           <p:cNvPr id="4" name="직사각형 3">
             <a:extLst>
               <a:ext uri="{FF2B5EF4-FFF2-40B4-BE49-F238E27FC236}">
-                <a16:creationId xmlns="" xmlns:a16="http://schemas.microsoft.com/office/drawing/2014/main" id="{080CEE4E-4BCA-42C3-BECA-9BCEB9931EEA}"/>
+                <a16:creationId xmlns:a16="http://schemas.microsoft.com/office/drawing/2014/main" xmlns="" id="{080CEE4E-4BCA-42C3-BECA-9BCEB9931EEA}"/>
               </a:ext>
             </a:extLst>
           </p:cNvPr>
@@ -14811,7 +14811,7 @@
           <p:cNvPr id="11" name="TextBox 10">
             <a:extLst>
               <a:ext uri="{FF2B5EF4-FFF2-40B4-BE49-F238E27FC236}">
-                <a16:creationId xmlns:a16="http://schemas.microsoft.com/office/drawing/2014/main" xmlns="" id="{D12B0B12-AB99-4F88-B4B2-948DADC833EA}"/>
+                <a16:creationId xmlns="" xmlns:a16="http://schemas.microsoft.com/office/drawing/2014/main" id="{D12B0B12-AB99-4F88-B4B2-948DADC833EA}"/>
               </a:ext>
             </a:extLst>
           </p:cNvPr>
@@ -14949,7 +14949,7 @@
           <p:cNvPr id="12" name="그림 11">
             <a:extLst>
               <a:ext uri="{FF2B5EF4-FFF2-40B4-BE49-F238E27FC236}">
-                <a16:creationId xmlns:a16="http://schemas.microsoft.com/office/drawing/2014/main" xmlns="" id="{0F0992E8-2696-42E6-805A-0C12780D8FA1}"/>
+                <a16:creationId xmlns="" xmlns:a16="http://schemas.microsoft.com/office/drawing/2014/main" id="{0F0992E8-2696-42E6-805A-0C12780D8FA1}"/>
               </a:ext>
             </a:extLst>
           </p:cNvPr>
@@ -15394,7 +15394,7 @@
           <p:cNvPr id="15" name="사각형: 둥근 모서리 33">
             <a:extLst>
               <a:ext uri="{FF2B5EF4-FFF2-40B4-BE49-F238E27FC236}">
-                <a16:creationId xmlns="" xmlns:a16="http://schemas.microsoft.com/office/drawing/2014/main" id="{9FEA6CC2-F860-4762-B98D-92DFCBF74600}"/>
+                <a16:creationId xmlns:a16="http://schemas.microsoft.com/office/drawing/2014/main" xmlns="" id="{9FEA6CC2-F860-4762-B98D-92DFCBF74600}"/>
               </a:ext>
             </a:extLst>
           </p:cNvPr>
@@ -15506,7 +15506,7 @@
           <p:cNvPr id="2" name="직사각형 1">
             <a:extLst>
               <a:ext uri="{FF2B5EF4-FFF2-40B4-BE49-F238E27FC236}">
-                <a16:creationId xmlns="" xmlns:a16="http://schemas.microsoft.com/office/drawing/2014/main" id="{8E5B996D-DF87-49E5-95D1-45B1EEB9EE9A}"/>
+                <a16:creationId xmlns:a16="http://schemas.microsoft.com/office/drawing/2014/main" xmlns="" id="{8E5B996D-DF87-49E5-95D1-45B1EEB9EE9A}"/>
               </a:ext>
             </a:extLst>
           </p:cNvPr>
@@ -15558,7 +15558,7 @@
           <p:cNvPr id="4" name="직사각형 3">
             <a:extLst>
               <a:ext uri="{FF2B5EF4-FFF2-40B4-BE49-F238E27FC236}">
-                <a16:creationId xmlns="" xmlns:a16="http://schemas.microsoft.com/office/drawing/2014/main" id="{080CEE4E-4BCA-42C3-BECA-9BCEB9931EEA}"/>
+                <a16:creationId xmlns:a16="http://schemas.microsoft.com/office/drawing/2014/main" xmlns="" id="{080CEE4E-4BCA-42C3-BECA-9BCEB9931EEA}"/>
               </a:ext>
             </a:extLst>
           </p:cNvPr>
@@ -15634,7 +15634,7 @@
           <p:cNvPr id="77" name="그림 76">
             <a:extLst>
               <a:ext uri="{FF2B5EF4-FFF2-40B4-BE49-F238E27FC236}">
-                <a16:creationId xmlns:a16="http://schemas.microsoft.com/office/drawing/2014/main" xmlns="" id="{0F0992E8-2696-42E6-805A-0C12780D8FA1}"/>
+                <a16:creationId xmlns="" xmlns:a16="http://schemas.microsoft.com/office/drawing/2014/main" id="{0F0992E8-2696-42E6-805A-0C12780D8FA1}"/>
               </a:ext>
             </a:extLst>
           </p:cNvPr>
@@ -15670,7 +15670,7 @@
           <p:cNvPr id="78" name="TextBox 77">
             <a:extLst>
               <a:ext uri="{FF2B5EF4-FFF2-40B4-BE49-F238E27FC236}">
-                <a16:creationId xmlns:a16="http://schemas.microsoft.com/office/drawing/2014/main" xmlns="" id="{D12B0B12-AB99-4F88-B4B2-948DADC833EA}"/>
+                <a16:creationId xmlns="" xmlns:a16="http://schemas.microsoft.com/office/drawing/2014/main" id="{D12B0B12-AB99-4F88-B4B2-948DADC833EA}"/>
               </a:ext>
             </a:extLst>
           </p:cNvPr>
@@ -15929,7 +15929,7 @@
           <p:cNvPr id="2" name="직사각형 1">
             <a:extLst>
               <a:ext uri="{FF2B5EF4-FFF2-40B4-BE49-F238E27FC236}">
-                <a16:creationId xmlns="" xmlns:a16="http://schemas.microsoft.com/office/drawing/2014/main" id="{8E5B996D-DF87-49E5-95D1-45B1EEB9EE9A}"/>
+                <a16:creationId xmlns:a16="http://schemas.microsoft.com/office/drawing/2014/main" xmlns="" id="{8E5B996D-DF87-49E5-95D1-45B1EEB9EE9A}"/>
               </a:ext>
             </a:extLst>
           </p:cNvPr>
@@ -15981,7 +15981,7 @@
           <p:cNvPr id="4" name="직사각형 3">
             <a:extLst>
               <a:ext uri="{FF2B5EF4-FFF2-40B4-BE49-F238E27FC236}">
-                <a16:creationId xmlns="" xmlns:a16="http://schemas.microsoft.com/office/drawing/2014/main" id="{080CEE4E-4BCA-42C3-BECA-9BCEB9931EEA}"/>
+                <a16:creationId xmlns:a16="http://schemas.microsoft.com/office/drawing/2014/main" xmlns="" id="{080CEE4E-4BCA-42C3-BECA-9BCEB9931EEA}"/>
               </a:ext>
             </a:extLst>
           </p:cNvPr>
@@ -16124,7 +16124,7 @@
           <p:cNvPr id="9" name="TextBox 8">
             <a:extLst>
               <a:ext uri="{FF2B5EF4-FFF2-40B4-BE49-F238E27FC236}">
-                <a16:creationId xmlns:a16="http://schemas.microsoft.com/office/drawing/2014/main" xmlns="" id="{D12B0B12-AB99-4F88-B4B2-948DADC833EA}"/>
+                <a16:creationId xmlns="" xmlns:a16="http://schemas.microsoft.com/office/drawing/2014/main" id="{D12B0B12-AB99-4F88-B4B2-948DADC833EA}"/>
               </a:ext>
             </a:extLst>
           </p:cNvPr>
@@ -16207,7 +16207,7 @@
           <p:cNvPr id="12" name="그림 11">
             <a:extLst>
               <a:ext uri="{FF2B5EF4-FFF2-40B4-BE49-F238E27FC236}">
-                <a16:creationId xmlns:a16="http://schemas.microsoft.com/office/drawing/2014/main" xmlns="" id="{0F0992E8-2696-42E6-805A-0C12780D8FA1}"/>
+                <a16:creationId xmlns="" xmlns:a16="http://schemas.microsoft.com/office/drawing/2014/main" id="{0F0992E8-2696-42E6-805A-0C12780D8FA1}"/>
               </a:ext>
             </a:extLst>
           </p:cNvPr>
@@ -16359,7 +16359,7 @@
           <p:cNvPr id="2" name="직사각형 1">
             <a:extLst>
               <a:ext uri="{FF2B5EF4-FFF2-40B4-BE49-F238E27FC236}">
-                <a16:creationId xmlns="" xmlns:a16="http://schemas.microsoft.com/office/drawing/2014/main" id="{8E5B996D-DF87-49E5-95D1-45B1EEB9EE9A}"/>
+                <a16:creationId xmlns:a16="http://schemas.microsoft.com/office/drawing/2014/main" xmlns="" id="{8E5B996D-DF87-49E5-95D1-45B1EEB9EE9A}"/>
               </a:ext>
             </a:extLst>
           </p:cNvPr>
@@ -16411,7 +16411,7 @@
           <p:cNvPr id="4" name="직사각형 3">
             <a:extLst>
               <a:ext uri="{FF2B5EF4-FFF2-40B4-BE49-F238E27FC236}">
-                <a16:creationId xmlns="" xmlns:a16="http://schemas.microsoft.com/office/drawing/2014/main" id="{080CEE4E-4BCA-42C3-BECA-9BCEB9931EEA}"/>
+                <a16:creationId xmlns:a16="http://schemas.microsoft.com/office/drawing/2014/main" xmlns="" id="{080CEE4E-4BCA-42C3-BECA-9BCEB9931EEA}"/>
               </a:ext>
             </a:extLst>
           </p:cNvPr>
@@ -16554,7 +16554,7 @@
           <p:cNvPr id="9" name="TextBox 8">
             <a:extLst>
               <a:ext uri="{FF2B5EF4-FFF2-40B4-BE49-F238E27FC236}">
-                <a16:creationId xmlns:a16="http://schemas.microsoft.com/office/drawing/2014/main" xmlns="" id="{D12B0B12-AB99-4F88-B4B2-948DADC833EA}"/>
+                <a16:creationId xmlns="" xmlns:a16="http://schemas.microsoft.com/office/drawing/2014/main" id="{D12B0B12-AB99-4F88-B4B2-948DADC833EA}"/>
               </a:ext>
             </a:extLst>
           </p:cNvPr>
@@ -16692,7 +16692,7 @@
           <p:cNvPr id="12" name="그림 11">
             <a:extLst>
               <a:ext uri="{FF2B5EF4-FFF2-40B4-BE49-F238E27FC236}">
-                <a16:creationId xmlns:a16="http://schemas.microsoft.com/office/drawing/2014/main" xmlns="" id="{0F0992E8-2696-42E6-805A-0C12780D8FA1}"/>
+                <a16:creationId xmlns="" xmlns:a16="http://schemas.microsoft.com/office/drawing/2014/main" id="{0F0992E8-2696-42E6-805A-0C12780D8FA1}"/>
               </a:ext>
             </a:extLst>
           </p:cNvPr>
@@ -16774,14 +16774,14 @@
         </p:nvSpPr>
         <p:spPr>
           <a:xfrm>
-            <a:off x="2715639" y="2129356"/>
-            <a:ext cx="5802511" cy="2873828"/>
+            <a:off x="3501796" y="1976446"/>
+            <a:ext cx="4883340" cy="1558014"/>
           </a:xfrm>
           <a:prstGeom prst="rect">
             <a:avLst/>
           </a:prstGeom>
           <a:solidFill>
-            <a:srgbClr val="FF0000"/>
+            <a:schemeClr val="bg1"/>
           </a:solidFill>
           <a:ln>
             <a:solidFill>
@@ -16811,267 +16811,47 @@
           <a:p>
             <a:pPr latinLnBrk="0"/>
             <a:r>
+              <a:rPr lang="en-US" altLang="ko-KR" sz="2000" dirty="0" err="1">
+                <a:solidFill>
+                  <a:schemeClr val="tx1"/>
+                </a:solidFill>
+              </a:rPr>
+              <a:t>var</a:t>
+            </a:r>
+            <a:r>
               <a:rPr lang="en-US" altLang="ko-KR" sz="2000" dirty="0">
                 <a:solidFill>
                   <a:schemeClr val="tx1"/>
                 </a:solidFill>
               </a:rPr>
-              <a:t>&lt;</a:t>
-            </a:r>
-            <a:r>
-              <a:rPr lang="en-US" altLang="ko-KR" sz="2000" dirty="0" err="1">
-                <a:solidFill>
-                  <a:schemeClr val="tx1"/>
-                </a:solidFill>
-              </a:rPr>
-              <a:t>ScrollView</a:t>
-            </a:r>
-            <a:endParaRPr lang="en-US" altLang="ko-KR" sz="2000" dirty="0">
-              <a:solidFill>
-                <a:schemeClr val="tx1"/>
-              </a:solidFill>
-            </a:endParaRPr>
-          </a:p>
-          <a:p>
-            <a:pPr latinLnBrk="0"/>
-            <a:r>
-              <a:rPr lang="en-US" altLang="ko-KR" sz="2000" dirty="0">
-                <a:solidFill>
-                  <a:schemeClr val="tx1"/>
-                </a:solidFill>
-              </a:rPr>
-              <a:t>        </a:t>
-            </a:r>
-            <a:r>
-              <a:rPr lang="en-US" altLang="ko-KR" sz="2000" dirty="0" err="1">
-                <a:solidFill>
-                  <a:schemeClr val="tx1"/>
-                </a:solidFill>
-              </a:rPr>
-              <a:t>android:layout_width</a:t>
-            </a:r>
-            <a:r>
-              <a:rPr lang="en-US" altLang="ko-KR" sz="2000" dirty="0">
-                <a:solidFill>
-                  <a:schemeClr val="tx1"/>
-                </a:solidFill>
-              </a:rPr>
-              <a:t>="</a:t>
-            </a:r>
-            <a:r>
-              <a:rPr lang="en-US" altLang="ko-KR" sz="2000" dirty="0" err="1">
-                <a:solidFill>
-                  <a:schemeClr val="tx1"/>
-                </a:solidFill>
-              </a:rPr>
-              <a:t>match_parent</a:t>
-            </a:r>
-            <a:r>
-              <a:rPr lang="en-US" altLang="ko-KR" sz="2000" dirty="0">
-                <a:solidFill>
-                  <a:schemeClr val="tx1"/>
-                </a:solidFill>
-              </a:rPr>
-              <a:t>"</a:t>
-            </a:r>
-          </a:p>
-          <a:p>
-            <a:pPr latinLnBrk="0"/>
-            <a:r>
-              <a:rPr lang="en-US" altLang="ko-KR" sz="2000" dirty="0">
-                <a:solidFill>
-                  <a:schemeClr val="tx1"/>
-                </a:solidFill>
-              </a:rPr>
-              <a:t>        </a:t>
-            </a:r>
-            <a:r>
-              <a:rPr lang="en-US" altLang="ko-KR" sz="2000" dirty="0" err="1">
-                <a:solidFill>
-                  <a:schemeClr val="tx1"/>
-                </a:solidFill>
-              </a:rPr>
-              <a:t>android:layout_height</a:t>
-            </a:r>
-            <a:r>
-              <a:rPr lang="en-US" altLang="ko-KR" sz="2000" dirty="0">
-                <a:solidFill>
-                  <a:schemeClr val="tx1"/>
-                </a:solidFill>
-              </a:rPr>
-              <a:t>="</a:t>
-            </a:r>
-            <a:r>
-              <a:rPr lang="en-US" altLang="ko-KR" sz="2000" dirty="0" err="1">
-                <a:solidFill>
-                  <a:schemeClr val="tx1"/>
-                </a:solidFill>
-              </a:rPr>
-              <a:t>match_parent</a:t>
-            </a:r>
-            <a:r>
-              <a:rPr lang="en-US" altLang="ko-KR" sz="2000" dirty="0">
-                <a:solidFill>
-                  <a:schemeClr val="tx1"/>
-                </a:solidFill>
-              </a:rPr>
-              <a:t>"&gt;</a:t>
-            </a:r>
-          </a:p>
-          <a:p>
-            <a:pPr latinLnBrk="0"/>
+              <a:t> today = new Date</a:t>
+            </a:r>
             <a:r>
               <a:rPr lang="en-US" altLang="ko-KR" sz="2000" dirty="0" smtClean="0">
                 <a:solidFill>
                   <a:schemeClr val="tx1"/>
                 </a:solidFill>
               </a:rPr>
-              <a:t>    &lt;</a:t>
-            </a:r>
-            <a:r>
-              <a:rPr lang="en-US" altLang="ko-KR" sz="2000" dirty="0" err="1">
-                <a:solidFill>
-                  <a:schemeClr val="tx1"/>
-                </a:solidFill>
-              </a:rPr>
-              <a:t>LinearLayout</a:t>
-            </a:r>
-            <a:endParaRPr lang="en-US" altLang="ko-KR" sz="2000" dirty="0">
-              <a:solidFill>
-                <a:schemeClr val="tx1"/>
-              </a:solidFill>
-            </a:endParaRPr>
+              <a:t>();</a:t>
+            </a:r>
           </a:p>
           <a:p>
             <a:pPr latinLnBrk="0"/>
-            <a:r>
-              <a:rPr lang="en-US" altLang="ko-KR" sz="2000" dirty="0">
-                <a:solidFill>
-                  <a:schemeClr val="tx1"/>
-                </a:solidFill>
-              </a:rPr>
-              <a:t>            </a:t>
-            </a:r>
-            <a:r>
-              <a:rPr lang="en-US" altLang="ko-KR" sz="2000" dirty="0" err="1">
-                <a:solidFill>
-                  <a:schemeClr val="tx1"/>
-                </a:solidFill>
-              </a:rPr>
-              <a:t>android:layout_width</a:t>
-            </a:r>
-            <a:r>
-              <a:rPr lang="en-US" altLang="ko-KR" sz="2000" dirty="0">
-                <a:solidFill>
-                  <a:schemeClr val="tx1"/>
-                </a:solidFill>
-              </a:rPr>
-              <a:t>="</a:t>
-            </a:r>
-            <a:r>
-              <a:rPr lang="en-US" altLang="ko-KR" sz="2000" dirty="0" err="1">
-                <a:solidFill>
-                  <a:schemeClr val="tx1"/>
-                </a:solidFill>
-              </a:rPr>
-              <a:t>match_parent</a:t>
-            </a:r>
-            <a:r>
-              <a:rPr lang="en-US" altLang="ko-KR" sz="2000" dirty="0">
-                <a:solidFill>
-                  <a:schemeClr val="tx1"/>
-                </a:solidFill>
-              </a:rPr>
-              <a:t>"</a:t>
-            </a:r>
-          </a:p>
-          <a:p>
-            <a:pPr latinLnBrk="0"/>
-            <a:r>
-              <a:rPr lang="en-US" altLang="ko-KR" sz="2000" dirty="0">
-                <a:solidFill>
-                  <a:schemeClr val="tx1"/>
-                </a:solidFill>
-              </a:rPr>
-              <a:t>            </a:t>
-            </a:r>
-            <a:r>
-              <a:rPr lang="en-US" altLang="ko-KR" sz="2000" dirty="0" err="1">
-                <a:solidFill>
-                  <a:schemeClr val="tx1"/>
-                </a:solidFill>
-              </a:rPr>
-              <a:t>android:layout_height</a:t>
-            </a:r>
-            <a:r>
-              <a:rPr lang="en-US" altLang="ko-KR" sz="2000" dirty="0">
-                <a:solidFill>
-                  <a:schemeClr val="tx1"/>
-                </a:solidFill>
-              </a:rPr>
-              <a:t>="</a:t>
-            </a:r>
-            <a:r>
-              <a:rPr lang="en-US" altLang="ko-KR" sz="2000" dirty="0" err="1">
-                <a:solidFill>
-                  <a:schemeClr val="tx1"/>
-                </a:solidFill>
-              </a:rPr>
-              <a:t>wrap_content</a:t>
-            </a:r>
-            <a:r>
-              <a:rPr lang="en-US" altLang="ko-KR" sz="2000" dirty="0">
-                <a:solidFill>
-                  <a:schemeClr val="tx1"/>
-                </a:solidFill>
-              </a:rPr>
-              <a:t>"</a:t>
-            </a:r>
-          </a:p>
-          <a:p>
-            <a:pPr latinLnBrk="0"/>
-            <a:r>
-              <a:rPr lang="en-US" altLang="ko-KR" sz="2000" dirty="0">
-                <a:solidFill>
-                  <a:schemeClr val="tx1"/>
-                </a:solidFill>
-              </a:rPr>
-              <a:t>            </a:t>
-            </a:r>
-            <a:r>
-              <a:rPr lang="en-US" altLang="ko-KR" sz="2000" dirty="0" err="1">
-                <a:solidFill>
-                  <a:schemeClr val="tx1"/>
-                </a:solidFill>
-              </a:rPr>
-              <a:t>android:orientation</a:t>
-            </a:r>
-            <a:r>
-              <a:rPr lang="en-US" altLang="ko-KR" sz="2000" dirty="0">
-                <a:solidFill>
-                  <a:schemeClr val="tx1"/>
-                </a:solidFill>
-              </a:rPr>
-              <a:t>="vertical" </a:t>
-            </a:r>
             <a:r>
               <a:rPr lang="en-US" altLang="ko-KR" sz="2000" dirty="0" smtClean="0">
                 <a:solidFill>
                   <a:schemeClr val="tx1"/>
                 </a:solidFill>
               </a:rPr>
-              <a:t>&gt;</a:t>
-            </a:r>
-          </a:p>
-          <a:p>
-            <a:pPr latinLnBrk="0"/>
-            <a:r>
-              <a:rPr lang="en-US" altLang="ko-KR" sz="2000" dirty="0">
+              <a:t>  .</a:t>
+            </a:r>
+            <a:r>
+              <a:rPr lang="en-US" altLang="ko-KR" sz="2000" dirty="0" err="1" smtClean="0">
                 <a:solidFill>
                   <a:schemeClr val="tx1"/>
                 </a:solidFill>
               </a:rPr>
-              <a:t> </a:t>
+              <a:t>getYears</a:t>
             </a:r>
             <a:r>
               <a:rPr lang="en-US" altLang="ko-KR" sz="2000" dirty="0" smtClean="0">
@@ -17079,7 +16859,23 @@
                   <a:schemeClr val="tx1"/>
                 </a:solidFill>
               </a:rPr>
-              <a:t>   &lt;/</a:t>
+              <a:t> : </a:t>
+            </a:r>
+            <a:r>
+              <a:rPr lang="ko-KR" altLang="en-US" sz="2000" dirty="0" smtClean="0">
+                <a:solidFill>
+                  <a:schemeClr val="tx1"/>
+                </a:solidFill>
+              </a:rPr>
+              <a:t>연도</a:t>
+            </a:r>
+            <a:r>
+              <a:rPr lang="en-US" altLang="ko-KR" sz="2000" dirty="0" smtClean="0">
+                <a:solidFill>
+                  <a:schemeClr val="tx1"/>
+                </a:solidFill>
+              </a:rPr>
+              <a:t>	.</a:t>
             </a:r>
             <a:r>
               <a:rPr lang="en-US" altLang="ko-KR" sz="2000" dirty="0" err="1" smtClean="0">
@@ -17087,7 +16883,7 @@
                   <a:schemeClr val="tx1"/>
                 </a:solidFill>
               </a:rPr>
-              <a:t>LinearLayout</a:t>
+              <a:t>getMonth</a:t>
             </a:r>
             <a:r>
               <a:rPr lang="en-US" altLang="ko-KR" sz="2000" dirty="0" smtClean="0">
@@ -17095,8 +16891,21 @@
                   <a:schemeClr val="tx1"/>
                 </a:solidFill>
               </a:rPr>
-              <a:t>&gt;</a:t>
-            </a:r>
+              <a:t> : </a:t>
+            </a:r>
+            <a:r>
+              <a:rPr lang="ko-KR" altLang="en-US" sz="2000" dirty="0" smtClean="0">
+                <a:solidFill>
+                  <a:schemeClr val="tx1"/>
+                </a:solidFill>
+              </a:rPr>
+              <a:t>월</a:t>
+            </a:r>
+            <a:endParaRPr lang="en-US" altLang="ko-KR" sz="2000" dirty="0" smtClean="0">
+              <a:solidFill>
+                <a:schemeClr val="tx1"/>
+              </a:solidFill>
+            </a:endParaRPr>
           </a:p>
           <a:p>
             <a:pPr latinLnBrk="0"/>
@@ -17106,7 +16915,7 @@
                   <a:schemeClr val="tx1"/>
                 </a:solidFill>
               </a:rPr>
-              <a:t>&lt;/</a:t>
+              <a:t>  .</a:t>
             </a:r>
             <a:r>
               <a:rPr lang="en-US" altLang="ko-KR" sz="2000" dirty="0" err="1" smtClean="0">
@@ -17114,7 +16923,7 @@
                   <a:schemeClr val="tx1"/>
                 </a:solidFill>
               </a:rPr>
-              <a:t>ScrollView</a:t>
+              <a:t>getDate</a:t>
             </a:r>
             <a:r>
               <a:rPr lang="en-US" altLang="ko-KR" sz="2000" dirty="0" smtClean="0">
@@ -17122,7 +16931,127 @@
                   <a:schemeClr val="tx1"/>
                 </a:solidFill>
               </a:rPr>
-              <a:t>&gt;</a:t>
+              <a:t> : </a:t>
+            </a:r>
+            <a:r>
+              <a:rPr lang="ko-KR" altLang="en-US" sz="2000" dirty="0" smtClean="0">
+                <a:solidFill>
+                  <a:schemeClr val="tx1"/>
+                </a:solidFill>
+              </a:rPr>
+              <a:t>일</a:t>
+            </a:r>
+            <a:r>
+              <a:rPr lang="en-US" altLang="ko-KR" sz="2000" dirty="0" smtClean="0">
+                <a:solidFill>
+                  <a:schemeClr val="tx1"/>
+                </a:solidFill>
+              </a:rPr>
+              <a:t>		</a:t>
+            </a:r>
+            <a:r>
+              <a:rPr lang="en-US" altLang="ko-KR" sz="2000" dirty="0" smtClean="0">
+                <a:solidFill>
+                  <a:schemeClr val="tx1"/>
+                </a:solidFill>
+              </a:rPr>
+              <a:t>.</a:t>
+            </a:r>
+            <a:r>
+              <a:rPr lang="en-US" altLang="ko-KR" sz="2000" dirty="0" err="1" smtClean="0">
+                <a:solidFill>
+                  <a:schemeClr val="tx1"/>
+                </a:solidFill>
+              </a:rPr>
+              <a:t>getDay</a:t>
+            </a:r>
+            <a:r>
+              <a:rPr lang="en-US" altLang="ko-KR" sz="2000" dirty="0" smtClean="0">
+                <a:solidFill>
+                  <a:schemeClr val="tx1"/>
+                </a:solidFill>
+              </a:rPr>
+              <a:t> : </a:t>
+            </a:r>
+            <a:r>
+              <a:rPr lang="ko-KR" altLang="en-US" sz="2000" dirty="0" smtClean="0">
+                <a:solidFill>
+                  <a:schemeClr val="tx1"/>
+                </a:solidFill>
+              </a:rPr>
+              <a:t>요일</a:t>
+            </a:r>
+            <a:endParaRPr lang="en-US" altLang="ko-KR" sz="2000" dirty="0" smtClean="0">
+              <a:solidFill>
+                <a:schemeClr val="tx1"/>
+              </a:solidFill>
+            </a:endParaRPr>
+          </a:p>
+          <a:p>
+            <a:pPr latinLnBrk="0"/>
+            <a:r>
+              <a:rPr lang="en-US" altLang="ko-KR" sz="2000" dirty="0" smtClean="0">
+                <a:solidFill>
+                  <a:schemeClr val="tx1"/>
+                </a:solidFill>
+              </a:rPr>
+              <a:t>  .</a:t>
+            </a:r>
+            <a:r>
+              <a:rPr lang="en-US" altLang="ko-KR" sz="2000" dirty="0" err="1" smtClean="0">
+                <a:solidFill>
+                  <a:schemeClr val="tx1"/>
+                </a:solidFill>
+              </a:rPr>
+              <a:t>getHours</a:t>
+            </a:r>
+            <a:r>
+              <a:rPr lang="en-US" altLang="ko-KR" sz="2000" dirty="0" smtClean="0">
+                <a:solidFill>
+                  <a:schemeClr val="tx1"/>
+                </a:solidFill>
+              </a:rPr>
+              <a:t> : </a:t>
+            </a:r>
+            <a:r>
+              <a:rPr lang="ko-KR" altLang="en-US" sz="2000" dirty="0" smtClean="0">
+                <a:solidFill>
+                  <a:schemeClr val="tx1"/>
+                </a:solidFill>
+              </a:rPr>
+              <a:t>시</a:t>
+            </a:r>
+            <a:r>
+              <a:rPr lang="en-US" altLang="ko-KR" sz="2000" dirty="0" smtClean="0">
+                <a:solidFill>
+                  <a:schemeClr val="tx1"/>
+                </a:solidFill>
+              </a:rPr>
+              <a:t>		.</a:t>
+            </a:r>
+            <a:r>
+              <a:rPr lang="en-US" altLang="ko-KR" sz="2000" dirty="0" err="1" smtClean="0">
+                <a:solidFill>
+                  <a:schemeClr val="tx1"/>
+                </a:solidFill>
+              </a:rPr>
+              <a:t>getMinutes</a:t>
+            </a:r>
+            <a:r>
+              <a:rPr lang="en-US" altLang="ko-KR" sz="2000" dirty="0" smtClean="0">
+                <a:solidFill>
+                  <a:schemeClr val="tx1"/>
+                </a:solidFill>
+              </a:rPr>
+              <a:t> : </a:t>
+            </a:r>
+            <a:r>
+              <a:rPr lang="ko-KR" altLang="en-US" sz="2000" dirty="0" smtClean="0">
+                <a:solidFill>
+                  <a:schemeClr val="tx1"/>
+                </a:solidFill>
+              </a:rPr>
+              <a:t>분</a:t>
             </a:r>
             <a:endParaRPr lang="en-US" altLang="ko-KR" sz="2000" dirty="0">
               <a:solidFill>
@@ -17137,7 +17066,7 @@
           <p:cNvPr id="14" name="사각형: 둥근 모서리 33">
             <a:extLst>
               <a:ext uri="{FF2B5EF4-FFF2-40B4-BE49-F238E27FC236}">
-                <a16:creationId xmlns="" xmlns:a16="http://schemas.microsoft.com/office/drawing/2014/main" id="{9FEA6CC2-F860-4762-B98D-92DFCBF74600}"/>
+                <a16:creationId xmlns:a16="http://schemas.microsoft.com/office/drawing/2014/main" xmlns="" id="{9FEA6CC2-F860-4762-B98D-92DFCBF74600}"/>
               </a:ext>
             </a:extLst>
           </p:cNvPr>
@@ -17147,13 +17076,13 @@
         <p:spPr>
           <a:xfrm>
             <a:off x="2715639" y="5152700"/>
-            <a:ext cx="6455655" cy="867468"/>
+            <a:ext cx="6069261" cy="585948"/>
           </a:xfrm>
           <a:prstGeom prst="roundRect">
             <a:avLst/>
           </a:prstGeom>
           <a:solidFill>
-            <a:srgbClr val="FF0000"/>
+            <a:schemeClr val="bg1"/>
           </a:solidFill>
           <a:ln>
             <a:solidFill>
@@ -17183,12 +17112,12 @@
           <a:p>
             <a:pPr latinLnBrk="0"/>
             <a:r>
-              <a:rPr lang="en-US" altLang="ko-KR" sz="2000" dirty="0" err="1" smtClean="0">
+              <a:rPr lang="en-US" altLang="ko-KR" sz="2000" dirty="0" smtClean="0">
                 <a:solidFill>
                   <a:schemeClr val="tx1"/>
                 </a:solidFill>
               </a:rPr>
-              <a:t>ScrollView</a:t>
+              <a:t>Date </a:t>
             </a:r>
             <a:r>
               <a:rPr lang="ko-KR" altLang="en-US" sz="2000" dirty="0" smtClean="0">
@@ -17196,15 +17125,15 @@
                   <a:schemeClr val="tx1"/>
                 </a:solidFill>
               </a:rPr>
-              <a:t>를 이용하여 화면을 넘어가는 레이아웃도 스크롤로 볼 수 있다</a:t>
-            </a:r>
-            <a:r>
-              <a:rPr lang="en-US" altLang="ko-KR" sz="2000" dirty="0" smtClean="0">
+              <a:t>객체와 날짜 및 시간을 읽어오는 </a:t>
+            </a:r>
+            <a:r>
+              <a:rPr lang="ko-KR" altLang="en-US" sz="2000" dirty="0" err="1" smtClean="0">
                 <a:solidFill>
                   <a:schemeClr val="tx1"/>
                 </a:solidFill>
               </a:rPr>
-              <a:t>.</a:t>
+              <a:t>메서드</a:t>
             </a:r>
             <a:endParaRPr lang="ko-KR" altLang="en-US" sz="2000" dirty="0">
               <a:solidFill>
@@ -17214,6 +17143,45 @@
           </a:p>
         </p:txBody>
       </p:sp>
+      <p:cxnSp>
+        <p:nvCxnSpPr>
+          <p:cNvPr id="15" name="직선 화살표 연결선 14"/>
+          <p:cNvCxnSpPr>
+            <a:cxnSpLocks/>
+            <a:stCxn id="13" idx="2"/>
+          </p:cNvCxnSpPr>
+          <p:nvPr/>
+        </p:nvCxnSpPr>
+        <p:spPr>
+          <a:xfrm flipH="1">
+            <a:off x="5580993" y="3534460"/>
+            <a:ext cx="362473" cy="1069071"/>
+          </a:xfrm>
+          <a:prstGeom prst="straightConnector1">
+            <a:avLst/>
+          </a:prstGeom>
+          <a:ln w="12700">
+            <a:solidFill>
+              <a:srgbClr val="FF0000"/>
+            </a:solidFill>
+            <a:tailEnd type="triangle"/>
+          </a:ln>
+        </p:spPr>
+        <p:style>
+          <a:lnRef idx="1">
+            <a:schemeClr val="accent1"/>
+          </a:lnRef>
+          <a:fillRef idx="0">
+            <a:schemeClr val="accent1"/>
+          </a:fillRef>
+          <a:effectRef idx="0">
+            <a:schemeClr val="accent1"/>
+          </a:effectRef>
+          <a:fontRef idx="minor">
+            <a:schemeClr val="tx1"/>
+          </a:fontRef>
+        </p:style>
+      </p:cxnSp>
     </p:spTree>
     <p:extLst>
       <p:ext uri="{BB962C8B-B14F-4D97-AF65-F5344CB8AC3E}">
@@ -17249,7 +17217,7 @@
           <p:cNvPr id="2" name="직사각형 1">
             <a:extLst>
               <a:ext uri="{FF2B5EF4-FFF2-40B4-BE49-F238E27FC236}">
-                <a16:creationId xmlns="" xmlns:a16="http://schemas.microsoft.com/office/drawing/2014/main" id="{8E5B996D-DF87-49E5-95D1-45B1EEB9EE9A}"/>
+                <a16:creationId xmlns:a16="http://schemas.microsoft.com/office/drawing/2014/main" xmlns="" id="{8E5B996D-DF87-49E5-95D1-45B1EEB9EE9A}"/>
               </a:ext>
             </a:extLst>
           </p:cNvPr>
@@ -17301,7 +17269,7 @@
           <p:cNvPr id="4" name="직사각형 3">
             <a:extLst>
               <a:ext uri="{FF2B5EF4-FFF2-40B4-BE49-F238E27FC236}">
-                <a16:creationId xmlns="" xmlns:a16="http://schemas.microsoft.com/office/drawing/2014/main" id="{080CEE4E-4BCA-42C3-BECA-9BCEB9931EEA}"/>
+                <a16:creationId xmlns:a16="http://schemas.microsoft.com/office/drawing/2014/main" xmlns="" id="{080CEE4E-4BCA-42C3-BECA-9BCEB9931EEA}"/>
               </a:ext>
             </a:extLst>
           </p:cNvPr>
@@ -17353,7 +17321,7 @@
           <p:cNvPr id="5" name="TextBox 4">
             <a:extLst>
               <a:ext uri="{FF2B5EF4-FFF2-40B4-BE49-F238E27FC236}">
-                <a16:creationId xmlns="" xmlns:a16="http://schemas.microsoft.com/office/drawing/2014/main" id="{D12B0B12-AB99-4F88-B4B2-948DADC833EA}"/>
+                <a16:creationId xmlns:a16="http://schemas.microsoft.com/office/drawing/2014/main" xmlns="" id="{D12B0B12-AB99-4F88-B4B2-948DADC833EA}"/>
               </a:ext>
             </a:extLst>
           </p:cNvPr>
@@ -17436,7 +17404,7 @@
           <p:cNvPr id="9" name="그림 8">
             <a:extLst>
               <a:ext uri="{FF2B5EF4-FFF2-40B4-BE49-F238E27FC236}">
-                <a16:creationId xmlns="" xmlns:a16="http://schemas.microsoft.com/office/drawing/2014/main" id="{0F0992E8-2696-42E6-805A-0C12780D8FA1}"/>
+                <a16:creationId xmlns:a16="http://schemas.microsoft.com/office/drawing/2014/main" xmlns="" id="{0F0992E8-2696-42E6-805A-0C12780D8FA1}"/>
               </a:ext>
             </a:extLst>
           </p:cNvPr>
@@ -17492,56 +17460,56 @@
                 <a:gridCol w="721819">
                   <a:extLst>
                     <a:ext uri="{9D8B030D-6E8A-4147-A177-3AD203B41FA5}">
-                      <a16:colId xmlns="" xmlns:a16="http://schemas.microsoft.com/office/drawing/2014/main" val="20000"/>
+                      <a16:colId xmlns:a16="http://schemas.microsoft.com/office/drawing/2014/main" xmlns="" val="20000"/>
                     </a:ext>
                   </a:extLst>
                 </a:gridCol>
                 <a:gridCol w="996853">
                   <a:extLst>
                     <a:ext uri="{9D8B030D-6E8A-4147-A177-3AD203B41FA5}">
-                      <a16:colId xmlns="" xmlns:a16="http://schemas.microsoft.com/office/drawing/2014/main" val="20001"/>
+                      <a16:colId xmlns:a16="http://schemas.microsoft.com/office/drawing/2014/main" xmlns="" val="20001"/>
                     </a:ext>
                   </a:extLst>
                 </a:gridCol>
                 <a:gridCol w="2091038">
                   <a:extLst>
                     <a:ext uri="{9D8B030D-6E8A-4147-A177-3AD203B41FA5}">
-                      <a16:colId xmlns="" xmlns:a16="http://schemas.microsoft.com/office/drawing/2014/main" val="20002"/>
+                      <a16:colId xmlns:a16="http://schemas.microsoft.com/office/drawing/2014/main" xmlns="" val="20002"/>
                     </a:ext>
                   </a:extLst>
                 </a:gridCol>
                 <a:gridCol w="4084858">
                   <a:extLst>
                     <a:ext uri="{9D8B030D-6E8A-4147-A177-3AD203B41FA5}">
-                      <a16:colId xmlns="" xmlns:a16="http://schemas.microsoft.com/office/drawing/2014/main" val="20003"/>
+                      <a16:colId xmlns:a16="http://schemas.microsoft.com/office/drawing/2014/main" xmlns="" val="20003"/>
                     </a:ext>
                   </a:extLst>
                 </a:gridCol>
                 <a:gridCol w="527378">
                   <a:extLst>
                     <a:ext uri="{9D8B030D-6E8A-4147-A177-3AD203B41FA5}">
-                      <a16:colId xmlns="" xmlns:a16="http://schemas.microsoft.com/office/drawing/2014/main" val="20004"/>
+                      <a16:colId xmlns:a16="http://schemas.microsoft.com/office/drawing/2014/main" xmlns="" val="20004"/>
                     </a:ext>
                   </a:extLst>
                 </a:gridCol>
                 <a:gridCol w="717443">
                   <a:extLst>
                     <a:ext uri="{9D8B030D-6E8A-4147-A177-3AD203B41FA5}">
-                      <a16:colId xmlns="" xmlns:a16="http://schemas.microsoft.com/office/drawing/2014/main" val="20005"/>
+                      <a16:colId xmlns:a16="http://schemas.microsoft.com/office/drawing/2014/main" xmlns="" val="20005"/>
                     </a:ext>
                   </a:extLst>
                 </a:gridCol>
                 <a:gridCol w="359615">
                   <a:extLst>
                     <a:ext uri="{9D8B030D-6E8A-4147-A177-3AD203B41FA5}">
-                      <a16:colId xmlns="" xmlns:a16="http://schemas.microsoft.com/office/drawing/2014/main" val="20006"/>
+                      <a16:colId xmlns:a16="http://schemas.microsoft.com/office/drawing/2014/main" xmlns="" val="20006"/>
                     </a:ext>
                   </a:extLst>
                 </a:gridCol>
                 <a:gridCol w="359615">
                   <a:extLst>
                     <a:ext uri="{9D8B030D-6E8A-4147-A177-3AD203B41FA5}">
-                      <a16:colId xmlns="" xmlns:a16="http://schemas.microsoft.com/office/drawing/2014/main" val="20007"/>
+                      <a16:colId xmlns:a16="http://schemas.microsoft.com/office/drawing/2014/main" xmlns="" val="20007"/>
                     </a:ext>
                   </a:extLst>
                 </a:gridCol>
@@ -17549,7 +17517,7 @@
                 <a:gridCol w="612000">
                   <a:extLst>
                     <a:ext uri="{9D8B030D-6E8A-4147-A177-3AD203B41FA5}">
-                      <a16:colId xmlns="" xmlns:a16="http://schemas.microsoft.com/office/drawing/2014/main" val="20008"/>
+                      <a16:colId xmlns:a16="http://schemas.microsoft.com/office/drawing/2014/main" xmlns="" val="20008"/>
                     </a:ext>
                   </a:extLst>
                 </a:gridCol>
@@ -18152,7 +18120,7 @@
                 </a:tc>
                 <a:extLst>
                   <a:ext uri="{0D108BD9-81ED-4DB2-BD59-A6C34878D82A}">
-                    <a16:rowId xmlns="" xmlns:a16="http://schemas.microsoft.com/office/drawing/2014/main" val="10000"/>
+                    <a16:rowId xmlns:a16="http://schemas.microsoft.com/office/drawing/2014/main" xmlns="" val="10000"/>
                   </a:ext>
                 </a:extLst>
               </a:tr>
@@ -18730,7 +18698,7 @@
                 </a:tc>
                 <a:extLst>
                   <a:ext uri="{0D108BD9-81ED-4DB2-BD59-A6C34878D82A}">
-                    <a16:rowId xmlns="" xmlns:a16="http://schemas.microsoft.com/office/drawing/2014/main" val="10001"/>
+                    <a16:rowId xmlns:a16="http://schemas.microsoft.com/office/drawing/2014/main" xmlns="" val="10001"/>
                   </a:ext>
                 </a:extLst>
               </a:tr>
@@ -19192,7 +19160,7 @@
                 </a:tc>
                 <a:extLst>
                   <a:ext uri="{0D108BD9-81ED-4DB2-BD59-A6C34878D82A}">
-                    <a16:rowId xmlns="" xmlns:a16="http://schemas.microsoft.com/office/drawing/2014/main" val="10002"/>
+                    <a16:rowId xmlns:a16="http://schemas.microsoft.com/office/drawing/2014/main" xmlns="" val="10002"/>
                   </a:ext>
                 </a:extLst>
               </a:tr>
@@ -19646,7 +19614,7 @@
                 </a:tc>
                 <a:extLst>
                   <a:ext uri="{0D108BD9-81ED-4DB2-BD59-A6C34878D82A}">
-                    <a16:rowId xmlns="" xmlns:a16="http://schemas.microsoft.com/office/drawing/2014/main" val="10003"/>
+                    <a16:rowId xmlns:a16="http://schemas.microsoft.com/office/drawing/2014/main" xmlns="" val="10003"/>
                   </a:ext>
                 </a:extLst>
               </a:tr>
@@ -20128,7 +20096,7 @@
                 </a:tc>
                 <a:extLst>
                   <a:ext uri="{0D108BD9-81ED-4DB2-BD59-A6C34878D82A}">
-                    <a16:rowId xmlns="" xmlns:a16="http://schemas.microsoft.com/office/drawing/2014/main" val="10004"/>
+                    <a16:rowId xmlns:a16="http://schemas.microsoft.com/office/drawing/2014/main" xmlns="" val="10004"/>
                   </a:ext>
                 </a:extLst>
               </a:tr>
@@ -20566,7 +20534,7 @@
                 </a:tc>
                 <a:extLst>
                   <a:ext uri="{0D108BD9-81ED-4DB2-BD59-A6C34878D82A}">
-                    <a16:rowId xmlns="" xmlns:a16="http://schemas.microsoft.com/office/drawing/2014/main" val="10005"/>
+                    <a16:rowId xmlns:a16="http://schemas.microsoft.com/office/drawing/2014/main" xmlns="" val="10005"/>
                   </a:ext>
                 </a:extLst>
               </a:tr>
@@ -21183,7 +21151,7 @@
                 </a:tc>
                 <a:extLst>
                   <a:ext uri="{0D108BD9-81ED-4DB2-BD59-A6C34878D82A}">
-                    <a16:rowId xmlns="" xmlns:a16="http://schemas.microsoft.com/office/drawing/2014/main" val="10006"/>
+                    <a16:rowId xmlns:a16="http://schemas.microsoft.com/office/drawing/2014/main" xmlns="" val="10006"/>
                   </a:ext>
                 </a:extLst>
               </a:tr>
@@ -21738,7 +21706,7 @@
                 </a:tc>
                 <a:extLst>
                   <a:ext uri="{0D108BD9-81ED-4DB2-BD59-A6C34878D82A}">
-                    <a16:rowId xmlns="" xmlns:a16="http://schemas.microsoft.com/office/drawing/2014/main" val="10007"/>
+                    <a16:rowId xmlns:a16="http://schemas.microsoft.com/office/drawing/2014/main" xmlns="" val="10007"/>
                   </a:ext>
                 </a:extLst>
               </a:tr>
@@ -22276,7 +22244,7 @@
                 </a:tc>
                 <a:extLst>
                   <a:ext uri="{0D108BD9-81ED-4DB2-BD59-A6C34878D82A}">
-                    <a16:rowId xmlns="" xmlns:a16="http://schemas.microsoft.com/office/drawing/2014/main" val="10008"/>
+                    <a16:rowId xmlns:a16="http://schemas.microsoft.com/office/drawing/2014/main" xmlns="" val="10008"/>
                   </a:ext>
                 </a:extLst>
               </a:tr>
@@ -22741,7 +22709,7 @@
                 </a:tc>
                 <a:extLst>
                   <a:ext uri="{0D108BD9-81ED-4DB2-BD59-A6C34878D82A}">
-                    <a16:rowId xmlns="" xmlns:a16="http://schemas.microsoft.com/office/drawing/2014/main" val="10009"/>
+                    <a16:rowId xmlns:a16="http://schemas.microsoft.com/office/drawing/2014/main" xmlns="" val="10009"/>
                   </a:ext>
                 </a:extLst>
               </a:tr>
@@ -23223,7 +23191,7 @@
                 </a:tc>
                 <a:extLst>
                   <a:ext uri="{0D108BD9-81ED-4DB2-BD59-A6C34878D82A}">
-                    <a16:rowId xmlns="" xmlns:a16="http://schemas.microsoft.com/office/drawing/2014/main" val="10010"/>
+                    <a16:rowId xmlns:a16="http://schemas.microsoft.com/office/drawing/2014/main" xmlns="" val="10010"/>
                   </a:ext>
                 </a:extLst>
               </a:tr>
@@ -23266,7 +23234,7 @@
           <p:cNvPr id="2" name="직사각형 1">
             <a:extLst>
               <a:ext uri="{FF2B5EF4-FFF2-40B4-BE49-F238E27FC236}">
-                <a16:creationId xmlns="" xmlns:a16="http://schemas.microsoft.com/office/drawing/2014/main" id="{8E5B996D-DF87-49E5-95D1-45B1EEB9EE9A}"/>
+                <a16:creationId xmlns:a16="http://schemas.microsoft.com/office/drawing/2014/main" xmlns="" id="{8E5B996D-DF87-49E5-95D1-45B1EEB9EE9A}"/>
               </a:ext>
             </a:extLst>
           </p:cNvPr>
@@ -23318,7 +23286,7 @@
           <p:cNvPr id="4" name="직사각형 3">
             <a:extLst>
               <a:ext uri="{FF2B5EF4-FFF2-40B4-BE49-F238E27FC236}">
-                <a16:creationId xmlns="" xmlns:a16="http://schemas.microsoft.com/office/drawing/2014/main" id="{080CEE4E-4BCA-42C3-BECA-9BCEB9931EEA}"/>
+                <a16:creationId xmlns:a16="http://schemas.microsoft.com/office/drawing/2014/main" xmlns="" id="{080CEE4E-4BCA-42C3-BECA-9BCEB9931EEA}"/>
               </a:ext>
             </a:extLst>
           </p:cNvPr>
@@ -23370,7 +23338,7 @@
           <p:cNvPr id="9" name="그림 8">
             <a:extLst>
               <a:ext uri="{FF2B5EF4-FFF2-40B4-BE49-F238E27FC236}">
-                <a16:creationId xmlns="" xmlns:a16="http://schemas.microsoft.com/office/drawing/2014/main" id="{0F0992E8-2696-42E6-805A-0C12780D8FA1}"/>
+                <a16:creationId xmlns:a16="http://schemas.microsoft.com/office/drawing/2014/main" xmlns="" id="{0F0992E8-2696-42E6-805A-0C12780D8FA1}"/>
               </a:ext>
             </a:extLst>
           </p:cNvPr>
@@ -23426,56 +23394,56 @@
                 <a:gridCol w="721819">
                   <a:extLst>
                     <a:ext uri="{9D8B030D-6E8A-4147-A177-3AD203B41FA5}">
-                      <a16:colId xmlns="" xmlns:a16="http://schemas.microsoft.com/office/drawing/2014/main" val="20000"/>
+                      <a16:colId xmlns:a16="http://schemas.microsoft.com/office/drawing/2014/main" xmlns="" val="20000"/>
                     </a:ext>
                   </a:extLst>
                 </a:gridCol>
                 <a:gridCol w="996853">
                   <a:extLst>
                     <a:ext uri="{9D8B030D-6E8A-4147-A177-3AD203B41FA5}">
-                      <a16:colId xmlns="" xmlns:a16="http://schemas.microsoft.com/office/drawing/2014/main" val="20001"/>
+                      <a16:colId xmlns:a16="http://schemas.microsoft.com/office/drawing/2014/main" xmlns="" val="20001"/>
                     </a:ext>
                   </a:extLst>
                 </a:gridCol>
                 <a:gridCol w="2091038">
                   <a:extLst>
                     <a:ext uri="{9D8B030D-6E8A-4147-A177-3AD203B41FA5}">
-                      <a16:colId xmlns="" xmlns:a16="http://schemas.microsoft.com/office/drawing/2014/main" val="20002"/>
+                      <a16:colId xmlns:a16="http://schemas.microsoft.com/office/drawing/2014/main" xmlns="" val="20002"/>
                     </a:ext>
                   </a:extLst>
                 </a:gridCol>
                 <a:gridCol w="4084858">
                   <a:extLst>
                     <a:ext uri="{9D8B030D-6E8A-4147-A177-3AD203B41FA5}">
-                      <a16:colId xmlns="" xmlns:a16="http://schemas.microsoft.com/office/drawing/2014/main" val="20003"/>
+                      <a16:colId xmlns:a16="http://schemas.microsoft.com/office/drawing/2014/main" xmlns="" val="20003"/>
                     </a:ext>
                   </a:extLst>
                 </a:gridCol>
                 <a:gridCol w="527378">
                   <a:extLst>
                     <a:ext uri="{9D8B030D-6E8A-4147-A177-3AD203B41FA5}">
-                      <a16:colId xmlns="" xmlns:a16="http://schemas.microsoft.com/office/drawing/2014/main" val="20004"/>
+                      <a16:colId xmlns:a16="http://schemas.microsoft.com/office/drawing/2014/main" xmlns="" val="20004"/>
                     </a:ext>
                   </a:extLst>
                 </a:gridCol>
                 <a:gridCol w="717443">
                   <a:extLst>
                     <a:ext uri="{9D8B030D-6E8A-4147-A177-3AD203B41FA5}">
-                      <a16:colId xmlns="" xmlns:a16="http://schemas.microsoft.com/office/drawing/2014/main" val="20005"/>
+                      <a16:colId xmlns:a16="http://schemas.microsoft.com/office/drawing/2014/main" xmlns="" val="20005"/>
                     </a:ext>
                   </a:extLst>
                 </a:gridCol>
                 <a:gridCol w="359615">
                   <a:extLst>
                     <a:ext uri="{9D8B030D-6E8A-4147-A177-3AD203B41FA5}">
-                      <a16:colId xmlns="" xmlns:a16="http://schemas.microsoft.com/office/drawing/2014/main" val="20006"/>
+                      <a16:colId xmlns:a16="http://schemas.microsoft.com/office/drawing/2014/main" xmlns="" val="20006"/>
                     </a:ext>
                   </a:extLst>
                 </a:gridCol>
                 <a:gridCol w="359615">
                   <a:extLst>
                     <a:ext uri="{9D8B030D-6E8A-4147-A177-3AD203B41FA5}">
-                      <a16:colId xmlns="" xmlns:a16="http://schemas.microsoft.com/office/drawing/2014/main" val="20007"/>
+                      <a16:colId xmlns:a16="http://schemas.microsoft.com/office/drawing/2014/main" xmlns="" val="20007"/>
                     </a:ext>
                   </a:extLst>
                 </a:gridCol>
@@ -23483,7 +23451,7 @@
                 <a:gridCol w="612000">
                   <a:extLst>
                     <a:ext uri="{9D8B030D-6E8A-4147-A177-3AD203B41FA5}">
-                      <a16:colId xmlns="" xmlns:a16="http://schemas.microsoft.com/office/drawing/2014/main" val="20008"/>
+                      <a16:colId xmlns:a16="http://schemas.microsoft.com/office/drawing/2014/main" xmlns="" val="20008"/>
                     </a:ext>
                   </a:extLst>
                 </a:gridCol>
@@ -24086,7 +24054,7 @@
                 </a:tc>
                 <a:extLst>
                   <a:ext uri="{0D108BD9-81ED-4DB2-BD59-A6C34878D82A}">
-                    <a16:rowId xmlns="" xmlns:a16="http://schemas.microsoft.com/office/drawing/2014/main" val="10000"/>
+                    <a16:rowId xmlns:a16="http://schemas.microsoft.com/office/drawing/2014/main" xmlns="" val="10000"/>
                   </a:ext>
                 </a:extLst>
               </a:tr>
@@ -30988,7 +30956,7 @@
           <p:cNvPr id="7" name="TextBox 6">
             <a:extLst>
               <a:ext uri="{FF2B5EF4-FFF2-40B4-BE49-F238E27FC236}">
-                <a16:creationId xmlns="" xmlns:a16="http://schemas.microsoft.com/office/drawing/2014/main" id="{D12B0B12-AB99-4F88-B4B2-948DADC833EA}"/>
+                <a16:creationId xmlns:a16="http://schemas.microsoft.com/office/drawing/2014/main" xmlns="" id="{D12B0B12-AB99-4F88-B4B2-948DADC833EA}"/>
               </a:ext>
             </a:extLst>
           </p:cNvPr>
@@ -31101,7 +31069,7 @@
           <p:cNvPr id="2" name="직사각형 1">
             <a:extLst>
               <a:ext uri="{FF2B5EF4-FFF2-40B4-BE49-F238E27FC236}">
-                <a16:creationId xmlns="" xmlns:a16="http://schemas.microsoft.com/office/drawing/2014/main" id="{8E5B996D-DF87-49E5-95D1-45B1EEB9EE9A}"/>
+                <a16:creationId xmlns:a16="http://schemas.microsoft.com/office/drawing/2014/main" xmlns="" id="{8E5B996D-DF87-49E5-95D1-45B1EEB9EE9A}"/>
               </a:ext>
             </a:extLst>
           </p:cNvPr>
@@ -31153,7 +31121,7 @@
           <p:cNvPr id="4" name="직사각형 3">
             <a:extLst>
               <a:ext uri="{FF2B5EF4-FFF2-40B4-BE49-F238E27FC236}">
-                <a16:creationId xmlns="" xmlns:a16="http://schemas.microsoft.com/office/drawing/2014/main" id="{080CEE4E-4BCA-42C3-BECA-9BCEB9931EEA}"/>
+                <a16:creationId xmlns:a16="http://schemas.microsoft.com/office/drawing/2014/main" xmlns="" id="{080CEE4E-4BCA-42C3-BECA-9BCEB9931EEA}"/>
               </a:ext>
             </a:extLst>
           </p:cNvPr>
@@ -31205,7 +31173,7 @@
           <p:cNvPr id="9" name="그림 8">
             <a:extLst>
               <a:ext uri="{FF2B5EF4-FFF2-40B4-BE49-F238E27FC236}">
-                <a16:creationId xmlns="" xmlns:a16="http://schemas.microsoft.com/office/drawing/2014/main" id="{0F0992E8-2696-42E6-805A-0C12780D8FA1}"/>
+                <a16:creationId xmlns:a16="http://schemas.microsoft.com/office/drawing/2014/main" xmlns="" id="{0F0992E8-2696-42E6-805A-0C12780D8FA1}"/>
               </a:ext>
             </a:extLst>
           </p:cNvPr>
@@ -31261,56 +31229,56 @@
                 <a:gridCol w="721819">
                   <a:extLst>
                     <a:ext uri="{9D8B030D-6E8A-4147-A177-3AD203B41FA5}">
-                      <a16:colId xmlns="" xmlns:a16="http://schemas.microsoft.com/office/drawing/2014/main" val="20000"/>
+                      <a16:colId xmlns:a16="http://schemas.microsoft.com/office/drawing/2014/main" xmlns="" val="20000"/>
                     </a:ext>
                   </a:extLst>
                 </a:gridCol>
                 <a:gridCol w="996853">
                   <a:extLst>
                     <a:ext uri="{9D8B030D-6E8A-4147-A177-3AD203B41FA5}">
-                      <a16:colId xmlns="" xmlns:a16="http://schemas.microsoft.com/office/drawing/2014/main" val="20001"/>
+                      <a16:colId xmlns:a16="http://schemas.microsoft.com/office/drawing/2014/main" xmlns="" val="20001"/>
                     </a:ext>
                   </a:extLst>
                 </a:gridCol>
                 <a:gridCol w="2091038">
                   <a:extLst>
                     <a:ext uri="{9D8B030D-6E8A-4147-A177-3AD203B41FA5}">
-                      <a16:colId xmlns="" xmlns:a16="http://schemas.microsoft.com/office/drawing/2014/main" val="20002"/>
+                      <a16:colId xmlns:a16="http://schemas.microsoft.com/office/drawing/2014/main" xmlns="" val="20002"/>
                     </a:ext>
                   </a:extLst>
                 </a:gridCol>
                 <a:gridCol w="4084858">
                   <a:extLst>
                     <a:ext uri="{9D8B030D-6E8A-4147-A177-3AD203B41FA5}">
-                      <a16:colId xmlns="" xmlns:a16="http://schemas.microsoft.com/office/drawing/2014/main" val="20003"/>
+                      <a16:colId xmlns:a16="http://schemas.microsoft.com/office/drawing/2014/main" xmlns="" val="20003"/>
                     </a:ext>
                   </a:extLst>
                 </a:gridCol>
                 <a:gridCol w="527378">
                   <a:extLst>
                     <a:ext uri="{9D8B030D-6E8A-4147-A177-3AD203B41FA5}">
-                      <a16:colId xmlns="" xmlns:a16="http://schemas.microsoft.com/office/drawing/2014/main" val="20004"/>
+                      <a16:colId xmlns:a16="http://schemas.microsoft.com/office/drawing/2014/main" xmlns="" val="20004"/>
                     </a:ext>
                   </a:extLst>
                 </a:gridCol>
                 <a:gridCol w="717443">
                   <a:extLst>
                     <a:ext uri="{9D8B030D-6E8A-4147-A177-3AD203B41FA5}">
-                      <a16:colId xmlns="" xmlns:a16="http://schemas.microsoft.com/office/drawing/2014/main" val="20005"/>
+                      <a16:colId xmlns:a16="http://schemas.microsoft.com/office/drawing/2014/main" xmlns="" val="20005"/>
                     </a:ext>
                   </a:extLst>
                 </a:gridCol>
                 <a:gridCol w="359615">
                   <a:extLst>
                     <a:ext uri="{9D8B030D-6E8A-4147-A177-3AD203B41FA5}">
-                      <a16:colId xmlns="" xmlns:a16="http://schemas.microsoft.com/office/drawing/2014/main" val="20006"/>
+                      <a16:colId xmlns:a16="http://schemas.microsoft.com/office/drawing/2014/main" xmlns="" val="20006"/>
                     </a:ext>
                   </a:extLst>
                 </a:gridCol>
                 <a:gridCol w="359615">
                   <a:extLst>
                     <a:ext uri="{9D8B030D-6E8A-4147-A177-3AD203B41FA5}">
-                      <a16:colId xmlns="" xmlns:a16="http://schemas.microsoft.com/office/drawing/2014/main" val="20007"/>
+                      <a16:colId xmlns:a16="http://schemas.microsoft.com/office/drawing/2014/main" xmlns="" val="20007"/>
                     </a:ext>
                   </a:extLst>
                 </a:gridCol>
@@ -31318,7 +31286,7 @@
                 <a:gridCol w="612000">
                   <a:extLst>
                     <a:ext uri="{9D8B030D-6E8A-4147-A177-3AD203B41FA5}">
-                      <a16:colId xmlns="" xmlns:a16="http://schemas.microsoft.com/office/drawing/2014/main" val="20008"/>
+                      <a16:colId xmlns:a16="http://schemas.microsoft.com/office/drawing/2014/main" xmlns="" val="20008"/>
                     </a:ext>
                   </a:extLst>
                 </a:gridCol>
@@ -31921,7 +31889,7 @@
                 </a:tc>
                 <a:extLst>
                   <a:ext uri="{0D108BD9-81ED-4DB2-BD59-A6C34878D82A}">
-                    <a16:rowId xmlns="" xmlns:a16="http://schemas.microsoft.com/office/drawing/2014/main" val="10000"/>
+                    <a16:rowId xmlns:a16="http://schemas.microsoft.com/office/drawing/2014/main" xmlns="" val="10000"/>
                   </a:ext>
                 </a:extLst>
               </a:tr>
@@ -37501,7 +37469,7 @@
           <p:cNvPr id="7" name="TextBox 6">
             <a:extLst>
               <a:ext uri="{FF2B5EF4-FFF2-40B4-BE49-F238E27FC236}">
-                <a16:creationId xmlns="" xmlns:a16="http://schemas.microsoft.com/office/drawing/2014/main" id="{D12B0B12-AB99-4F88-B4B2-948DADC833EA}"/>
+                <a16:creationId xmlns:a16="http://schemas.microsoft.com/office/drawing/2014/main" xmlns="" id="{D12B0B12-AB99-4F88-B4B2-948DADC833EA}"/>
               </a:ext>
             </a:extLst>
           </p:cNvPr>
@@ -37614,7 +37582,7 @@
           <p:cNvPr id="2" name="직사각형 1">
             <a:extLst>
               <a:ext uri="{FF2B5EF4-FFF2-40B4-BE49-F238E27FC236}">
-                <a16:creationId xmlns="" xmlns:a16="http://schemas.microsoft.com/office/drawing/2014/main" id="{8E5B996D-DF87-49E5-95D1-45B1EEB9EE9A}"/>
+                <a16:creationId xmlns:a16="http://schemas.microsoft.com/office/drawing/2014/main" xmlns="" id="{8E5B996D-DF87-49E5-95D1-45B1EEB9EE9A}"/>
               </a:ext>
             </a:extLst>
           </p:cNvPr>
@@ -37666,7 +37634,7 @@
           <p:cNvPr id="4" name="직사각형 3">
             <a:extLst>
               <a:ext uri="{FF2B5EF4-FFF2-40B4-BE49-F238E27FC236}">
-                <a16:creationId xmlns="" xmlns:a16="http://schemas.microsoft.com/office/drawing/2014/main" id="{080CEE4E-4BCA-42C3-BECA-9BCEB9931EEA}"/>
+                <a16:creationId xmlns:a16="http://schemas.microsoft.com/office/drawing/2014/main" xmlns="" id="{080CEE4E-4BCA-42C3-BECA-9BCEB9931EEA}"/>
               </a:ext>
             </a:extLst>
           </p:cNvPr>
@@ -37718,7 +37686,7 @@
           <p:cNvPr id="9" name="그림 8">
             <a:extLst>
               <a:ext uri="{FF2B5EF4-FFF2-40B4-BE49-F238E27FC236}">
-                <a16:creationId xmlns="" xmlns:a16="http://schemas.microsoft.com/office/drawing/2014/main" id="{0F0992E8-2696-42E6-805A-0C12780D8FA1}"/>
+                <a16:creationId xmlns:a16="http://schemas.microsoft.com/office/drawing/2014/main" xmlns="" id="{0F0992E8-2696-42E6-805A-0C12780D8FA1}"/>
               </a:ext>
             </a:extLst>
           </p:cNvPr>
@@ -37753,7 +37721,7 @@
           <p:cNvPr id="7" name="TextBox 6">
             <a:extLst>
               <a:ext uri="{FF2B5EF4-FFF2-40B4-BE49-F238E27FC236}">
-                <a16:creationId xmlns="" xmlns:a16="http://schemas.microsoft.com/office/drawing/2014/main" id="{D12B0B12-AB99-4F88-B4B2-948DADC833EA}"/>
+                <a16:creationId xmlns:a16="http://schemas.microsoft.com/office/drawing/2014/main" xmlns="" id="{D12B0B12-AB99-4F88-B4B2-948DADC833EA}"/>
               </a:ext>
             </a:extLst>
           </p:cNvPr>
@@ -37908,7 +37876,7 @@
           <p:cNvPr id="6" name="TextBox 5">
             <a:extLst>
               <a:ext uri="{FF2B5EF4-FFF2-40B4-BE49-F238E27FC236}">
-                <a16:creationId xmlns="" xmlns:a16="http://schemas.microsoft.com/office/drawing/2014/main" id="{FC5FF861-6DF0-4DCF-8542-36B8E9293364}"/>
+                <a16:creationId xmlns:a16="http://schemas.microsoft.com/office/drawing/2014/main" xmlns="" id="{FC5FF861-6DF0-4DCF-8542-36B8E9293364}"/>
               </a:ext>
             </a:extLst>
           </p:cNvPr>
@@ -37944,7 +37912,7 @@
           <p:cNvPr id="8" name="TextBox 7">
             <a:extLst>
               <a:ext uri="{FF2B5EF4-FFF2-40B4-BE49-F238E27FC236}">
-                <a16:creationId xmlns="" xmlns:a16="http://schemas.microsoft.com/office/drawing/2014/main" id="{C0AE0B6A-CC52-48BC-961D-C5BA09945829}"/>
+                <a16:creationId xmlns:a16="http://schemas.microsoft.com/office/drawing/2014/main" xmlns="" id="{C0AE0B6A-CC52-48BC-961D-C5BA09945829}"/>
               </a:ext>
             </a:extLst>
           </p:cNvPr>
@@ -38046,7 +38014,7 @@
           <p:cNvPr id="12" name="TextBox 11">
             <a:extLst>
               <a:ext uri="{FF2B5EF4-FFF2-40B4-BE49-F238E27FC236}">
-                <a16:creationId xmlns="" xmlns:a16="http://schemas.microsoft.com/office/drawing/2014/main" id="{FC5FF861-6DF0-4DCF-8542-36B8E9293364}"/>
+                <a16:creationId xmlns:a16="http://schemas.microsoft.com/office/drawing/2014/main" xmlns="" id="{FC5FF861-6DF0-4DCF-8542-36B8E9293364}"/>
               </a:ext>
             </a:extLst>
           </p:cNvPr>
@@ -38082,7 +38050,7 @@
           <p:cNvPr id="13" name="TextBox 12">
             <a:extLst>
               <a:ext uri="{FF2B5EF4-FFF2-40B4-BE49-F238E27FC236}">
-                <a16:creationId xmlns="" xmlns:a16="http://schemas.microsoft.com/office/drawing/2014/main" id="{C0AE0B6A-CC52-48BC-961D-C5BA09945829}"/>
+                <a16:creationId xmlns:a16="http://schemas.microsoft.com/office/drawing/2014/main" xmlns="" id="{C0AE0B6A-CC52-48BC-961D-C5BA09945829}"/>
               </a:ext>
             </a:extLst>
           </p:cNvPr>
@@ -38211,7 +38179,7 @@
           <p:cNvPr id="4" name="그림 3" descr="실내, 사람이(가) 표시된 사진&#10;&#10;자동 생성된 설명">
             <a:extLst>
               <a:ext uri="{FF2B5EF4-FFF2-40B4-BE49-F238E27FC236}">
-                <a16:creationId xmlns="" xmlns:a16="http://schemas.microsoft.com/office/drawing/2014/main" id="{4D077A45-DF2B-4618-9394-A141B13B1420}"/>
+                <a16:creationId xmlns:a16="http://schemas.microsoft.com/office/drawing/2014/main" xmlns="" id="{4D077A45-DF2B-4618-9394-A141B13B1420}"/>
               </a:ext>
             </a:extLst>
           </p:cNvPr>
@@ -38247,7 +38215,7 @@
           <p:cNvPr id="5" name="TextBox 4">
             <a:extLst>
               <a:ext uri="{FF2B5EF4-FFF2-40B4-BE49-F238E27FC236}">
-                <a16:creationId xmlns="" xmlns:a16="http://schemas.microsoft.com/office/drawing/2014/main" id="{23D82F33-5629-4A89-96F7-5348A5E7BF64}"/>
+                <a16:creationId xmlns:a16="http://schemas.microsoft.com/office/drawing/2014/main" xmlns="" id="{23D82F33-5629-4A89-96F7-5348A5E7BF64}"/>
               </a:ext>
             </a:extLst>
           </p:cNvPr>
@@ -38338,7 +38306,7 @@
           <p:cNvPr id="3" name="직선 연결선 2">
             <a:extLst>
               <a:ext uri="{FF2B5EF4-FFF2-40B4-BE49-F238E27FC236}">
-                <a16:creationId xmlns="" xmlns:a16="http://schemas.microsoft.com/office/drawing/2014/main" id="{22C88A6A-9EE5-43F3-8DB2-D705BE56968A}"/>
+                <a16:creationId xmlns:a16="http://schemas.microsoft.com/office/drawing/2014/main" xmlns="" id="{22C88A6A-9EE5-43F3-8DB2-D705BE56968A}"/>
               </a:ext>
             </a:extLst>
           </p:cNvPr>
@@ -38374,7 +38342,7 @@
           <p:cNvPr id="4" name="TextBox 3">
             <a:extLst>
               <a:ext uri="{FF2B5EF4-FFF2-40B4-BE49-F238E27FC236}">
-                <a16:creationId xmlns="" xmlns:a16="http://schemas.microsoft.com/office/drawing/2014/main" id="{FC5FF861-6DF0-4DCF-8542-36B8E9293364}"/>
+                <a16:creationId xmlns:a16="http://schemas.microsoft.com/office/drawing/2014/main" xmlns="" id="{FC5FF861-6DF0-4DCF-8542-36B8E9293364}"/>
               </a:ext>
             </a:extLst>
           </p:cNvPr>
@@ -38410,7 +38378,7 @@
           <p:cNvPr id="5" name="TextBox 4">
             <a:extLst>
               <a:ext uri="{FF2B5EF4-FFF2-40B4-BE49-F238E27FC236}">
-                <a16:creationId xmlns="" xmlns:a16="http://schemas.microsoft.com/office/drawing/2014/main" id="{C0AE0B6A-CC52-48BC-961D-C5BA09945829}"/>
+                <a16:creationId xmlns:a16="http://schemas.microsoft.com/office/drawing/2014/main" xmlns="" id="{C0AE0B6A-CC52-48BC-961D-C5BA09945829}"/>
               </a:ext>
             </a:extLst>
           </p:cNvPr>
@@ -38541,7 +38509,7 @@
           <p:cNvPr id="2" name="직사각형 1">
             <a:extLst>
               <a:ext uri="{FF2B5EF4-FFF2-40B4-BE49-F238E27FC236}">
-                <a16:creationId xmlns="" xmlns:a16="http://schemas.microsoft.com/office/drawing/2014/main" id="{8E5B996D-DF87-49E5-95D1-45B1EEB9EE9A}"/>
+                <a16:creationId xmlns:a16="http://schemas.microsoft.com/office/drawing/2014/main" xmlns="" id="{8E5B996D-DF87-49E5-95D1-45B1EEB9EE9A}"/>
               </a:ext>
             </a:extLst>
           </p:cNvPr>
@@ -38593,7 +38561,7 @@
           <p:cNvPr id="4" name="직사각형 3">
             <a:extLst>
               <a:ext uri="{FF2B5EF4-FFF2-40B4-BE49-F238E27FC236}">
-                <a16:creationId xmlns="" xmlns:a16="http://schemas.microsoft.com/office/drawing/2014/main" id="{080CEE4E-4BCA-42C3-BECA-9BCEB9931EEA}"/>
+                <a16:creationId xmlns:a16="http://schemas.microsoft.com/office/drawing/2014/main" xmlns="" id="{080CEE4E-4BCA-42C3-BECA-9BCEB9931EEA}"/>
               </a:ext>
             </a:extLst>
           </p:cNvPr>
@@ -38687,7 +38655,7 @@
           <p:cNvPr id="77" name="그림 76">
             <a:extLst>
               <a:ext uri="{FF2B5EF4-FFF2-40B4-BE49-F238E27FC236}">
-                <a16:creationId xmlns:a16="http://schemas.microsoft.com/office/drawing/2014/main" xmlns="" id="{0F0992E8-2696-42E6-805A-0C12780D8FA1}"/>
+                <a16:creationId xmlns="" xmlns:a16="http://schemas.microsoft.com/office/drawing/2014/main" id="{0F0992E8-2696-42E6-805A-0C12780D8FA1}"/>
               </a:ext>
             </a:extLst>
           </p:cNvPr>
@@ -38723,7 +38691,7 @@
           <p:cNvPr id="78" name="TextBox 77">
             <a:extLst>
               <a:ext uri="{FF2B5EF4-FFF2-40B4-BE49-F238E27FC236}">
-                <a16:creationId xmlns:a16="http://schemas.microsoft.com/office/drawing/2014/main" xmlns="" id="{D12B0B12-AB99-4F88-B4B2-948DADC833EA}"/>
+                <a16:creationId xmlns="" xmlns:a16="http://schemas.microsoft.com/office/drawing/2014/main" id="{D12B0B12-AB99-4F88-B4B2-948DADC833EA}"/>
               </a:ext>
             </a:extLst>
           </p:cNvPr>
@@ -38988,7 +38956,7 @@
           <p:cNvPr id="2" name="직사각형 1">
             <a:extLst>
               <a:ext uri="{FF2B5EF4-FFF2-40B4-BE49-F238E27FC236}">
-                <a16:creationId xmlns="" xmlns:a16="http://schemas.microsoft.com/office/drawing/2014/main" id="{8E5B996D-DF87-49E5-95D1-45B1EEB9EE9A}"/>
+                <a16:creationId xmlns:a16="http://schemas.microsoft.com/office/drawing/2014/main" xmlns="" id="{8E5B996D-DF87-49E5-95D1-45B1EEB9EE9A}"/>
               </a:ext>
             </a:extLst>
           </p:cNvPr>
@@ -39040,7 +39008,7 @@
           <p:cNvPr id="4" name="직사각형 3">
             <a:extLst>
               <a:ext uri="{FF2B5EF4-FFF2-40B4-BE49-F238E27FC236}">
-                <a16:creationId xmlns="" xmlns:a16="http://schemas.microsoft.com/office/drawing/2014/main" id="{080CEE4E-4BCA-42C3-BECA-9BCEB9931EEA}"/>
+                <a16:creationId xmlns:a16="http://schemas.microsoft.com/office/drawing/2014/main" xmlns="" id="{080CEE4E-4BCA-42C3-BECA-9BCEB9931EEA}"/>
               </a:ext>
             </a:extLst>
           </p:cNvPr>
@@ -39092,7 +39060,7 @@
           <p:cNvPr id="12" name="그림 11">
             <a:extLst>
               <a:ext uri="{FF2B5EF4-FFF2-40B4-BE49-F238E27FC236}">
-                <a16:creationId xmlns="" xmlns:a16="http://schemas.microsoft.com/office/drawing/2014/main" id="{025A1AD6-2F58-4AAA-B67A-89D73BF149CC}"/>
+                <a16:creationId xmlns:a16="http://schemas.microsoft.com/office/drawing/2014/main" xmlns="" id="{025A1AD6-2F58-4AAA-B67A-89D73BF149CC}"/>
               </a:ext>
             </a:extLst>
           </p:cNvPr>
@@ -39128,7 +39096,7 @@
           <p:cNvPr id="18" name="그림 17">
             <a:extLst>
               <a:ext uri="{FF2B5EF4-FFF2-40B4-BE49-F238E27FC236}">
-                <a16:creationId xmlns="" xmlns:a16="http://schemas.microsoft.com/office/drawing/2014/main" id="{7D8A552C-D6C5-4C98-8987-1C21F94261B5}"/>
+                <a16:creationId xmlns:a16="http://schemas.microsoft.com/office/drawing/2014/main" xmlns="" id="{7D8A552C-D6C5-4C98-8987-1C21F94261B5}"/>
               </a:ext>
             </a:extLst>
           </p:cNvPr>
@@ -39164,7 +39132,7 @@
           <p:cNvPr id="21" name="그림 20">
             <a:extLst>
               <a:ext uri="{FF2B5EF4-FFF2-40B4-BE49-F238E27FC236}">
-                <a16:creationId xmlns="" xmlns:a16="http://schemas.microsoft.com/office/drawing/2014/main" id="{87336D50-763B-4523-9F7F-8FCCD859E246}"/>
+                <a16:creationId xmlns:a16="http://schemas.microsoft.com/office/drawing/2014/main" xmlns="" id="{87336D50-763B-4523-9F7F-8FCCD859E246}"/>
               </a:ext>
             </a:extLst>
           </p:cNvPr>
@@ -39200,7 +39168,7 @@
           <p:cNvPr id="64" name="그림 63">
             <a:extLst>
               <a:ext uri="{FF2B5EF4-FFF2-40B4-BE49-F238E27FC236}">
-                <a16:creationId xmlns="" xmlns:a16="http://schemas.microsoft.com/office/drawing/2014/main" id="{0F1DDDAC-BD63-466F-8FE5-D6716A1043FC}"/>
+                <a16:creationId xmlns:a16="http://schemas.microsoft.com/office/drawing/2014/main" xmlns="" id="{0F1DDDAC-BD63-466F-8FE5-D6716A1043FC}"/>
               </a:ext>
             </a:extLst>
           </p:cNvPr>
@@ -39236,7 +39204,7 @@
           <p:cNvPr id="67" name="사각형: 둥근 모서리 66">
             <a:extLst>
               <a:ext uri="{FF2B5EF4-FFF2-40B4-BE49-F238E27FC236}">
-                <a16:creationId xmlns="" xmlns:a16="http://schemas.microsoft.com/office/drawing/2014/main" id="{10855128-3E97-4BCE-B839-99B088CEAF2D}"/>
+                <a16:creationId xmlns:a16="http://schemas.microsoft.com/office/drawing/2014/main" xmlns="" id="{10855128-3E97-4BCE-B839-99B088CEAF2D}"/>
               </a:ext>
             </a:extLst>
           </p:cNvPr>
@@ -39391,7 +39359,7 @@
           <p:cNvPr id="74" name="TextBox 73">
             <a:extLst>
               <a:ext uri="{FF2B5EF4-FFF2-40B4-BE49-F238E27FC236}">
-                <a16:creationId xmlns:a16="http://schemas.microsoft.com/office/drawing/2014/main" xmlns="" id="{D12B0B12-AB99-4F88-B4B2-948DADC833EA}"/>
+                <a16:creationId xmlns="" xmlns:a16="http://schemas.microsoft.com/office/drawing/2014/main" id="{D12B0B12-AB99-4F88-B4B2-948DADC833EA}"/>
               </a:ext>
             </a:extLst>
           </p:cNvPr>
@@ -39474,7 +39442,7 @@
           <p:cNvPr id="75" name="그림 74">
             <a:extLst>
               <a:ext uri="{FF2B5EF4-FFF2-40B4-BE49-F238E27FC236}">
-                <a16:creationId xmlns:a16="http://schemas.microsoft.com/office/drawing/2014/main" xmlns="" id="{0F0992E8-2696-42E6-805A-0C12780D8FA1}"/>
+                <a16:creationId xmlns="" xmlns:a16="http://schemas.microsoft.com/office/drawing/2014/main" id="{0F0992E8-2696-42E6-805A-0C12780D8FA1}"/>
               </a:ext>
             </a:extLst>
           </p:cNvPr>
@@ -39510,7 +39478,7 @@
           <p:cNvPr id="52" name="그림 51">
             <a:extLst>
               <a:ext uri="{FF2B5EF4-FFF2-40B4-BE49-F238E27FC236}">
-                <a16:creationId xmlns="" xmlns:a16="http://schemas.microsoft.com/office/drawing/2014/main" id="{F329720A-BF82-4E91-8D95-83149846BCC9}"/>
+                <a16:creationId xmlns:a16="http://schemas.microsoft.com/office/drawing/2014/main" xmlns="" id="{F329720A-BF82-4E91-8D95-83149846BCC9}"/>
               </a:ext>
             </a:extLst>
           </p:cNvPr>
@@ -39647,7 +39615,7 @@
           <p:cNvPr id="2" name="직사각형 1">
             <a:extLst>
               <a:ext uri="{FF2B5EF4-FFF2-40B4-BE49-F238E27FC236}">
-                <a16:creationId xmlns="" xmlns:a16="http://schemas.microsoft.com/office/drawing/2014/main" id="{8E5B996D-DF87-49E5-95D1-45B1EEB9EE9A}"/>
+                <a16:creationId xmlns:a16="http://schemas.microsoft.com/office/drawing/2014/main" xmlns="" id="{8E5B996D-DF87-49E5-95D1-45B1EEB9EE9A}"/>
               </a:ext>
             </a:extLst>
           </p:cNvPr>
@@ -39699,7 +39667,7 @@
           <p:cNvPr id="4" name="직사각형 3">
             <a:extLst>
               <a:ext uri="{FF2B5EF4-FFF2-40B4-BE49-F238E27FC236}">
-                <a16:creationId xmlns="" xmlns:a16="http://schemas.microsoft.com/office/drawing/2014/main" id="{080CEE4E-4BCA-42C3-BECA-9BCEB9931EEA}"/>
+                <a16:creationId xmlns:a16="http://schemas.microsoft.com/office/drawing/2014/main" xmlns="" id="{080CEE4E-4BCA-42C3-BECA-9BCEB9931EEA}"/>
               </a:ext>
             </a:extLst>
           </p:cNvPr>
@@ -39751,7 +39719,7 @@
           <p:cNvPr id="11" name="TextBox 10">
             <a:extLst>
               <a:ext uri="{FF2B5EF4-FFF2-40B4-BE49-F238E27FC236}">
-                <a16:creationId xmlns:a16="http://schemas.microsoft.com/office/drawing/2014/main" xmlns="" id="{D12B0B12-AB99-4F88-B4B2-948DADC833EA}"/>
+                <a16:creationId xmlns="" xmlns:a16="http://schemas.microsoft.com/office/drawing/2014/main" id="{D12B0B12-AB99-4F88-B4B2-948DADC833EA}"/>
               </a:ext>
             </a:extLst>
           </p:cNvPr>
@@ -39889,7 +39857,7 @@
           <p:cNvPr id="12" name="그림 11">
             <a:extLst>
               <a:ext uri="{FF2B5EF4-FFF2-40B4-BE49-F238E27FC236}">
-                <a16:creationId xmlns:a16="http://schemas.microsoft.com/office/drawing/2014/main" xmlns="" id="{0F0992E8-2696-42E6-805A-0C12780D8FA1}"/>
+                <a16:creationId xmlns="" xmlns:a16="http://schemas.microsoft.com/office/drawing/2014/main" id="{0F0992E8-2696-42E6-805A-0C12780D8FA1}"/>
               </a:ext>
             </a:extLst>
           </p:cNvPr>
@@ -39999,14 +39967,14 @@
         </p:nvSpPr>
         <p:spPr>
           <a:xfrm>
-            <a:off x="2715639" y="2129356"/>
-            <a:ext cx="5802511" cy="2873828"/>
+            <a:off x="1356850" y="2375153"/>
+            <a:ext cx="5802511" cy="1328993"/>
           </a:xfrm>
           <a:prstGeom prst="rect">
             <a:avLst/>
           </a:prstGeom>
           <a:solidFill>
-            <a:srgbClr val="FF0000"/>
+            <a:schemeClr val="bg1"/>
           </a:solidFill>
           <a:ln>
             <a:solidFill>
@@ -40041,7 +40009,7 @@
                   <a:schemeClr val="tx1"/>
                 </a:solidFill>
               </a:rPr>
-              <a:t>&lt;</a:t>
+              <a:t>function del(</a:t>
             </a:r>
             <a:r>
               <a:rPr lang="en-US" altLang="ko-KR" sz="2000" dirty="0" err="1">
@@ -40049,31 +40017,42 @@
                   <a:schemeClr val="tx1"/>
                 </a:solidFill>
               </a:rPr>
-              <a:t>ScrollView</a:t>
-            </a:r>
-            <a:endParaRPr lang="en-US" altLang="ko-KR" sz="2000" dirty="0">
-              <a:solidFill>
-                <a:schemeClr val="tx1"/>
-              </a:solidFill>
-            </a:endParaRPr>
+              <a:t>obj</a:t>
+            </a:r>
+            <a:r>
+              <a:rPr lang="en-US" altLang="ko-KR" sz="2000" dirty="0" smtClean="0">
+                <a:solidFill>
+                  <a:schemeClr val="tx1"/>
+                </a:solidFill>
+              </a:rPr>
+              <a:t>){</a:t>
+            </a:r>
           </a:p>
           <a:p>
             <a:pPr latinLnBrk="0"/>
+            <a:r>
+              <a:rPr lang="en-US" altLang="ko-KR" sz="2000" dirty="0" smtClean="0">
+                <a:solidFill>
+                  <a:schemeClr val="tx1"/>
+                </a:solidFill>
+              </a:rPr>
+              <a:t>   if(confirm</a:t>
+            </a:r>
             <a:r>
               <a:rPr lang="en-US" altLang="ko-KR" sz="2000" dirty="0">
                 <a:solidFill>
                   <a:schemeClr val="tx1"/>
                 </a:solidFill>
               </a:rPr>
-              <a:t>        </a:t>
-            </a:r>
-            <a:r>
-              <a:rPr lang="en-US" altLang="ko-KR" sz="2000" dirty="0" err="1">
+              <a:t>("</a:t>
+            </a:r>
+            <a:r>
+              <a:rPr lang="ko-KR" altLang="en-US" sz="2000" dirty="0">
                 <a:solidFill>
                   <a:schemeClr val="tx1"/>
                 </a:solidFill>
               </a:rPr>
-              <a:t>android:layout_width</a:t>
+              <a:t>삭제하시겠습니까</a:t>
             </a:r>
             <a:r>
               <a:rPr lang="en-US" altLang="ko-KR" sz="2000" dirty="0">
@@ -40081,15 +40060,42 @@
                   <a:schemeClr val="tx1"/>
                 </a:solidFill>
               </a:rPr>
-              <a:t>="</a:t>
-            </a:r>
-            <a:r>
-              <a:rPr lang="en-US" altLang="ko-KR" sz="2000" dirty="0" err="1">
+              <a:t>?") == true</a:t>
+            </a:r>
+            <a:r>
+              <a:rPr lang="en-US" altLang="ko-KR" sz="2000" dirty="0" smtClean="0">
                 <a:solidFill>
                   <a:schemeClr val="tx1"/>
                 </a:solidFill>
               </a:rPr>
-              <a:t>match_parent</a:t>
+              <a:t>){</a:t>
+            </a:r>
+          </a:p>
+          <a:p>
+            <a:pPr latinLnBrk="0"/>
+            <a:r>
+              <a:rPr lang="en-US" altLang="ko-KR" sz="2000" dirty="0" smtClean="0">
+                <a:solidFill>
+                  <a:schemeClr val="tx1"/>
+                </a:solidFill>
+              </a:rPr>
+              <a:t>       </a:t>
+            </a:r>
+            <a:r>
+              <a:rPr lang="en-US" altLang="ko-KR" sz="2000" dirty="0" err="1" smtClean="0">
+                <a:solidFill>
+                  <a:schemeClr val="tx1"/>
+                </a:solidFill>
+              </a:rPr>
+              <a:t>obj.parentNode.style.display</a:t>
+            </a:r>
+            <a:r>
+              <a:rPr lang="en-US" altLang="ko-KR" sz="2000" dirty="0" smtClean="0">
+                <a:solidFill>
+                  <a:schemeClr val="tx1"/>
+                </a:solidFill>
+              </a:rPr>
+              <a:t> </a:t>
             </a:r>
             <a:r>
               <a:rPr lang="en-US" altLang="ko-KR" sz="2000" dirty="0">
@@ -40097,257 +40103,15 @@
                   <a:schemeClr val="tx1"/>
                 </a:solidFill>
               </a:rPr>
-              <a:t>"</a:t>
-            </a:r>
-          </a:p>
-          <a:p>
-            <a:pPr latinLnBrk="0"/>
-            <a:r>
-              <a:rPr lang="en-US" altLang="ko-KR" sz="2000" dirty="0">
-                <a:solidFill>
-                  <a:schemeClr val="tx1"/>
-                </a:solidFill>
-              </a:rPr>
-              <a:t>        </a:t>
-            </a:r>
-            <a:r>
-              <a:rPr lang="en-US" altLang="ko-KR" sz="2000" dirty="0" err="1">
-                <a:solidFill>
-                  <a:schemeClr val="tx1"/>
-                </a:solidFill>
-              </a:rPr>
-              <a:t>android:layout_height</a:t>
-            </a:r>
-            <a:r>
-              <a:rPr lang="en-US" altLang="ko-KR" sz="2000" dirty="0">
-                <a:solidFill>
-                  <a:schemeClr val="tx1"/>
-                </a:solidFill>
-              </a:rPr>
-              <a:t>="</a:t>
-            </a:r>
-            <a:r>
-              <a:rPr lang="en-US" altLang="ko-KR" sz="2000" dirty="0" err="1">
-                <a:solidFill>
-                  <a:schemeClr val="tx1"/>
-                </a:solidFill>
-              </a:rPr>
-              <a:t>match_parent</a:t>
-            </a:r>
-            <a:r>
-              <a:rPr lang="en-US" altLang="ko-KR" sz="2000" dirty="0">
-                <a:solidFill>
-                  <a:schemeClr val="tx1"/>
-                </a:solidFill>
-              </a:rPr>
-              <a:t>"&gt;</a:t>
-            </a:r>
-          </a:p>
-          <a:p>
-            <a:pPr latinLnBrk="0"/>
+              <a:t>= "none</a:t>
+            </a:r>
             <a:r>
               <a:rPr lang="en-US" altLang="ko-KR" sz="2000" dirty="0" smtClean="0">
                 <a:solidFill>
                   <a:schemeClr val="tx1"/>
                 </a:solidFill>
               </a:rPr>
-              <a:t>    &lt;</a:t>
-            </a:r>
-            <a:r>
-              <a:rPr lang="en-US" altLang="ko-KR" sz="2000" dirty="0" err="1">
-                <a:solidFill>
-                  <a:schemeClr val="tx1"/>
-                </a:solidFill>
-              </a:rPr>
-              <a:t>LinearLayout</a:t>
-            </a:r>
-            <a:endParaRPr lang="en-US" altLang="ko-KR" sz="2000" dirty="0">
-              <a:solidFill>
-                <a:schemeClr val="tx1"/>
-              </a:solidFill>
-            </a:endParaRPr>
-          </a:p>
-          <a:p>
-            <a:pPr latinLnBrk="0"/>
-            <a:r>
-              <a:rPr lang="en-US" altLang="ko-KR" sz="2000" dirty="0">
-                <a:solidFill>
-                  <a:schemeClr val="tx1"/>
-                </a:solidFill>
-              </a:rPr>
-              <a:t>            </a:t>
-            </a:r>
-            <a:r>
-              <a:rPr lang="en-US" altLang="ko-KR" sz="2000" dirty="0" err="1">
-                <a:solidFill>
-                  <a:schemeClr val="tx1"/>
-                </a:solidFill>
-              </a:rPr>
-              <a:t>android:layout_width</a:t>
-            </a:r>
-            <a:r>
-              <a:rPr lang="en-US" altLang="ko-KR" sz="2000" dirty="0">
-                <a:solidFill>
-                  <a:schemeClr val="tx1"/>
-                </a:solidFill>
-              </a:rPr>
-              <a:t>="</a:t>
-            </a:r>
-            <a:r>
-              <a:rPr lang="en-US" altLang="ko-KR" sz="2000" dirty="0" err="1">
-                <a:solidFill>
-                  <a:schemeClr val="tx1"/>
-                </a:solidFill>
-              </a:rPr>
-              <a:t>match_parent</a:t>
-            </a:r>
-            <a:r>
-              <a:rPr lang="en-US" altLang="ko-KR" sz="2000" dirty="0">
-                <a:solidFill>
-                  <a:schemeClr val="tx1"/>
-                </a:solidFill>
-              </a:rPr>
-              <a:t>"</a:t>
-            </a:r>
-          </a:p>
-          <a:p>
-            <a:pPr latinLnBrk="0"/>
-            <a:r>
-              <a:rPr lang="en-US" altLang="ko-KR" sz="2000" dirty="0">
-                <a:solidFill>
-                  <a:schemeClr val="tx1"/>
-                </a:solidFill>
-              </a:rPr>
-              <a:t>            </a:t>
-            </a:r>
-            <a:r>
-              <a:rPr lang="en-US" altLang="ko-KR" sz="2000" dirty="0" err="1">
-                <a:solidFill>
-                  <a:schemeClr val="tx1"/>
-                </a:solidFill>
-              </a:rPr>
-              <a:t>android:layout_height</a:t>
-            </a:r>
-            <a:r>
-              <a:rPr lang="en-US" altLang="ko-KR" sz="2000" dirty="0">
-                <a:solidFill>
-                  <a:schemeClr val="tx1"/>
-                </a:solidFill>
-              </a:rPr>
-              <a:t>="</a:t>
-            </a:r>
-            <a:r>
-              <a:rPr lang="en-US" altLang="ko-KR" sz="2000" dirty="0" err="1">
-                <a:solidFill>
-                  <a:schemeClr val="tx1"/>
-                </a:solidFill>
-              </a:rPr>
-              <a:t>wrap_content</a:t>
-            </a:r>
-            <a:r>
-              <a:rPr lang="en-US" altLang="ko-KR" sz="2000" dirty="0">
-                <a:solidFill>
-                  <a:schemeClr val="tx1"/>
-                </a:solidFill>
-              </a:rPr>
-              <a:t>"</a:t>
-            </a:r>
-          </a:p>
-          <a:p>
-            <a:pPr latinLnBrk="0"/>
-            <a:r>
-              <a:rPr lang="en-US" altLang="ko-KR" sz="2000" dirty="0">
-                <a:solidFill>
-                  <a:schemeClr val="tx1"/>
-                </a:solidFill>
-              </a:rPr>
-              <a:t>            </a:t>
-            </a:r>
-            <a:r>
-              <a:rPr lang="en-US" altLang="ko-KR" sz="2000" dirty="0" err="1">
-                <a:solidFill>
-                  <a:schemeClr val="tx1"/>
-                </a:solidFill>
-              </a:rPr>
-              <a:t>android:orientation</a:t>
-            </a:r>
-            <a:r>
-              <a:rPr lang="en-US" altLang="ko-KR" sz="2000" dirty="0">
-                <a:solidFill>
-                  <a:schemeClr val="tx1"/>
-                </a:solidFill>
-              </a:rPr>
-              <a:t>="vertical" </a:t>
-            </a:r>
-            <a:r>
-              <a:rPr lang="en-US" altLang="ko-KR" sz="2000" dirty="0" smtClean="0">
-                <a:solidFill>
-                  <a:schemeClr val="tx1"/>
-                </a:solidFill>
-              </a:rPr>
-              <a:t>&gt;</a:t>
-            </a:r>
-          </a:p>
-          <a:p>
-            <a:pPr latinLnBrk="0"/>
-            <a:r>
-              <a:rPr lang="en-US" altLang="ko-KR" sz="2000" dirty="0">
-                <a:solidFill>
-                  <a:schemeClr val="tx1"/>
-                </a:solidFill>
-              </a:rPr>
-              <a:t> </a:t>
-            </a:r>
-            <a:r>
-              <a:rPr lang="en-US" altLang="ko-KR" sz="2000" dirty="0" smtClean="0">
-                <a:solidFill>
-                  <a:schemeClr val="tx1"/>
-                </a:solidFill>
-              </a:rPr>
-              <a:t>   &lt;/</a:t>
-            </a:r>
-            <a:r>
-              <a:rPr lang="en-US" altLang="ko-KR" sz="2000" dirty="0" err="1" smtClean="0">
-                <a:solidFill>
-                  <a:schemeClr val="tx1"/>
-                </a:solidFill>
-              </a:rPr>
-              <a:t>LinearLayout</a:t>
-            </a:r>
-            <a:r>
-              <a:rPr lang="en-US" altLang="ko-KR" sz="2000" dirty="0" smtClean="0">
-                <a:solidFill>
-                  <a:schemeClr val="tx1"/>
-                </a:solidFill>
-              </a:rPr>
-              <a:t>&gt;</a:t>
-            </a:r>
-          </a:p>
-          <a:p>
-            <a:pPr latinLnBrk="0"/>
-            <a:r>
-              <a:rPr lang="en-US" altLang="ko-KR" sz="2000" dirty="0" smtClean="0">
-                <a:solidFill>
-                  <a:schemeClr val="tx1"/>
-                </a:solidFill>
-              </a:rPr>
-              <a:t>&lt;/</a:t>
-            </a:r>
-            <a:r>
-              <a:rPr lang="en-US" altLang="ko-KR" sz="2000" dirty="0" err="1" smtClean="0">
-                <a:solidFill>
-                  <a:schemeClr val="tx1"/>
-                </a:solidFill>
-              </a:rPr>
-              <a:t>ScrollView</a:t>
-            </a:r>
-            <a:r>
-              <a:rPr lang="en-US" altLang="ko-KR" sz="2000" dirty="0" smtClean="0">
-                <a:solidFill>
-                  <a:schemeClr val="tx1"/>
-                </a:solidFill>
-              </a:rPr>
-              <a:t>&gt;</a:t>
+              <a:t>";}}</a:t>
             </a:r>
             <a:endParaRPr lang="en-US" altLang="ko-KR" sz="2000" dirty="0">
               <a:solidFill>
@@ -40362,7 +40126,7 @@
           <p:cNvPr id="19" name="사각형: 둥근 모서리 33">
             <a:extLst>
               <a:ext uri="{FF2B5EF4-FFF2-40B4-BE49-F238E27FC236}">
-                <a16:creationId xmlns="" xmlns:a16="http://schemas.microsoft.com/office/drawing/2014/main" id="{9FEA6CC2-F860-4762-B98D-92DFCBF74600}"/>
+                <a16:creationId xmlns:a16="http://schemas.microsoft.com/office/drawing/2014/main" xmlns="" id="{9FEA6CC2-F860-4762-B98D-92DFCBF74600}"/>
               </a:ext>
             </a:extLst>
           </p:cNvPr>
@@ -40371,14 +40135,14 @@
         </p:nvSpPr>
         <p:spPr>
           <a:xfrm>
-            <a:off x="2715639" y="5152700"/>
-            <a:ext cx="6455655" cy="867468"/>
+            <a:off x="1561140" y="4973317"/>
+            <a:ext cx="6477521" cy="867468"/>
           </a:xfrm>
           <a:prstGeom prst="roundRect">
             <a:avLst/>
           </a:prstGeom>
           <a:solidFill>
-            <a:srgbClr val="FF0000"/>
+            <a:schemeClr val="bg1"/>
           </a:solidFill>
           <a:ln>
             <a:solidFill>
@@ -40408,12 +40172,20 @@
           <a:p>
             <a:pPr latinLnBrk="0"/>
             <a:r>
-              <a:rPr lang="en-US" altLang="ko-KR" sz="2000" dirty="0" err="1" smtClean="0">
+              <a:rPr lang="en-US" altLang="ko-KR" sz="2000" dirty="0">
                 <a:solidFill>
                   <a:schemeClr val="tx1"/>
                 </a:solidFill>
               </a:rPr>
-              <a:t>ScrollView</a:t>
+              <a:t>.</a:t>
+            </a:r>
+            <a:r>
+              <a:rPr lang="en-US" altLang="ko-KR" sz="2000" dirty="0" err="1">
+                <a:solidFill>
+                  <a:schemeClr val="tx1"/>
+                </a:solidFill>
+              </a:rPr>
+              <a:t>parentNode</a:t>
             </a:r>
             <a:r>
               <a:rPr lang="ko-KR" altLang="en-US" sz="2000" dirty="0" smtClean="0">
@@ -40421,7 +40193,31 @@
                   <a:schemeClr val="tx1"/>
                 </a:solidFill>
               </a:rPr>
-              <a:t>를 이용하여 화면을 넘어가는 레이아웃도 스크롤로 볼 수 있다</a:t>
+              <a:t>을 이용하여 부모 관계의</a:t>
+            </a:r>
+            <a:endParaRPr lang="en-US" altLang="ko-KR" sz="2000" dirty="0" smtClean="0">
+              <a:solidFill>
+                <a:schemeClr val="tx1"/>
+              </a:solidFill>
+            </a:endParaRPr>
+          </a:p>
+          <a:p>
+            <a:pPr latinLnBrk="0"/>
+            <a:r>
+              <a:rPr lang="en-US" altLang="ko-KR" sz="2000" dirty="0" smtClean="0">
+                <a:solidFill>
+                  <a:schemeClr val="tx1"/>
+                </a:solidFill>
+              </a:rPr>
+              <a:t>DOM</a:t>
+            </a:r>
+            <a:r>
+              <a:rPr lang="ko-KR" altLang="en-US" sz="2000" dirty="0" smtClean="0">
+                <a:solidFill>
+                  <a:schemeClr val="tx1"/>
+                </a:solidFill>
+              </a:rPr>
+              <a:t>를 수정할 수 있다</a:t>
             </a:r>
             <a:r>
               <a:rPr lang="en-US" altLang="ko-KR" sz="2000" dirty="0" smtClean="0">
@@ -40439,6 +40235,45 @@
           </a:p>
         </p:txBody>
       </p:sp>
+      <p:cxnSp>
+        <p:nvCxnSpPr>
+          <p:cNvPr id="14" name="직선 화살표 연결선 13"/>
+          <p:cNvCxnSpPr>
+            <a:cxnSpLocks/>
+            <a:stCxn id="18" idx="2"/>
+          </p:cNvCxnSpPr>
+          <p:nvPr/>
+        </p:nvCxnSpPr>
+        <p:spPr>
+          <a:xfrm>
+            <a:off x="4258106" y="3704146"/>
+            <a:ext cx="2901255" cy="503667"/>
+          </a:xfrm>
+          <a:prstGeom prst="straightConnector1">
+            <a:avLst/>
+          </a:prstGeom>
+          <a:ln w="12700">
+            <a:solidFill>
+              <a:srgbClr val="FF0000"/>
+            </a:solidFill>
+            <a:tailEnd type="triangle"/>
+          </a:ln>
+        </p:spPr>
+        <p:style>
+          <a:lnRef idx="1">
+            <a:schemeClr val="accent1"/>
+          </a:lnRef>
+          <a:fillRef idx="0">
+            <a:schemeClr val="accent1"/>
+          </a:fillRef>
+          <a:effectRef idx="0">
+            <a:schemeClr val="accent1"/>
+          </a:effectRef>
+          <a:fontRef idx="minor">
+            <a:schemeClr val="tx1"/>
+          </a:fontRef>
+        </p:style>
+      </p:cxnSp>
     </p:spTree>
     <p:extLst>
       <p:ext uri="{BB962C8B-B14F-4D97-AF65-F5344CB8AC3E}">
@@ -40474,7 +40309,7 @@
           <p:cNvPr id="2" name="직사각형 1">
             <a:extLst>
               <a:ext uri="{FF2B5EF4-FFF2-40B4-BE49-F238E27FC236}">
-                <a16:creationId xmlns="" xmlns:a16="http://schemas.microsoft.com/office/drawing/2014/main" id="{8E5B996D-DF87-49E5-95D1-45B1EEB9EE9A}"/>
+                <a16:creationId xmlns:a16="http://schemas.microsoft.com/office/drawing/2014/main" xmlns="" id="{8E5B996D-DF87-49E5-95D1-45B1EEB9EE9A}"/>
               </a:ext>
             </a:extLst>
           </p:cNvPr>
@@ -40526,7 +40361,7 @@
           <p:cNvPr id="4" name="직사각형 3">
             <a:extLst>
               <a:ext uri="{FF2B5EF4-FFF2-40B4-BE49-F238E27FC236}">
-                <a16:creationId xmlns="" xmlns:a16="http://schemas.microsoft.com/office/drawing/2014/main" id="{080CEE4E-4BCA-42C3-BECA-9BCEB9931EEA}"/>
+                <a16:creationId xmlns:a16="http://schemas.microsoft.com/office/drawing/2014/main" xmlns="" id="{080CEE4E-4BCA-42C3-BECA-9BCEB9931EEA}"/>
               </a:ext>
             </a:extLst>
           </p:cNvPr>
@@ -40624,7 +40459,7 @@
           <p:cNvPr id="77" name="그림 76">
             <a:extLst>
               <a:ext uri="{FF2B5EF4-FFF2-40B4-BE49-F238E27FC236}">
-                <a16:creationId xmlns:a16="http://schemas.microsoft.com/office/drawing/2014/main" xmlns="" id="{0F0992E8-2696-42E6-805A-0C12780D8FA1}"/>
+                <a16:creationId xmlns="" xmlns:a16="http://schemas.microsoft.com/office/drawing/2014/main" id="{0F0992E8-2696-42E6-805A-0C12780D8FA1}"/>
               </a:ext>
             </a:extLst>
           </p:cNvPr>
@@ -40660,7 +40495,7 @@
           <p:cNvPr id="78" name="TextBox 77">
             <a:extLst>
               <a:ext uri="{FF2B5EF4-FFF2-40B4-BE49-F238E27FC236}">
-                <a16:creationId xmlns:a16="http://schemas.microsoft.com/office/drawing/2014/main" xmlns="" id="{D12B0B12-AB99-4F88-B4B2-948DADC833EA}"/>
+                <a16:creationId xmlns="" xmlns:a16="http://schemas.microsoft.com/office/drawing/2014/main" id="{D12B0B12-AB99-4F88-B4B2-948DADC833EA}"/>
               </a:ext>
             </a:extLst>
           </p:cNvPr>
@@ -40915,7 +40750,7 @@
           <p:cNvPr id="2" name="직사각형 1">
             <a:extLst>
               <a:ext uri="{FF2B5EF4-FFF2-40B4-BE49-F238E27FC236}">
-                <a16:creationId xmlns="" xmlns:a16="http://schemas.microsoft.com/office/drawing/2014/main" id="{8E5B996D-DF87-49E5-95D1-45B1EEB9EE9A}"/>
+                <a16:creationId xmlns:a16="http://schemas.microsoft.com/office/drawing/2014/main" xmlns="" id="{8E5B996D-DF87-49E5-95D1-45B1EEB9EE9A}"/>
               </a:ext>
             </a:extLst>
           </p:cNvPr>
@@ -40967,7 +40802,7 @@
           <p:cNvPr id="4" name="직사각형 3">
             <a:extLst>
               <a:ext uri="{FF2B5EF4-FFF2-40B4-BE49-F238E27FC236}">
-                <a16:creationId xmlns="" xmlns:a16="http://schemas.microsoft.com/office/drawing/2014/main" id="{080CEE4E-4BCA-42C3-BECA-9BCEB9931EEA}"/>
+                <a16:creationId xmlns:a16="http://schemas.microsoft.com/office/drawing/2014/main" xmlns="" id="{080CEE4E-4BCA-42C3-BECA-9BCEB9931EEA}"/>
               </a:ext>
             </a:extLst>
           </p:cNvPr>
@@ -41019,7 +40854,7 @@
           <p:cNvPr id="74" name="TextBox 73">
             <a:extLst>
               <a:ext uri="{FF2B5EF4-FFF2-40B4-BE49-F238E27FC236}">
-                <a16:creationId xmlns:a16="http://schemas.microsoft.com/office/drawing/2014/main" xmlns="" id="{D12B0B12-AB99-4F88-B4B2-948DADC833EA}"/>
+                <a16:creationId xmlns="" xmlns:a16="http://schemas.microsoft.com/office/drawing/2014/main" id="{D12B0B12-AB99-4F88-B4B2-948DADC833EA}"/>
               </a:ext>
             </a:extLst>
           </p:cNvPr>
@@ -41102,7 +40937,7 @@
           <p:cNvPr id="75" name="그림 74">
             <a:extLst>
               <a:ext uri="{FF2B5EF4-FFF2-40B4-BE49-F238E27FC236}">
-                <a16:creationId xmlns:a16="http://schemas.microsoft.com/office/drawing/2014/main" xmlns="" id="{0F0992E8-2696-42E6-805A-0C12780D8FA1}"/>
+                <a16:creationId xmlns="" xmlns:a16="http://schemas.microsoft.com/office/drawing/2014/main" id="{0F0992E8-2696-42E6-805A-0C12780D8FA1}"/>
               </a:ext>
             </a:extLst>
           </p:cNvPr>
@@ -41251,7 +41086,7 @@
           <p:cNvPr id="25" name="사각형: 둥근 모서리 51">
             <a:extLst>
               <a:ext uri="{FF2B5EF4-FFF2-40B4-BE49-F238E27FC236}">
-                <a16:creationId xmlns="" xmlns:a16="http://schemas.microsoft.com/office/drawing/2014/main" id="{29DE75C8-A2D7-49CE-A6F4-8350D367C7F9}"/>
+                <a16:creationId xmlns:a16="http://schemas.microsoft.com/office/drawing/2014/main" xmlns="" id="{29DE75C8-A2D7-49CE-A6F4-8350D367C7F9}"/>
               </a:ext>
             </a:extLst>
           </p:cNvPr>
@@ -41539,7 +41374,7 @@
           <p:cNvPr id="2" name="직사각형 1">
             <a:extLst>
               <a:ext uri="{FF2B5EF4-FFF2-40B4-BE49-F238E27FC236}">
-                <a16:creationId xmlns="" xmlns:a16="http://schemas.microsoft.com/office/drawing/2014/main" id="{8E5B996D-DF87-49E5-95D1-45B1EEB9EE9A}"/>
+                <a16:creationId xmlns:a16="http://schemas.microsoft.com/office/drawing/2014/main" xmlns="" id="{8E5B996D-DF87-49E5-95D1-45B1EEB9EE9A}"/>
               </a:ext>
             </a:extLst>
           </p:cNvPr>
@@ -41591,7 +41426,7 @@
           <p:cNvPr id="4" name="직사각형 3">
             <a:extLst>
               <a:ext uri="{FF2B5EF4-FFF2-40B4-BE49-F238E27FC236}">
-                <a16:creationId xmlns="" xmlns:a16="http://schemas.microsoft.com/office/drawing/2014/main" id="{080CEE4E-4BCA-42C3-BECA-9BCEB9931EEA}"/>
+                <a16:creationId xmlns:a16="http://schemas.microsoft.com/office/drawing/2014/main" xmlns="" id="{080CEE4E-4BCA-42C3-BECA-9BCEB9931EEA}"/>
               </a:ext>
             </a:extLst>
           </p:cNvPr>
@@ -41643,7 +41478,7 @@
           <p:cNvPr id="11" name="TextBox 10">
             <a:extLst>
               <a:ext uri="{FF2B5EF4-FFF2-40B4-BE49-F238E27FC236}">
-                <a16:creationId xmlns:a16="http://schemas.microsoft.com/office/drawing/2014/main" xmlns="" id="{D12B0B12-AB99-4F88-B4B2-948DADC833EA}"/>
+                <a16:creationId xmlns="" xmlns:a16="http://schemas.microsoft.com/office/drawing/2014/main" id="{D12B0B12-AB99-4F88-B4B2-948DADC833EA}"/>
               </a:ext>
             </a:extLst>
           </p:cNvPr>
@@ -41781,7 +41616,7 @@
           <p:cNvPr id="12" name="그림 11">
             <a:extLst>
               <a:ext uri="{FF2B5EF4-FFF2-40B4-BE49-F238E27FC236}">
-                <a16:creationId xmlns:a16="http://schemas.microsoft.com/office/drawing/2014/main" xmlns="" id="{0F0992E8-2696-42E6-805A-0C12780D8FA1}"/>
+                <a16:creationId xmlns="" xmlns:a16="http://schemas.microsoft.com/office/drawing/2014/main" id="{0F0992E8-2696-42E6-805A-0C12780D8FA1}"/>
               </a:ext>
             </a:extLst>
           </p:cNvPr>
@@ -41884,20 +41719,20 @@
       </p:pic>
       <p:sp>
         <p:nvSpPr>
-          <p:cNvPr id="18" name="직사각형 17"/>
+          <p:cNvPr id="14" name="직사각형 13"/>
           <p:cNvSpPr/>
           <p:nvPr/>
         </p:nvSpPr>
         <p:spPr>
           <a:xfrm>
-            <a:off x="2715639" y="2129356"/>
-            <a:ext cx="5802511" cy="2873828"/>
+            <a:off x="582039" y="2007533"/>
+            <a:ext cx="5802511" cy="1749238"/>
           </a:xfrm>
           <a:prstGeom prst="rect">
             <a:avLst/>
           </a:prstGeom>
           <a:solidFill>
-            <a:srgbClr val="FF0000"/>
+            <a:schemeClr val="bg1"/>
           </a:solidFill>
           <a:ln>
             <a:solidFill>
@@ -41932,7 +41767,7 @@
                   <a:schemeClr val="tx1"/>
                 </a:solidFill>
               </a:rPr>
-              <a:t>&lt;</a:t>
+              <a:t>function </a:t>
             </a:r>
             <a:r>
               <a:rPr lang="en-US" altLang="ko-KR" sz="2000" dirty="0" err="1">
@@ -41940,23 +41775,15 @@
                   <a:schemeClr val="tx1"/>
                 </a:solidFill>
               </a:rPr>
-              <a:t>ScrollView</a:t>
-            </a:r>
-            <a:endParaRPr lang="en-US" altLang="ko-KR" sz="2000" dirty="0">
-              <a:solidFill>
-                <a:schemeClr val="tx1"/>
-              </a:solidFill>
-            </a:endParaRPr>
-          </a:p>
-          <a:p>
-            <a:pPr latinLnBrk="0"/>
+              <a:t>yesCk</a:t>
+            </a:r>
             <a:r>
               <a:rPr lang="en-US" altLang="ko-KR" sz="2000" dirty="0">
                 <a:solidFill>
                   <a:schemeClr val="tx1"/>
                 </a:solidFill>
               </a:rPr>
-              <a:t>        </a:t>
+              <a:t>(</a:t>
             </a:r>
             <a:r>
               <a:rPr lang="en-US" altLang="ko-KR" sz="2000" dirty="0" err="1">
@@ -41964,219 +41791,15 @@
                   <a:schemeClr val="tx1"/>
                 </a:solidFill>
               </a:rPr>
-              <a:t>android:layout_width</a:t>
-            </a:r>
-            <a:r>
-              <a:rPr lang="en-US" altLang="ko-KR" sz="2000" dirty="0">
-                <a:solidFill>
-                  <a:schemeClr val="tx1"/>
-                </a:solidFill>
-              </a:rPr>
-              <a:t>="</a:t>
-            </a:r>
-            <a:r>
-              <a:rPr lang="en-US" altLang="ko-KR" sz="2000" dirty="0" err="1">
-                <a:solidFill>
-                  <a:schemeClr val="tx1"/>
-                </a:solidFill>
-              </a:rPr>
-              <a:t>match_parent</a:t>
-            </a:r>
-            <a:r>
-              <a:rPr lang="en-US" altLang="ko-KR" sz="2000" dirty="0">
-                <a:solidFill>
-                  <a:schemeClr val="tx1"/>
-                </a:solidFill>
-              </a:rPr>
-              <a:t>"</a:t>
-            </a:r>
-          </a:p>
-          <a:p>
-            <a:pPr latinLnBrk="0"/>
-            <a:r>
-              <a:rPr lang="en-US" altLang="ko-KR" sz="2000" dirty="0">
-                <a:solidFill>
-                  <a:schemeClr val="tx1"/>
-                </a:solidFill>
-              </a:rPr>
-              <a:t>        </a:t>
-            </a:r>
-            <a:r>
-              <a:rPr lang="en-US" altLang="ko-KR" sz="2000" dirty="0" err="1">
-                <a:solidFill>
-                  <a:schemeClr val="tx1"/>
-                </a:solidFill>
-              </a:rPr>
-              <a:t>android:layout_height</a:t>
-            </a:r>
-            <a:r>
-              <a:rPr lang="en-US" altLang="ko-KR" sz="2000" dirty="0">
-                <a:solidFill>
-                  <a:schemeClr val="tx1"/>
-                </a:solidFill>
-              </a:rPr>
-              <a:t>="</a:t>
-            </a:r>
-            <a:r>
-              <a:rPr lang="en-US" altLang="ko-KR" sz="2000" dirty="0" err="1">
-                <a:solidFill>
-                  <a:schemeClr val="tx1"/>
-                </a:solidFill>
-              </a:rPr>
-              <a:t>match_parent</a:t>
-            </a:r>
-            <a:r>
-              <a:rPr lang="en-US" altLang="ko-KR" sz="2000" dirty="0">
-                <a:solidFill>
-                  <a:schemeClr val="tx1"/>
-                </a:solidFill>
-              </a:rPr>
-              <a:t>"&gt;</a:t>
-            </a:r>
-          </a:p>
-          <a:p>
-            <a:pPr latinLnBrk="0"/>
+              <a:t>obj</a:t>
+            </a:r>
             <a:r>
               <a:rPr lang="en-US" altLang="ko-KR" sz="2000" dirty="0" smtClean="0">
                 <a:solidFill>
                   <a:schemeClr val="tx1"/>
                 </a:solidFill>
               </a:rPr>
-              <a:t>    &lt;</a:t>
-            </a:r>
-            <a:r>
-              <a:rPr lang="en-US" altLang="ko-KR" sz="2000" dirty="0" err="1">
-                <a:solidFill>
-                  <a:schemeClr val="tx1"/>
-                </a:solidFill>
-              </a:rPr>
-              <a:t>LinearLayout</a:t>
-            </a:r>
-            <a:endParaRPr lang="en-US" altLang="ko-KR" sz="2000" dirty="0">
-              <a:solidFill>
-                <a:schemeClr val="tx1"/>
-              </a:solidFill>
-            </a:endParaRPr>
-          </a:p>
-          <a:p>
-            <a:pPr latinLnBrk="0"/>
-            <a:r>
-              <a:rPr lang="en-US" altLang="ko-KR" sz="2000" dirty="0">
-                <a:solidFill>
-                  <a:schemeClr val="tx1"/>
-                </a:solidFill>
-              </a:rPr>
-              <a:t>            </a:t>
-            </a:r>
-            <a:r>
-              <a:rPr lang="en-US" altLang="ko-KR" sz="2000" dirty="0" err="1">
-                <a:solidFill>
-                  <a:schemeClr val="tx1"/>
-                </a:solidFill>
-              </a:rPr>
-              <a:t>android:layout_width</a:t>
-            </a:r>
-            <a:r>
-              <a:rPr lang="en-US" altLang="ko-KR" sz="2000" dirty="0">
-                <a:solidFill>
-                  <a:schemeClr val="tx1"/>
-                </a:solidFill>
-              </a:rPr>
-              <a:t>="</a:t>
-            </a:r>
-            <a:r>
-              <a:rPr lang="en-US" altLang="ko-KR" sz="2000" dirty="0" err="1">
-                <a:solidFill>
-                  <a:schemeClr val="tx1"/>
-                </a:solidFill>
-              </a:rPr>
-              <a:t>match_parent</a:t>
-            </a:r>
-            <a:r>
-              <a:rPr lang="en-US" altLang="ko-KR" sz="2000" dirty="0">
-                <a:solidFill>
-                  <a:schemeClr val="tx1"/>
-                </a:solidFill>
-              </a:rPr>
-              <a:t>"</a:t>
-            </a:r>
-          </a:p>
-          <a:p>
-            <a:pPr latinLnBrk="0"/>
-            <a:r>
-              <a:rPr lang="en-US" altLang="ko-KR" sz="2000" dirty="0">
-                <a:solidFill>
-                  <a:schemeClr val="tx1"/>
-                </a:solidFill>
-              </a:rPr>
-              <a:t>            </a:t>
-            </a:r>
-            <a:r>
-              <a:rPr lang="en-US" altLang="ko-KR" sz="2000" dirty="0" err="1">
-                <a:solidFill>
-                  <a:schemeClr val="tx1"/>
-                </a:solidFill>
-              </a:rPr>
-              <a:t>android:layout_height</a:t>
-            </a:r>
-            <a:r>
-              <a:rPr lang="en-US" altLang="ko-KR" sz="2000" dirty="0">
-                <a:solidFill>
-                  <a:schemeClr val="tx1"/>
-                </a:solidFill>
-              </a:rPr>
-              <a:t>="</a:t>
-            </a:r>
-            <a:r>
-              <a:rPr lang="en-US" altLang="ko-KR" sz="2000" dirty="0" err="1">
-                <a:solidFill>
-                  <a:schemeClr val="tx1"/>
-                </a:solidFill>
-              </a:rPr>
-              <a:t>wrap_content</a:t>
-            </a:r>
-            <a:r>
-              <a:rPr lang="en-US" altLang="ko-KR" sz="2000" dirty="0">
-                <a:solidFill>
-                  <a:schemeClr val="tx1"/>
-                </a:solidFill>
-              </a:rPr>
-              <a:t>"</a:t>
-            </a:r>
-          </a:p>
-          <a:p>
-            <a:pPr latinLnBrk="0"/>
-            <a:r>
-              <a:rPr lang="en-US" altLang="ko-KR" sz="2000" dirty="0">
-                <a:solidFill>
-                  <a:schemeClr val="tx1"/>
-                </a:solidFill>
-              </a:rPr>
-              <a:t>            </a:t>
-            </a:r>
-            <a:r>
-              <a:rPr lang="en-US" altLang="ko-KR" sz="2000" dirty="0" err="1">
-                <a:solidFill>
-                  <a:schemeClr val="tx1"/>
-                </a:solidFill>
-              </a:rPr>
-              <a:t>android:orientation</a:t>
-            </a:r>
-            <a:r>
-              <a:rPr lang="en-US" altLang="ko-KR" sz="2000" dirty="0">
-                <a:solidFill>
-                  <a:schemeClr val="tx1"/>
-                </a:solidFill>
-              </a:rPr>
-              <a:t>="vertical" </a:t>
-            </a:r>
-            <a:r>
-              <a:rPr lang="en-US" altLang="ko-KR" sz="2000" dirty="0" smtClean="0">
-                <a:solidFill>
-                  <a:schemeClr val="tx1"/>
-                </a:solidFill>
-              </a:rPr>
-              <a:t>&gt;</a:t>
+              <a:t>){</a:t>
             </a:r>
           </a:p>
           <a:p>
@@ -42195,7 +41818,7 @@
                   <a:schemeClr val="tx1"/>
                 </a:solidFill>
               </a:rPr>
-              <a:t>   &lt;/</a:t>
+              <a:t>     </a:t>
             </a:r>
             <a:r>
               <a:rPr lang="en-US" altLang="ko-KR" sz="2000" dirty="0" err="1" smtClean="0">
@@ -42203,7 +41826,7 @@
                   <a:schemeClr val="tx1"/>
                 </a:solidFill>
               </a:rPr>
-              <a:t>LinearLayout</a:t>
+              <a:t>obj.innerHTML</a:t>
             </a:r>
             <a:r>
               <a:rPr lang="en-US" altLang="ko-KR" sz="2000" dirty="0" smtClean="0">
@@ -42211,7 +41834,31 @@
                   <a:schemeClr val="tx1"/>
                 </a:solidFill>
               </a:rPr>
-              <a:t>&gt;</a:t>
+              <a:t> </a:t>
+            </a:r>
+            <a:r>
+              <a:rPr lang="en-US" altLang="ko-KR" sz="2000" dirty="0">
+                <a:solidFill>
+                  <a:schemeClr val="tx1"/>
+                </a:solidFill>
+              </a:rPr>
+              <a:t>= "</a:t>
+            </a:r>
+            <a:r>
+              <a:rPr lang="ko-KR" altLang="en-US" sz="2000" dirty="0">
+                <a:solidFill>
+                  <a:schemeClr val="tx1"/>
+                </a:solidFill>
+              </a:rPr>
+              <a:t>예약 완료</a:t>
+            </a:r>
+            <a:r>
+              <a:rPr lang="en-US" altLang="ko-KR" sz="2000" dirty="0">
+                <a:solidFill>
+                  <a:schemeClr val="tx1"/>
+                </a:solidFill>
+              </a:rPr>
+              <a:t>";</a:t>
             </a:r>
           </a:p>
           <a:p>
@@ -42222,7 +41869,7 @@
                   <a:schemeClr val="tx1"/>
                 </a:solidFill>
               </a:rPr>
-              <a:t>&lt;/</a:t>
+              <a:t>      </a:t>
             </a:r>
             <a:r>
               <a:rPr lang="en-US" altLang="ko-KR" sz="2000" dirty="0" err="1" smtClean="0">
@@ -42230,7 +41877,7 @@
                   <a:schemeClr val="tx1"/>
                 </a:solidFill>
               </a:rPr>
-              <a:t>ScrollView</a:t>
+              <a:t>var</a:t>
             </a:r>
             <a:r>
               <a:rPr lang="en-US" altLang="ko-KR" sz="2000" dirty="0" smtClean="0">
@@ -42238,7 +41885,77 @@
                   <a:schemeClr val="tx1"/>
                 </a:solidFill>
               </a:rPr>
-              <a:t>&gt;</a:t>
+              <a:t> </a:t>
+            </a:r>
+            <a:r>
+              <a:rPr lang="en-US" altLang="ko-KR" sz="2000" dirty="0">
+                <a:solidFill>
+                  <a:schemeClr val="tx1"/>
+                </a:solidFill>
+              </a:rPr>
+              <a:t>p1 = </a:t>
+            </a:r>
+            <a:r>
+              <a:rPr lang="en-US" altLang="ko-KR" sz="2000" dirty="0" err="1">
+                <a:solidFill>
+                  <a:schemeClr val="tx1"/>
+                </a:solidFill>
+              </a:rPr>
+              <a:t>obj.nextSibling</a:t>
+            </a:r>
+            <a:r>
+              <a:rPr lang="en-US" altLang="ko-KR" sz="2000" dirty="0" smtClean="0">
+                <a:solidFill>
+                  <a:schemeClr val="tx1"/>
+                </a:solidFill>
+              </a:rPr>
+              <a:t>;        </a:t>
+            </a:r>
+          </a:p>
+          <a:p>
+            <a:pPr latinLnBrk="0"/>
+            <a:r>
+              <a:rPr lang="en-US" altLang="ko-KR" sz="2000" dirty="0">
+                <a:solidFill>
+                  <a:schemeClr val="tx1"/>
+                </a:solidFill>
+              </a:rPr>
+              <a:t> </a:t>
+            </a:r>
+            <a:r>
+              <a:rPr lang="en-US" altLang="ko-KR" sz="2000" dirty="0" smtClean="0">
+                <a:solidFill>
+                  <a:schemeClr val="tx1"/>
+                </a:solidFill>
+              </a:rPr>
+              <a:t>     p1.nextSibling.innerHTML </a:t>
+            </a:r>
+            <a:r>
+              <a:rPr lang="en-US" altLang="ko-KR" sz="2000" dirty="0">
+                <a:solidFill>
+                  <a:schemeClr val="tx1"/>
+                </a:solidFill>
+              </a:rPr>
+              <a:t>= </a:t>
+            </a:r>
+            <a:r>
+              <a:rPr lang="en-US" altLang="ko-KR" sz="2000" dirty="0" smtClean="0">
+                <a:solidFill>
+                  <a:schemeClr val="tx1"/>
+                </a:solidFill>
+              </a:rPr>
+              <a:t>"-";</a:t>
+            </a:r>
+          </a:p>
+          <a:p>
+            <a:pPr latinLnBrk="0"/>
+            <a:r>
+              <a:rPr lang="en-US" altLang="ko-KR" sz="2000" dirty="0" smtClean="0">
+                <a:solidFill>
+                  <a:schemeClr val="tx1"/>
+                </a:solidFill>
+              </a:rPr>
+              <a:t>}</a:t>
             </a:r>
             <a:endParaRPr lang="en-US" altLang="ko-KR" sz="2000" dirty="0">
               <a:solidFill>
@@ -42250,10 +41967,10 @@
       </p:sp>
       <p:sp>
         <p:nvSpPr>
-          <p:cNvPr id="19" name="사각형: 둥근 모서리 33">
+          <p:cNvPr id="15" name="사각형: 둥근 모서리 33">
             <a:extLst>
               <a:ext uri="{FF2B5EF4-FFF2-40B4-BE49-F238E27FC236}">
-                <a16:creationId xmlns="" xmlns:a16="http://schemas.microsoft.com/office/drawing/2014/main" id="{9FEA6CC2-F860-4762-B98D-92DFCBF74600}"/>
+                <a16:creationId xmlns:a16="http://schemas.microsoft.com/office/drawing/2014/main" xmlns="" id="{9FEA6CC2-F860-4762-B98D-92DFCBF74600}"/>
               </a:ext>
             </a:extLst>
           </p:cNvPr>
@@ -42262,14 +41979,14 @@
         </p:nvSpPr>
         <p:spPr>
           <a:xfrm>
-            <a:off x="2715639" y="5152700"/>
-            <a:ext cx="6455655" cy="867468"/>
+            <a:off x="5435908" y="4016399"/>
+            <a:ext cx="6477521" cy="867468"/>
           </a:xfrm>
           <a:prstGeom prst="roundRect">
             <a:avLst/>
           </a:prstGeom>
           <a:solidFill>
-            <a:srgbClr val="FF0000"/>
+            <a:schemeClr val="bg1"/>
           </a:solidFill>
           <a:ln>
             <a:solidFill>
@@ -42299,22 +42016,6 @@
           <a:p>
             <a:pPr latinLnBrk="0"/>
             <a:r>
-              <a:rPr lang="en-US" altLang="ko-KR" sz="2000" dirty="0" err="1" smtClean="0">
-                <a:solidFill>
-                  <a:schemeClr val="tx1"/>
-                </a:solidFill>
-              </a:rPr>
-              <a:t>ScrollView</a:t>
-            </a:r>
-            <a:r>
-              <a:rPr lang="ko-KR" altLang="en-US" sz="2000" dirty="0" smtClean="0">
-                <a:solidFill>
-                  <a:schemeClr val="tx1"/>
-                </a:solidFill>
-              </a:rPr>
-              <a:t>를 이용하여 화면을 넘어가는 레이아웃도 스크롤로 볼 수 있다</a:t>
-            </a:r>
-            <a:r>
               <a:rPr lang="en-US" altLang="ko-KR" sz="2000" dirty="0" smtClean="0">
                 <a:solidFill>
                   <a:schemeClr val="tx1"/>
@@ -42322,6 +42023,94 @@
               </a:rPr>
               <a:t>.</a:t>
             </a:r>
+            <a:r>
+              <a:rPr lang="en-US" altLang="ko-KR" sz="2000" dirty="0" err="1" smtClean="0">
+                <a:solidFill>
+                  <a:schemeClr val="tx1"/>
+                </a:solidFill>
+              </a:rPr>
+              <a:t>nextSibling</a:t>
+            </a:r>
+            <a:r>
+              <a:rPr lang="en-US" altLang="ko-KR" sz="2000" dirty="0" smtClean="0">
+                <a:solidFill>
+                  <a:schemeClr val="tx1"/>
+                </a:solidFill>
+              </a:rPr>
+              <a:t> </a:t>
+            </a:r>
+            <a:r>
+              <a:rPr lang="en-US" altLang="ko-KR" sz="2000" dirty="0">
+                <a:solidFill>
+                  <a:schemeClr val="tx1"/>
+                </a:solidFill>
+              </a:rPr>
+              <a:t>| </a:t>
+            </a:r>
+            <a:r>
+              <a:rPr lang="en-US" altLang="ko-KR" sz="2000" dirty="0" err="1">
+                <a:solidFill>
+                  <a:schemeClr val="tx1"/>
+                </a:solidFill>
+              </a:rPr>
+              <a:t>previousSibling</a:t>
+            </a:r>
+            <a:r>
+              <a:rPr lang="en-US" altLang="ko-KR" sz="2000" dirty="0">
+                <a:solidFill>
+                  <a:schemeClr val="tx1"/>
+                </a:solidFill>
+              </a:rPr>
+              <a:t> </a:t>
+            </a:r>
+            <a:r>
+              <a:rPr lang="ko-KR" altLang="en-US" sz="2000" dirty="0" smtClean="0">
+                <a:solidFill>
+                  <a:schemeClr val="tx1"/>
+                </a:solidFill>
+              </a:rPr>
+              <a:t>을 이용하여</a:t>
+            </a:r>
+            <a:endParaRPr lang="en-US" altLang="ko-KR" sz="2000" dirty="0" smtClean="0">
+              <a:solidFill>
+                <a:schemeClr val="tx1"/>
+              </a:solidFill>
+            </a:endParaRPr>
+          </a:p>
+          <a:p>
+            <a:pPr latinLnBrk="0"/>
+            <a:r>
+              <a:rPr lang="ko-KR" altLang="en-US" sz="2000" dirty="0" smtClean="0">
+                <a:solidFill>
+                  <a:schemeClr val="tx1"/>
+                </a:solidFill>
+              </a:rPr>
+              <a:t>형제 관계의 </a:t>
+            </a:r>
+            <a:r>
+              <a:rPr lang="en-US" altLang="ko-KR" sz="2000" dirty="0" smtClean="0">
+                <a:solidFill>
+                  <a:schemeClr val="tx1"/>
+                </a:solidFill>
+              </a:rPr>
+              <a:t>DOM</a:t>
+            </a:r>
+            <a:r>
+              <a:rPr lang="ko-KR" altLang="en-US" sz="2000" dirty="0" smtClean="0">
+                <a:solidFill>
+                  <a:schemeClr val="tx1"/>
+                </a:solidFill>
+              </a:rPr>
+              <a:t>를 수정할 수 있다</a:t>
+            </a:r>
+            <a:r>
+              <a:rPr lang="en-US" altLang="ko-KR" sz="2000" dirty="0" smtClean="0">
+                <a:solidFill>
+                  <a:schemeClr val="tx1"/>
+                </a:solidFill>
+              </a:rPr>
+              <a:t>.</a:t>
+            </a:r>
             <a:endParaRPr lang="ko-KR" altLang="en-US" sz="2000" dirty="0">
               <a:solidFill>
                 <a:schemeClr val="tx1"/>
@@ -42330,6 +42119,45 @@
           </a:p>
         </p:txBody>
       </p:sp>
+      <p:cxnSp>
+        <p:nvCxnSpPr>
+          <p:cNvPr id="16" name="직선 화살표 연결선 15"/>
+          <p:cNvCxnSpPr>
+            <a:cxnSpLocks/>
+            <a:stCxn id="14" idx="2"/>
+          </p:cNvCxnSpPr>
+          <p:nvPr/>
+        </p:nvCxnSpPr>
+        <p:spPr>
+          <a:xfrm>
+            <a:off x="3483295" y="3756771"/>
+            <a:ext cx="2126673" cy="1678466"/>
+          </a:xfrm>
+          <a:prstGeom prst="straightConnector1">
+            <a:avLst/>
+          </a:prstGeom>
+          <a:ln w="12700">
+            <a:solidFill>
+              <a:srgbClr val="FF0000"/>
+            </a:solidFill>
+            <a:tailEnd type="triangle"/>
+          </a:ln>
+        </p:spPr>
+        <p:style>
+          <a:lnRef idx="1">
+            <a:schemeClr val="accent1"/>
+          </a:lnRef>
+          <a:fillRef idx="0">
+            <a:schemeClr val="accent1"/>
+          </a:fillRef>
+          <a:effectRef idx="0">
+            <a:schemeClr val="accent1"/>
+          </a:effectRef>
+          <a:fontRef idx="minor">
+            <a:schemeClr val="tx1"/>
+          </a:fontRef>
+        </p:style>
+      </p:cxnSp>
     </p:spTree>
     <p:extLst>
       <p:ext uri="{BB962C8B-B14F-4D97-AF65-F5344CB8AC3E}">
@@ -42365,7 +42193,7 @@
           <p:cNvPr id="2" name="직사각형 1">
             <a:extLst>
               <a:ext uri="{FF2B5EF4-FFF2-40B4-BE49-F238E27FC236}">
-                <a16:creationId xmlns="" xmlns:a16="http://schemas.microsoft.com/office/drawing/2014/main" id="{8E5B996D-DF87-49E5-95D1-45B1EEB9EE9A}"/>
+                <a16:creationId xmlns:a16="http://schemas.microsoft.com/office/drawing/2014/main" xmlns="" id="{8E5B996D-DF87-49E5-95D1-45B1EEB9EE9A}"/>
               </a:ext>
             </a:extLst>
           </p:cNvPr>
@@ -42417,7 +42245,7 @@
           <p:cNvPr id="4" name="직사각형 3">
             <a:extLst>
               <a:ext uri="{FF2B5EF4-FFF2-40B4-BE49-F238E27FC236}">
-                <a16:creationId xmlns="" xmlns:a16="http://schemas.microsoft.com/office/drawing/2014/main" id="{080CEE4E-4BCA-42C3-BECA-9BCEB9931EEA}"/>
+                <a16:creationId xmlns:a16="http://schemas.microsoft.com/office/drawing/2014/main" xmlns="" id="{080CEE4E-4BCA-42C3-BECA-9BCEB9931EEA}"/>
               </a:ext>
             </a:extLst>
           </p:cNvPr>
@@ -42493,7 +42321,7 @@
           <p:cNvPr id="77" name="그림 76">
             <a:extLst>
               <a:ext uri="{FF2B5EF4-FFF2-40B4-BE49-F238E27FC236}">
-                <a16:creationId xmlns:a16="http://schemas.microsoft.com/office/drawing/2014/main" xmlns="" id="{0F0992E8-2696-42E6-805A-0C12780D8FA1}"/>
+                <a16:creationId xmlns="" xmlns:a16="http://schemas.microsoft.com/office/drawing/2014/main" id="{0F0992E8-2696-42E6-805A-0C12780D8FA1}"/>
               </a:ext>
             </a:extLst>
           </p:cNvPr>
@@ -42529,7 +42357,7 @@
           <p:cNvPr id="78" name="TextBox 77">
             <a:extLst>
               <a:ext uri="{FF2B5EF4-FFF2-40B4-BE49-F238E27FC236}">
-                <a16:creationId xmlns:a16="http://schemas.microsoft.com/office/drawing/2014/main" xmlns="" id="{D12B0B12-AB99-4F88-B4B2-948DADC833EA}"/>
+                <a16:creationId xmlns="" xmlns:a16="http://schemas.microsoft.com/office/drawing/2014/main" id="{D12B0B12-AB99-4F88-B4B2-948DADC833EA}"/>
               </a:ext>
             </a:extLst>
           </p:cNvPr>

--- a/WebContent/hsw/3조 화면구현_hsw.pptx
+++ b/WebContent/hsw/3조 화면구현_hsw.pptx
@@ -10476,6 +10476,35 @@
       </p:grpSpPr>
       <p:pic>
         <p:nvPicPr>
+          <p:cNvPr id="55" name="그림 54"/>
+          <p:cNvPicPr>
+            <a:picLocks noChangeAspect="1"/>
+          </p:cNvPicPr>
+          <p:nvPr/>
+        </p:nvPicPr>
+        <p:blipFill>
+          <a:blip r:embed="rId2"/>
+          <a:stretch>
+            <a:fillRect/>
+          </a:stretch>
+        </p:blipFill>
+        <p:spPr>
+          <a:xfrm>
+            <a:off x="8784899" y="1786466"/>
+            <a:ext cx="2511001" cy="4459867"/>
+          </a:xfrm>
+          <a:prstGeom prst="rect">
+            <a:avLst/>
+          </a:prstGeom>
+          <a:ln>
+            <a:solidFill>
+              <a:schemeClr val="tx1"/>
+            </a:solidFill>
+          </a:ln>
+        </p:spPr>
+      </p:pic>
+      <p:pic>
+        <p:nvPicPr>
           <p:cNvPr id="116" name="그림 115"/>
           <p:cNvPicPr>
             <a:picLocks noChangeAspect="1"/>
@@ -10609,156 +10638,6 @@
       </p:sp>
       <p:sp>
         <p:nvSpPr>
-          <p:cNvPr id="32" name="Window Body" descr="&lt;SmartSettings&gt;&lt;SmartResize anchorLeft=&quot;Absolute&quot; anchorTop=&quot;Absolute&quot; anchorRight=&quot;Absolute&quot; anchorBottom=&quot;Absolute&quot; /&gt;&lt;/SmartSettings&gt;"/>
-          <p:cNvSpPr>
-            <a:spLocks/>
-          </p:cNvSpPr>
-          <p:nvPr>
-            <p:custDataLst>
-              <p:tags r:id="rId1"/>
-            </p:custDataLst>
-          </p:nvPr>
-        </p:nvSpPr>
-        <p:spPr>
-          <a:xfrm>
-            <a:off x="8784900" y="1786467"/>
-            <a:ext cx="2511001" cy="4464000"/>
-          </a:xfrm>
-          <a:prstGeom prst="rect">
-            <a:avLst/>
-          </a:prstGeom>
-          <a:ln/>
-        </p:spPr>
-        <p:style>
-          <a:lnRef idx="2">
-            <a:schemeClr val="dk1"/>
-          </a:lnRef>
-          <a:fillRef idx="1">
-            <a:schemeClr val="lt1"/>
-          </a:fillRef>
-          <a:effectRef idx="0">
-            <a:schemeClr val="dk1"/>
-          </a:effectRef>
-          <a:fontRef idx="minor">
-            <a:schemeClr val="dk1"/>
-          </a:fontRef>
-        </p:style>
-        <p:txBody>
-          <a:bodyPr rot="0" spcFirstLastPara="0" vert="horz" wrap="square" lIns="91440" tIns="45720" rIns="91440" bIns="45720" numCol="1" spcCol="0" rtlCol="0" fromWordArt="0" anchor="ctr" anchorCtr="0" forceAA="0" compatLnSpc="1">
-            <a:prstTxWarp prst="textNoShape">
-              <a:avLst/>
-            </a:prstTxWarp>
-            <a:noAutofit/>
-          </a:bodyPr>
-          <a:lstStyle>
-            <a:defPPr>
-              <a:defRPr lang="en-US"/>
-            </a:defPPr>
-            <a:lvl1pPr marL="0" algn="l" defTabSz="914400" rtl="0" eaLnBrk="1" latinLnBrk="0" hangingPunct="1">
-              <a:defRPr sz="1800" kern="1200">
-                <a:solidFill>
-                  <a:schemeClr val="lt1"/>
-                </a:solidFill>
-                <a:latin typeface="+mn-lt"/>
-                <a:ea typeface="+mn-ea"/>
-                <a:cs typeface="+mn-cs"/>
-              </a:defRPr>
-            </a:lvl1pPr>
-            <a:lvl2pPr marL="457200" algn="l" defTabSz="914400" rtl="0" eaLnBrk="1" latinLnBrk="0" hangingPunct="1">
-              <a:defRPr sz="1800" kern="1200">
-                <a:solidFill>
-                  <a:schemeClr val="lt1"/>
-                </a:solidFill>
-                <a:latin typeface="+mn-lt"/>
-                <a:ea typeface="+mn-ea"/>
-                <a:cs typeface="+mn-cs"/>
-              </a:defRPr>
-            </a:lvl2pPr>
-            <a:lvl3pPr marL="914400" algn="l" defTabSz="914400" rtl="0" eaLnBrk="1" latinLnBrk="0" hangingPunct="1">
-              <a:defRPr sz="1800" kern="1200">
-                <a:solidFill>
-                  <a:schemeClr val="lt1"/>
-                </a:solidFill>
-                <a:latin typeface="+mn-lt"/>
-                <a:ea typeface="+mn-ea"/>
-                <a:cs typeface="+mn-cs"/>
-              </a:defRPr>
-            </a:lvl3pPr>
-            <a:lvl4pPr marL="1371600" algn="l" defTabSz="914400" rtl="0" eaLnBrk="1" latinLnBrk="0" hangingPunct="1">
-              <a:defRPr sz="1800" kern="1200">
-                <a:solidFill>
-                  <a:schemeClr val="lt1"/>
-                </a:solidFill>
-                <a:latin typeface="+mn-lt"/>
-                <a:ea typeface="+mn-ea"/>
-                <a:cs typeface="+mn-cs"/>
-              </a:defRPr>
-            </a:lvl4pPr>
-            <a:lvl5pPr marL="1828800" algn="l" defTabSz="914400" rtl="0" eaLnBrk="1" latinLnBrk="0" hangingPunct="1">
-              <a:defRPr sz="1800" kern="1200">
-                <a:solidFill>
-                  <a:schemeClr val="lt1"/>
-                </a:solidFill>
-                <a:latin typeface="+mn-lt"/>
-                <a:ea typeface="+mn-ea"/>
-                <a:cs typeface="+mn-cs"/>
-              </a:defRPr>
-            </a:lvl5pPr>
-            <a:lvl6pPr marL="2286000" algn="l" defTabSz="914400" rtl="0" eaLnBrk="1" latinLnBrk="0" hangingPunct="1">
-              <a:defRPr sz="1800" kern="1200">
-                <a:solidFill>
-                  <a:schemeClr val="lt1"/>
-                </a:solidFill>
-                <a:latin typeface="+mn-lt"/>
-                <a:ea typeface="+mn-ea"/>
-                <a:cs typeface="+mn-cs"/>
-              </a:defRPr>
-            </a:lvl6pPr>
-            <a:lvl7pPr marL="2743200" algn="l" defTabSz="914400" rtl="0" eaLnBrk="1" latinLnBrk="0" hangingPunct="1">
-              <a:defRPr sz="1800" kern="1200">
-                <a:solidFill>
-                  <a:schemeClr val="lt1"/>
-                </a:solidFill>
-                <a:latin typeface="+mn-lt"/>
-                <a:ea typeface="+mn-ea"/>
-                <a:cs typeface="+mn-cs"/>
-              </a:defRPr>
-            </a:lvl7pPr>
-            <a:lvl8pPr marL="3200400" algn="l" defTabSz="914400" rtl="0" eaLnBrk="1" latinLnBrk="0" hangingPunct="1">
-              <a:defRPr sz="1800" kern="1200">
-                <a:solidFill>
-                  <a:schemeClr val="lt1"/>
-                </a:solidFill>
-                <a:latin typeface="+mn-lt"/>
-                <a:ea typeface="+mn-ea"/>
-                <a:cs typeface="+mn-cs"/>
-              </a:defRPr>
-            </a:lvl8pPr>
-            <a:lvl9pPr marL="3657600" algn="l" defTabSz="914400" rtl="0" eaLnBrk="1" latinLnBrk="0" hangingPunct="1">
-              <a:defRPr sz="1800" kern="1200">
-                <a:solidFill>
-                  <a:schemeClr val="lt1"/>
-                </a:solidFill>
-                <a:latin typeface="+mn-lt"/>
-                <a:ea typeface="+mn-ea"/>
-                <a:cs typeface="+mn-cs"/>
-              </a:defRPr>
-            </a:lvl9pPr>
-          </a:lstStyle>
-          <a:p>
-            <a:pPr algn="ctr"/>
-            <a:endParaRPr lang="en-US" sz="900" dirty="0">
-              <a:solidFill>
-                <a:srgbClr val="5F5F5F"/>
-              </a:solidFill>
-              <a:latin typeface="Segoe UI" panose="020B0502040204020203" pitchFamily="34" charset="0"/>
-              <a:cs typeface="Segoe UI" panose="020B0502040204020203" pitchFamily="34" charset="0"/>
-            </a:endParaRPr>
-          </a:p>
-        </p:txBody>
-      </p:sp>
-      <p:sp>
-        <p:nvSpPr>
           <p:cNvPr id="3" name="TextBox 2"/>
           <p:cNvSpPr txBox="1"/>
           <p:nvPr/>
@@ -10794,1125 +10673,6 @@
           </a:p>
         </p:txBody>
       </p:sp>
-      <p:graphicFrame>
-        <p:nvGraphicFramePr>
-          <p:cNvPr id="14" name="표 13"/>
-          <p:cNvGraphicFramePr>
-            <a:graphicFrameLocks noGrp="1"/>
-          </p:cNvGraphicFramePr>
-          <p:nvPr/>
-        </p:nvGraphicFramePr>
-        <p:xfrm>
-          <a:off x="8888830" y="3237328"/>
-          <a:ext cx="2303141" cy="1936129"/>
-        </p:xfrm>
-        <a:graphic>
-          <a:graphicData uri="http://schemas.openxmlformats.org/drawingml/2006/table">
-            <a:tbl>
-              <a:tblPr firstRow="1" bandRow="1">
-                <a:tableStyleId>{2D5ABB26-0587-4C30-8999-92F81FD0307C}</a:tableStyleId>
-              </a:tblPr>
-              <a:tblGrid>
-                <a:gridCol w="572240">
-                  <a:extLst>
-                    <a:ext uri="{9D8B030D-6E8A-4147-A177-3AD203B41FA5}">
-                      <a16:colId xmlns:a16="http://schemas.microsoft.com/office/drawing/2014/main" xmlns="" val="20000"/>
-                    </a:ext>
-                  </a:extLst>
-                </a:gridCol>
-                <a:gridCol w="1005288">
-                  <a:extLst>
-                    <a:ext uri="{9D8B030D-6E8A-4147-A177-3AD203B41FA5}">
-                      <a16:colId xmlns:a16="http://schemas.microsoft.com/office/drawing/2014/main" xmlns="" val="20001"/>
-                    </a:ext>
-                  </a:extLst>
-                </a:gridCol>
-                <a:gridCol w="725613">
-                  <a:extLst>
-                    <a:ext uri="{9D8B030D-6E8A-4147-A177-3AD203B41FA5}">
-                      <a16:colId xmlns:a16="http://schemas.microsoft.com/office/drawing/2014/main" xmlns="" val="20002"/>
-                    </a:ext>
-                  </a:extLst>
-                </a:gridCol>
-              </a:tblGrid>
-              <a:tr h="281057">
-                <a:tc>
-                  <a:txBody>
-                    <a:bodyPr/>
-                    <a:lstStyle/>
-                    <a:p>
-                      <a:pPr algn="ctr"/>
-                      <a:r>
-                        <a:rPr lang="ko-KR" altLang="en-US" sz="1000" b="1" dirty="0">
-                          <a:solidFill>
-                            <a:schemeClr val="tx1"/>
-                          </a:solidFill>
-                        </a:rPr>
-                        <a:t>이름</a:t>
-                      </a:r>
-                    </a:p>
-                  </a:txBody>
-                  <a:tcPr anchor="ctr">
-                    <a:lnL w="6350" cap="flat" cmpd="sng" algn="ctr">
-                      <a:solidFill>
-                        <a:schemeClr val="tx1"/>
-                      </a:solidFill>
-                      <a:prstDash val="solid"/>
-                      <a:round/>
-                      <a:headEnd type="none" w="med" len="med"/>
-                      <a:tailEnd type="none" w="med" len="med"/>
-                    </a:lnL>
-                    <a:lnR w="6350" cap="flat" cmpd="sng" algn="ctr">
-                      <a:solidFill>
-                        <a:schemeClr val="tx1"/>
-                      </a:solidFill>
-                      <a:prstDash val="solid"/>
-                      <a:round/>
-                      <a:headEnd type="none" w="med" len="med"/>
-                      <a:tailEnd type="none" w="med" len="med"/>
-                    </a:lnR>
-                    <a:lnT w="6350" cap="flat" cmpd="sng" algn="ctr">
-                      <a:solidFill>
-                        <a:schemeClr val="tx1"/>
-                      </a:solidFill>
-                      <a:prstDash val="solid"/>
-                      <a:round/>
-                      <a:headEnd type="none" w="med" len="med"/>
-                      <a:tailEnd type="none" w="med" len="med"/>
-                    </a:lnT>
-                    <a:lnB w="6350" cap="flat" cmpd="sng" algn="ctr">
-                      <a:solidFill>
-                        <a:schemeClr val="tx1"/>
-                      </a:solidFill>
-                      <a:prstDash val="solid"/>
-                      <a:round/>
-                      <a:headEnd type="none" w="med" len="med"/>
-                      <a:tailEnd type="none" w="med" len="med"/>
-                    </a:lnB>
-                    <a:solidFill>
-                      <a:schemeClr val="bg1"/>
-                    </a:solidFill>
-                  </a:tcPr>
-                </a:tc>
-                <a:tc>
-                  <a:txBody>
-                    <a:bodyPr/>
-                    <a:lstStyle/>
-                    <a:p>
-                      <a:pPr algn="ctr"/>
-                      <a:r>
-                        <a:rPr lang="ko-KR" altLang="en-US" sz="1000" b="1" dirty="0">
-                          <a:solidFill>
-                            <a:schemeClr val="tx1"/>
-                          </a:solidFill>
-                        </a:rPr>
-                        <a:t>반려동물 정보</a:t>
-                      </a:r>
-                    </a:p>
-                  </a:txBody>
-                  <a:tcPr anchor="ctr">
-                    <a:lnL w="6350" cap="flat" cmpd="sng" algn="ctr">
-                      <a:solidFill>
-                        <a:schemeClr val="tx1"/>
-                      </a:solidFill>
-                      <a:prstDash val="solid"/>
-                      <a:round/>
-                      <a:headEnd type="none" w="med" len="med"/>
-                      <a:tailEnd type="none" w="med" len="med"/>
-                    </a:lnL>
-                    <a:lnR w="6350" cap="flat" cmpd="sng" algn="ctr">
-                      <a:solidFill>
-                        <a:schemeClr val="tx1"/>
-                      </a:solidFill>
-                      <a:prstDash val="solid"/>
-                      <a:round/>
-                      <a:headEnd type="none" w="med" len="med"/>
-                      <a:tailEnd type="none" w="med" len="med"/>
-                    </a:lnR>
-                    <a:lnT w="6350" cap="flat" cmpd="sng" algn="ctr">
-                      <a:solidFill>
-                        <a:schemeClr val="tx1"/>
-                      </a:solidFill>
-                      <a:prstDash val="solid"/>
-                      <a:round/>
-                      <a:headEnd type="none" w="med" len="med"/>
-                      <a:tailEnd type="none" w="med" len="med"/>
-                    </a:lnT>
-                    <a:lnB w="6350" cap="flat" cmpd="sng" algn="ctr">
-                      <a:solidFill>
-                        <a:schemeClr val="tx1"/>
-                      </a:solidFill>
-                      <a:prstDash val="solid"/>
-                      <a:round/>
-                      <a:headEnd type="none" w="med" len="med"/>
-                      <a:tailEnd type="none" w="med" len="med"/>
-                    </a:lnB>
-                    <a:solidFill>
-                      <a:schemeClr val="bg1"/>
-                    </a:solidFill>
-                  </a:tcPr>
-                </a:tc>
-                <a:tc>
-                  <a:txBody>
-                    <a:bodyPr/>
-                    <a:lstStyle/>
-                    <a:p>
-                      <a:pPr algn="ctr" latinLnBrk="1"/>
-                      <a:r>
-                        <a:rPr lang="ko-KR" altLang="en-US" sz="1000" b="1" dirty="0">
-                          <a:solidFill>
-                            <a:schemeClr val="tx1"/>
-                          </a:solidFill>
-                        </a:rPr>
-                        <a:t>리뷰작성</a:t>
-                      </a:r>
-                    </a:p>
-                  </a:txBody>
-                  <a:tcPr anchor="ctr">
-                    <a:lnL w="6350" cap="flat" cmpd="sng" algn="ctr">
-                      <a:solidFill>
-                        <a:schemeClr val="tx1"/>
-                      </a:solidFill>
-                      <a:prstDash val="solid"/>
-                      <a:round/>
-                      <a:headEnd type="none" w="med" len="med"/>
-                      <a:tailEnd type="none" w="med" len="med"/>
-                    </a:lnL>
-                    <a:lnR w="6350" cap="flat" cmpd="sng" algn="ctr">
-                      <a:solidFill>
-                        <a:schemeClr val="tx1"/>
-                      </a:solidFill>
-                      <a:prstDash val="solid"/>
-                      <a:round/>
-                      <a:headEnd type="none" w="med" len="med"/>
-                      <a:tailEnd type="none" w="med" len="med"/>
-                    </a:lnR>
-                    <a:lnT w="6350" cap="flat" cmpd="sng" algn="ctr">
-                      <a:solidFill>
-                        <a:schemeClr val="tx1"/>
-                      </a:solidFill>
-                      <a:prstDash val="solid"/>
-                      <a:round/>
-                      <a:headEnd type="none" w="med" len="med"/>
-                      <a:tailEnd type="none" w="med" len="med"/>
-                    </a:lnT>
-                    <a:lnB w="6350" cap="flat" cmpd="sng" algn="ctr">
-                      <a:solidFill>
-                        <a:schemeClr val="tx1"/>
-                      </a:solidFill>
-                      <a:prstDash val="solid"/>
-                      <a:round/>
-                      <a:headEnd type="none" w="med" len="med"/>
-                      <a:tailEnd type="none" w="med" len="med"/>
-                    </a:lnB>
-                    <a:solidFill>
-                      <a:schemeClr val="bg1"/>
-                    </a:solidFill>
-                  </a:tcPr>
-                </a:tc>
-                <a:extLst>
-                  <a:ext uri="{0D108BD9-81ED-4DB2-BD59-A6C34878D82A}">
-                    <a16:rowId xmlns:a16="http://schemas.microsoft.com/office/drawing/2014/main" xmlns="" val="10000"/>
-                  </a:ext>
-                </a:extLst>
-              </a:tr>
-              <a:tr h="405393">
-                <a:tc>
-                  <a:txBody>
-                    <a:bodyPr/>
-                    <a:lstStyle/>
-                    <a:p>
-                      <a:pPr algn="ctr" latinLnBrk="1"/>
-                      <a:r>
-                        <a:rPr lang="ko-KR" altLang="en-US" sz="1000" b="1" dirty="0">
-                          <a:solidFill>
-                            <a:schemeClr val="tx1"/>
-                          </a:solidFill>
-                          <a:latin typeface="+mn-ea"/>
-                          <a:ea typeface="+mn-ea"/>
-                        </a:rPr>
-                        <a:t>★</a:t>
-                      </a:r>
-                      <a:endParaRPr lang="en-US" altLang="ko-KR" sz="1000" b="1" dirty="0">
-                        <a:solidFill>
-                          <a:schemeClr val="tx1"/>
-                        </a:solidFill>
-                        <a:latin typeface="+mn-ea"/>
-                        <a:ea typeface="+mn-ea"/>
-                      </a:endParaRPr>
-                    </a:p>
-                    <a:p>
-                      <a:pPr algn="ctr" latinLnBrk="1"/>
-                      <a:r>
-                        <a:rPr lang="ko-KR" altLang="en-US" sz="1000" b="1" dirty="0" err="1">
-                          <a:solidFill>
-                            <a:schemeClr val="tx1"/>
-                          </a:solidFill>
-                          <a:latin typeface="+mn-ea"/>
-                          <a:ea typeface="+mn-ea"/>
-                        </a:rPr>
-                        <a:t>시터</a:t>
-                      </a:r>
-                      <a:r>
-                        <a:rPr lang="en-US" altLang="ko-KR" sz="1000" b="1" dirty="0">
-                          <a:solidFill>
-                            <a:schemeClr val="tx1"/>
-                          </a:solidFill>
-                          <a:latin typeface="+mn-ea"/>
-                          <a:ea typeface="+mn-ea"/>
-                        </a:rPr>
-                        <a:t>1</a:t>
-                      </a:r>
-                      <a:endParaRPr lang="ko-KR" altLang="en-US" sz="1000" b="1" dirty="0">
-                        <a:solidFill>
-                          <a:schemeClr val="tx1"/>
-                        </a:solidFill>
-                        <a:latin typeface="+mn-ea"/>
-                        <a:ea typeface="+mn-ea"/>
-                      </a:endParaRPr>
-                    </a:p>
-                  </a:txBody>
-                  <a:tcPr anchor="ctr">
-                    <a:lnL w="6350" cap="flat" cmpd="sng" algn="ctr">
-                      <a:solidFill>
-                        <a:schemeClr val="tx1"/>
-                      </a:solidFill>
-                      <a:prstDash val="solid"/>
-                      <a:round/>
-                      <a:headEnd type="none" w="med" len="med"/>
-                      <a:tailEnd type="none" w="med" len="med"/>
-                    </a:lnL>
-                    <a:lnR w="6350" cap="flat" cmpd="sng" algn="ctr">
-                      <a:solidFill>
-                        <a:schemeClr val="tx1"/>
-                      </a:solidFill>
-                      <a:prstDash val="solid"/>
-                      <a:round/>
-                      <a:headEnd type="none" w="med" len="med"/>
-                      <a:tailEnd type="none" w="med" len="med"/>
-                    </a:lnR>
-                    <a:lnT w="6350" cap="flat" cmpd="sng" algn="ctr">
-                      <a:solidFill>
-                        <a:schemeClr val="tx1"/>
-                      </a:solidFill>
-                      <a:prstDash val="solid"/>
-                      <a:round/>
-                      <a:headEnd type="none" w="med" len="med"/>
-                      <a:tailEnd type="none" w="med" len="med"/>
-                    </a:lnT>
-                    <a:lnB w="6350" cap="flat" cmpd="sng" algn="ctr">
-                      <a:solidFill>
-                        <a:schemeClr val="tx1"/>
-                      </a:solidFill>
-                      <a:prstDash val="solid"/>
-                      <a:round/>
-                      <a:headEnd type="none" w="med" len="med"/>
-                      <a:tailEnd type="none" w="med" len="med"/>
-                    </a:lnB>
-                    <a:solidFill>
-                      <a:schemeClr val="bg1"/>
-                    </a:solidFill>
-                  </a:tcPr>
-                </a:tc>
-                <a:tc>
-                  <a:txBody>
-                    <a:bodyPr/>
-                    <a:lstStyle/>
-                    <a:p>
-                      <a:pPr algn="ctr" latinLnBrk="1"/>
-                      <a:r>
-                        <a:rPr lang="ko-KR" altLang="en-US" sz="1000" b="1" dirty="0">
-                          <a:solidFill>
-                            <a:schemeClr val="tx1"/>
-                          </a:solidFill>
-                          <a:latin typeface="+mn-ea"/>
-                          <a:ea typeface="+mn-ea"/>
-                        </a:rPr>
-                        <a:t>반려동물 종류</a:t>
-                      </a:r>
-                      <a:endParaRPr lang="en-US" altLang="ko-KR" sz="1000" b="1" dirty="0">
-                        <a:solidFill>
-                          <a:schemeClr val="tx1"/>
-                        </a:solidFill>
-                        <a:latin typeface="+mn-ea"/>
-                        <a:ea typeface="+mn-ea"/>
-                      </a:endParaRPr>
-                    </a:p>
-                    <a:p>
-                      <a:pPr algn="ctr" latinLnBrk="1"/>
-                      <a:r>
-                        <a:rPr lang="ko-KR" altLang="en-US" sz="1000" b="1" dirty="0">
-                          <a:solidFill>
-                            <a:schemeClr val="tx1"/>
-                          </a:solidFill>
-                          <a:latin typeface="+mn-ea"/>
-                          <a:ea typeface="+mn-ea"/>
-                        </a:rPr>
-                        <a:t>마리 수</a:t>
-                      </a:r>
-                      <a:endParaRPr lang="en-US" altLang="ko-KR" sz="1000" b="1" dirty="0">
-                        <a:solidFill>
-                          <a:schemeClr val="tx1"/>
-                        </a:solidFill>
-                        <a:latin typeface="+mn-ea"/>
-                        <a:ea typeface="+mn-ea"/>
-                      </a:endParaRPr>
-                    </a:p>
-                    <a:p>
-                      <a:pPr algn="ctr" latinLnBrk="1"/>
-                      <a:r>
-                        <a:rPr lang="ko-KR" altLang="en-US" sz="1000" b="1" dirty="0">
-                          <a:solidFill>
-                            <a:schemeClr val="tx1"/>
-                          </a:solidFill>
-                          <a:latin typeface="+mn-ea"/>
-                          <a:ea typeface="+mn-ea"/>
-                        </a:rPr>
-                        <a:t>이름</a:t>
-                      </a:r>
-                      <a:endParaRPr lang="en-US" altLang="ko-KR" sz="1000" b="1" dirty="0">
-                        <a:solidFill>
-                          <a:schemeClr val="tx1"/>
-                        </a:solidFill>
-                        <a:latin typeface="+mn-ea"/>
-                        <a:ea typeface="+mn-ea"/>
-                      </a:endParaRPr>
-                    </a:p>
-                    <a:p>
-                      <a:pPr algn="ctr" latinLnBrk="1"/>
-                      <a:r>
-                        <a:rPr lang="ko-KR" altLang="en-US" sz="1000" b="1" dirty="0">
-                          <a:solidFill>
-                            <a:schemeClr val="tx1"/>
-                          </a:solidFill>
-                          <a:latin typeface="+mn-ea"/>
-                          <a:ea typeface="+mn-ea"/>
-                        </a:rPr>
-                        <a:t>무게</a:t>
-                      </a:r>
-                    </a:p>
-                  </a:txBody>
-                  <a:tcPr anchor="ctr">
-                    <a:lnL w="6350" cap="flat" cmpd="sng" algn="ctr">
-                      <a:solidFill>
-                        <a:schemeClr val="tx1"/>
-                      </a:solidFill>
-                      <a:prstDash val="solid"/>
-                      <a:round/>
-                      <a:headEnd type="none" w="med" len="med"/>
-                      <a:tailEnd type="none" w="med" len="med"/>
-                    </a:lnL>
-                    <a:lnR w="6350" cap="flat" cmpd="sng" algn="ctr">
-                      <a:solidFill>
-                        <a:schemeClr val="tx1"/>
-                      </a:solidFill>
-                      <a:prstDash val="solid"/>
-                      <a:round/>
-                      <a:headEnd type="none" w="med" len="med"/>
-                      <a:tailEnd type="none" w="med" len="med"/>
-                    </a:lnR>
-                    <a:lnT w="6350" cap="flat" cmpd="sng" algn="ctr">
-                      <a:solidFill>
-                        <a:schemeClr val="tx1"/>
-                      </a:solidFill>
-                      <a:prstDash val="solid"/>
-                      <a:round/>
-                      <a:headEnd type="none" w="med" len="med"/>
-                      <a:tailEnd type="none" w="med" len="med"/>
-                    </a:lnT>
-                    <a:lnB w="6350" cap="flat" cmpd="sng" algn="ctr">
-                      <a:solidFill>
-                        <a:schemeClr val="tx1"/>
-                      </a:solidFill>
-                      <a:prstDash val="solid"/>
-                      <a:round/>
-                      <a:headEnd type="none" w="med" len="med"/>
-                      <a:tailEnd type="none" w="med" len="med"/>
-                    </a:lnB>
-                    <a:solidFill>
-                      <a:schemeClr val="bg1"/>
-                    </a:solidFill>
-                  </a:tcPr>
-                </a:tc>
-                <a:tc>
-                  <a:txBody>
-                    <a:bodyPr/>
-                    <a:lstStyle/>
-                    <a:p>
-                      <a:pPr algn="ctr" latinLnBrk="1"/>
-                      <a:r>
-                        <a:rPr lang="ko-KR" altLang="en-US" sz="1000" b="1" dirty="0">
-                          <a:solidFill>
-                            <a:schemeClr val="tx1"/>
-                          </a:solidFill>
-                          <a:latin typeface="+mn-ea"/>
-                          <a:ea typeface="+mn-ea"/>
-                        </a:rPr>
-                        <a:t>작성</a:t>
-                      </a:r>
-                    </a:p>
-                  </a:txBody>
-                  <a:tcPr anchor="ctr">
-                    <a:lnL w="6350" cap="flat" cmpd="sng" algn="ctr">
-                      <a:solidFill>
-                        <a:schemeClr val="tx1"/>
-                      </a:solidFill>
-                      <a:prstDash val="solid"/>
-                      <a:round/>
-                      <a:headEnd type="none" w="med" len="med"/>
-                      <a:tailEnd type="none" w="med" len="med"/>
-                    </a:lnL>
-                    <a:lnR w="6350" cap="flat" cmpd="sng" algn="ctr">
-                      <a:solidFill>
-                        <a:schemeClr val="tx1"/>
-                      </a:solidFill>
-                      <a:prstDash val="solid"/>
-                      <a:round/>
-                      <a:headEnd type="none" w="med" len="med"/>
-                      <a:tailEnd type="none" w="med" len="med"/>
-                    </a:lnR>
-                    <a:lnT w="6350" cap="flat" cmpd="sng" algn="ctr">
-                      <a:solidFill>
-                        <a:schemeClr val="tx1"/>
-                      </a:solidFill>
-                      <a:prstDash val="solid"/>
-                      <a:round/>
-                      <a:headEnd type="none" w="med" len="med"/>
-                      <a:tailEnd type="none" w="med" len="med"/>
-                    </a:lnT>
-                    <a:lnB w="6350" cap="flat" cmpd="sng" algn="ctr">
-                      <a:solidFill>
-                        <a:schemeClr val="tx1"/>
-                      </a:solidFill>
-                      <a:prstDash val="solid"/>
-                      <a:round/>
-                      <a:headEnd type="none" w="med" len="med"/>
-                      <a:tailEnd type="none" w="med" len="med"/>
-                    </a:lnB>
-                    <a:solidFill>
-                      <a:schemeClr val="bg1"/>
-                    </a:solidFill>
-                  </a:tcPr>
-                </a:tc>
-                <a:extLst>
-                  <a:ext uri="{0D108BD9-81ED-4DB2-BD59-A6C34878D82A}">
-                    <a16:rowId xmlns:a16="http://schemas.microsoft.com/office/drawing/2014/main" xmlns="" val="10001"/>
-                  </a:ext>
-                </a:extLst>
-              </a:tr>
-              <a:tr h="405392">
-                <a:tc>
-                  <a:txBody>
-                    <a:bodyPr/>
-                    <a:lstStyle/>
-                    <a:p>
-                      <a:pPr algn="ctr" latinLnBrk="1"/>
-                      <a:r>
-                        <a:rPr lang="ko-KR" altLang="en-US" sz="1000" dirty="0">
-                          <a:solidFill>
-                            <a:schemeClr val="tx1"/>
-                          </a:solidFill>
-                          <a:latin typeface="+mn-ea"/>
-                          <a:ea typeface="+mn-ea"/>
-                        </a:rPr>
-                        <a:t>날짜</a:t>
-                      </a:r>
-                    </a:p>
-                  </a:txBody>
-                  <a:tcPr anchor="ctr">
-                    <a:lnL w="6350" cap="flat" cmpd="sng" algn="ctr">
-                      <a:solidFill>
-                        <a:schemeClr val="tx1"/>
-                      </a:solidFill>
-                      <a:prstDash val="solid"/>
-                      <a:round/>
-                      <a:headEnd type="none" w="med" len="med"/>
-                      <a:tailEnd type="none" w="med" len="med"/>
-                    </a:lnL>
-                    <a:lnR w="6350" cap="flat" cmpd="sng" algn="ctr">
-                      <a:solidFill>
-                        <a:schemeClr val="tx1"/>
-                      </a:solidFill>
-                      <a:prstDash val="solid"/>
-                      <a:round/>
-                      <a:headEnd type="none" w="med" len="med"/>
-                      <a:tailEnd type="none" w="med" len="med"/>
-                    </a:lnR>
-                    <a:lnT w="6350" cap="flat" cmpd="sng" algn="ctr">
-                      <a:solidFill>
-                        <a:schemeClr val="tx1"/>
-                      </a:solidFill>
-                      <a:prstDash val="solid"/>
-                      <a:round/>
-                      <a:headEnd type="none" w="med" len="med"/>
-                      <a:tailEnd type="none" w="med" len="med"/>
-                    </a:lnT>
-                    <a:lnB w="6350" cap="flat" cmpd="sng" algn="ctr">
-                      <a:solidFill>
-                        <a:schemeClr val="tx1"/>
-                      </a:solidFill>
-                      <a:prstDash val="solid"/>
-                      <a:round/>
-                      <a:headEnd type="none" w="med" len="med"/>
-                      <a:tailEnd type="none" w="med" len="med"/>
-                    </a:lnB>
-                    <a:solidFill>
-                      <a:schemeClr val="bg1"/>
-                    </a:solidFill>
-                  </a:tcPr>
-                </a:tc>
-                <a:tc>
-                  <a:txBody>
-                    <a:bodyPr/>
-                    <a:lstStyle/>
-                    <a:p>
-                      <a:pPr algn="ctr" latinLnBrk="1"/>
-                      <a:r>
-                        <a:rPr lang="ko-KR" altLang="en-US" sz="1000" dirty="0">
-                          <a:solidFill>
-                            <a:schemeClr val="tx1"/>
-                          </a:solidFill>
-                          <a:latin typeface="+mn-ea"/>
-                          <a:ea typeface="+mn-ea"/>
-                        </a:rPr>
-                        <a:t>이용가격 서비스</a:t>
-                      </a:r>
-                    </a:p>
-                  </a:txBody>
-                  <a:tcPr anchor="ctr">
-                    <a:lnL w="6350" cap="flat" cmpd="sng" algn="ctr">
-                      <a:solidFill>
-                        <a:schemeClr val="tx1"/>
-                      </a:solidFill>
-                      <a:prstDash val="solid"/>
-                      <a:round/>
-                      <a:headEnd type="none" w="med" len="med"/>
-                      <a:tailEnd type="none" w="med" len="med"/>
-                    </a:lnL>
-                    <a:lnR w="6350" cap="flat" cmpd="sng" algn="ctr">
-                      <a:solidFill>
-                        <a:schemeClr val="tx1"/>
-                      </a:solidFill>
-                      <a:prstDash val="solid"/>
-                      <a:round/>
-                      <a:headEnd type="none" w="med" len="med"/>
-                      <a:tailEnd type="none" w="med" len="med"/>
-                    </a:lnR>
-                    <a:lnT w="6350" cap="flat" cmpd="sng" algn="ctr">
-                      <a:solidFill>
-                        <a:schemeClr val="tx1"/>
-                      </a:solidFill>
-                      <a:prstDash val="solid"/>
-                      <a:round/>
-                      <a:headEnd type="none" w="med" len="med"/>
-                      <a:tailEnd type="none" w="med" len="med"/>
-                    </a:lnT>
-                    <a:lnB w="6350" cap="flat" cmpd="sng" algn="ctr">
-                      <a:solidFill>
-                        <a:schemeClr val="tx1"/>
-                      </a:solidFill>
-                      <a:prstDash val="solid"/>
-                      <a:round/>
-                      <a:headEnd type="none" w="med" len="med"/>
-                      <a:tailEnd type="none" w="med" len="med"/>
-                    </a:lnB>
-                    <a:solidFill>
-                      <a:schemeClr val="bg1"/>
-                    </a:solidFill>
-                  </a:tcPr>
-                </a:tc>
-                <a:tc>
-                  <a:txBody>
-                    <a:bodyPr/>
-                    <a:lstStyle/>
-                    <a:p>
-                      <a:pPr algn="ctr" latinLnBrk="1"/>
-                      <a:r>
-                        <a:rPr lang="ko-KR" altLang="en-US" sz="1000" dirty="0">
-                          <a:solidFill>
-                            <a:schemeClr val="tx1"/>
-                          </a:solidFill>
-                          <a:latin typeface="+mn-ea"/>
-                          <a:ea typeface="+mn-ea"/>
-                        </a:rPr>
-                        <a:t>채팅</a:t>
-                      </a:r>
-                    </a:p>
-                  </a:txBody>
-                  <a:tcPr anchor="ctr">
-                    <a:lnL w="6350" cap="flat" cmpd="sng" algn="ctr">
-                      <a:solidFill>
-                        <a:schemeClr val="tx1"/>
-                      </a:solidFill>
-                      <a:prstDash val="solid"/>
-                      <a:round/>
-                      <a:headEnd type="none" w="med" len="med"/>
-                      <a:tailEnd type="none" w="med" len="med"/>
-                    </a:lnL>
-                    <a:lnR w="6350" cap="flat" cmpd="sng" algn="ctr">
-                      <a:solidFill>
-                        <a:schemeClr val="tx1"/>
-                      </a:solidFill>
-                      <a:prstDash val="solid"/>
-                      <a:round/>
-                      <a:headEnd type="none" w="med" len="med"/>
-                      <a:tailEnd type="none" w="med" len="med"/>
-                    </a:lnR>
-                    <a:lnT w="6350" cap="flat" cmpd="sng" algn="ctr">
-                      <a:solidFill>
-                        <a:schemeClr val="tx1"/>
-                      </a:solidFill>
-                      <a:prstDash val="solid"/>
-                      <a:round/>
-                      <a:headEnd type="none" w="med" len="med"/>
-                      <a:tailEnd type="none" w="med" len="med"/>
-                    </a:lnT>
-                    <a:lnB w="6350" cap="flat" cmpd="sng" algn="ctr">
-                      <a:solidFill>
-                        <a:schemeClr val="tx1"/>
-                      </a:solidFill>
-                      <a:prstDash val="solid"/>
-                      <a:round/>
-                      <a:headEnd type="none" w="med" len="med"/>
-                      <a:tailEnd type="none" w="med" len="med"/>
-                    </a:lnB>
-                    <a:solidFill>
-                      <a:schemeClr val="bg1"/>
-                    </a:solidFill>
-                  </a:tcPr>
-                </a:tc>
-                <a:extLst>
-                  <a:ext uri="{0D108BD9-81ED-4DB2-BD59-A6C34878D82A}">
-                    <a16:rowId xmlns:a16="http://schemas.microsoft.com/office/drawing/2014/main" xmlns="" val="10002"/>
-                  </a:ext>
-                </a:extLst>
-              </a:tr>
-              <a:tr h="405393">
-                <a:tc>
-                  <a:txBody>
-                    <a:bodyPr/>
-                    <a:lstStyle/>
-                    <a:p>
-                      <a:pPr algn="ctr" latinLnBrk="1"/>
-                      <a:r>
-                        <a:rPr lang="ko-KR" altLang="en-US" sz="1000" b="1" dirty="0">
-                          <a:solidFill>
-                            <a:schemeClr val="tx1"/>
-                          </a:solidFill>
-                          <a:latin typeface="+mn-ea"/>
-                          <a:ea typeface="+mn-ea"/>
-                        </a:rPr>
-                        <a:t>날짜</a:t>
-                      </a:r>
-                    </a:p>
-                  </a:txBody>
-                  <a:tcPr anchor="ctr">
-                    <a:lnL w="6350" cap="flat" cmpd="sng" algn="ctr">
-                      <a:solidFill>
-                        <a:schemeClr val="tx1"/>
-                      </a:solidFill>
-                      <a:prstDash val="solid"/>
-                      <a:round/>
-                      <a:headEnd type="none" w="med" len="med"/>
-                      <a:tailEnd type="none" w="med" len="med"/>
-                    </a:lnL>
-                    <a:lnR w="6350" cap="flat" cmpd="sng" algn="ctr">
-                      <a:solidFill>
-                        <a:schemeClr val="tx1"/>
-                      </a:solidFill>
-                      <a:prstDash val="solid"/>
-                      <a:round/>
-                      <a:headEnd type="none" w="med" len="med"/>
-                      <a:tailEnd type="none" w="med" len="med"/>
-                    </a:lnR>
-                    <a:lnT w="6350" cap="flat" cmpd="sng" algn="ctr">
-                      <a:solidFill>
-                        <a:schemeClr val="tx1"/>
-                      </a:solidFill>
-                      <a:prstDash val="solid"/>
-                      <a:round/>
-                      <a:headEnd type="none" w="med" len="med"/>
-                      <a:tailEnd type="none" w="med" len="med"/>
-                    </a:lnT>
-                    <a:lnB w="6350" cap="flat" cmpd="sng" algn="ctr">
-                      <a:solidFill>
-                        <a:schemeClr val="tx1"/>
-                      </a:solidFill>
-                      <a:prstDash val="solid"/>
-                      <a:round/>
-                      <a:headEnd type="none" w="med" len="med"/>
-                      <a:tailEnd type="none" w="med" len="med"/>
-                    </a:lnB>
-                    <a:solidFill>
-                      <a:schemeClr val="bg1"/>
-                    </a:solidFill>
-                  </a:tcPr>
-                </a:tc>
-                <a:tc>
-                  <a:txBody>
-                    <a:bodyPr/>
-                    <a:lstStyle/>
-                    <a:p>
-                      <a:pPr algn="ctr" latinLnBrk="1"/>
-                      <a:r>
-                        <a:rPr lang="ko-KR" altLang="en-US" sz="1000" b="1" dirty="0">
-                          <a:solidFill>
-                            <a:schemeClr val="tx1"/>
-                          </a:solidFill>
-                          <a:latin typeface="+mn-ea"/>
-                          <a:ea typeface="+mn-ea"/>
-                        </a:rPr>
-                        <a:t>산책 </a:t>
-                      </a:r>
-                      <a:r>
-                        <a:rPr lang="en-US" altLang="ko-KR" sz="1000" b="1" dirty="0">
-                          <a:solidFill>
-                            <a:schemeClr val="tx1"/>
-                          </a:solidFill>
-                          <a:latin typeface="+mn-ea"/>
-                          <a:ea typeface="+mn-ea"/>
-                        </a:rPr>
-                        <a:t>$10</a:t>
-                      </a:r>
-                    </a:p>
-                    <a:p>
-                      <a:pPr algn="ctr" latinLnBrk="1"/>
-                      <a:r>
-                        <a:rPr lang="ko-KR" altLang="en-US" sz="1000" b="1" dirty="0" err="1">
-                          <a:solidFill>
-                            <a:schemeClr val="tx1"/>
-                          </a:solidFill>
-                          <a:latin typeface="+mn-ea"/>
-                          <a:ea typeface="+mn-ea"/>
-                        </a:rPr>
-                        <a:t>홈케어</a:t>
-                      </a:r>
-                      <a:r>
-                        <a:rPr lang="ko-KR" altLang="en-US" sz="1000" b="1" dirty="0">
-                          <a:solidFill>
-                            <a:schemeClr val="tx1"/>
-                          </a:solidFill>
-                          <a:latin typeface="+mn-ea"/>
-                          <a:ea typeface="+mn-ea"/>
-                        </a:rPr>
-                        <a:t> </a:t>
-                      </a:r>
-                      <a:r>
-                        <a:rPr lang="en-US" altLang="ko-KR" sz="1000" b="1" dirty="0">
-                          <a:solidFill>
-                            <a:schemeClr val="tx1"/>
-                          </a:solidFill>
-                          <a:latin typeface="+mn-ea"/>
-                          <a:ea typeface="+mn-ea"/>
-                        </a:rPr>
-                        <a:t>410</a:t>
-                      </a:r>
-                    </a:p>
-                    <a:p>
-                      <a:pPr marL="0" marR="0" indent="0" algn="ctr" defTabSz="914400" rtl="0" eaLnBrk="1" fontAlgn="auto" latinLnBrk="1" hangingPunct="1">
-                        <a:lnSpc>
-                          <a:spcPct val="100000"/>
-                        </a:lnSpc>
-                        <a:spcBef>
-                          <a:spcPts val="0"/>
-                        </a:spcBef>
-                        <a:spcAft>
-                          <a:spcPts val="0"/>
-                        </a:spcAft>
-                        <a:buClrTx/>
-                        <a:buSzTx/>
-                        <a:buFontTx/>
-                        <a:buNone/>
-                        <a:tabLst/>
-                        <a:defRPr/>
-                      </a:pPr>
-                      <a:r>
-                        <a:rPr lang="ko-KR" altLang="en-US" sz="1000" b="1" dirty="0">
-                          <a:solidFill>
-                            <a:schemeClr val="tx1"/>
-                          </a:solidFill>
-                          <a:latin typeface="+mn-ea"/>
-                          <a:ea typeface="+mn-ea"/>
-                        </a:rPr>
-                        <a:t>총 가격 </a:t>
-                      </a:r>
-                      <a:r>
-                        <a:rPr lang="en-US" altLang="ko-KR" sz="1000" b="1" dirty="0">
-                          <a:solidFill>
-                            <a:schemeClr val="tx1"/>
-                          </a:solidFill>
-                          <a:latin typeface="+mn-ea"/>
-                          <a:ea typeface="+mn-ea"/>
-                        </a:rPr>
-                        <a:t>: $20</a:t>
-                      </a:r>
-                      <a:endParaRPr lang="ko-KR" altLang="en-US" sz="1000" b="1" dirty="0">
-                        <a:solidFill>
-                          <a:schemeClr val="tx1"/>
-                        </a:solidFill>
-                        <a:latin typeface="+mn-ea"/>
-                        <a:ea typeface="+mn-ea"/>
-                      </a:endParaRPr>
-                    </a:p>
-                  </a:txBody>
-                  <a:tcPr anchor="ctr">
-                    <a:lnL w="6350" cap="flat" cmpd="sng" algn="ctr">
-                      <a:solidFill>
-                        <a:schemeClr val="tx1"/>
-                      </a:solidFill>
-                      <a:prstDash val="solid"/>
-                      <a:round/>
-                      <a:headEnd type="none" w="med" len="med"/>
-                      <a:tailEnd type="none" w="med" len="med"/>
-                    </a:lnL>
-                    <a:lnR w="6350" cap="flat" cmpd="sng" algn="ctr">
-                      <a:solidFill>
-                        <a:schemeClr val="tx1"/>
-                      </a:solidFill>
-                      <a:prstDash val="solid"/>
-                      <a:round/>
-                      <a:headEnd type="none" w="med" len="med"/>
-                      <a:tailEnd type="none" w="med" len="med"/>
-                    </a:lnR>
-                    <a:lnT w="6350" cap="flat" cmpd="sng" algn="ctr">
-                      <a:solidFill>
-                        <a:schemeClr val="tx1"/>
-                      </a:solidFill>
-                      <a:prstDash val="solid"/>
-                      <a:round/>
-                      <a:headEnd type="none" w="med" len="med"/>
-                      <a:tailEnd type="none" w="med" len="med"/>
-                    </a:lnT>
-                    <a:lnB w="6350" cap="flat" cmpd="sng" algn="ctr">
-                      <a:solidFill>
-                        <a:schemeClr val="tx1"/>
-                      </a:solidFill>
-                      <a:prstDash val="solid"/>
-                      <a:round/>
-                      <a:headEnd type="none" w="med" len="med"/>
-                      <a:tailEnd type="none" w="med" len="med"/>
-                    </a:lnB>
-                    <a:solidFill>
-                      <a:schemeClr val="bg1"/>
-                    </a:solidFill>
-                  </a:tcPr>
-                </a:tc>
-                <a:tc>
-                  <a:txBody>
-                    <a:bodyPr/>
-                    <a:lstStyle/>
-                    <a:p>
-                      <a:pPr algn="ctr" latinLnBrk="1"/>
-                      <a:r>
-                        <a:rPr lang="ko-KR" altLang="en-US" sz="1000" b="1" dirty="0" err="1">
-                          <a:solidFill>
-                            <a:schemeClr val="tx1"/>
-                          </a:solidFill>
-                          <a:latin typeface="+mn-ea"/>
-                          <a:ea typeface="+mn-ea"/>
-                        </a:rPr>
-                        <a:t>채팅하기</a:t>
-                      </a:r>
-                      <a:endParaRPr lang="ko-KR" altLang="en-US" sz="1000" b="1" dirty="0">
-                        <a:solidFill>
-                          <a:schemeClr val="tx1"/>
-                        </a:solidFill>
-                        <a:latin typeface="+mn-ea"/>
-                        <a:ea typeface="+mn-ea"/>
-                      </a:endParaRPr>
-                    </a:p>
-                  </a:txBody>
-                  <a:tcPr anchor="ctr">
-                    <a:lnL w="6350" cap="flat" cmpd="sng" algn="ctr">
-                      <a:solidFill>
-                        <a:schemeClr val="tx1"/>
-                      </a:solidFill>
-                      <a:prstDash val="solid"/>
-                      <a:round/>
-                      <a:headEnd type="none" w="med" len="med"/>
-                      <a:tailEnd type="none" w="med" len="med"/>
-                    </a:lnL>
-                    <a:lnR w="6350" cap="flat" cmpd="sng" algn="ctr">
-                      <a:solidFill>
-                        <a:schemeClr val="tx1"/>
-                      </a:solidFill>
-                      <a:prstDash val="solid"/>
-                      <a:round/>
-                      <a:headEnd type="none" w="med" len="med"/>
-                      <a:tailEnd type="none" w="med" len="med"/>
-                    </a:lnR>
-                    <a:lnT w="6350" cap="flat" cmpd="sng" algn="ctr">
-                      <a:solidFill>
-                        <a:schemeClr val="tx1"/>
-                      </a:solidFill>
-                      <a:prstDash val="solid"/>
-                      <a:round/>
-                      <a:headEnd type="none" w="med" len="med"/>
-                      <a:tailEnd type="none" w="med" len="med"/>
-                    </a:lnT>
-                    <a:lnB w="6350" cap="flat" cmpd="sng" algn="ctr">
-                      <a:solidFill>
-                        <a:schemeClr val="tx1"/>
-                      </a:solidFill>
-                      <a:prstDash val="solid"/>
-                      <a:round/>
-                      <a:headEnd type="none" w="med" len="med"/>
-                      <a:tailEnd type="none" w="med" len="med"/>
-                    </a:lnB>
-                    <a:solidFill>
-                      <a:schemeClr val="bg1"/>
-                    </a:solidFill>
-                  </a:tcPr>
-                </a:tc>
-                <a:extLst>
-                  <a:ext uri="{0D108BD9-81ED-4DB2-BD59-A6C34878D82A}">
-                    <a16:rowId xmlns:a16="http://schemas.microsoft.com/office/drawing/2014/main" xmlns="" val="10003"/>
-                  </a:ext>
-                </a:extLst>
-              </a:tr>
-            </a:tbl>
-          </a:graphicData>
-        </a:graphic>
-      </p:graphicFrame>
-      <p:sp>
-        <p:nvSpPr>
-          <p:cNvPr id="25" name="직사각형 24">
-            <a:extLst>
-              <a:ext uri="{FF2B5EF4-FFF2-40B4-BE49-F238E27FC236}">
-                <a16:creationId xmlns:a16="http://schemas.microsoft.com/office/drawing/2014/main" xmlns="" id="{2DD24BCC-FCE6-4F3D-9102-0338A277724E}"/>
-              </a:ext>
-            </a:extLst>
-          </p:cNvPr>
-          <p:cNvSpPr/>
-          <p:nvPr/>
-        </p:nvSpPr>
-        <p:spPr>
-          <a:xfrm>
-            <a:off x="11004221" y="1870745"/>
-            <a:ext cx="224256" cy="209724"/>
-          </a:xfrm>
-          <a:prstGeom prst="rect">
-            <a:avLst/>
-          </a:prstGeom>
-          <a:solidFill>
-            <a:schemeClr val="bg1"/>
-          </a:solidFill>
-          <a:ln>
-            <a:solidFill>
-              <a:schemeClr val="tx1"/>
-            </a:solidFill>
-          </a:ln>
-        </p:spPr>
-        <p:style>
-          <a:lnRef idx="2">
-            <a:schemeClr val="accent1">
-              <a:shade val="50000"/>
-            </a:schemeClr>
-          </a:lnRef>
-          <a:fillRef idx="1">
-            <a:schemeClr val="accent1"/>
-          </a:fillRef>
-          <a:effectRef idx="0">
-            <a:schemeClr val="accent1"/>
-          </a:effectRef>
-          <a:fontRef idx="minor">
-            <a:schemeClr val="lt1"/>
-          </a:fontRef>
-        </p:style>
-        <p:txBody>
-          <a:bodyPr rtlCol="0" anchor="ctr"/>
-          <a:lstStyle/>
-          <a:p>
-            <a:pPr algn="ctr"/>
-            <a:endParaRPr lang="ko-KR" altLang="en-US" dirty="0"/>
-          </a:p>
-        </p:txBody>
-      </p:sp>
-      <p:cxnSp>
-        <p:nvCxnSpPr>
-          <p:cNvPr id="27" name="직선 연결선 26">
-            <a:extLst>
-              <a:ext uri="{FF2B5EF4-FFF2-40B4-BE49-F238E27FC236}">
-                <a16:creationId xmlns:a16="http://schemas.microsoft.com/office/drawing/2014/main" xmlns="" id="{BBD31C63-515F-4941-8A12-DD68C1031400}"/>
-              </a:ext>
-            </a:extLst>
-          </p:cNvPr>
-          <p:cNvCxnSpPr/>
-          <p:nvPr/>
-        </p:nvCxnSpPr>
-        <p:spPr>
-          <a:xfrm>
-            <a:off x="8781691" y="2182536"/>
-            <a:ext cx="2511001" cy="0"/>
-          </a:xfrm>
-          <a:prstGeom prst="line">
-            <a:avLst/>
-          </a:prstGeom>
-          <a:ln>
-            <a:solidFill>
-              <a:schemeClr val="tx1"/>
-            </a:solidFill>
-          </a:ln>
-        </p:spPr>
-        <p:style>
-          <a:lnRef idx="1">
-            <a:schemeClr val="accent1"/>
-          </a:lnRef>
-          <a:fillRef idx="0">
-            <a:schemeClr val="accent1"/>
-          </a:fillRef>
-          <a:effectRef idx="0">
-            <a:schemeClr val="accent1"/>
-          </a:effectRef>
-          <a:fontRef idx="minor">
-            <a:schemeClr val="tx1"/>
-          </a:fontRef>
-        </p:style>
-      </p:cxnSp>
-      <p:cxnSp>
-        <p:nvCxnSpPr>
-          <p:cNvPr id="29" name="직선 화살표 연결선 28">
-            <a:extLst>
-              <a:ext uri="{FF2B5EF4-FFF2-40B4-BE49-F238E27FC236}">
-                <a16:creationId xmlns:a16="http://schemas.microsoft.com/office/drawing/2014/main" xmlns="" id="{6ADB57C1-71A6-460D-8130-56C2C112542B}"/>
-              </a:ext>
-            </a:extLst>
-          </p:cNvPr>
-          <p:cNvCxnSpPr>
-            <a:cxnSpLocks/>
-          </p:cNvCxnSpPr>
-          <p:nvPr/>
-        </p:nvCxnSpPr>
-        <p:spPr>
-          <a:xfrm>
-            <a:off x="11116349" y="1535185"/>
-            <a:ext cx="0" cy="461394"/>
-          </a:xfrm>
-          <a:prstGeom prst="straightConnector1">
-            <a:avLst/>
-          </a:prstGeom>
-          <a:ln>
-            <a:solidFill>
-              <a:srgbClr val="FF0000"/>
-            </a:solidFill>
-            <a:tailEnd type="triangle"/>
-          </a:ln>
-        </p:spPr>
-        <p:style>
-          <a:lnRef idx="1">
-            <a:schemeClr val="accent2"/>
-          </a:lnRef>
-          <a:fillRef idx="0">
-            <a:schemeClr val="accent2"/>
-          </a:fillRef>
-          <a:effectRef idx="0">
-            <a:schemeClr val="accent2"/>
-          </a:effectRef>
-          <a:fontRef idx="minor">
-            <a:schemeClr val="tx1"/>
-          </a:fontRef>
-        </p:style>
-      </p:cxnSp>
       <p:sp>
         <p:nvSpPr>
           <p:cNvPr id="31" name="TextBox 30">
@@ -11950,2024 +10710,6 @@
       </p:sp>
       <p:pic>
         <p:nvPicPr>
-          <p:cNvPr id="34" name="Picture 2" descr="C:\Users\507-09\Downloads\제목을 입력해주세요._1.png"/>
-          <p:cNvPicPr>
-            <a:picLocks noChangeAspect="1" noChangeArrowheads="1"/>
-          </p:cNvPicPr>
-          <p:nvPr/>
-        </p:nvPicPr>
-        <p:blipFill rotWithShape="1">
-          <a:blip r:embed="rId4" cstate="print">
-            <a:extLst>
-              <a:ext uri="{28A0092B-C50C-407E-A947-70E740481C1C}">
-                <a14:useLocalDpi xmlns:a14="http://schemas.microsoft.com/office/drawing/2010/main" val="0"/>
-              </a:ext>
-            </a:extLst>
-          </a:blip>
-          <a:srcRect l="20378" r="20844"/>
-          <a:stretch/>
-        </p:blipFill>
-        <p:spPr bwMode="auto">
-          <a:xfrm>
-            <a:off x="9570182" y="1848541"/>
-            <a:ext cx="940436" cy="288000"/>
-          </a:xfrm>
-          <a:prstGeom prst="rect">
-            <a:avLst/>
-          </a:prstGeom>
-          <a:noFill/>
-          <a:extLst>
-            <a:ext uri="{909E8E84-426E-40DD-AFC4-6F175D3DCCD1}">
-              <a14:hiddenFill xmlns:a14="http://schemas.microsoft.com/office/drawing/2010/main">
-                <a:solidFill>
-                  <a:srgbClr val="FFFFFF"/>
-                </a:solidFill>
-              </a14:hiddenFill>
-            </a:ext>
-          </a:extLst>
-        </p:spPr>
-      </p:pic>
-      <p:sp>
-        <p:nvSpPr>
-          <p:cNvPr id="41" name="사각형: 위쪽 모서리의 한쪽은 둥글고 다른 한쪽은 잘림 105">
-            <a:extLst>
-              <a:ext uri="{FF2B5EF4-FFF2-40B4-BE49-F238E27FC236}">
-                <a16:creationId xmlns:a16="http://schemas.microsoft.com/office/drawing/2014/main" xmlns="" id="{875A8A77-BFCB-4609-8E7A-6BD81E857F42}"/>
-              </a:ext>
-            </a:extLst>
-          </p:cNvPr>
-          <p:cNvSpPr/>
-          <p:nvPr/>
-        </p:nvSpPr>
-        <p:spPr>
-          <a:xfrm>
-            <a:off x="8838617" y="2219655"/>
-            <a:ext cx="309922" cy="175252"/>
-          </a:xfrm>
-          <a:prstGeom prst="snipRoundRect">
-            <a:avLst>
-              <a:gd name="adj1" fmla="val 16667"/>
-              <a:gd name="adj2" fmla="val 50000"/>
-            </a:avLst>
-          </a:prstGeom>
-          <a:solidFill>
-            <a:schemeClr val="bg1"/>
-          </a:solidFill>
-          <a:ln>
-            <a:solidFill>
-              <a:schemeClr val="tx1"/>
-            </a:solidFill>
-          </a:ln>
-        </p:spPr>
-        <p:style>
-          <a:lnRef idx="2">
-            <a:schemeClr val="accent1">
-              <a:shade val="50000"/>
-            </a:schemeClr>
-          </a:lnRef>
-          <a:fillRef idx="1">
-            <a:schemeClr val="accent1"/>
-          </a:fillRef>
-          <a:effectRef idx="0">
-            <a:schemeClr val="accent1"/>
-          </a:effectRef>
-          <a:fontRef idx="minor">
-            <a:schemeClr val="lt1"/>
-          </a:fontRef>
-        </p:style>
-        <p:txBody>
-          <a:bodyPr rtlCol="0" anchor="ctr"/>
-          <a:lstStyle/>
-          <a:p>
-            <a:pPr algn="ctr"/>
-            <a:endParaRPr lang="ko-KR" altLang="en-US" sz="800" dirty="0">
-              <a:solidFill>
-                <a:schemeClr val="tx1"/>
-              </a:solidFill>
-            </a:endParaRPr>
-          </a:p>
-        </p:txBody>
-      </p:sp>
-      <p:sp>
-        <p:nvSpPr>
-          <p:cNvPr id="42" name="사각형: 위쪽 모서리의 한쪽은 둥글고 다른 한쪽은 잘림 106">
-            <a:extLst>
-              <a:ext uri="{FF2B5EF4-FFF2-40B4-BE49-F238E27FC236}">
-                <a16:creationId xmlns:a16="http://schemas.microsoft.com/office/drawing/2014/main" xmlns="" id="{688550BD-BEE7-4EA1-ACF9-CE6AD5A7BA27}"/>
-              </a:ext>
-            </a:extLst>
-          </p:cNvPr>
-          <p:cNvSpPr/>
-          <p:nvPr/>
-        </p:nvSpPr>
-        <p:spPr>
-          <a:xfrm>
-            <a:off x="9215655" y="2219657"/>
-            <a:ext cx="309922" cy="175250"/>
-          </a:xfrm>
-          <a:prstGeom prst="snipRoundRect">
-            <a:avLst>
-              <a:gd name="adj1" fmla="val 16667"/>
-              <a:gd name="adj2" fmla="val 50000"/>
-            </a:avLst>
-          </a:prstGeom>
-          <a:solidFill>
-            <a:schemeClr val="bg1"/>
-          </a:solidFill>
-          <a:ln>
-            <a:solidFill>
-              <a:schemeClr val="tx1"/>
-            </a:solidFill>
-          </a:ln>
-        </p:spPr>
-        <p:style>
-          <a:lnRef idx="2">
-            <a:schemeClr val="accent1">
-              <a:shade val="50000"/>
-            </a:schemeClr>
-          </a:lnRef>
-          <a:fillRef idx="1">
-            <a:schemeClr val="accent1"/>
-          </a:fillRef>
-          <a:effectRef idx="0">
-            <a:schemeClr val="accent1"/>
-          </a:effectRef>
-          <a:fontRef idx="minor">
-            <a:schemeClr val="lt1"/>
-          </a:fontRef>
-        </p:style>
-        <p:txBody>
-          <a:bodyPr rtlCol="0" anchor="ctr"/>
-          <a:lstStyle/>
-          <a:p>
-            <a:pPr algn="ctr"/>
-            <a:endParaRPr lang="ko-KR" altLang="en-US" sz="800" dirty="0">
-              <a:solidFill>
-                <a:schemeClr val="tx1"/>
-              </a:solidFill>
-            </a:endParaRPr>
-          </a:p>
-        </p:txBody>
-      </p:sp>
-      <p:sp>
-        <p:nvSpPr>
-          <p:cNvPr id="43" name="사각형: 위쪽 모서리의 한쪽은 둥글고 다른 한쪽은 잘림 107">
-            <a:extLst>
-              <a:ext uri="{FF2B5EF4-FFF2-40B4-BE49-F238E27FC236}">
-                <a16:creationId xmlns:a16="http://schemas.microsoft.com/office/drawing/2014/main" xmlns="" id="{C7644D33-14E9-47D2-8EC9-1B1E911B2842}"/>
-              </a:ext>
-            </a:extLst>
-          </p:cNvPr>
-          <p:cNvSpPr/>
-          <p:nvPr/>
-        </p:nvSpPr>
-        <p:spPr>
-          <a:xfrm>
-            <a:off x="9592693" y="2216481"/>
-            <a:ext cx="309922" cy="175250"/>
-          </a:xfrm>
-          <a:prstGeom prst="snipRoundRect">
-            <a:avLst>
-              <a:gd name="adj1" fmla="val 16667"/>
-              <a:gd name="adj2" fmla="val 50000"/>
-            </a:avLst>
-          </a:prstGeom>
-          <a:solidFill>
-            <a:srgbClr val="A9D18E"/>
-          </a:solidFill>
-          <a:ln>
-            <a:solidFill>
-              <a:schemeClr val="tx1"/>
-            </a:solidFill>
-          </a:ln>
-        </p:spPr>
-        <p:style>
-          <a:lnRef idx="2">
-            <a:schemeClr val="accent1">
-              <a:shade val="50000"/>
-            </a:schemeClr>
-          </a:lnRef>
-          <a:fillRef idx="1">
-            <a:schemeClr val="accent1"/>
-          </a:fillRef>
-          <a:effectRef idx="0">
-            <a:schemeClr val="accent1"/>
-          </a:effectRef>
-          <a:fontRef idx="minor">
-            <a:schemeClr val="lt1"/>
-          </a:fontRef>
-        </p:style>
-        <p:txBody>
-          <a:bodyPr rtlCol="0" anchor="ctr"/>
-          <a:lstStyle/>
-          <a:p>
-            <a:pPr algn="ctr"/>
-            <a:endParaRPr lang="ko-KR" altLang="en-US" sz="800" dirty="0">
-              <a:solidFill>
-                <a:schemeClr val="tx1"/>
-              </a:solidFill>
-            </a:endParaRPr>
-          </a:p>
-        </p:txBody>
-      </p:sp>
-      <p:graphicFrame>
-        <p:nvGraphicFramePr>
-          <p:cNvPr id="68" name="표 67"/>
-          <p:cNvGraphicFramePr>
-            <a:graphicFrameLocks noGrp="1"/>
-          </p:cNvGraphicFramePr>
-          <p:nvPr/>
-        </p:nvGraphicFramePr>
-        <p:xfrm>
-          <a:off x="8888830" y="5249545"/>
-          <a:ext cx="2303141" cy="982097"/>
-        </p:xfrm>
-        <a:graphic>
-          <a:graphicData uri="http://schemas.openxmlformats.org/drawingml/2006/table">
-            <a:tbl>
-              <a:tblPr firstRow="1" bandRow="1">
-                <a:tableStyleId>{2D5ABB26-0587-4C30-8999-92F81FD0307C}</a:tableStyleId>
-              </a:tblPr>
-              <a:tblGrid>
-                <a:gridCol w="572240">
-                  <a:extLst>
-                    <a:ext uri="{9D8B030D-6E8A-4147-A177-3AD203B41FA5}">
-                      <a16:colId xmlns:a16="http://schemas.microsoft.com/office/drawing/2014/main" xmlns="" val="20000"/>
-                    </a:ext>
-                  </a:extLst>
-                </a:gridCol>
-                <a:gridCol w="1005288">
-                  <a:extLst>
-                    <a:ext uri="{9D8B030D-6E8A-4147-A177-3AD203B41FA5}">
-                      <a16:colId xmlns:a16="http://schemas.microsoft.com/office/drawing/2014/main" xmlns="" val="20001"/>
-                    </a:ext>
-                  </a:extLst>
-                </a:gridCol>
-                <a:gridCol w="725613">
-                  <a:extLst>
-                    <a:ext uri="{9D8B030D-6E8A-4147-A177-3AD203B41FA5}">
-                      <a16:colId xmlns:a16="http://schemas.microsoft.com/office/drawing/2014/main" xmlns="" val="20002"/>
-                    </a:ext>
-                  </a:extLst>
-                </a:gridCol>
-              </a:tblGrid>
-              <a:tr h="281057">
-                <a:tc>
-                  <a:txBody>
-                    <a:bodyPr/>
-                    <a:lstStyle/>
-                    <a:p>
-                      <a:pPr algn="ctr"/>
-                      <a:r>
-                        <a:rPr lang="ko-KR" altLang="en-US" sz="1000" b="1" dirty="0">
-                          <a:solidFill>
-                            <a:schemeClr val="tx1"/>
-                          </a:solidFill>
-                        </a:rPr>
-                        <a:t>이름</a:t>
-                      </a:r>
-                    </a:p>
-                  </a:txBody>
-                  <a:tcPr anchor="ctr">
-                    <a:lnL w="6350" cap="flat" cmpd="sng" algn="ctr">
-                      <a:solidFill>
-                        <a:schemeClr val="tx1"/>
-                      </a:solidFill>
-                      <a:prstDash val="solid"/>
-                      <a:round/>
-                      <a:headEnd type="none" w="med" len="med"/>
-                      <a:tailEnd type="none" w="med" len="med"/>
-                    </a:lnL>
-                    <a:lnR w="6350" cap="flat" cmpd="sng" algn="ctr">
-                      <a:solidFill>
-                        <a:schemeClr val="tx1"/>
-                      </a:solidFill>
-                      <a:prstDash val="solid"/>
-                      <a:round/>
-                      <a:headEnd type="none" w="med" len="med"/>
-                      <a:tailEnd type="none" w="med" len="med"/>
-                    </a:lnR>
-                    <a:lnT w="6350" cap="flat" cmpd="sng" algn="ctr">
-                      <a:solidFill>
-                        <a:schemeClr val="tx1"/>
-                      </a:solidFill>
-                      <a:prstDash val="solid"/>
-                      <a:round/>
-                      <a:headEnd type="none" w="med" len="med"/>
-                      <a:tailEnd type="none" w="med" len="med"/>
-                    </a:lnT>
-                    <a:lnB w="6350" cap="flat" cmpd="sng" algn="ctr">
-                      <a:solidFill>
-                        <a:schemeClr val="tx1"/>
-                      </a:solidFill>
-                      <a:prstDash val="solid"/>
-                      <a:round/>
-                      <a:headEnd type="none" w="med" len="med"/>
-                      <a:tailEnd type="none" w="med" len="med"/>
-                    </a:lnB>
-                    <a:solidFill>
-                      <a:schemeClr val="bg1"/>
-                    </a:solidFill>
-                  </a:tcPr>
-                </a:tc>
-                <a:tc>
-                  <a:txBody>
-                    <a:bodyPr/>
-                    <a:lstStyle/>
-                    <a:p>
-                      <a:pPr algn="ctr"/>
-                      <a:r>
-                        <a:rPr lang="ko-KR" altLang="en-US" sz="1000" b="1" dirty="0">
-                          <a:solidFill>
-                            <a:schemeClr val="tx1"/>
-                          </a:solidFill>
-                        </a:rPr>
-                        <a:t>반려동물 정보</a:t>
-                      </a:r>
-                    </a:p>
-                  </a:txBody>
-                  <a:tcPr anchor="ctr">
-                    <a:lnL w="6350" cap="flat" cmpd="sng" algn="ctr">
-                      <a:solidFill>
-                        <a:schemeClr val="tx1"/>
-                      </a:solidFill>
-                      <a:prstDash val="solid"/>
-                      <a:round/>
-                      <a:headEnd type="none" w="med" len="med"/>
-                      <a:tailEnd type="none" w="med" len="med"/>
-                    </a:lnL>
-                    <a:lnR w="6350" cap="flat" cmpd="sng" algn="ctr">
-                      <a:solidFill>
-                        <a:schemeClr val="tx1"/>
-                      </a:solidFill>
-                      <a:prstDash val="solid"/>
-                      <a:round/>
-                      <a:headEnd type="none" w="med" len="med"/>
-                      <a:tailEnd type="none" w="med" len="med"/>
-                    </a:lnR>
-                    <a:lnT w="6350" cap="flat" cmpd="sng" algn="ctr">
-                      <a:solidFill>
-                        <a:schemeClr val="tx1"/>
-                      </a:solidFill>
-                      <a:prstDash val="solid"/>
-                      <a:round/>
-                      <a:headEnd type="none" w="med" len="med"/>
-                      <a:tailEnd type="none" w="med" len="med"/>
-                    </a:lnT>
-                    <a:lnB w="6350" cap="flat" cmpd="sng" algn="ctr">
-                      <a:solidFill>
-                        <a:schemeClr val="tx1"/>
-                      </a:solidFill>
-                      <a:prstDash val="solid"/>
-                      <a:round/>
-                      <a:headEnd type="none" w="med" len="med"/>
-                      <a:tailEnd type="none" w="med" len="med"/>
-                    </a:lnB>
-                    <a:solidFill>
-                      <a:schemeClr val="bg1"/>
-                    </a:solidFill>
-                  </a:tcPr>
-                </a:tc>
-                <a:tc>
-                  <a:txBody>
-                    <a:bodyPr/>
-                    <a:lstStyle/>
-                    <a:p>
-                      <a:pPr algn="ctr" latinLnBrk="1"/>
-                      <a:r>
-                        <a:rPr lang="ko-KR" altLang="en-US" sz="1000" b="1" dirty="0">
-                          <a:solidFill>
-                            <a:schemeClr val="tx1"/>
-                          </a:solidFill>
-                        </a:rPr>
-                        <a:t>리뷰작성</a:t>
-                      </a:r>
-                    </a:p>
-                  </a:txBody>
-                  <a:tcPr anchor="ctr">
-                    <a:lnL w="6350" cap="flat" cmpd="sng" algn="ctr">
-                      <a:solidFill>
-                        <a:schemeClr val="tx1"/>
-                      </a:solidFill>
-                      <a:prstDash val="solid"/>
-                      <a:round/>
-                      <a:headEnd type="none" w="med" len="med"/>
-                      <a:tailEnd type="none" w="med" len="med"/>
-                    </a:lnL>
-                    <a:lnR w="6350" cap="flat" cmpd="sng" algn="ctr">
-                      <a:solidFill>
-                        <a:schemeClr val="tx1"/>
-                      </a:solidFill>
-                      <a:prstDash val="solid"/>
-                      <a:round/>
-                      <a:headEnd type="none" w="med" len="med"/>
-                      <a:tailEnd type="none" w="med" len="med"/>
-                    </a:lnR>
-                    <a:lnT w="6350" cap="flat" cmpd="sng" algn="ctr">
-                      <a:solidFill>
-                        <a:schemeClr val="tx1"/>
-                      </a:solidFill>
-                      <a:prstDash val="solid"/>
-                      <a:round/>
-                      <a:headEnd type="none" w="med" len="med"/>
-                      <a:tailEnd type="none" w="med" len="med"/>
-                    </a:lnT>
-                    <a:lnB w="6350" cap="flat" cmpd="sng" algn="ctr">
-                      <a:solidFill>
-                        <a:schemeClr val="tx1"/>
-                      </a:solidFill>
-                      <a:prstDash val="solid"/>
-                      <a:round/>
-                      <a:headEnd type="none" w="med" len="med"/>
-                      <a:tailEnd type="none" w="med" len="med"/>
-                    </a:lnB>
-                    <a:solidFill>
-                      <a:schemeClr val="bg1"/>
-                    </a:solidFill>
-                  </a:tcPr>
-                </a:tc>
-                <a:extLst>
-                  <a:ext uri="{0D108BD9-81ED-4DB2-BD59-A6C34878D82A}">
-                    <a16:rowId xmlns:a16="http://schemas.microsoft.com/office/drawing/2014/main" xmlns="" val="10000"/>
-                  </a:ext>
-                </a:extLst>
-              </a:tr>
-              <a:tr h="405393">
-                <a:tc>
-                  <a:txBody>
-                    <a:bodyPr/>
-                    <a:lstStyle/>
-                    <a:p>
-                      <a:pPr marL="0" marR="0" indent="0" algn="ctr" defTabSz="914400" rtl="0" eaLnBrk="1" fontAlgn="auto" latinLnBrk="1" hangingPunct="1">
-                        <a:lnSpc>
-                          <a:spcPct val="100000"/>
-                        </a:lnSpc>
-                        <a:spcBef>
-                          <a:spcPts val="0"/>
-                        </a:spcBef>
-                        <a:spcAft>
-                          <a:spcPts val="0"/>
-                        </a:spcAft>
-                        <a:buClrTx/>
-                        <a:buSzTx/>
-                        <a:buFontTx/>
-                        <a:buNone/>
-                        <a:tabLst/>
-                        <a:defRPr/>
-                      </a:pPr>
-                      <a:r>
-                        <a:rPr lang="ko-KR" altLang="en-US" sz="1000" b="0" dirty="0">
-                          <a:solidFill>
-                            <a:schemeClr val="tx1"/>
-                          </a:solidFill>
-                          <a:latin typeface="+mn-ea"/>
-                          <a:ea typeface="+mn-ea"/>
-                        </a:rPr>
-                        <a:t>☆</a:t>
-                      </a:r>
-                      <a:endParaRPr lang="en-US" altLang="ko-KR" sz="1000" b="0" dirty="0">
-                        <a:solidFill>
-                          <a:schemeClr val="tx1"/>
-                        </a:solidFill>
-                        <a:latin typeface="+mn-ea"/>
-                        <a:ea typeface="+mn-ea"/>
-                      </a:endParaRPr>
-                    </a:p>
-                    <a:p>
-                      <a:pPr marL="0" marR="0" indent="0" algn="ctr" defTabSz="914400" rtl="0" eaLnBrk="1" fontAlgn="auto" latinLnBrk="1" hangingPunct="1">
-                        <a:lnSpc>
-                          <a:spcPct val="100000"/>
-                        </a:lnSpc>
-                        <a:spcBef>
-                          <a:spcPts val="0"/>
-                        </a:spcBef>
-                        <a:spcAft>
-                          <a:spcPts val="0"/>
-                        </a:spcAft>
-                        <a:buClrTx/>
-                        <a:buSzTx/>
-                        <a:buFontTx/>
-                        <a:buNone/>
-                        <a:tabLst/>
-                        <a:defRPr/>
-                      </a:pPr>
-                      <a:r>
-                        <a:rPr lang="ko-KR" altLang="en-US" sz="1000" b="0" dirty="0" err="1">
-                          <a:solidFill>
-                            <a:schemeClr val="tx1"/>
-                          </a:solidFill>
-                          <a:latin typeface="+mn-ea"/>
-                          <a:ea typeface="+mn-ea"/>
-                        </a:rPr>
-                        <a:t>시터</a:t>
-                      </a:r>
-                      <a:r>
-                        <a:rPr lang="en-US" altLang="ko-KR" sz="1000" b="0" dirty="0">
-                          <a:solidFill>
-                            <a:schemeClr val="tx1"/>
-                          </a:solidFill>
-                          <a:latin typeface="+mn-ea"/>
-                          <a:ea typeface="+mn-ea"/>
-                        </a:rPr>
-                        <a:t>2</a:t>
-                      </a:r>
-                      <a:endParaRPr lang="ko-KR" altLang="en-US" sz="1000" b="0" dirty="0">
-                        <a:solidFill>
-                          <a:schemeClr val="tx1"/>
-                        </a:solidFill>
-                        <a:latin typeface="+mn-ea"/>
-                        <a:ea typeface="+mn-ea"/>
-                      </a:endParaRPr>
-                    </a:p>
-                  </a:txBody>
-                  <a:tcPr anchor="ctr">
-                    <a:lnL w="6350" cap="flat" cmpd="sng" algn="ctr">
-                      <a:solidFill>
-                        <a:schemeClr val="tx1"/>
-                      </a:solidFill>
-                      <a:prstDash val="solid"/>
-                      <a:round/>
-                      <a:headEnd type="none" w="med" len="med"/>
-                      <a:tailEnd type="none" w="med" len="med"/>
-                    </a:lnL>
-                    <a:lnR w="6350" cap="flat" cmpd="sng" algn="ctr">
-                      <a:solidFill>
-                        <a:schemeClr val="tx1"/>
-                      </a:solidFill>
-                      <a:prstDash val="solid"/>
-                      <a:round/>
-                      <a:headEnd type="none" w="med" len="med"/>
-                      <a:tailEnd type="none" w="med" len="med"/>
-                    </a:lnR>
-                    <a:lnT w="6350" cap="flat" cmpd="sng" algn="ctr">
-                      <a:solidFill>
-                        <a:schemeClr val="tx1"/>
-                      </a:solidFill>
-                      <a:prstDash val="solid"/>
-                      <a:round/>
-                      <a:headEnd type="none" w="med" len="med"/>
-                      <a:tailEnd type="none" w="med" len="med"/>
-                    </a:lnT>
-                    <a:lnB w="6350" cap="flat" cmpd="sng" algn="ctr">
-                      <a:solidFill>
-                        <a:schemeClr val="tx1"/>
-                      </a:solidFill>
-                      <a:prstDash val="solid"/>
-                      <a:round/>
-                      <a:headEnd type="none" w="med" len="med"/>
-                      <a:tailEnd type="none" w="med" len="med"/>
-                    </a:lnB>
-                    <a:solidFill>
-                      <a:schemeClr val="bg1"/>
-                    </a:solidFill>
-                  </a:tcPr>
-                </a:tc>
-                <a:tc>
-                  <a:txBody>
-                    <a:bodyPr/>
-                    <a:lstStyle/>
-                    <a:p>
-                      <a:pPr algn="ctr" latinLnBrk="1"/>
-                      <a:r>
-                        <a:rPr lang="ko-KR" altLang="en-US" sz="1000" b="0" dirty="0">
-                          <a:solidFill>
-                            <a:schemeClr val="tx1"/>
-                          </a:solidFill>
-                          <a:latin typeface="+mn-ea"/>
-                          <a:ea typeface="+mn-ea"/>
-                        </a:rPr>
-                        <a:t>반려동물 종류</a:t>
-                      </a:r>
-                      <a:endParaRPr lang="en-US" altLang="ko-KR" sz="1000" b="0" dirty="0">
-                        <a:solidFill>
-                          <a:schemeClr val="tx1"/>
-                        </a:solidFill>
-                        <a:latin typeface="+mn-ea"/>
-                        <a:ea typeface="+mn-ea"/>
-                      </a:endParaRPr>
-                    </a:p>
-                    <a:p>
-                      <a:pPr algn="ctr" latinLnBrk="1"/>
-                      <a:r>
-                        <a:rPr lang="ko-KR" altLang="en-US" sz="1000" b="0" dirty="0">
-                          <a:solidFill>
-                            <a:schemeClr val="tx1"/>
-                          </a:solidFill>
-                          <a:latin typeface="+mn-ea"/>
-                          <a:ea typeface="+mn-ea"/>
-                        </a:rPr>
-                        <a:t>마리 수</a:t>
-                      </a:r>
-                      <a:endParaRPr lang="en-US" altLang="ko-KR" sz="1000" b="0" dirty="0">
-                        <a:solidFill>
-                          <a:schemeClr val="tx1"/>
-                        </a:solidFill>
-                        <a:latin typeface="+mn-ea"/>
-                        <a:ea typeface="+mn-ea"/>
-                      </a:endParaRPr>
-                    </a:p>
-                    <a:p>
-                      <a:pPr algn="ctr" latinLnBrk="1"/>
-                      <a:r>
-                        <a:rPr lang="ko-KR" altLang="en-US" sz="1000" b="0" dirty="0">
-                          <a:solidFill>
-                            <a:schemeClr val="tx1"/>
-                          </a:solidFill>
-                          <a:latin typeface="+mn-ea"/>
-                          <a:ea typeface="+mn-ea"/>
-                        </a:rPr>
-                        <a:t>이름</a:t>
-                      </a:r>
-                      <a:endParaRPr lang="en-US" altLang="ko-KR" sz="1000" b="0" dirty="0">
-                        <a:solidFill>
-                          <a:schemeClr val="tx1"/>
-                        </a:solidFill>
-                        <a:latin typeface="+mn-ea"/>
-                        <a:ea typeface="+mn-ea"/>
-                      </a:endParaRPr>
-                    </a:p>
-                    <a:p>
-                      <a:pPr algn="ctr" latinLnBrk="1"/>
-                      <a:r>
-                        <a:rPr lang="ko-KR" altLang="en-US" sz="1000" b="0" dirty="0">
-                          <a:solidFill>
-                            <a:schemeClr val="tx1"/>
-                          </a:solidFill>
-                          <a:latin typeface="+mn-ea"/>
-                          <a:ea typeface="+mn-ea"/>
-                        </a:rPr>
-                        <a:t>무게</a:t>
-                      </a:r>
-                    </a:p>
-                  </a:txBody>
-                  <a:tcPr anchor="ctr">
-                    <a:lnL w="6350" cap="flat" cmpd="sng" algn="ctr">
-                      <a:solidFill>
-                        <a:schemeClr val="tx1"/>
-                      </a:solidFill>
-                      <a:prstDash val="solid"/>
-                      <a:round/>
-                      <a:headEnd type="none" w="med" len="med"/>
-                      <a:tailEnd type="none" w="med" len="med"/>
-                    </a:lnL>
-                    <a:lnR w="6350" cap="flat" cmpd="sng" algn="ctr">
-                      <a:solidFill>
-                        <a:schemeClr val="tx1"/>
-                      </a:solidFill>
-                      <a:prstDash val="solid"/>
-                      <a:round/>
-                      <a:headEnd type="none" w="med" len="med"/>
-                      <a:tailEnd type="none" w="med" len="med"/>
-                    </a:lnR>
-                    <a:lnT w="6350" cap="flat" cmpd="sng" algn="ctr">
-                      <a:solidFill>
-                        <a:schemeClr val="tx1"/>
-                      </a:solidFill>
-                      <a:prstDash val="solid"/>
-                      <a:round/>
-                      <a:headEnd type="none" w="med" len="med"/>
-                      <a:tailEnd type="none" w="med" len="med"/>
-                    </a:lnT>
-                    <a:lnB w="6350" cap="flat" cmpd="sng" algn="ctr">
-                      <a:solidFill>
-                        <a:schemeClr val="tx1"/>
-                      </a:solidFill>
-                      <a:prstDash val="solid"/>
-                      <a:round/>
-                      <a:headEnd type="none" w="med" len="med"/>
-                      <a:tailEnd type="none" w="med" len="med"/>
-                    </a:lnB>
-                    <a:solidFill>
-                      <a:schemeClr val="bg1"/>
-                    </a:solidFill>
-                  </a:tcPr>
-                </a:tc>
-                <a:tc>
-                  <a:txBody>
-                    <a:bodyPr/>
-                    <a:lstStyle/>
-                    <a:p>
-                      <a:pPr algn="ctr" latinLnBrk="1"/>
-                      <a:r>
-                        <a:rPr lang="ko-KR" altLang="en-US" sz="1000" b="0" dirty="0">
-                          <a:solidFill>
-                            <a:schemeClr val="tx1"/>
-                          </a:solidFill>
-                          <a:latin typeface="+mn-ea"/>
-                          <a:ea typeface="+mn-ea"/>
-                        </a:rPr>
-                        <a:t>작성</a:t>
-                      </a:r>
-                    </a:p>
-                  </a:txBody>
-                  <a:tcPr anchor="ctr">
-                    <a:lnL w="6350" cap="flat" cmpd="sng" algn="ctr">
-                      <a:solidFill>
-                        <a:schemeClr val="tx1"/>
-                      </a:solidFill>
-                      <a:prstDash val="solid"/>
-                      <a:round/>
-                      <a:headEnd type="none" w="med" len="med"/>
-                      <a:tailEnd type="none" w="med" len="med"/>
-                    </a:lnL>
-                    <a:lnR w="6350" cap="flat" cmpd="sng" algn="ctr">
-                      <a:solidFill>
-                        <a:schemeClr val="tx1"/>
-                      </a:solidFill>
-                      <a:prstDash val="solid"/>
-                      <a:round/>
-                      <a:headEnd type="none" w="med" len="med"/>
-                      <a:tailEnd type="none" w="med" len="med"/>
-                    </a:lnR>
-                    <a:lnT w="6350" cap="flat" cmpd="sng" algn="ctr">
-                      <a:solidFill>
-                        <a:schemeClr val="tx1"/>
-                      </a:solidFill>
-                      <a:prstDash val="solid"/>
-                      <a:round/>
-                      <a:headEnd type="none" w="med" len="med"/>
-                      <a:tailEnd type="none" w="med" len="med"/>
-                    </a:lnT>
-                    <a:lnB w="6350" cap="flat" cmpd="sng" algn="ctr">
-                      <a:solidFill>
-                        <a:schemeClr val="tx1"/>
-                      </a:solidFill>
-                      <a:prstDash val="solid"/>
-                      <a:round/>
-                      <a:headEnd type="none" w="med" len="med"/>
-                      <a:tailEnd type="none" w="med" len="med"/>
-                    </a:lnB>
-                    <a:solidFill>
-                      <a:schemeClr val="bg1"/>
-                    </a:solidFill>
-                  </a:tcPr>
-                </a:tc>
-                <a:extLst>
-                  <a:ext uri="{0D108BD9-81ED-4DB2-BD59-A6C34878D82A}">
-                    <a16:rowId xmlns:a16="http://schemas.microsoft.com/office/drawing/2014/main" xmlns="" val="10001"/>
-                  </a:ext>
-                </a:extLst>
-              </a:tr>
-            </a:tbl>
-          </a:graphicData>
-        </a:graphic>
-      </p:graphicFrame>
-      <p:sp>
-        <p:nvSpPr>
-          <p:cNvPr id="84" name="TextBox 83">
-            <a:extLst>
-              <a:ext uri="{FF2B5EF4-FFF2-40B4-BE49-F238E27FC236}">
-                <a16:creationId xmlns:a16="http://schemas.microsoft.com/office/drawing/2014/main" xmlns="" id="{175D0501-8E3C-4360-9052-D93A553D6261}"/>
-              </a:ext>
-            </a:extLst>
-          </p:cNvPr>
-          <p:cNvSpPr txBox="1"/>
-          <p:nvPr/>
-        </p:nvSpPr>
-        <p:spPr>
-          <a:xfrm>
-            <a:off x="11323497" y="5963669"/>
-            <a:ext cx="705591" cy="215444"/>
-          </a:xfrm>
-          <a:prstGeom prst="rect">
-            <a:avLst/>
-          </a:prstGeom>
-          <a:noFill/>
-        </p:spPr>
-        <p:txBody>
-          <a:bodyPr wrap="square" rtlCol="0">
-            <a:spAutoFit/>
-          </a:bodyPr>
-          <a:lstStyle/>
-          <a:p>
-            <a:r>
-              <a:rPr lang="ko-KR" altLang="en-US" sz="800" dirty="0"/>
-              <a:t>마이페이지</a:t>
-            </a:r>
-          </a:p>
-        </p:txBody>
-      </p:sp>
-      <p:sp>
-        <p:nvSpPr>
-          <p:cNvPr id="100" name="직사각형 99"/>
-          <p:cNvSpPr/>
-          <p:nvPr/>
-        </p:nvSpPr>
-        <p:spPr>
-          <a:xfrm>
-            <a:off x="8781691" y="5872294"/>
-            <a:ext cx="2511001" cy="378173"/>
-          </a:xfrm>
-          <a:prstGeom prst="rect">
-            <a:avLst/>
-          </a:prstGeom>
-          <a:solidFill>
-            <a:schemeClr val="bg1"/>
-          </a:solidFill>
-          <a:ln>
-            <a:solidFill>
-              <a:schemeClr val="tx1"/>
-            </a:solidFill>
-          </a:ln>
-        </p:spPr>
-        <p:style>
-          <a:lnRef idx="2">
-            <a:schemeClr val="accent1">
-              <a:shade val="50000"/>
-            </a:schemeClr>
-          </a:lnRef>
-          <a:fillRef idx="1">
-            <a:schemeClr val="accent1"/>
-          </a:fillRef>
-          <a:effectRef idx="0">
-            <a:schemeClr val="accent1"/>
-          </a:effectRef>
-          <a:fontRef idx="minor">
-            <a:schemeClr val="lt1"/>
-          </a:fontRef>
-        </p:style>
-        <p:txBody>
-          <a:bodyPr rtlCol="0" anchor="ctr"/>
-          <a:lstStyle/>
-          <a:p>
-            <a:pPr algn="ctr"/>
-            <a:endParaRPr lang="ko-KR" altLang="en-US"/>
-          </a:p>
-        </p:txBody>
-      </p:sp>
-      <p:sp>
-        <p:nvSpPr>
-          <p:cNvPr id="101" name="TextBox 100">
-            <a:extLst>
-              <a:ext uri="{FF2B5EF4-FFF2-40B4-BE49-F238E27FC236}">
-                <a16:creationId xmlns:a16="http://schemas.microsoft.com/office/drawing/2014/main" xmlns="" id="{A92788C2-846F-4D8E-84DB-0156E44840FE}"/>
-              </a:ext>
-            </a:extLst>
-          </p:cNvPr>
-          <p:cNvSpPr txBox="1"/>
-          <p:nvPr/>
-        </p:nvSpPr>
-        <p:spPr>
-          <a:xfrm>
-            <a:off x="8413093" y="6379562"/>
-            <a:ext cx="595618" cy="215444"/>
-          </a:xfrm>
-          <a:prstGeom prst="rect">
-            <a:avLst/>
-          </a:prstGeom>
-          <a:noFill/>
-        </p:spPr>
-        <p:txBody>
-          <a:bodyPr wrap="square" rtlCol="0">
-            <a:spAutoFit/>
-          </a:bodyPr>
-          <a:lstStyle/>
-          <a:p>
-            <a:r>
-              <a:rPr lang="ko-KR" altLang="en-US" sz="800" dirty="0" err="1"/>
-              <a:t>시터찾기</a:t>
-            </a:r>
-            <a:endParaRPr lang="ko-KR" altLang="en-US" sz="800" dirty="0"/>
-          </a:p>
-        </p:txBody>
-      </p:sp>
-      <p:sp>
-        <p:nvSpPr>
-          <p:cNvPr id="102" name="직사각형 101">
-            <a:extLst>
-              <a:ext uri="{FF2B5EF4-FFF2-40B4-BE49-F238E27FC236}">
-                <a16:creationId xmlns:a16="http://schemas.microsoft.com/office/drawing/2014/main" xmlns="" id="{F0815B9A-D30D-4481-805B-BC00FA17F1AF}"/>
-              </a:ext>
-            </a:extLst>
-          </p:cNvPr>
-          <p:cNvSpPr/>
-          <p:nvPr/>
-        </p:nvSpPr>
-        <p:spPr>
-          <a:xfrm>
-            <a:off x="8865545" y="5950156"/>
-            <a:ext cx="224256" cy="209724"/>
-          </a:xfrm>
-          <a:prstGeom prst="rect">
-            <a:avLst/>
-          </a:prstGeom>
-          <a:solidFill>
-            <a:schemeClr val="bg1"/>
-          </a:solidFill>
-          <a:ln>
-            <a:solidFill>
-              <a:schemeClr val="tx1"/>
-            </a:solidFill>
-          </a:ln>
-        </p:spPr>
-        <p:style>
-          <a:lnRef idx="2">
-            <a:schemeClr val="accent1">
-              <a:shade val="50000"/>
-            </a:schemeClr>
-          </a:lnRef>
-          <a:fillRef idx="1">
-            <a:schemeClr val="accent1"/>
-          </a:fillRef>
-          <a:effectRef idx="0">
-            <a:schemeClr val="accent1"/>
-          </a:effectRef>
-          <a:fontRef idx="minor">
-            <a:schemeClr val="lt1"/>
-          </a:fontRef>
-        </p:style>
-        <p:txBody>
-          <a:bodyPr rtlCol="0" anchor="ctr"/>
-          <a:lstStyle/>
-          <a:p>
-            <a:pPr algn="ctr"/>
-            <a:endParaRPr lang="ko-KR" altLang="en-US" dirty="0"/>
-          </a:p>
-        </p:txBody>
-      </p:sp>
-      <p:sp>
-        <p:nvSpPr>
-          <p:cNvPr id="103" name="직사각형 102">
-            <a:extLst>
-              <a:ext uri="{FF2B5EF4-FFF2-40B4-BE49-F238E27FC236}">
-                <a16:creationId xmlns:a16="http://schemas.microsoft.com/office/drawing/2014/main" xmlns="" id="{9444EAA7-F80D-40EE-85F2-FC3FD2665367}"/>
-              </a:ext>
-            </a:extLst>
-          </p:cNvPr>
-          <p:cNvSpPr/>
-          <p:nvPr/>
-        </p:nvSpPr>
-        <p:spPr>
-          <a:xfrm>
-            <a:off x="9434769" y="5950156"/>
-            <a:ext cx="224256" cy="209724"/>
-          </a:xfrm>
-          <a:prstGeom prst="rect">
-            <a:avLst/>
-          </a:prstGeom>
-          <a:solidFill>
-            <a:schemeClr val="bg1"/>
-          </a:solidFill>
-          <a:ln>
-            <a:solidFill>
-              <a:schemeClr val="tx1"/>
-            </a:solidFill>
-          </a:ln>
-        </p:spPr>
-        <p:style>
-          <a:lnRef idx="2">
-            <a:schemeClr val="accent1">
-              <a:shade val="50000"/>
-            </a:schemeClr>
-          </a:lnRef>
-          <a:fillRef idx="1">
-            <a:schemeClr val="accent1"/>
-          </a:fillRef>
-          <a:effectRef idx="0">
-            <a:schemeClr val="accent1"/>
-          </a:effectRef>
-          <a:fontRef idx="minor">
-            <a:schemeClr val="lt1"/>
-          </a:fontRef>
-        </p:style>
-        <p:txBody>
-          <a:bodyPr rtlCol="0" anchor="ctr"/>
-          <a:lstStyle/>
-          <a:p>
-            <a:pPr algn="ctr"/>
-            <a:endParaRPr lang="ko-KR" altLang="en-US" dirty="0"/>
-          </a:p>
-        </p:txBody>
-      </p:sp>
-      <p:sp>
-        <p:nvSpPr>
-          <p:cNvPr id="104" name="직사각형 103">
-            <a:extLst>
-              <a:ext uri="{FF2B5EF4-FFF2-40B4-BE49-F238E27FC236}">
-                <a16:creationId xmlns:a16="http://schemas.microsoft.com/office/drawing/2014/main" xmlns="" id="{018390F8-461E-47B1-8D02-662749C7B01B}"/>
-              </a:ext>
-            </a:extLst>
-          </p:cNvPr>
-          <p:cNvSpPr/>
-          <p:nvPr/>
-        </p:nvSpPr>
-        <p:spPr>
-          <a:xfrm>
-            <a:off x="10903660" y="5951740"/>
-            <a:ext cx="224256" cy="209724"/>
-          </a:xfrm>
-          <a:prstGeom prst="rect">
-            <a:avLst/>
-          </a:prstGeom>
-          <a:solidFill>
-            <a:schemeClr val="bg1"/>
-          </a:solidFill>
-          <a:ln>
-            <a:solidFill>
-              <a:schemeClr val="tx1"/>
-            </a:solidFill>
-          </a:ln>
-        </p:spPr>
-        <p:style>
-          <a:lnRef idx="2">
-            <a:schemeClr val="accent1">
-              <a:shade val="50000"/>
-            </a:schemeClr>
-          </a:lnRef>
-          <a:fillRef idx="1">
-            <a:schemeClr val="accent1"/>
-          </a:fillRef>
-          <a:effectRef idx="0">
-            <a:schemeClr val="accent1"/>
-          </a:effectRef>
-          <a:fontRef idx="minor">
-            <a:schemeClr val="lt1"/>
-          </a:fontRef>
-        </p:style>
-        <p:txBody>
-          <a:bodyPr rtlCol="0" anchor="ctr"/>
-          <a:lstStyle/>
-          <a:p>
-            <a:pPr algn="ctr"/>
-            <a:endParaRPr lang="ko-KR" altLang="en-US" dirty="0"/>
-          </a:p>
-        </p:txBody>
-      </p:sp>
-      <p:sp>
-        <p:nvSpPr>
-          <p:cNvPr id="105" name="직사각형 104">
-            <a:extLst>
-              <a:ext uri="{FF2B5EF4-FFF2-40B4-BE49-F238E27FC236}">
-                <a16:creationId xmlns:a16="http://schemas.microsoft.com/office/drawing/2014/main" xmlns="" id="{B27559C4-A53D-4627-9D4C-4825196BF918}"/>
-              </a:ext>
-            </a:extLst>
-          </p:cNvPr>
-          <p:cNvSpPr/>
-          <p:nvPr/>
-        </p:nvSpPr>
-        <p:spPr>
-          <a:xfrm>
-            <a:off x="10432076" y="5951740"/>
-            <a:ext cx="224256" cy="209724"/>
-          </a:xfrm>
-          <a:prstGeom prst="rect">
-            <a:avLst/>
-          </a:prstGeom>
-          <a:solidFill>
-            <a:schemeClr val="bg1"/>
-          </a:solidFill>
-          <a:ln>
-            <a:solidFill>
-              <a:schemeClr val="tx1"/>
-            </a:solidFill>
-          </a:ln>
-        </p:spPr>
-        <p:style>
-          <a:lnRef idx="2">
-            <a:schemeClr val="accent1">
-              <a:shade val="50000"/>
-            </a:schemeClr>
-          </a:lnRef>
-          <a:fillRef idx="1">
-            <a:schemeClr val="accent1"/>
-          </a:fillRef>
-          <a:effectRef idx="0">
-            <a:schemeClr val="accent1"/>
-          </a:effectRef>
-          <a:fontRef idx="minor">
-            <a:schemeClr val="lt1"/>
-          </a:fontRef>
-        </p:style>
-        <p:txBody>
-          <a:bodyPr rtlCol="0" anchor="ctr"/>
-          <a:lstStyle/>
-          <a:p>
-            <a:pPr algn="ctr"/>
-            <a:endParaRPr lang="ko-KR" altLang="en-US" dirty="0"/>
-          </a:p>
-        </p:txBody>
-      </p:sp>
-      <p:sp>
-        <p:nvSpPr>
-          <p:cNvPr id="106" name="직사각형 105">
-            <a:extLst>
-              <a:ext uri="{FF2B5EF4-FFF2-40B4-BE49-F238E27FC236}">
-                <a16:creationId xmlns:a16="http://schemas.microsoft.com/office/drawing/2014/main" xmlns="" id="{2F41D995-6A71-4509-80F3-049E8D1F63ED}"/>
-              </a:ext>
-            </a:extLst>
-          </p:cNvPr>
-          <p:cNvSpPr/>
-          <p:nvPr/>
-        </p:nvSpPr>
-        <p:spPr>
-          <a:xfrm>
-            <a:off x="9973217" y="5951740"/>
-            <a:ext cx="224256" cy="209724"/>
-          </a:xfrm>
-          <a:prstGeom prst="rect">
-            <a:avLst/>
-          </a:prstGeom>
-          <a:solidFill>
-            <a:schemeClr val="bg1"/>
-          </a:solidFill>
-          <a:ln>
-            <a:solidFill>
-              <a:schemeClr val="tx1"/>
-            </a:solidFill>
-          </a:ln>
-        </p:spPr>
-        <p:style>
-          <a:lnRef idx="2">
-            <a:schemeClr val="accent1">
-              <a:shade val="50000"/>
-            </a:schemeClr>
-          </a:lnRef>
-          <a:fillRef idx="1">
-            <a:schemeClr val="accent1"/>
-          </a:fillRef>
-          <a:effectRef idx="0">
-            <a:schemeClr val="accent1"/>
-          </a:effectRef>
-          <a:fontRef idx="minor">
-            <a:schemeClr val="lt1"/>
-          </a:fontRef>
-        </p:style>
-        <p:txBody>
-          <a:bodyPr rtlCol="0" anchor="ctr"/>
-          <a:lstStyle/>
-          <a:p>
-            <a:pPr algn="ctr"/>
-            <a:endParaRPr lang="ko-KR" altLang="en-US" dirty="0"/>
-          </a:p>
-        </p:txBody>
-      </p:sp>
-      <p:cxnSp>
-        <p:nvCxnSpPr>
-          <p:cNvPr id="107" name="직선 화살표 연결선 106">
-            <a:extLst>
-              <a:ext uri="{FF2B5EF4-FFF2-40B4-BE49-F238E27FC236}">
-                <a16:creationId xmlns:a16="http://schemas.microsoft.com/office/drawing/2014/main" xmlns="" id="{34A269B8-E321-4ACE-B82D-29FFBDBEAE20}"/>
-              </a:ext>
-            </a:extLst>
-          </p:cNvPr>
-          <p:cNvCxnSpPr>
-            <a:cxnSpLocks/>
-          </p:cNvCxnSpPr>
-          <p:nvPr/>
-        </p:nvCxnSpPr>
-        <p:spPr>
-          <a:xfrm flipV="1">
-            <a:off x="9556261" y="6050826"/>
-            <a:ext cx="0" cy="297372"/>
-          </a:xfrm>
-          <a:prstGeom prst="straightConnector1">
-            <a:avLst/>
-          </a:prstGeom>
-          <a:ln>
-            <a:solidFill>
-              <a:srgbClr val="FF0000"/>
-            </a:solidFill>
-            <a:tailEnd type="triangle"/>
-          </a:ln>
-        </p:spPr>
-        <p:style>
-          <a:lnRef idx="1">
-            <a:schemeClr val="accent2"/>
-          </a:lnRef>
-          <a:fillRef idx="0">
-            <a:schemeClr val="accent2"/>
-          </a:fillRef>
-          <a:effectRef idx="0">
-            <a:schemeClr val="accent2"/>
-          </a:effectRef>
-          <a:fontRef idx="minor">
-            <a:schemeClr val="tx1"/>
-          </a:fontRef>
-        </p:style>
-      </p:cxnSp>
-      <p:cxnSp>
-        <p:nvCxnSpPr>
-          <p:cNvPr id="108" name="직선 화살표 연결선 107">
-            <a:extLst>
-              <a:ext uri="{FF2B5EF4-FFF2-40B4-BE49-F238E27FC236}">
-                <a16:creationId xmlns:a16="http://schemas.microsoft.com/office/drawing/2014/main" xmlns="" id="{594868FA-F542-4BC7-B4EE-561EE6C24D2A}"/>
-              </a:ext>
-            </a:extLst>
-          </p:cNvPr>
-          <p:cNvCxnSpPr>
-            <a:cxnSpLocks/>
-          </p:cNvCxnSpPr>
-          <p:nvPr/>
-        </p:nvCxnSpPr>
-        <p:spPr>
-          <a:xfrm flipH="1" flipV="1">
-            <a:off x="10081572" y="6027520"/>
-            <a:ext cx="9467" cy="320678"/>
-          </a:xfrm>
-          <a:prstGeom prst="straightConnector1">
-            <a:avLst/>
-          </a:prstGeom>
-          <a:ln>
-            <a:solidFill>
-              <a:srgbClr val="FF0000"/>
-            </a:solidFill>
-            <a:tailEnd type="triangle"/>
-          </a:ln>
-        </p:spPr>
-        <p:style>
-          <a:lnRef idx="1">
-            <a:schemeClr val="accent2"/>
-          </a:lnRef>
-          <a:fillRef idx="0">
-            <a:schemeClr val="accent2"/>
-          </a:fillRef>
-          <a:effectRef idx="0">
-            <a:schemeClr val="accent2"/>
-          </a:effectRef>
-          <a:fontRef idx="minor">
-            <a:schemeClr val="tx1"/>
-          </a:fontRef>
-        </p:style>
-      </p:cxnSp>
-      <p:cxnSp>
-        <p:nvCxnSpPr>
-          <p:cNvPr id="109" name="직선 화살표 연결선 108">
-            <a:extLst>
-              <a:ext uri="{FF2B5EF4-FFF2-40B4-BE49-F238E27FC236}">
-                <a16:creationId xmlns:a16="http://schemas.microsoft.com/office/drawing/2014/main" xmlns="" id="{B835CB0E-7318-4621-AAC0-357EB1D055EC}"/>
-              </a:ext>
-            </a:extLst>
-          </p:cNvPr>
-          <p:cNvCxnSpPr>
-            <a:cxnSpLocks/>
-          </p:cNvCxnSpPr>
-          <p:nvPr/>
-        </p:nvCxnSpPr>
-        <p:spPr>
-          <a:xfrm flipV="1">
-            <a:off x="10538288" y="6028080"/>
-            <a:ext cx="7311" cy="361901"/>
-          </a:xfrm>
-          <a:prstGeom prst="straightConnector1">
-            <a:avLst/>
-          </a:prstGeom>
-          <a:ln>
-            <a:solidFill>
-              <a:srgbClr val="FF0000"/>
-            </a:solidFill>
-            <a:tailEnd type="triangle"/>
-          </a:ln>
-        </p:spPr>
-        <p:style>
-          <a:lnRef idx="1">
-            <a:schemeClr val="accent2"/>
-          </a:lnRef>
-          <a:fillRef idx="0">
-            <a:schemeClr val="accent2"/>
-          </a:fillRef>
-          <a:effectRef idx="0">
-            <a:schemeClr val="accent2"/>
-          </a:effectRef>
-          <a:fontRef idx="minor">
-            <a:schemeClr val="tx1"/>
-          </a:fontRef>
-        </p:style>
-      </p:cxnSp>
-      <p:cxnSp>
-        <p:nvCxnSpPr>
-          <p:cNvPr id="110" name="직선 화살표 연결선 109">
-            <a:extLst>
-              <a:ext uri="{FF2B5EF4-FFF2-40B4-BE49-F238E27FC236}">
-                <a16:creationId xmlns:a16="http://schemas.microsoft.com/office/drawing/2014/main" xmlns="" id="{8A1FA3B6-56FA-4F9A-B582-879E45C4E554}"/>
-              </a:ext>
-            </a:extLst>
-          </p:cNvPr>
-          <p:cNvCxnSpPr>
-            <a:cxnSpLocks/>
-          </p:cNvCxnSpPr>
-          <p:nvPr/>
-        </p:nvCxnSpPr>
-        <p:spPr>
-          <a:xfrm flipH="1">
-            <a:off x="11000470" y="6059522"/>
-            <a:ext cx="393459" cy="0"/>
-          </a:xfrm>
-          <a:prstGeom prst="straightConnector1">
-            <a:avLst/>
-          </a:prstGeom>
-          <a:ln>
-            <a:solidFill>
-              <a:srgbClr val="FF0000"/>
-            </a:solidFill>
-            <a:tailEnd type="triangle"/>
-          </a:ln>
-        </p:spPr>
-        <p:style>
-          <a:lnRef idx="1">
-            <a:schemeClr val="accent2"/>
-          </a:lnRef>
-          <a:fillRef idx="0">
-            <a:schemeClr val="accent2"/>
-          </a:fillRef>
-          <a:effectRef idx="0">
-            <a:schemeClr val="accent2"/>
-          </a:effectRef>
-          <a:fontRef idx="minor">
-            <a:schemeClr val="tx1"/>
-          </a:fontRef>
-        </p:style>
-      </p:cxnSp>
-      <p:cxnSp>
-        <p:nvCxnSpPr>
-          <p:cNvPr id="111" name="직선 화살표 연결선 110">
-            <a:extLst>
-              <a:ext uri="{FF2B5EF4-FFF2-40B4-BE49-F238E27FC236}">
-                <a16:creationId xmlns:a16="http://schemas.microsoft.com/office/drawing/2014/main" xmlns="" id="{8DBC9891-F555-4406-9800-4BBC560D541A}"/>
-              </a:ext>
-            </a:extLst>
-          </p:cNvPr>
-          <p:cNvCxnSpPr>
-            <a:cxnSpLocks/>
-            <a:stCxn id="101" idx="0"/>
-          </p:cNvCxnSpPr>
-          <p:nvPr/>
-        </p:nvCxnSpPr>
-        <p:spPr>
-          <a:xfrm flipV="1">
-            <a:off x="8710902" y="6051118"/>
-            <a:ext cx="263231" cy="328444"/>
-          </a:xfrm>
-          <a:prstGeom prst="straightConnector1">
-            <a:avLst/>
-          </a:prstGeom>
-          <a:ln>
-            <a:solidFill>
-              <a:srgbClr val="FF0000"/>
-            </a:solidFill>
-            <a:tailEnd type="triangle"/>
-          </a:ln>
-        </p:spPr>
-        <p:style>
-          <a:lnRef idx="1">
-            <a:schemeClr val="accent2"/>
-          </a:lnRef>
-          <a:fillRef idx="0">
-            <a:schemeClr val="accent2"/>
-          </a:fillRef>
-          <a:effectRef idx="0">
-            <a:schemeClr val="accent2"/>
-          </a:effectRef>
-          <a:fontRef idx="minor">
-            <a:schemeClr val="tx1"/>
-          </a:fontRef>
-        </p:style>
-      </p:cxnSp>
-      <p:sp>
-        <p:nvSpPr>
-          <p:cNvPr id="112" name="TextBox 111">
-            <a:extLst>
-              <a:ext uri="{FF2B5EF4-FFF2-40B4-BE49-F238E27FC236}">
-                <a16:creationId xmlns:a16="http://schemas.microsoft.com/office/drawing/2014/main" xmlns="" id="{B01CA544-E067-4DD5-8F99-FC7AFCA9239E}"/>
-              </a:ext>
-            </a:extLst>
-          </p:cNvPr>
-          <p:cNvSpPr txBox="1"/>
-          <p:nvPr/>
-        </p:nvSpPr>
-        <p:spPr>
-          <a:xfrm>
-            <a:off x="10266282" y="6384780"/>
-            <a:ext cx="705591" cy="215444"/>
-          </a:xfrm>
-          <a:prstGeom prst="rect">
-            <a:avLst/>
-          </a:prstGeom>
-          <a:noFill/>
-        </p:spPr>
-        <p:txBody>
-          <a:bodyPr wrap="square" rtlCol="0">
-            <a:spAutoFit/>
-          </a:bodyPr>
-          <a:lstStyle/>
-          <a:p>
-            <a:r>
-              <a:rPr lang="ko-KR" altLang="en-US" sz="800" dirty="0"/>
-              <a:t>고객센터</a:t>
-            </a:r>
-          </a:p>
-        </p:txBody>
-      </p:sp>
-      <p:sp>
-        <p:nvSpPr>
-          <p:cNvPr id="113" name="TextBox 112">
-            <a:extLst>
-              <a:ext uri="{FF2B5EF4-FFF2-40B4-BE49-F238E27FC236}">
-                <a16:creationId xmlns:a16="http://schemas.microsoft.com/office/drawing/2014/main" xmlns="" id="{B8C8D169-440D-4BD5-98C5-A86EABD72686}"/>
-              </a:ext>
-            </a:extLst>
-          </p:cNvPr>
-          <p:cNvSpPr txBox="1"/>
-          <p:nvPr/>
-        </p:nvSpPr>
-        <p:spPr>
-          <a:xfrm>
-            <a:off x="9793798" y="6390706"/>
-            <a:ext cx="595618" cy="215444"/>
-          </a:xfrm>
-          <a:prstGeom prst="rect">
-            <a:avLst/>
-          </a:prstGeom>
-          <a:noFill/>
-        </p:spPr>
-        <p:txBody>
-          <a:bodyPr wrap="square" rtlCol="0">
-            <a:spAutoFit/>
-          </a:bodyPr>
-          <a:lstStyle/>
-          <a:p>
-            <a:r>
-              <a:rPr lang="ko-KR" altLang="en-US" sz="800" dirty="0"/>
-              <a:t>프로그램</a:t>
-            </a:r>
-          </a:p>
-        </p:txBody>
-      </p:sp>
-      <p:sp>
-        <p:nvSpPr>
-          <p:cNvPr id="114" name="TextBox 113">
-            <a:extLst>
-              <a:ext uri="{FF2B5EF4-FFF2-40B4-BE49-F238E27FC236}">
-                <a16:creationId xmlns:a16="http://schemas.microsoft.com/office/drawing/2014/main" xmlns="" id="{E7D4196B-6BCE-4D69-980E-BB15BBA201CC}"/>
-              </a:ext>
-            </a:extLst>
-          </p:cNvPr>
-          <p:cNvSpPr txBox="1"/>
-          <p:nvPr/>
-        </p:nvSpPr>
-        <p:spPr>
-          <a:xfrm>
-            <a:off x="9228176" y="6380758"/>
-            <a:ext cx="705590" cy="215444"/>
-          </a:xfrm>
-          <a:prstGeom prst="rect">
-            <a:avLst/>
-          </a:prstGeom>
-          <a:noFill/>
-        </p:spPr>
-        <p:txBody>
-          <a:bodyPr wrap="square" rtlCol="0">
-            <a:spAutoFit/>
-          </a:bodyPr>
-          <a:lstStyle/>
-          <a:p>
-            <a:r>
-              <a:rPr lang="ko-KR" altLang="en-US" sz="800" dirty="0"/>
-              <a:t>장거리이동</a:t>
-            </a:r>
-          </a:p>
-        </p:txBody>
-      </p:sp>
-      <p:sp>
-        <p:nvSpPr>
-          <p:cNvPr id="88" name="TextBox 87"/>
-          <p:cNvSpPr txBox="1"/>
-          <p:nvPr/>
-        </p:nvSpPr>
-        <p:spPr>
-          <a:xfrm>
-            <a:off x="8821830" y="2835015"/>
-            <a:ext cx="1688788" cy="369332"/>
-          </a:xfrm>
-          <a:prstGeom prst="rect">
-            <a:avLst/>
-          </a:prstGeom>
-          <a:noFill/>
-        </p:spPr>
-        <p:txBody>
-          <a:bodyPr wrap="square" rtlCol="0">
-            <a:spAutoFit/>
-          </a:bodyPr>
-          <a:lstStyle/>
-          <a:p>
-            <a:r>
-              <a:rPr lang="ko-KR" altLang="en-US" dirty="0" err="1"/>
-              <a:t>시터</a:t>
-            </a:r>
-            <a:r>
-              <a:rPr lang="ko-KR" altLang="en-US" dirty="0"/>
-              <a:t> 이용현황</a:t>
-            </a:r>
-          </a:p>
-        </p:txBody>
-      </p:sp>
-      <p:sp>
-        <p:nvSpPr>
-          <p:cNvPr id="72" name="직사각형 71"/>
-          <p:cNvSpPr/>
-          <p:nvPr/>
-        </p:nvSpPr>
-        <p:spPr>
-          <a:xfrm>
-            <a:off x="8888829" y="3500489"/>
-            <a:ext cx="2303141" cy="2092458"/>
-          </a:xfrm>
-          <a:prstGeom prst="rect">
-            <a:avLst/>
-          </a:prstGeom>
-          <a:solidFill>
-            <a:schemeClr val="bg1"/>
-          </a:solidFill>
-          <a:ln>
-            <a:solidFill>
-              <a:schemeClr val="tx1"/>
-            </a:solidFill>
-          </a:ln>
-        </p:spPr>
-        <p:style>
-          <a:lnRef idx="2">
-            <a:schemeClr val="accent1">
-              <a:shade val="50000"/>
-            </a:schemeClr>
-          </a:lnRef>
-          <a:fillRef idx="1">
-            <a:schemeClr val="accent1"/>
-          </a:fillRef>
-          <a:effectRef idx="0">
-            <a:schemeClr val="accent1"/>
-          </a:effectRef>
-          <a:fontRef idx="minor">
-            <a:schemeClr val="lt1"/>
-          </a:fontRef>
-        </p:style>
-        <p:txBody>
-          <a:bodyPr rtlCol="0" anchor="ctr"/>
-          <a:lstStyle/>
-          <a:p>
-            <a:pPr algn="ctr"/>
-            <a:r>
-              <a:rPr lang="ko-KR" altLang="en-US" sz="1200" dirty="0" err="1">
-                <a:solidFill>
-                  <a:schemeClr val="tx1"/>
-                </a:solidFill>
-              </a:rPr>
-              <a:t>리뷰글</a:t>
-            </a:r>
-            <a:r>
-              <a:rPr lang="ko-KR" altLang="en-US" sz="1200" dirty="0">
-                <a:solidFill>
-                  <a:schemeClr val="tx1"/>
-                </a:solidFill>
-              </a:rPr>
-              <a:t> 작성</a:t>
-            </a:r>
-          </a:p>
-        </p:txBody>
-      </p:sp>
-      <p:sp>
-        <p:nvSpPr>
-          <p:cNvPr id="73" name="직사각형 72"/>
-          <p:cNvSpPr/>
-          <p:nvPr/>
-        </p:nvSpPr>
-        <p:spPr>
-          <a:xfrm>
-            <a:off x="8888829" y="3057732"/>
-            <a:ext cx="2303141" cy="528822"/>
-          </a:xfrm>
-          <a:prstGeom prst="rect">
-            <a:avLst/>
-          </a:prstGeom>
-          <a:solidFill>
-            <a:schemeClr val="bg1"/>
-          </a:solidFill>
-          <a:ln>
-            <a:solidFill>
-              <a:schemeClr val="tx1"/>
-            </a:solidFill>
-          </a:ln>
-        </p:spPr>
-        <p:style>
-          <a:lnRef idx="2">
-            <a:schemeClr val="accent1">
-              <a:shade val="50000"/>
-            </a:schemeClr>
-          </a:lnRef>
-          <a:fillRef idx="1">
-            <a:schemeClr val="accent1"/>
-          </a:fillRef>
-          <a:effectRef idx="0">
-            <a:schemeClr val="accent1"/>
-          </a:effectRef>
-          <a:fontRef idx="minor">
-            <a:schemeClr val="lt1"/>
-          </a:fontRef>
-        </p:style>
-        <p:txBody>
-          <a:bodyPr rtlCol="0" anchor="ctr"/>
-          <a:lstStyle/>
-          <a:p>
-            <a:r>
-              <a:rPr lang="ko-KR" altLang="en-US" sz="1200" dirty="0">
-                <a:solidFill>
-                  <a:schemeClr val="tx1"/>
-                </a:solidFill>
-              </a:rPr>
-              <a:t>평점 </a:t>
-            </a:r>
-            <a:r>
-              <a:rPr lang="en-US" altLang="ko-KR" sz="1200" dirty="0">
-                <a:solidFill>
-                  <a:schemeClr val="tx1"/>
-                </a:solidFill>
-              </a:rPr>
-              <a:t>:</a:t>
-            </a:r>
-            <a:endParaRPr lang="ko-KR" altLang="en-US" sz="1200" dirty="0">
-              <a:solidFill>
-                <a:schemeClr val="tx1"/>
-              </a:solidFill>
-            </a:endParaRPr>
-          </a:p>
-        </p:txBody>
-      </p:sp>
-      <p:sp>
-        <p:nvSpPr>
-          <p:cNvPr id="74" name="직사각형 73"/>
-          <p:cNvSpPr/>
-          <p:nvPr/>
-        </p:nvSpPr>
-        <p:spPr>
-          <a:xfrm>
-            <a:off x="8888829" y="5590830"/>
-            <a:ext cx="2303141" cy="528822"/>
-          </a:xfrm>
-          <a:prstGeom prst="rect">
-            <a:avLst/>
-          </a:prstGeom>
-          <a:solidFill>
-            <a:schemeClr val="bg1"/>
-          </a:solidFill>
-          <a:ln>
-            <a:solidFill>
-              <a:schemeClr val="tx1"/>
-            </a:solidFill>
-          </a:ln>
-        </p:spPr>
-        <p:style>
-          <a:lnRef idx="2">
-            <a:schemeClr val="accent1">
-              <a:shade val="50000"/>
-            </a:schemeClr>
-          </a:lnRef>
-          <a:fillRef idx="1">
-            <a:schemeClr val="accent1"/>
-          </a:fillRef>
-          <a:effectRef idx="0">
-            <a:schemeClr val="accent1"/>
-          </a:effectRef>
-          <a:fontRef idx="minor">
-            <a:schemeClr val="lt1"/>
-          </a:fontRef>
-        </p:style>
-        <p:txBody>
-          <a:bodyPr rtlCol="0" anchor="ctr"/>
-          <a:lstStyle/>
-          <a:p>
-            <a:pPr algn="r"/>
-            <a:r>
-              <a:rPr lang="ko-KR" altLang="en-US" sz="1200" dirty="0">
-                <a:solidFill>
-                  <a:schemeClr val="tx1"/>
-                </a:solidFill>
-              </a:rPr>
-              <a:t>등록</a:t>
-            </a:r>
-          </a:p>
-        </p:txBody>
-      </p:sp>
-      <p:grpSp>
-        <p:nvGrpSpPr>
-          <p:cNvPr id="81" name="그룹 80"/>
-          <p:cNvGrpSpPr/>
-          <p:nvPr/>
-        </p:nvGrpSpPr>
-        <p:grpSpPr>
-          <a:xfrm>
-            <a:off x="9462629" y="3220623"/>
-            <a:ext cx="1365090" cy="203040"/>
-            <a:chOff x="9462629" y="3220623"/>
-            <a:chExt cx="1365090" cy="203040"/>
-          </a:xfrm>
-        </p:grpSpPr>
-        <p:sp>
-          <p:nvSpPr>
-            <p:cNvPr id="82" name="포인트가 5개인 별 81"/>
-            <p:cNvSpPr/>
-            <p:nvPr/>
-          </p:nvSpPr>
-          <p:spPr>
-            <a:xfrm>
-              <a:off x="9462629" y="3220623"/>
-              <a:ext cx="203040" cy="203040"/>
-            </a:xfrm>
-            <a:prstGeom prst="star5">
-              <a:avLst/>
-            </a:prstGeom>
-            <a:solidFill>
-              <a:srgbClr val="FFFF00"/>
-            </a:solidFill>
-            <a:ln>
-              <a:solidFill>
-                <a:schemeClr val="tx1"/>
-              </a:solidFill>
-            </a:ln>
-          </p:spPr>
-          <p:style>
-            <a:lnRef idx="2">
-              <a:schemeClr val="accent1">
-                <a:shade val="50000"/>
-              </a:schemeClr>
-            </a:lnRef>
-            <a:fillRef idx="1">
-              <a:schemeClr val="accent1"/>
-            </a:fillRef>
-            <a:effectRef idx="0">
-              <a:schemeClr val="accent1"/>
-            </a:effectRef>
-            <a:fontRef idx="minor">
-              <a:schemeClr val="lt1"/>
-            </a:fontRef>
-          </p:style>
-          <p:txBody>
-            <a:bodyPr rtlCol="0" anchor="ctr"/>
-            <a:lstStyle/>
-            <a:p>
-              <a:pPr algn="ctr"/>
-              <a:endParaRPr lang="ko-KR" altLang="en-US"/>
-            </a:p>
-          </p:txBody>
-        </p:sp>
-        <p:sp>
-          <p:nvSpPr>
-            <p:cNvPr id="83" name="포인트가 5개인 별 82"/>
-            <p:cNvSpPr/>
-            <p:nvPr/>
-          </p:nvSpPr>
-          <p:spPr>
-            <a:xfrm>
-              <a:off x="9753142" y="3220623"/>
-              <a:ext cx="203040" cy="203040"/>
-            </a:xfrm>
-            <a:prstGeom prst="star5">
-              <a:avLst/>
-            </a:prstGeom>
-            <a:solidFill>
-              <a:srgbClr val="FFFF00"/>
-            </a:solidFill>
-            <a:ln>
-              <a:solidFill>
-                <a:schemeClr val="tx1"/>
-              </a:solidFill>
-            </a:ln>
-          </p:spPr>
-          <p:style>
-            <a:lnRef idx="2">
-              <a:schemeClr val="accent1">
-                <a:shade val="50000"/>
-              </a:schemeClr>
-            </a:lnRef>
-            <a:fillRef idx="1">
-              <a:schemeClr val="accent1"/>
-            </a:fillRef>
-            <a:effectRef idx="0">
-              <a:schemeClr val="accent1"/>
-            </a:effectRef>
-            <a:fontRef idx="minor">
-              <a:schemeClr val="lt1"/>
-            </a:fontRef>
-          </p:style>
-          <p:txBody>
-            <a:bodyPr rtlCol="0" anchor="ctr"/>
-            <a:lstStyle/>
-            <a:p>
-              <a:pPr algn="ctr"/>
-              <a:endParaRPr lang="ko-KR" altLang="en-US"/>
-            </a:p>
-          </p:txBody>
-        </p:sp>
-        <p:sp>
-          <p:nvSpPr>
-            <p:cNvPr id="85" name="포인트가 5개인 별 84"/>
-            <p:cNvSpPr/>
-            <p:nvPr/>
-          </p:nvSpPr>
-          <p:spPr>
-            <a:xfrm>
-              <a:off x="10043655" y="3220623"/>
-              <a:ext cx="203040" cy="203040"/>
-            </a:xfrm>
-            <a:prstGeom prst="star5">
-              <a:avLst/>
-            </a:prstGeom>
-            <a:solidFill>
-              <a:srgbClr val="FFFF00"/>
-            </a:solidFill>
-            <a:ln>
-              <a:solidFill>
-                <a:schemeClr val="tx1"/>
-              </a:solidFill>
-            </a:ln>
-          </p:spPr>
-          <p:style>
-            <a:lnRef idx="2">
-              <a:schemeClr val="accent1">
-                <a:shade val="50000"/>
-              </a:schemeClr>
-            </a:lnRef>
-            <a:fillRef idx="1">
-              <a:schemeClr val="accent1"/>
-            </a:fillRef>
-            <a:effectRef idx="0">
-              <a:schemeClr val="accent1"/>
-            </a:effectRef>
-            <a:fontRef idx="minor">
-              <a:schemeClr val="lt1"/>
-            </a:fontRef>
-          </p:style>
-          <p:txBody>
-            <a:bodyPr rtlCol="0" anchor="ctr"/>
-            <a:lstStyle/>
-            <a:p>
-              <a:pPr algn="ctr"/>
-              <a:endParaRPr lang="ko-KR" altLang="en-US"/>
-            </a:p>
-          </p:txBody>
-        </p:sp>
-        <p:sp>
-          <p:nvSpPr>
-            <p:cNvPr id="86" name="포인트가 5개인 별 85"/>
-            <p:cNvSpPr/>
-            <p:nvPr/>
-          </p:nvSpPr>
-          <p:spPr>
-            <a:xfrm>
-              <a:off x="10334168" y="3220623"/>
-              <a:ext cx="203040" cy="203040"/>
-            </a:xfrm>
-            <a:prstGeom prst="star5">
-              <a:avLst/>
-            </a:prstGeom>
-            <a:solidFill>
-              <a:srgbClr val="FFFF00"/>
-            </a:solidFill>
-            <a:ln>
-              <a:solidFill>
-                <a:schemeClr val="tx1"/>
-              </a:solidFill>
-            </a:ln>
-          </p:spPr>
-          <p:style>
-            <a:lnRef idx="2">
-              <a:schemeClr val="accent1">
-                <a:shade val="50000"/>
-              </a:schemeClr>
-            </a:lnRef>
-            <a:fillRef idx="1">
-              <a:schemeClr val="accent1"/>
-            </a:fillRef>
-            <a:effectRef idx="0">
-              <a:schemeClr val="accent1"/>
-            </a:effectRef>
-            <a:fontRef idx="minor">
-              <a:schemeClr val="lt1"/>
-            </a:fontRef>
-          </p:style>
-          <p:txBody>
-            <a:bodyPr rtlCol="0" anchor="ctr"/>
-            <a:lstStyle/>
-            <a:p>
-              <a:pPr algn="ctr"/>
-              <a:endParaRPr lang="ko-KR" altLang="en-US"/>
-            </a:p>
-          </p:txBody>
-        </p:sp>
-        <p:sp>
-          <p:nvSpPr>
-            <p:cNvPr id="87" name="포인트가 5개인 별 86"/>
-            <p:cNvSpPr/>
-            <p:nvPr/>
-          </p:nvSpPr>
-          <p:spPr>
-            <a:xfrm>
-              <a:off x="10624679" y="3220623"/>
-              <a:ext cx="203040" cy="203040"/>
-            </a:xfrm>
-            <a:prstGeom prst="star5">
-              <a:avLst/>
-            </a:prstGeom>
-            <a:solidFill>
-              <a:srgbClr val="FFFF00"/>
-            </a:solidFill>
-            <a:ln>
-              <a:solidFill>
-                <a:schemeClr val="tx1"/>
-              </a:solidFill>
-            </a:ln>
-          </p:spPr>
-          <p:style>
-            <a:lnRef idx="2">
-              <a:schemeClr val="accent1">
-                <a:shade val="50000"/>
-              </a:schemeClr>
-            </a:lnRef>
-            <a:fillRef idx="1">
-              <a:schemeClr val="accent1"/>
-            </a:fillRef>
-            <a:effectRef idx="0">
-              <a:schemeClr val="accent1"/>
-            </a:effectRef>
-            <a:fontRef idx="minor">
-              <a:schemeClr val="lt1"/>
-            </a:fontRef>
-          </p:style>
-          <p:txBody>
-            <a:bodyPr rtlCol="0" anchor="ctr"/>
-            <a:lstStyle/>
-            <a:p>
-              <a:pPr algn="ctr"/>
-              <a:endParaRPr lang="ko-KR" altLang="en-US"/>
-            </a:p>
-          </p:txBody>
-        </p:sp>
-      </p:grpSp>
-      <p:sp>
-        <p:nvSpPr>
-          <p:cNvPr id="96" name="타원 95">
-            <a:extLst>
-              <a:ext uri="{FF2B5EF4-FFF2-40B4-BE49-F238E27FC236}">
-                <a16:creationId xmlns:a16="http://schemas.microsoft.com/office/drawing/2014/main" xmlns="" id="{7FE78A22-2935-4C42-B992-EE85D6EBE630}"/>
-              </a:ext>
-            </a:extLst>
-          </p:cNvPr>
-          <p:cNvSpPr/>
-          <p:nvPr/>
-        </p:nvSpPr>
-        <p:spPr>
-          <a:xfrm>
-            <a:off x="10978784" y="2208052"/>
-            <a:ext cx="298113" cy="307639"/>
-          </a:xfrm>
-          <a:prstGeom prst="ellipse">
-            <a:avLst/>
-          </a:prstGeom>
-          <a:solidFill>
-            <a:schemeClr val="bg1"/>
-          </a:solidFill>
-          <a:ln>
-            <a:solidFill>
-              <a:schemeClr val="tx1"/>
-            </a:solidFill>
-          </a:ln>
-        </p:spPr>
-        <p:style>
-          <a:lnRef idx="2">
-            <a:schemeClr val="accent1">
-              <a:shade val="50000"/>
-            </a:schemeClr>
-          </a:lnRef>
-          <a:fillRef idx="1">
-            <a:schemeClr val="accent1"/>
-          </a:fillRef>
-          <a:effectRef idx="0">
-            <a:schemeClr val="accent1"/>
-          </a:effectRef>
-          <a:fontRef idx="minor">
-            <a:schemeClr val="lt1"/>
-          </a:fontRef>
-        </p:style>
-        <p:txBody>
-          <a:bodyPr rtlCol="0" anchor="ctr"/>
-          <a:lstStyle/>
-          <a:p>
-            <a:pPr algn="ctr"/>
-            <a:r>
-              <a:rPr lang="en-US" altLang="ko-KR" sz="800" dirty="0">
-                <a:solidFill>
-                  <a:schemeClr val="tx1"/>
-                </a:solidFill>
-              </a:rPr>
-              <a:t>S</a:t>
-            </a:r>
-            <a:endParaRPr lang="ko-KR" altLang="en-US" sz="800" dirty="0">
-              <a:solidFill>
-                <a:schemeClr val="tx1"/>
-              </a:solidFill>
-            </a:endParaRPr>
-          </a:p>
-        </p:txBody>
-      </p:sp>
-      <p:pic>
-        <p:nvPicPr>
           <p:cNvPr id="12" name="그림 11"/>
           <p:cNvPicPr>
             <a:picLocks noChangeAspect="1"/>
@@ -13975,7 +10717,7 @@
           <p:nvPr/>
         </p:nvPicPr>
         <p:blipFill>
-          <a:blip r:embed="rId5"/>
+          <a:blip r:embed="rId4"/>
           <a:stretch>
             <a:fillRect/>
           </a:stretch>
@@ -14010,7 +10752,7 @@
           <p:nvPr/>
         </p:nvPicPr>
         <p:blipFill>
-          <a:blip r:embed="rId6">
+          <a:blip r:embed="rId5">
             <a:extLst>
               <a:ext uri="{28A0092B-C50C-407E-A947-70E740481C1C}">
                 <a14:useLocalDpi xmlns:a14="http://schemas.microsoft.com/office/drawing/2010/main" val="0"/>
@@ -14046,7 +10788,7 @@
           <p:nvPr/>
         </p:nvPicPr>
         <p:blipFill>
-          <a:blip r:embed="rId7">
+          <a:blip r:embed="rId6">
             <a:extLst>
               <a:ext uri="{28A0092B-C50C-407E-A947-70E740481C1C}">
                 <a14:useLocalDpi xmlns:a14="http://schemas.microsoft.com/office/drawing/2010/main" val="0"/>
@@ -14082,7 +10824,7 @@
           <p:nvPr/>
         </p:nvPicPr>
         <p:blipFill>
-          <a:blip r:embed="rId8">
+          <a:blip r:embed="rId7">
             <a:extLst>
               <a:ext uri="{28A0092B-C50C-407E-A947-70E740481C1C}">
                 <a14:useLocalDpi xmlns:a14="http://schemas.microsoft.com/office/drawing/2010/main" val="0"/>
@@ -14118,7 +10860,7 @@
           <p:nvPr/>
         </p:nvPicPr>
         <p:blipFill>
-          <a:blip r:embed="rId9">
+          <a:blip r:embed="rId8">
             <a:extLst>
               <a:ext uri="{28A0092B-C50C-407E-A947-70E740481C1C}">
                 <a14:useLocalDpi xmlns:a14="http://schemas.microsoft.com/office/drawing/2010/main" val="0"/>
@@ -14154,7 +10896,7 @@
           <p:nvPr/>
         </p:nvPicPr>
         <p:blipFill>
-          <a:blip r:embed="rId7">
+          <a:blip r:embed="rId6">
             <a:extLst>
               <a:ext uri="{28A0092B-C50C-407E-A947-70E740481C1C}">
                 <a14:useLocalDpi xmlns:a14="http://schemas.microsoft.com/office/drawing/2010/main" val="0"/>
@@ -14518,7 +11260,7 @@
           <p:nvPr/>
         </p:nvPicPr>
         <p:blipFill>
-          <a:blip r:embed="rId10" cstate="print">
+          <a:blip r:embed="rId9" cstate="print">
             <a:extLst>
               <a:ext uri="{28A0092B-C50C-407E-A947-70E740481C1C}">
                 <a14:useLocalDpi xmlns:a14="http://schemas.microsoft.com/office/drawing/2010/main" val="0"/>
@@ -14539,49 +11281,6 @@
           </a:prstGeom>
         </p:spPr>
       </p:pic>
-      <p:sp>
-        <p:nvSpPr>
-          <p:cNvPr id="120" name="직사각형 119"/>
-          <p:cNvSpPr/>
-          <p:nvPr/>
-        </p:nvSpPr>
-        <p:spPr>
-          <a:xfrm>
-            <a:off x="9544050" y="2800350"/>
-            <a:ext cx="838200" cy="2514600"/>
-          </a:xfrm>
-          <a:prstGeom prst="rect">
-            <a:avLst/>
-          </a:prstGeom>
-          <a:solidFill>
-            <a:srgbClr val="FF0000"/>
-          </a:solidFill>
-        </p:spPr>
-        <p:style>
-          <a:lnRef idx="2">
-            <a:schemeClr val="accent1">
-              <a:shade val="50000"/>
-            </a:schemeClr>
-          </a:lnRef>
-          <a:fillRef idx="1">
-            <a:schemeClr val="accent1"/>
-          </a:fillRef>
-          <a:effectRef idx="0">
-            <a:schemeClr val="accent1"/>
-          </a:effectRef>
-          <a:fontRef idx="minor">
-            <a:schemeClr val="lt1"/>
-          </a:fontRef>
-        </p:style>
-        <p:txBody>
-          <a:bodyPr rtlCol="0" anchor="ctr"/>
-          <a:lstStyle/>
-          <a:p>
-            <a:pPr algn="ctr"/>
-            <a:endParaRPr lang="ko-KR" altLang="en-US"/>
-          </a:p>
-        </p:txBody>
-      </p:sp>
     </p:spTree>
     <p:extLst>
       <p:ext uri="{BB962C8B-B14F-4D97-AF65-F5344CB8AC3E}">
@@ -14612,6 +11311,35 @@
           <a:chExt cx="0" cy="0"/>
         </a:xfrm>
       </p:grpSpPr>
+      <p:pic>
+        <p:nvPicPr>
+          <p:cNvPr id="16" name="그림 15"/>
+          <p:cNvPicPr>
+            <a:picLocks noChangeAspect="1"/>
+          </p:cNvPicPr>
+          <p:nvPr/>
+        </p:nvPicPr>
+        <p:blipFill>
+          <a:blip r:embed="rId2"/>
+          <a:stretch>
+            <a:fillRect/>
+          </a:stretch>
+        </p:blipFill>
+        <p:spPr>
+          <a:xfrm>
+            <a:off x="8784899" y="1786466"/>
+            <a:ext cx="2511001" cy="4459867"/>
+          </a:xfrm>
+          <a:prstGeom prst="rect">
+            <a:avLst/>
+          </a:prstGeom>
+          <a:ln>
+            <a:solidFill>
+              <a:schemeClr val="tx1"/>
+            </a:solidFill>
+          </a:ln>
+        </p:spPr>
+      </p:pic>
       <p:sp>
         <p:nvSpPr>
           <p:cNvPr id="2" name="직사각형 1">
@@ -14716,30 +11444,6 @@
           </a:p>
         </p:txBody>
       </p:sp>
-      <p:pic>
-        <p:nvPicPr>
-          <p:cNvPr id="57" name="그림 56"/>
-          <p:cNvPicPr>
-            <a:picLocks noChangeAspect="1"/>
-          </p:cNvPicPr>
-          <p:nvPr/>
-        </p:nvPicPr>
-        <p:blipFill>
-          <a:blip r:embed="rId2"/>
-          <a:stretch>
-            <a:fillRect/>
-          </a:stretch>
-        </p:blipFill>
-        <p:spPr>
-          <a:xfrm>
-            <a:off x="8784900" y="1786466"/>
-            <a:ext cx="2511001" cy="4464001"/>
-          </a:xfrm>
-          <a:prstGeom prst="rect">
-            <a:avLst/>
-          </a:prstGeom>
-        </p:spPr>
-      </p:pic>
       <p:pic>
         <p:nvPicPr>
           <p:cNvPr id="10" name="그림 9"/>
@@ -14982,63 +11686,20 @@
       </p:pic>
       <p:sp>
         <p:nvSpPr>
-          <p:cNvPr id="13" name="직사각형 12"/>
-          <p:cNvSpPr/>
-          <p:nvPr/>
-        </p:nvSpPr>
-        <p:spPr>
-          <a:xfrm>
-            <a:off x="9544050" y="2800350"/>
-            <a:ext cx="838200" cy="2514600"/>
-          </a:xfrm>
-          <a:prstGeom prst="rect">
-            <a:avLst/>
-          </a:prstGeom>
-          <a:solidFill>
-            <a:srgbClr val="FF0000"/>
-          </a:solidFill>
-        </p:spPr>
-        <p:style>
-          <a:lnRef idx="2">
-            <a:schemeClr val="accent1">
-              <a:shade val="50000"/>
-            </a:schemeClr>
-          </a:lnRef>
-          <a:fillRef idx="1">
-            <a:schemeClr val="accent1"/>
-          </a:fillRef>
-          <a:effectRef idx="0">
-            <a:schemeClr val="accent1"/>
-          </a:effectRef>
-          <a:fontRef idx="minor">
-            <a:schemeClr val="lt1"/>
-          </a:fontRef>
-        </p:style>
-        <p:txBody>
-          <a:bodyPr rtlCol="0" anchor="ctr"/>
-          <a:lstStyle/>
-          <a:p>
-            <a:pPr algn="ctr"/>
-            <a:endParaRPr lang="ko-KR" altLang="en-US"/>
-          </a:p>
-        </p:txBody>
-      </p:sp>
-      <p:sp>
-        <p:nvSpPr>
           <p:cNvPr id="14" name="직사각형 13"/>
           <p:cNvSpPr/>
           <p:nvPr/>
         </p:nvSpPr>
         <p:spPr>
           <a:xfrm>
-            <a:off x="2715639" y="2129356"/>
-            <a:ext cx="5802511" cy="2873828"/>
+            <a:off x="2637988" y="1775846"/>
+            <a:ext cx="5802511" cy="1706881"/>
           </a:xfrm>
           <a:prstGeom prst="rect">
             <a:avLst/>
           </a:prstGeom>
           <a:solidFill>
-            <a:srgbClr val="FF0000"/>
+            <a:schemeClr val="bg1"/>
           </a:solidFill>
           <a:ln>
             <a:solidFill>
@@ -15068,12 +11729,20 @@
           <a:p>
             <a:pPr latinLnBrk="0"/>
             <a:r>
+              <a:rPr lang="en-US" altLang="ko-KR" sz="2000" dirty="0" smtClean="0">
+                <a:solidFill>
+                  <a:schemeClr val="tx1"/>
+                </a:solidFill>
+              </a:rPr>
+              <a:t>$(".</a:t>
+            </a:r>
+            <a:r>
               <a:rPr lang="en-US" altLang="ko-KR" sz="2000" dirty="0">
                 <a:solidFill>
                   <a:schemeClr val="tx1"/>
                 </a:solidFill>
               </a:rPr>
-              <a:t>&lt;</a:t>
+              <a:t>star").on('</a:t>
             </a:r>
             <a:r>
               <a:rPr lang="en-US" altLang="ko-KR" sz="2000" dirty="0" err="1">
@@ -15081,23 +11750,77 @@
                   <a:schemeClr val="tx1"/>
                 </a:solidFill>
               </a:rPr>
-              <a:t>ScrollView</a:t>
-            </a:r>
-            <a:endParaRPr lang="en-US" altLang="ko-KR" sz="2000" dirty="0">
-              <a:solidFill>
-                <a:schemeClr val="tx1"/>
-              </a:solidFill>
-            </a:endParaRPr>
+              <a:t>click',function</a:t>
+            </a:r>
+            <a:r>
+              <a:rPr lang="en-US" altLang="ko-KR" sz="2000" dirty="0" smtClean="0">
+                <a:solidFill>
+                  <a:schemeClr val="tx1"/>
+                </a:solidFill>
+              </a:rPr>
+              <a:t>(){</a:t>
+            </a:r>
           </a:p>
           <a:p>
             <a:pPr latinLnBrk="0"/>
+            <a:r>
+              <a:rPr lang="en-US" altLang="ko-KR" sz="2000" dirty="0" smtClean="0">
+                <a:solidFill>
+                  <a:schemeClr val="tx1"/>
+                </a:solidFill>
+              </a:rPr>
+              <a:t>     </a:t>
+            </a:r>
+            <a:r>
+              <a:rPr lang="en-US" altLang="ko-KR" sz="2000" dirty="0" err="1" smtClean="0">
+                <a:solidFill>
+                  <a:schemeClr val="tx1"/>
+                </a:solidFill>
+              </a:rPr>
+              <a:t>var</a:t>
+            </a:r>
+            <a:r>
+              <a:rPr lang="en-US" altLang="ko-KR" sz="2000" dirty="0" smtClean="0">
+                <a:solidFill>
+                  <a:schemeClr val="tx1"/>
+                </a:solidFill>
+              </a:rPr>
+              <a:t> </a:t>
+            </a:r>
+            <a:r>
+              <a:rPr lang="en-US" altLang="ko-KR" sz="2000" dirty="0" err="1">
+                <a:solidFill>
+                  <a:schemeClr val="tx1"/>
+                </a:solidFill>
+              </a:rPr>
+              <a:t>idx</a:t>
+            </a:r>
             <a:r>
               <a:rPr lang="en-US" altLang="ko-KR" sz="2000" dirty="0">
                 <a:solidFill>
                   <a:schemeClr val="tx1"/>
                 </a:solidFill>
               </a:rPr>
-              <a:t>        </a:t>
+              <a:t> = $(this).index();</a:t>
+            </a:r>
+          </a:p>
+          <a:p>
+            <a:pPr latinLnBrk="0"/>
+            <a:r>
+              <a:rPr lang="en-US" altLang="ko-KR" sz="2000" dirty="0" smtClean="0">
+                <a:solidFill>
+                  <a:schemeClr val="tx1"/>
+                </a:solidFill>
+              </a:rPr>
+              <a:t>     $(".</a:t>
+            </a:r>
+            <a:r>
+              <a:rPr lang="en-US" altLang="ko-KR" sz="2000" dirty="0">
+                <a:solidFill>
+                  <a:schemeClr val="tx1"/>
+                </a:solidFill>
+              </a:rPr>
+              <a:t>star").</a:t>
             </a:r>
             <a:r>
               <a:rPr lang="en-US" altLang="ko-KR" sz="2000" dirty="0" err="1">
@@ -15105,7 +11828,7 @@
                   <a:schemeClr val="tx1"/>
                 </a:solidFill>
               </a:rPr>
-              <a:t>android:layout_width</a:t>
+              <a:t>removeClass</a:t>
             </a:r>
             <a:r>
               <a:rPr lang="en-US" altLang="ko-KR" sz="2000" dirty="0">
@@ -15113,7 +11836,42 @@
                   <a:schemeClr val="tx1"/>
                 </a:solidFill>
               </a:rPr>
-              <a:t>="</a:t>
+              <a:t>("on</a:t>
+            </a:r>
+            <a:r>
+              <a:rPr lang="en-US" altLang="ko-KR" sz="2000" dirty="0" smtClean="0">
+                <a:solidFill>
+                  <a:schemeClr val="tx1"/>
+                </a:solidFill>
+              </a:rPr>
+              <a:t>");</a:t>
+            </a:r>
+          </a:p>
+          <a:p>
+            <a:pPr latinLnBrk="0"/>
+            <a:r>
+              <a:rPr lang="en-US" altLang="ko-KR" sz="2000" dirty="0" smtClean="0">
+                <a:solidFill>
+                  <a:schemeClr val="tx1"/>
+                </a:solidFill>
+              </a:rPr>
+              <a:t>     for(</a:t>
+            </a:r>
+            <a:r>
+              <a:rPr lang="en-US" altLang="ko-KR" sz="2000" dirty="0" err="1" smtClean="0">
+                <a:solidFill>
+                  <a:schemeClr val="tx1"/>
+                </a:solidFill>
+              </a:rPr>
+              <a:t>var</a:t>
+            </a:r>
+            <a:r>
+              <a:rPr lang="en-US" altLang="ko-KR" sz="2000" dirty="0" smtClean="0">
+                <a:solidFill>
+                  <a:schemeClr val="tx1"/>
+                </a:solidFill>
+              </a:rPr>
+              <a:t> </a:t>
             </a:r>
             <a:r>
               <a:rPr lang="en-US" altLang="ko-KR" sz="2000" dirty="0" err="1">
@@ -15121,7 +11879,7 @@
                   <a:schemeClr val="tx1"/>
                 </a:solidFill>
               </a:rPr>
-              <a:t>match_parent</a:t>
+              <a:t>i</a:t>
             </a:r>
             <a:r>
               <a:rPr lang="en-US" altLang="ko-KR" sz="2000" dirty="0">
@@ -15129,18 +11887,23 @@
                   <a:schemeClr val="tx1"/>
                 </a:solidFill>
               </a:rPr>
-              <a:t>"</a:t>
-            </a:r>
-          </a:p>
-          <a:p>
-            <a:pPr latinLnBrk="0"/>
+              <a:t>=0; </a:t>
+            </a:r>
+            <a:r>
+              <a:rPr lang="en-US" altLang="ko-KR" sz="2000" dirty="0" err="1">
+                <a:solidFill>
+                  <a:schemeClr val="tx1"/>
+                </a:solidFill>
+              </a:rPr>
+              <a:t>i</a:t>
+            </a:r>
             <a:r>
               <a:rPr lang="en-US" altLang="ko-KR" sz="2000" dirty="0">
                 <a:solidFill>
                   <a:schemeClr val="tx1"/>
                 </a:solidFill>
               </a:rPr>
-              <a:t>        </a:t>
+              <a:t>&lt;=</a:t>
             </a:r>
             <a:r>
               <a:rPr lang="en-US" altLang="ko-KR" sz="2000" dirty="0" err="1">
@@ -15148,7 +11911,7 @@
                   <a:schemeClr val="tx1"/>
                 </a:solidFill>
               </a:rPr>
-              <a:t>android:layout_height</a:t>
+              <a:t>idx</a:t>
             </a:r>
             <a:r>
               <a:rPr lang="en-US" altLang="ko-KR" sz="2000" dirty="0">
@@ -15156,7 +11919,7 @@
                   <a:schemeClr val="tx1"/>
                 </a:solidFill>
               </a:rPr>
-              <a:t>="</a:t>
+              <a:t>; </a:t>
             </a:r>
             <a:r>
               <a:rPr lang="en-US" altLang="ko-KR" sz="2000" dirty="0" err="1">
@@ -15164,7 +11927,15 @@
                   <a:schemeClr val="tx1"/>
                 </a:solidFill>
               </a:rPr>
-              <a:t>match_parent</a:t>
+              <a:t>i</a:t>
+            </a:r>
+            <a:r>
+              <a:rPr lang="en-US" altLang="ko-KR" sz="2000" dirty="0" smtClean="0">
+                <a:solidFill>
+                  <a:schemeClr val="tx1"/>
+                </a:solidFill>
+              </a:rPr>
+              <a:t>++){</a:t>
             </a:r>
             <a:r>
               <a:rPr lang="en-US" altLang="ko-KR" sz="2000" dirty="0">
@@ -15172,152 +11943,15 @@
                   <a:schemeClr val="tx1"/>
                 </a:solidFill>
               </a:rPr>
-              <a:t>"&gt;</a:t>
-            </a:r>
-          </a:p>
-          <a:p>
-            <a:pPr latinLnBrk="0"/>
+              <a:t>	        </a:t>
+            </a:r>
             <a:r>
               <a:rPr lang="en-US" altLang="ko-KR" sz="2000" dirty="0" smtClean="0">
                 <a:solidFill>
                   <a:schemeClr val="tx1"/>
                 </a:solidFill>
               </a:rPr>
-              <a:t>    &lt;</a:t>
-            </a:r>
-            <a:r>
-              <a:rPr lang="en-US" altLang="ko-KR" sz="2000" dirty="0" err="1">
-                <a:solidFill>
-                  <a:schemeClr val="tx1"/>
-                </a:solidFill>
-              </a:rPr>
-              <a:t>LinearLayout</a:t>
-            </a:r>
-            <a:endParaRPr lang="en-US" altLang="ko-KR" sz="2000" dirty="0">
-              <a:solidFill>
-                <a:schemeClr val="tx1"/>
-              </a:solidFill>
-            </a:endParaRPr>
-          </a:p>
-          <a:p>
-            <a:pPr latinLnBrk="0"/>
-            <a:r>
-              <a:rPr lang="en-US" altLang="ko-KR" sz="2000" dirty="0">
-                <a:solidFill>
-                  <a:schemeClr val="tx1"/>
-                </a:solidFill>
-              </a:rPr>
-              <a:t>            </a:t>
-            </a:r>
-            <a:r>
-              <a:rPr lang="en-US" altLang="ko-KR" sz="2000" dirty="0" err="1">
-                <a:solidFill>
-                  <a:schemeClr val="tx1"/>
-                </a:solidFill>
-              </a:rPr>
-              <a:t>android:layout_width</a:t>
-            </a:r>
-            <a:r>
-              <a:rPr lang="en-US" altLang="ko-KR" sz="2000" dirty="0">
-                <a:solidFill>
-                  <a:schemeClr val="tx1"/>
-                </a:solidFill>
-              </a:rPr>
-              <a:t>="</a:t>
-            </a:r>
-            <a:r>
-              <a:rPr lang="en-US" altLang="ko-KR" sz="2000" dirty="0" err="1">
-                <a:solidFill>
-                  <a:schemeClr val="tx1"/>
-                </a:solidFill>
-              </a:rPr>
-              <a:t>match_parent</a:t>
-            </a:r>
-            <a:r>
-              <a:rPr lang="en-US" altLang="ko-KR" sz="2000" dirty="0">
-                <a:solidFill>
-                  <a:schemeClr val="tx1"/>
-                </a:solidFill>
-              </a:rPr>
-              <a:t>"</a:t>
-            </a:r>
-          </a:p>
-          <a:p>
-            <a:pPr latinLnBrk="0"/>
-            <a:r>
-              <a:rPr lang="en-US" altLang="ko-KR" sz="2000" dirty="0">
-                <a:solidFill>
-                  <a:schemeClr val="tx1"/>
-                </a:solidFill>
-              </a:rPr>
-              <a:t>            </a:t>
-            </a:r>
-            <a:r>
-              <a:rPr lang="en-US" altLang="ko-KR" sz="2000" dirty="0" err="1">
-                <a:solidFill>
-                  <a:schemeClr val="tx1"/>
-                </a:solidFill>
-              </a:rPr>
-              <a:t>android:layout_height</a:t>
-            </a:r>
-            <a:r>
-              <a:rPr lang="en-US" altLang="ko-KR" sz="2000" dirty="0">
-                <a:solidFill>
-                  <a:schemeClr val="tx1"/>
-                </a:solidFill>
-              </a:rPr>
-              <a:t>="</a:t>
-            </a:r>
-            <a:r>
-              <a:rPr lang="en-US" altLang="ko-KR" sz="2000" dirty="0" err="1">
-                <a:solidFill>
-                  <a:schemeClr val="tx1"/>
-                </a:solidFill>
-              </a:rPr>
-              <a:t>wrap_content</a:t>
-            </a:r>
-            <a:r>
-              <a:rPr lang="en-US" altLang="ko-KR" sz="2000" dirty="0">
-                <a:solidFill>
-                  <a:schemeClr val="tx1"/>
-                </a:solidFill>
-              </a:rPr>
-              <a:t>"</a:t>
-            </a:r>
-          </a:p>
-          <a:p>
-            <a:pPr latinLnBrk="0"/>
-            <a:r>
-              <a:rPr lang="en-US" altLang="ko-KR" sz="2000" dirty="0">
-                <a:solidFill>
-                  <a:schemeClr val="tx1"/>
-                </a:solidFill>
-              </a:rPr>
-              <a:t>            </a:t>
-            </a:r>
-            <a:r>
-              <a:rPr lang="en-US" altLang="ko-KR" sz="2000" dirty="0" err="1">
-                <a:solidFill>
-                  <a:schemeClr val="tx1"/>
-                </a:solidFill>
-              </a:rPr>
-              <a:t>android:orientation</a:t>
-            </a:r>
-            <a:r>
-              <a:rPr lang="en-US" altLang="ko-KR" sz="2000" dirty="0">
-                <a:solidFill>
-                  <a:schemeClr val="tx1"/>
-                </a:solidFill>
-              </a:rPr>
-              <a:t>="vertical" </a:t>
-            </a:r>
-            <a:r>
-              <a:rPr lang="en-US" altLang="ko-KR" sz="2000" dirty="0" smtClean="0">
-                <a:solidFill>
-                  <a:schemeClr val="tx1"/>
-                </a:solidFill>
-              </a:rPr>
-              <a:t>&gt;</a:t>
+              <a:t>   </a:t>
             </a:r>
           </a:p>
           <a:p>
@@ -15336,15 +11970,63 @@
                   <a:schemeClr val="tx1"/>
                 </a:solidFill>
               </a:rPr>
-              <a:t>   &lt;/</a:t>
-            </a:r>
-            <a:r>
-              <a:rPr lang="en-US" altLang="ko-KR" sz="2000" dirty="0" err="1" smtClean="0">
+              <a:t>          $(".</a:t>
+            </a:r>
+            <a:r>
+              <a:rPr lang="en-US" altLang="ko-KR" sz="2000" dirty="0">
                 <a:solidFill>
                   <a:schemeClr val="tx1"/>
                 </a:solidFill>
               </a:rPr>
-              <a:t>LinearLayout</a:t>
+              <a:t>star").</a:t>
+            </a:r>
+            <a:r>
+              <a:rPr lang="en-US" altLang="ko-KR" sz="2000" dirty="0" err="1">
+                <a:solidFill>
+                  <a:schemeClr val="tx1"/>
+                </a:solidFill>
+              </a:rPr>
+              <a:t>eq</a:t>
+            </a:r>
+            <a:r>
+              <a:rPr lang="en-US" altLang="ko-KR" sz="2000" dirty="0">
+                <a:solidFill>
+                  <a:schemeClr val="tx1"/>
+                </a:solidFill>
+              </a:rPr>
+              <a:t>(</a:t>
+            </a:r>
+            <a:r>
+              <a:rPr lang="en-US" altLang="ko-KR" sz="2000" dirty="0" err="1">
+                <a:solidFill>
+                  <a:schemeClr val="tx1"/>
+                </a:solidFill>
+              </a:rPr>
+              <a:t>i</a:t>
+            </a:r>
+            <a:r>
+              <a:rPr lang="en-US" altLang="ko-KR" sz="2000" dirty="0">
+                <a:solidFill>
+                  <a:schemeClr val="tx1"/>
+                </a:solidFill>
+              </a:rPr>
+              <a:t>).</a:t>
+            </a:r>
+            <a:r>
+              <a:rPr lang="en-US" altLang="ko-KR" sz="2000" dirty="0" err="1">
+                <a:solidFill>
+                  <a:schemeClr val="tx1"/>
+                </a:solidFill>
+              </a:rPr>
+              <a:t>addClass</a:t>
+            </a:r>
+            <a:r>
+              <a:rPr lang="en-US" altLang="ko-KR" sz="2000" dirty="0">
+                <a:solidFill>
+                  <a:schemeClr val="tx1"/>
+                </a:solidFill>
+              </a:rPr>
+              <a:t>("on</a:t>
             </a:r>
             <a:r>
               <a:rPr lang="en-US" altLang="ko-KR" sz="2000" dirty="0" smtClean="0">
@@ -15352,34 +12034,7 @@
                   <a:schemeClr val="tx1"/>
                 </a:solidFill>
               </a:rPr>
-              <a:t>&gt;</a:t>
-            </a:r>
-          </a:p>
-          <a:p>
-            <a:pPr latinLnBrk="0"/>
-            <a:r>
-              <a:rPr lang="en-US" altLang="ko-KR" sz="2000" dirty="0" smtClean="0">
-                <a:solidFill>
-                  <a:schemeClr val="tx1"/>
-                </a:solidFill>
-              </a:rPr>
-              <a:t>&lt;/</a:t>
-            </a:r>
-            <a:r>
-              <a:rPr lang="en-US" altLang="ko-KR" sz="2000" dirty="0" err="1" smtClean="0">
-                <a:solidFill>
-                  <a:schemeClr val="tx1"/>
-                </a:solidFill>
-              </a:rPr>
-              <a:t>ScrollView</a:t>
-            </a:r>
-            <a:r>
-              <a:rPr lang="en-US" altLang="ko-KR" sz="2000" dirty="0" smtClean="0">
-                <a:solidFill>
-                  <a:schemeClr val="tx1"/>
-                </a:solidFill>
-              </a:rPr>
-              <a:t>&gt;</a:t>
+              <a:t>");}});</a:t>
             </a:r>
             <a:endParaRPr lang="en-US" altLang="ko-KR" sz="2000" dirty="0">
               <a:solidFill>
@@ -15403,14 +12058,14 @@
         </p:nvSpPr>
         <p:spPr>
           <a:xfrm>
-            <a:off x="2715639" y="5152700"/>
-            <a:ext cx="6455655" cy="867468"/>
+            <a:off x="2715639" y="5506850"/>
+            <a:ext cx="6455655" cy="513318"/>
           </a:xfrm>
           <a:prstGeom prst="roundRect">
             <a:avLst/>
           </a:prstGeom>
           <a:solidFill>
-            <a:srgbClr val="FF0000"/>
+            <a:srgbClr val="F2F2F2"/>
           </a:solidFill>
           <a:ln>
             <a:solidFill>
@@ -15445,7 +12100,7 @@
                   <a:schemeClr val="tx1"/>
                 </a:solidFill>
               </a:rPr>
-              <a:t>ScrollView</a:t>
+              <a:t>jQuery</a:t>
             </a:r>
             <a:r>
               <a:rPr lang="ko-KR" altLang="en-US" sz="2000" dirty="0" smtClean="0">
@@ -15453,7 +12108,39 @@
                   <a:schemeClr val="tx1"/>
                 </a:solidFill>
               </a:rPr>
-              <a:t>를 이용하여 화면을 넘어가는 레이아웃도 스크롤로 볼 수 있다</a:t>
+              <a:t>를 이용하여 </a:t>
+            </a:r>
+            <a:r>
+              <a:rPr lang="ko-KR" altLang="en-US" sz="2000" dirty="0" err="1" smtClean="0">
+                <a:solidFill>
+                  <a:schemeClr val="tx1"/>
+                </a:solidFill>
+              </a:rPr>
+              <a:t>클릭시</a:t>
+            </a:r>
+            <a:r>
+              <a:rPr lang="ko-KR" altLang="en-US" sz="2000" dirty="0" smtClean="0">
+                <a:solidFill>
+                  <a:schemeClr val="tx1"/>
+                </a:solidFill>
+              </a:rPr>
+              <a:t> </a:t>
+            </a:r>
+            <a:r>
+              <a:rPr lang="ko-KR" altLang="en-US" sz="2000" dirty="0" err="1" smtClean="0">
+                <a:solidFill>
+                  <a:schemeClr val="tx1"/>
+                </a:solidFill>
+              </a:rPr>
+              <a:t>별점이</a:t>
+            </a:r>
+            <a:r>
+              <a:rPr lang="ko-KR" altLang="en-US" sz="2000" dirty="0" smtClean="0">
+                <a:solidFill>
+                  <a:schemeClr val="tx1"/>
+                </a:solidFill>
+              </a:rPr>
+              <a:t> 변화한다</a:t>
             </a:r>
             <a:r>
               <a:rPr lang="en-US" altLang="ko-KR" sz="2000" dirty="0" smtClean="0">
@@ -15471,6 +12158,45 @@
           </a:p>
         </p:txBody>
       </p:sp>
+      <p:cxnSp>
+        <p:nvCxnSpPr>
+          <p:cNvPr id="13" name="직선 화살표 연결선 12"/>
+          <p:cNvCxnSpPr>
+            <a:cxnSpLocks/>
+            <a:stCxn id="14" idx="2"/>
+          </p:cNvCxnSpPr>
+          <p:nvPr/>
+        </p:nvCxnSpPr>
+        <p:spPr>
+          <a:xfrm flipH="1">
+            <a:off x="5010912" y="3482727"/>
+            <a:ext cx="528332" cy="321177"/>
+          </a:xfrm>
+          <a:prstGeom prst="straightConnector1">
+            <a:avLst/>
+          </a:prstGeom>
+          <a:ln w="12700">
+            <a:solidFill>
+              <a:srgbClr val="FF0000"/>
+            </a:solidFill>
+            <a:tailEnd type="triangle"/>
+          </a:ln>
+        </p:spPr>
+        <p:style>
+          <a:lnRef idx="1">
+            <a:schemeClr val="accent1"/>
+          </a:lnRef>
+          <a:fillRef idx="0">
+            <a:schemeClr val="accent1"/>
+          </a:fillRef>
+          <a:effectRef idx="0">
+            <a:schemeClr val="accent1"/>
+          </a:effectRef>
+          <a:fontRef idx="minor">
+            <a:schemeClr val="tx1"/>
+          </a:fontRef>
+        </p:style>
+      </p:cxnSp>
     </p:spTree>
     <p:extLst>
       <p:ext uri="{BB962C8B-B14F-4D97-AF65-F5344CB8AC3E}">
@@ -15607,30 +12333,6 @@
       </p:sp>
       <p:pic>
         <p:nvPicPr>
-          <p:cNvPr id="57" name="그림 56"/>
-          <p:cNvPicPr>
-            <a:picLocks noChangeAspect="1"/>
-          </p:cNvPicPr>
-          <p:nvPr/>
-        </p:nvPicPr>
-        <p:blipFill>
-          <a:blip r:embed="rId2"/>
-          <a:stretch>
-            <a:fillRect/>
-          </a:stretch>
-        </p:blipFill>
-        <p:spPr>
-          <a:xfrm>
-            <a:off x="8784900" y="1786466"/>
-            <a:ext cx="2511001" cy="4464001"/>
-          </a:xfrm>
-          <a:prstGeom prst="rect">
-            <a:avLst/>
-          </a:prstGeom>
-        </p:spPr>
-      </p:pic>
-      <p:pic>
-        <p:nvPicPr>
           <p:cNvPr id="77" name="그림 76">
             <a:extLst>
               <a:ext uri="{FF2B5EF4-FFF2-40B4-BE49-F238E27FC236}">
@@ -15644,7 +12346,7 @@
           <p:nvPr/>
         </p:nvPicPr>
         <p:blipFill>
-          <a:blip r:embed="rId3" cstate="print">
+          <a:blip r:embed="rId2" cstate="print">
             <a:extLst>
               <a:ext uri="{28A0092B-C50C-407E-A947-70E740481C1C}">
                 <a14:useLocalDpi xmlns:a14="http://schemas.microsoft.com/office/drawing/2010/main" val="0"/>
@@ -15793,7 +12495,7 @@
           <p:nvPr/>
         </p:nvPicPr>
         <p:blipFill>
-          <a:blip r:embed="rId4"/>
+          <a:blip r:embed="rId3"/>
           <a:stretch>
             <a:fillRect/>
           </a:stretch>
@@ -15851,49 +12553,30 @@
           </a:p>
         </p:txBody>
       </p:sp>
-      <p:sp>
-        <p:nvSpPr>
-          <p:cNvPr id="12" name="직사각형 11"/>
-          <p:cNvSpPr/>
+      <p:pic>
+        <p:nvPicPr>
+          <p:cNvPr id="15" name="그림 14"/>
+          <p:cNvPicPr>
+            <a:picLocks noChangeAspect="1"/>
+          </p:cNvPicPr>
           <p:nvPr/>
-        </p:nvSpPr>
+        </p:nvPicPr>
+        <p:blipFill>
+          <a:blip r:embed="rId4"/>
+          <a:stretch>
+            <a:fillRect/>
+          </a:stretch>
+        </p:blipFill>
         <p:spPr>
           <a:xfrm>
-            <a:off x="9544050" y="2800350"/>
-            <a:ext cx="838200" cy="2514600"/>
+            <a:off x="8784898" y="1786466"/>
+            <a:ext cx="2511001" cy="4459867"/>
           </a:xfrm>
           <a:prstGeom prst="rect">
             <a:avLst/>
           </a:prstGeom>
-          <a:solidFill>
-            <a:srgbClr val="FF0000"/>
-          </a:solidFill>
         </p:spPr>
-        <p:style>
-          <a:lnRef idx="2">
-            <a:schemeClr val="accent1">
-              <a:shade val="50000"/>
-            </a:schemeClr>
-          </a:lnRef>
-          <a:fillRef idx="1">
-            <a:schemeClr val="accent1"/>
-          </a:fillRef>
-          <a:effectRef idx="0">
-            <a:schemeClr val="accent1"/>
-          </a:effectRef>
-          <a:fontRef idx="minor">
-            <a:schemeClr val="lt1"/>
-          </a:fontRef>
-        </p:style>
-        <p:txBody>
-          <a:bodyPr rtlCol="0" anchor="ctr"/>
-          <a:lstStyle/>
-          <a:p>
-            <a:pPr algn="ctr"/>
-            <a:endParaRPr lang="ko-KR" altLang="en-US"/>
-          </a:p>
-        </p:txBody>
-      </p:sp>
+      </p:pic>
     </p:spTree>
     <p:extLst>
       <p:ext uri="{BB962C8B-B14F-4D97-AF65-F5344CB8AC3E}">
@@ -16030,7 +12713,7 @@
       </p:sp>
       <p:pic>
         <p:nvPicPr>
-          <p:cNvPr id="57" name="그림 56"/>
+          <p:cNvPr id="10" name="그림 9"/>
           <p:cNvPicPr>
             <a:picLocks noChangeAspect="1"/>
           </p:cNvPicPr>
@@ -16044,14 +12727,401 @@
         </p:blipFill>
         <p:spPr>
           <a:xfrm>
-            <a:off x="8784900" y="1786466"/>
-            <a:ext cx="2511001" cy="4464001"/>
+            <a:off x="896100" y="1786467"/>
+            <a:ext cx="7200000" cy="4459866"/>
+          </a:xfrm>
+          <a:prstGeom prst="rect">
+            <a:avLst/>
+          </a:prstGeom>
+          <a:ln>
+            <a:solidFill>
+              <a:schemeClr val="tx1"/>
+            </a:solidFill>
+          </a:ln>
+        </p:spPr>
+      </p:pic>
+      <p:sp>
+        <p:nvSpPr>
+          <p:cNvPr id="11" name="TextBox 10"/>
+          <p:cNvSpPr txBox="1"/>
+          <p:nvPr/>
+        </p:nvSpPr>
+        <p:spPr>
+          <a:xfrm>
+            <a:off x="896102" y="1134534"/>
+            <a:ext cx="2395207" cy="369332"/>
+          </a:xfrm>
+          <a:prstGeom prst="rect">
+            <a:avLst/>
+          </a:prstGeom>
+          <a:noFill/>
+        </p:spPr>
+        <p:txBody>
+          <a:bodyPr wrap="none" rtlCol="0">
+            <a:spAutoFit/>
+          </a:bodyPr>
+          <a:lstStyle/>
+          <a:p>
+            <a:r>
+              <a:rPr lang="ko-KR" altLang="en-US" dirty="0"/>
+              <a:t>이용현황 </a:t>
+            </a:r>
+            <a:r>
+              <a:rPr lang="en-US" altLang="ko-KR" dirty="0"/>
+              <a:t>– </a:t>
+            </a:r>
+            <a:r>
+              <a:rPr lang="ko-KR" altLang="en-US" dirty="0" smtClean="0"/>
+              <a:t>채팅 기능</a:t>
+            </a:r>
+            <a:endParaRPr lang="ko-KR" altLang="en-US" dirty="0"/>
+          </a:p>
+        </p:txBody>
+      </p:sp>
+      <p:sp>
+        <p:nvSpPr>
+          <p:cNvPr id="9" name="TextBox 8">
+            <a:extLst>
+              <a:ext uri="{FF2B5EF4-FFF2-40B4-BE49-F238E27FC236}">
+                <a16:creationId xmlns="" xmlns:a16="http://schemas.microsoft.com/office/drawing/2014/main" id="{D12B0B12-AB99-4F88-B4B2-948DADC833EA}"/>
+              </a:ext>
+            </a:extLst>
+          </p:cNvPr>
+          <p:cNvSpPr txBox="1"/>
+          <p:nvPr/>
+        </p:nvSpPr>
+        <p:spPr>
+          <a:xfrm>
+            <a:off x="844736" y="93113"/>
+            <a:ext cx="1018227" cy="769441"/>
+          </a:xfrm>
+          <a:prstGeom prst="rect">
+            <a:avLst/>
+          </a:prstGeom>
+          <a:noFill/>
+        </p:spPr>
+        <p:txBody>
+          <a:bodyPr wrap="none" rtlCol="0">
+            <a:spAutoFit/>
+          </a:bodyPr>
+          <a:lstStyle/>
+          <a:p>
+            <a:r>
+              <a:rPr kumimoji="1" lang="en-US" altLang="ja-JP" sz="4400" b="1" spc="-150" dirty="0">
+                <a:solidFill>
+                  <a:srgbClr val="FFCD2F"/>
+                </a:solidFill>
+                <a:effectLst>
+                  <a:outerShdw blurRad="38100" dist="38100" dir="2700000" algn="tl">
+                    <a:srgbClr val="000000">
+                      <a:alpha val="43137"/>
+                    </a:srgbClr>
+                  </a:outerShdw>
+                </a:effectLst>
+                <a:latin typeface="Calibri" panose="020F0502020204030204" pitchFamily="34" charset="0"/>
+                <a:cs typeface="Calibri" panose="020F0502020204030204" pitchFamily="34" charset="0"/>
+              </a:rPr>
+              <a:t>S</a:t>
+            </a:r>
+            <a:r>
+              <a:rPr kumimoji="1" lang="en-US" altLang="ja-JP" sz="4400" b="1" spc="-150" dirty="0">
+                <a:solidFill>
+                  <a:schemeClr val="accent1">
+                    <a:lumMod val="75000"/>
+                  </a:schemeClr>
+                </a:solidFill>
+                <a:effectLst>
+                  <a:outerShdw blurRad="38100" dist="38100" dir="2700000" algn="tl">
+                    <a:srgbClr val="000000">
+                      <a:alpha val="43137"/>
+                    </a:srgbClr>
+                  </a:outerShdw>
+                </a:effectLst>
+                <a:latin typeface="Calibri" panose="020F0502020204030204" pitchFamily="34" charset="0"/>
+                <a:cs typeface="Calibri" panose="020F0502020204030204" pitchFamily="34" charset="0"/>
+              </a:rPr>
+              <a:t>QL</a:t>
+            </a:r>
+            <a:endParaRPr kumimoji="1" lang="ja-JP" altLang="en-US" sz="4400" b="1" spc="-150" dirty="0">
+              <a:solidFill>
+                <a:schemeClr val="accent1">
+                  <a:lumMod val="75000"/>
+                </a:schemeClr>
+              </a:solidFill>
+              <a:effectLst>
+                <a:outerShdw blurRad="38100" dist="38100" dir="2700000" algn="tl">
+                  <a:srgbClr val="000000">
+                    <a:alpha val="43137"/>
+                  </a:srgbClr>
+                </a:outerShdw>
+              </a:effectLst>
+              <a:latin typeface="Calibri" panose="020F0502020204030204" pitchFamily="34" charset="0"/>
+              <a:cs typeface="Calibri" panose="020F0502020204030204" pitchFamily="34" charset="0"/>
+            </a:endParaRPr>
+          </a:p>
+        </p:txBody>
+      </p:sp>
+      <p:pic>
+        <p:nvPicPr>
+          <p:cNvPr id="12" name="그림 11">
+            <a:extLst>
+              <a:ext uri="{FF2B5EF4-FFF2-40B4-BE49-F238E27FC236}">
+                <a16:creationId xmlns="" xmlns:a16="http://schemas.microsoft.com/office/drawing/2014/main" id="{0F0992E8-2696-42E6-805A-0C12780D8FA1}"/>
+              </a:ext>
+            </a:extLst>
+          </p:cNvPr>
+          <p:cNvPicPr>
+            <a:picLocks noChangeAspect="1"/>
+          </p:cNvPicPr>
+          <p:nvPr/>
+        </p:nvPicPr>
+        <p:blipFill>
+          <a:blip r:embed="rId3" cstate="print">
+            <a:extLst>
+              <a:ext uri="{28A0092B-C50C-407E-A947-70E740481C1C}">
+                <a14:useLocalDpi xmlns:a14="http://schemas.microsoft.com/office/drawing/2010/main" val="0"/>
+              </a:ext>
+            </a:extLst>
+          </a:blip>
+          <a:stretch>
+            <a:fillRect/>
+          </a:stretch>
+        </p:blipFill>
+        <p:spPr>
+          <a:xfrm>
+            <a:off x="124734" y="117832"/>
+            <a:ext cx="720000" cy="720000"/>
           </a:xfrm>
           <a:prstGeom prst="rect">
             <a:avLst/>
           </a:prstGeom>
         </p:spPr>
       </p:pic>
+      <p:sp>
+        <p:nvSpPr>
+          <p:cNvPr id="3" name="직사각형 2"/>
+          <p:cNvSpPr/>
+          <p:nvPr/>
+        </p:nvSpPr>
+        <p:spPr>
+          <a:xfrm>
+            <a:off x="2743200" y="2612571"/>
+            <a:ext cx="6800850" cy="798286"/>
+          </a:xfrm>
+          <a:prstGeom prst="rect">
+            <a:avLst/>
+          </a:prstGeom>
+          <a:solidFill>
+            <a:srgbClr val="FF0000"/>
+          </a:solidFill>
+        </p:spPr>
+        <p:style>
+          <a:lnRef idx="2">
+            <a:schemeClr val="accent1">
+              <a:shade val="50000"/>
+            </a:schemeClr>
+          </a:lnRef>
+          <a:fillRef idx="1">
+            <a:schemeClr val="accent1"/>
+          </a:fillRef>
+          <a:effectRef idx="0">
+            <a:schemeClr val="accent1"/>
+          </a:effectRef>
+          <a:fontRef idx="minor">
+            <a:schemeClr val="lt1"/>
+          </a:fontRef>
+        </p:style>
+        <p:txBody>
+          <a:bodyPr rtlCol="0" anchor="ctr"/>
+          <a:lstStyle/>
+          <a:p>
+            <a:pPr algn="ctr"/>
+            <a:endParaRPr lang="ko-KR" altLang="en-US"/>
+          </a:p>
+        </p:txBody>
+      </p:sp>
+      <p:pic>
+        <p:nvPicPr>
+          <p:cNvPr id="14" name="그림 13"/>
+          <p:cNvPicPr>
+            <a:picLocks noChangeAspect="1"/>
+          </p:cNvPicPr>
+          <p:nvPr/>
+        </p:nvPicPr>
+        <p:blipFill>
+          <a:blip r:embed="rId4"/>
+          <a:stretch>
+            <a:fillRect/>
+          </a:stretch>
+        </p:blipFill>
+        <p:spPr>
+          <a:xfrm>
+            <a:off x="8784898" y="1786466"/>
+            <a:ext cx="2511001" cy="4459867"/>
+          </a:xfrm>
+          <a:prstGeom prst="rect">
+            <a:avLst/>
+          </a:prstGeom>
+        </p:spPr>
+      </p:pic>
+    </p:spTree>
+    <p:extLst>
+      <p:ext uri="{BB962C8B-B14F-4D97-AF65-F5344CB8AC3E}">
+        <p14:creationId xmlns:p14="http://schemas.microsoft.com/office/powerpoint/2010/main" val="53142502"/>
+      </p:ext>
+    </p:extLst>
+  </p:cSld>
+  <p:clrMapOvr>
+    <a:masterClrMapping/>
+  </p:clrMapOvr>
+</p:sld>
+</file>
+
+<file path=ppt/slides/slide14.xml><?xml version="1.0" encoding="utf-8"?>
+<p:sld xmlns:a="http://schemas.openxmlformats.org/drawingml/2006/main" xmlns:r="http://schemas.openxmlformats.org/officeDocument/2006/relationships" xmlns:p="http://schemas.openxmlformats.org/presentationml/2006/main">
+  <p:cSld>
+    <p:spTree>
+      <p:nvGrpSpPr>
+        <p:cNvPr id="1" name=""/>
+        <p:cNvGrpSpPr/>
+        <p:nvPr/>
+      </p:nvGrpSpPr>
+      <p:grpSpPr>
+        <a:xfrm>
+          <a:off x="0" y="0"/>
+          <a:ext cx="0" cy="0"/>
+          <a:chOff x="0" y="0"/>
+          <a:chExt cx="0" cy="0"/>
+        </a:xfrm>
+      </p:grpSpPr>
+      <p:pic>
+        <p:nvPicPr>
+          <p:cNvPr id="16" name="그림 15"/>
+          <p:cNvPicPr>
+            <a:picLocks noChangeAspect="1"/>
+          </p:cNvPicPr>
+          <p:nvPr/>
+        </p:nvPicPr>
+        <p:blipFill>
+          <a:blip r:embed="rId2"/>
+          <a:stretch>
+            <a:fillRect/>
+          </a:stretch>
+        </p:blipFill>
+        <p:spPr>
+          <a:xfrm>
+            <a:off x="8784898" y="1786466"/>
+            <a:ext cx="2511001" cy="4459867"/>
+          </a:xfrm>
+          <a:prstGeom prst="rect">
+            <a:avLst/>
+          </a:prstGeom>
+        </p:spPr>
+      </p:pic>
+      <p:sp>
+        <p:nvSpPr>
+          <p:cNvPr id="2" name="직사각형 1">
+            <a:extLst>
+              <a:ext uri="{FF2B5EF4-FFF2-40B4-BE49-F238E27FC236}">
+                <a16:creationId xmlns:a16="http://schemas.microsoft.com/office/drawing/2014/main" xmlns="" id="{8E5B996D-DF87-49E5-95D1-45B1EEB9EE9A}"/>
+              </a:ext>
+            </a:extLst>
+          </p:cNvPr>
+          <p:cNvSpPr/>
+          <p:nvPr/>
+        </p:nvSpPr>
+        <p:spPr>
+          <a:xfrm>
+            <a:off x="0" y="0"/>
+            <a:ext cx="12192000" cy="108000"/>
+          </a:xfrm>
+          <a:prstGeom prst="rect">
+            <a:avLst/>
+          </a:prstGeom>
+          <a:solidFill>
+            <a:srgbClr val="FFD8D9"/>
+          </a:solidFill>
+          <a:ln>
+            <a:noFill/>
+          </a:ln>
+        </p:spPr>
+        <p:style>
+          <a:lnRef idx="2">
+            <a:schemeClr val="accent1">
+              <a:shade val="50000"/>
+            </a:schemeClr>
+          </a:lnRef>
+          <a:fillRef idx="1">
+            <a:schemeClr val="accent1"/>
+          </a:fillRef>
+          <a:effectRef idx="0">
+            <a:schemeClr val="accent1"/>
+          </a:effectRef>
+          <a:fontRef idx="minor">
+            <a:schemeClr val="lt1"/>
+          </a:fontRef>
+        </p:style>
+        <p:txBody>
+          <a:bodyPr rtlCol="0" anchor="ctr"/>
+          <a:lstStyle/>
+          <a:p>
+            <a:pPr algn="ctr"/>
+            <a:endParaRPr lang="ko-KR" altLang="en-US"/>
+          </a:p>
+        </p:txBody>
+      </p:sp>
+      <p:sp>
+        <p:nvSpPr>
+          <p:cNvPr id="4" name="직사각형 3">
+            <a:extLst>
+              <a:ext uri="{FF2B5EF4-FFF2-40B4-BE49-F238E27FC236}">
+                <a16:creationId xmlns:a16="http://schemas.microsoft.com/office/drawing/2014/main" xmlns="" id="{080CEE4E-4BCA-42C3-BECA-9BCEB9931EEA}"/>
+              </a:ext>
+            </a:extLst>
+          </p:cNvPr>
+          <p:cNvSpPr/>
+          <p:nvPr/>
+        </p:nvSpPr>
+        <p:spPr>
+          <a:xfrm>
+            <a:off x="0" y="6750000"/>
+            <a:ext cx="12192000" cy="108000"/>
+          </a:xfrm>
+          <a:prstGeom prst="rect">
+            <a:avLst/>
+          </a:prstGeom>
+          <a:solidFill>
+            <a:srgbClr val="FFD8D9"/>
+          </a:solidFill>
+          <a:ln>
+            <a:noFill/>
+          </a:ln>
+        </p:spPr>
+        <p:style>
+          <a:lnRef idx="2">
+            <a:schemeClr val="accent1">
+              <a:shade val="50000"/>
+            </a:schemeClr>
+          </a:lnRef>
+          <a:fillRef idx="1">
+            <a:schemeClr val="accent1"/>
+          </a:fillRef>
+          <a:effectRef idx="0">
+            <a:schemeClr val="accent1"/>
+          </a:effectRef>
+          <a:fontRef idx="minor">
+            <a:schemeClr val="lt1"/>
+          </a:fontRef>
+        </p:style>
+        <p:txBody>
+          <a:bodyPr rtlCol="0" anchor="ctr"/>
+          <a:lstStyle/>
+          <a:p>
+            <a:pPr algn="ctr"/>
+            <a:endParaRPr lang="ko-KR" altLang="en-US"/>
+          </a:p>
+        </p:txBody>
+      </p:sp>
       <p:pic>
         <p:nvPicPr>
           <p:cNvPr id="10" name="그림 9"/>
@@ -16134,7 +13204,7 @@
         <p:spPr>
           <a:xfrm>
             <a:off x="844736" y="93113"/>
-            <a:ext cx="1018227" cy="769441"/>
+            <a:ext cx="3413370" cy="769441"/>
           </a:xfrm>
           <a:prstGeom prst="rect">
             <a:avLst/>
@@ -16148,7 +13218,7 @@
           <a:lstStyle/>
           <a:p>
             <a:r>
-              <a:rPr kumimoji="1" lang="en-US" altLang="ja-JP" sz="4400" b="1" spc="-150" dirty="0">
+              <a:rPr kumimoji="1" lang="en-US" altLang="ja-JP" sz="4400" b="1" spc="-150" dirty="0" smtClean="0">
                 <a:solidFill>
                   <a:srgbClr val="FFCD2F"/>
                 </a:solidFill>
@@ -16162,10 +13232,10 @@
                 <a:latin typeface="Calibri" panose="020F0502020204030204" pitchFamily="34" charset="0"/>
                 <a:cs typeface="Calibri" panose="020F0502020204030204" pitchFamily="34" charset="0"/>
               </a:rPr>
-              <a:t>S</a:t>
-            </a:r>
-            <a:r>
-              <a:rPr kumimoji="1" lang="en-US" altLang="ja-JP" sz="4400" b="1" spc="-150" dirty="0">
+              <a:t>W</a:t>
+            </a:r>
+            <a:r>
+              <a:rPr kumimoji="1" lang="en-US" altLang="ja-JP" sz="4400" b="1" spc="-150" dirty="0" smtClean="0">
                 <a:solidFill>
                   <a:schemeClr val="accent1">
                     <a:lumMod val="75000"/>
@@ -16181,7 +13251,62 @@
                 <a:latin typeface="Calibri" panose="020F0502020204030204" pitchFamily="34" charset="0"/>
                 <a:cs typeface="Calibri" panose="020F0502020204030204" pitchFamily="34" charset="0"/>
               </a:rPr>
-              <a:t>QL</a:t>
+              <a:t>eb </a:t>
+            </a:r>
+            <a:r>
+              <a:rPr kumimoji="1" lang="en-US" altLang="ko-KR" sz="4400" b="1" spc="-150" dirty="0" smtClean="0">
+                <a:solidFill>
+                  <a:schemeClr val="accent1">
+                    <a:lumMod val="75000"/>
+                  </a:schemeClr>
+                </a:solidFill>
+                <a:effectLst>
+                  <a:outerShdw blurRad="38100" dist="38100" dir="2700000" algn="tl">
+                    <a:srgbClr val="000000">
+                      <a:alpha val="43137"/>
+                    </a:srgbClr>
+                  </a:outerShdw>
+                </a:effectLst>
+                <a:latin typeface="Calibri" panose="020F0502020204030204" pitchFamily="34" charset="0"/>
+                <a:cs typeface="Calibri" panose="020F0502020204030204" pitchFamily="34" charset="0"/>
+              </a:rPr>
+              <a:t>·</a:t>
+            </a:r>
+            <a:r>
+              <a:rPr kumimoji="1" lang="en-US" altLang="ja-JP" sz="4400" b="1" spc="-150" dirty="0" smtClean="0">
+                <a:solidFill>
+                  <a:srgbClr val="FFCD2F"/>
+                </a:solidFill>
+                <a:effectLst>
+                  <a:outerShdw blurRad="38100" dist="38100" dir="2700000" algn="tl">
+                    <a:srgbClr val="000000">
+                      <a:alpha val="43137"/>
+                    </a:srgbClr>
+                  </a:outerShdw>
+                </a:effectLst>
+                <a:latin typeface="Calibri" panose="020F0502020204030204" pitchFamily="34" charset="0"/>
+                <a:cs typeface="Calibri" panose="020F0502020204030204" pitchFamily="34" charset="0"/>
+              </a:rPr>
+              <a:t> A</a:t>
+            </a:r>
+            <a:r>
+              <a:rPr kumimoji="1" lang="en-US" altLang="ja-JP" sz="4400" b="1" spc="-150" dirty="0" smtClean="0">
+                <a:solidFill>
+                  <a:schemeClr val="accent1">
+                    <a:lumMod val="75000"/>
+                  </a:schemeClr>
+                </a:solidFill>
+                <a:effectLst>
+                  <a:outerShdw blurRad="38100" dist="38100" dir="2700000" algn="tl">
+                    <a:srgbClr val="000000">
+                      <a:alpha val="43137"/>
+                    </a:srgbClr>
+                  </a:outerShdw>
+                </a:effectLst>
+                <a:latin typeface="Calibri" panose="020F0502020204030204" pitchFamily="34" charset="0"/>
+                <a:cs typeface="Calibri" panose="020F0502020204030204" pitchFamily="34" charset="0"/>
+              </a:rPr>
+              <a:t>ndroid</a:t>
             </a:r>
             <a:endParaRPr kumimoji="1" lang="ja-JP" altLang="en-US" sz="4400" b="1" spc="-150" dirty="0">
               <a:solidFill>
@@ -16246,535 +13371,7 @@
         </p:nvSpPr>
         <p:spPr>
           <a:xfrm>
-            <a:off x="9544050" y="2800350"/>
-            <a:ext cx="838200" cy="2514600"/>
-          </a:xfrm>
-          <a:prstGeom prst="rect">
-            <a:avLst/>
-          </a:prstGeom>
-          <a:solidFill>
-            <a:srgbClr val="FF0000"/>
-          </a:solidFill>
-        </p:spPr>
-        <p:style>
-          <a:lnRef idx="2">
-            <a:schemeClr val="accent1">
-              <a:shade val="50000"/>
-            </a:schemeClr>
-          </a:lnRef>
-          <a:fillRef idx="1">
-            <a:schemeClr val="accent1"/>
-          </a:fillRef>
-          <a:effectRef idx="0">
-            <a:schemeClr val="accent1"/>
-          </a:effectRef>
-          <a:fontRef idx="minor">
-            <a:schemeClr val="lt1"/>
-          </a:fontRef>
-        </p:style>
-        <p:txBody>
-          <a:bodyPr rtlCol="0" anchor="ctr"/>
-          <a:lstStyle/>
-          <a:p>
-            <a:pPr algn="ctr"/>
-            <a:endParaRPr lang="ko-KR" altLang="en-US"/>
-          </a:p>
-        </p:txBody>
-      </p:sp>
-      <p:sp>
-        <p:nvSpPr>
-          <p:cNvPr id="3" name="직사각형 2"/>
-          <p:cNvSpPr/>
-          <p:nvPr/>
-        </p:nvSpPr>
-        <p:spPr>
-          <a:xfrm>
-            <a:off x="2743200" y="2612571"/>
-            <a:ext cx="6800850" cy="798286"/>
-          </a:xfrm>
-          <a:prstGeom prst="rect">
-            <a:avLst/>
-          </a:prstGeom>
-          <a:solidFill>
-            <a:srgbClr val="FF0000"/>
-          </a:solidFill>
-        </p:spPr>
-        <p:style>
-          <a:lnRef idx="2">
-            <a:schemeClr val="accent1">
-              <a:shade val="50000"/>
-            </a:schemeClr>
-          </a:lnRef>
-          <a:fillRef idx="1">
-            <a:schemeClr val="accent1"/>
-          </a:fillRef>
-          <a:effectRef idx="0">
-            <a:schemeClr val="accent1"/>
-          </a:effectRef>
-          <a:fontRef idx="minor">
-            <a:schemeClr val="lt1"/>
-          </a:fontRef>
-        </p:style>
-        <p:txBody>
-          <a:bodyPr rtlCol="0" anchor="ctr"/>
-          <a:lstStyle/>
-          <a:p>
-            <a:pPr algn="ctr"/>
-            <a:endParaRPr lang="ko-KR" altLang="en-US"/>
-          </a:p>
-        </p:txBody>
-      </p:sp>
-    </p:spTree>
-    <p:extLst>
-      <p:ext uri="{BB962C8B-B14F-4D97-AF65-F5344CB8AC3E}">
-        <p14:creationId xmlns:p14="http://schemas.microsoft.com/office/powerpoint/2010/main" val="53142502"/>
-      </p:ext>
-    </p:extLst>
-  </p:cSld>
-  <p:clrMapOvr>
-    <a:masterClrMapping/>
-  </p:clrMapOvr>
-</p:sld>
-</file>
-
-<file path=ppt/slides/slide14.xml><?xml version="1.0" encoding="utf-8"?>
-<p:sld xmlns:a="http://schemas.openxmlformats.org/drawingml/2006/main" xmlns:r="http://schemas.openxmlformats.org/officeDocument/2006/relationships" xmlns:p="http://schemas.openxmlformats.org/presentationml/2006/main">
-  <p:cSld>
-    <p:spTree>
-      <p:nvGrpSpPr>
-        <p:cNvPr id="1" name=""/>
-        <p:cNvGrpSpPr/>
-        <p:nvPr/>
-      </p:nvGrpSpPr>
-      <p:grpSpPr>
-        <a:xfrm>
-          <a:off x="0" y="0"/>
-          <a:ext cx="0" cy="0"/>
-          <a:chOff x="0" y="0"/>
-          <a:chExt cx="0" cy="0"/>
-        </a:xfrm>
-      </p:grpSpPr>
-      <p:sp>
-        <p:nvSpPr>
-          <p:cNvPr id="2" name="직사각형 1">
-            <a:extLst>
-              <a:ext uri="{FF2B5EF4-FFF2-40B4-BE49-F238E27FC236}">
-                <a16:creationId xmlns:a16="http://schemas.microsoft.com/office/drawing/2014/main" xmlns="" id="{8E5B996D-DF87-49E5-95D1-45B1EEB9EE9A}"/>
-              </a:ext>
-            </a:extLst>
-          </p:cNvPr>
-          <p:cNvSpPr/>
-          <p:nvPr/>
-        </p:nvSpPr>
-        <p:spPr>
-          <a:xfrm>
-            <a:off x="0" y="0"/>
-            <a:ext cx="12192000" cy="108000"/>
-          </a:xfrm>
-          <a:prstGeom prst="rect">
-            <a:avLst/>
-          </a:prstGeom>
-          <a:solidFill>
-            <a:srgbClr val="FFD8D9"/>
-          </a:solidFill>
-          <a:ln>
-            <a:noFill/>
-          </a:ln>
-        </p:spPr>
-        <p:style>
-          <a:lnRef idx="2">
-            <a:schemeClr val="accent1">
-              <a:shade val="50000"/>
-            </a:schemeClr>
-          </a:lnRef>
-          <a:fillRef idx="1">
-            <a:schemeClr val="accent1"/>
-          </a:fillRef>
-          <a:effectRef idx="0">
-            <a:schemeClr val="accent1"/>
-          </a:effectRef>
-          <a:fontRef idx="minor">
-            <a:schemeClr val="lt1"/>
-          </a:fontRef>
-        </p:style>
-        <p:txBody>
-          <a:bodyPr rtlCol="0" anchor="ctr"/>
-          <a:lstStyle/>
-          <a:p>
-            <a:pPr algn="ctr"/>
-            <a:endParaRPr lang="ko-KR" altLang="en-US"/>
-          </a:p>
-        </p:txBody>
-      </p:sp>
-      <p:sp>
-        <p:nvSpPr>
-          <p:cNvPr id="4" name="직사각형 3">
-            <a:extLst>
-              <a:ext uri="{FF2B5EF4-FFF2-40B4-BE49-F238E27FC236}">
-                <a16:creationId xmlns:a16="http://schemas.microsoft.com/office/drawing/2014/main" xmlns="" id="{080CEE4E-4BCA-42C3-BECA-9BCEB9931EEA}"/>
-              </a:ext>
-            </a:extLst>
-          </p:cNvPr>
-          <p:cNvSpPr/>
-          <p:nvPr/>
-        </p:nvSpPr>
-        <p:spPr>
-          <a:xfrm>
-            <a:off x="0" y="6750000"/>
-            <a:ext cx="12192000" cy="108000"/>
-          </a:xfrm>
-          <a:prstGeom prst="rect">
-            <a:avLst/>
-          </a:prstGeom>
-          <a:solidFill>
-            <a:srgbClr val="FFD8D9"/>
-          </a:solidFill>
-          <a:ln>
-            <a:noFill/>
-          </a:ln>
-        </p:spPr>
-        <p:style>
-          <a:lnRef idx="2">
-            <a:schemeClr val="accent1">
-              <a:shade val="50000"/>
-            </a:schemeClr>
-          </a:lnRef>
-          <a:fillRef idx="1">
-            <a:schemeClr val="accent1"/>
-          </a:fillRef>
-          <a:effectRef idx="0">
-            <a:schemeClr val="accent1"/>
-          </a:effectRef>
-          <a:fontRef idx="minor">
-            <a:schemeClr val="lt1"/>
-          </a:fontRef>
-        </p:style>
-        <p:txBody>
-          <a:bodyPr rtlCol="0" anchor="ctr"/>
-          <a:lstStyle/>
-          <a:p>
-            <a:pPr algn="ctr"/>
-            <a:endParaRPr lang="ko-KR" altLang="en-US"/>
-          </a:p>
-        </p:txBody>
-      </p:sp>
-      <p:pic>
-        <p:nvPicPr>
-          <p:cNvPr id="57" name="그림 56"/>
-          <p:cNvPicPr>
-            <a:picLocks noChangeAspect="1"/>
-          </p:cNvPicPr>
-          <p:nvPr/>
-        </p:nvPicPr>
-        <p:blipFill>
-          <a:blip r:embed="rId2"/>
-          <a:stretch>
-            <a:fillRect/>
-          </a:stretch>
-        </p:blipFill>
-        <p:spPr>
-          <a:xfrm>
-            <a:off x="8784900" y="1786466"/>
-            <a:ext cx="2511001" cy="4464001"/>
-          </a:xfrm>
-          <a:prstGeom prst="rect">
-            <a:avLst/>
-          </a:prstGeom>
-        </p:spPr>
-      </p:pic>
-      <p:pic>
-        <p:nvPicPr>
-          <p:cNvPr id="10" name="그림 9"/>
-          <p:cNvPicPr>
-            <a:picLocks noChangeAspect="1"/>
-          </p:cNvPicPr>
-          <p:nvPr/>
-        </p:nvPicPr>
-        <p:blipFill>
-          <a:blip r:embed="rId3"/>
-          <a:stretch>
-            <a:fillRect/>
-          </a:stretch>
-        </p:blipFill>
-        <p:spPr>
-          <a:xfrm>
-            <a:off x="896100" y="1786467"/>
-            <a:ext cx="7200000" cy="4459866"/>
-          </a:xfrm>
-          <a:prstGeom prst="rect">
-            <a:avLst/>
-          </a:prstGeom>
-          <a:ln>
-            <a:solidFill>
-              <a:schemeClr val="tx1"/>
-            </a:solidFill>
-          </a:ln>
-        </p:spPr>
-      </p:pic>
-      <p:sp>
-        <p:nvSpPr>
-          <p:cNvPr id="11" name="TextBox 10"/>
-          <p:cNvSpPr txBox="1"/>
-          <p:nvPr/>
-        </p:nvSpPr>
-        <p:spPr>
-          <a:xfrm>
-            <a:off x="896102" y="1134534"/>
-            <a:ext cx="2395207" cy="369332"/>
-          </a:xfrm>
-          <a:prstGeom prst="rect">
-            <a:avLst/>
-          </a:prstGeom>
-          <a:noFill/>
-        </p:spPr>
-        <p:txBody>
-          <a:bodyPr wrap="none" rtlCol="0">
-            <a:spAutoFit/>
-          </a:bodyPr>
-          <a:lstStyle/>
-          <a:p>
-            <a:r>
-              <a:rPr lang="ko-KR" altLang="en-US" dirty="0"/>
-              <a:t>이용현황 </a:t>
-            </a:r>
-            <a:r>
-              <a:rPr lang="en-US" altLang="ko-KR" dirty="0"/>
-              <a:t>– </a:t>
-            </a:r>
-            <a:r>
-              <a:rPr lang="ko-KR" altLang="en-US" dirty="0" smtClean="0"/>
-              <a:t>채팅 기능</a:t>
-            </a:r>
-            <a:endParaRPr lang="ko-KR" altLang="en-US" dirty="0"/>
-          </a:p>
-        </p:txBody>
-      </p:sp>
-      <p:sp>
-        <p:nvSpPr>
-          <p:cNvPr id="9" name="TextBox 8">
-            <a:extLst>
-              <a:ext uri="{FF2B5EF4-FFF2-40B4-BE49-F238E27FC236}">
-                <a16:creationId xmlns="" xmlns:a16="http://schemas.microsoft.com/office/drawing/2014/main" id="{D12B0B12-AB99-4F88-B4B2-948DADC833EA}"/>
-              </a:ext>
-            </a:extLst>
-          </p:cNvPr>
-          <p:cNvSpPr txBox="1"/>
-          <p:nvPr/>
-        </p:nvSpPr>
-        <p:spPr>
-          <a:xfrm>
-            <a:off x="844736" y="93113"/>
-            <a:ext cx="3413370" cy="769441"/>
-          </a:xfrm>
-          <a:prstGeom prst="rect">
-            <a:avLst/>
-          </a:prstGeom>
-          <a:noFill/>
-        </p:spPr>
-        <p:txBody>
-          <a:bodyPr wrap="none" rtlCol="0">
-            <a:spAutoFit/>
-          </a:bodyPr>
-          <a:lstStyle/>
-          <a:p>
-            <a:r>
-              <a:rPr kumimoji="1" lang="en-US" altLang="ja-JP" sz="4400" b="1" spc="-150" dirty="0" smtClean="0">
-                <a:solidFill>
-                  <a:srgbClr val="FFCD2F"/>
-                </a:solidFill>
-                <a:effectLst>
-                  <a:outerShdw blurRad="38100" dist="38100" dir="2700000" algn="tl">
-                    <a:srgbClr val="000000">
-                      <a:alpha val="43137"/>
-                    </a:srgbClr>
-                  </a:outerShdw>
-                </a:effectLst>
-                <a:latin typeface="Calibri" panose="020F0502020204030204" pitchFamily="34" charset="0"/>
-                <a:cs typeface="Calibri" panose="020F0502020204030204" pitchFamily="34" charset="0"/>
-              </a:rPr>
-              <a:t>W</a:t>
-            </a:r>
-            <a:r>
-              <a:rPr kumimoji="1" lang="en-US" altLang="ja-JP" sz="4400" b="1" spc="-150" dirty="0" smtClean="0">
-                <a:solidFill>
-                  <a:schemeClr val="accent1">
-                    <a:lumMod val="75000"/>
-                  </a:schemeClr>
-                </a:solidFill>
-                <a:effectLst>
-                  <a:outerShdw blurRad="38100" dist="38100" dir="2700000" algn="tl">
-                    <a:srgbClr val="000000">
-                      <a:alpha val="43137"/>
-                    </a:srgbClr>
-                  </a:outerShdw>
-                </a:effectLst>
-                <a:latin typeface="Calibri" panose="020F0502020204030204" pitchFamily="34" charset="0"/>
-                <a:cs typeface="Calibri" panose="020F0502020204030204" pitchFamily="34" charset="0"/>
-              </a:rPr>
-              <a:t>eb </a:t>
-            </a:r>
-            <a:r>
-              <a:rPr kumimoji="1" lang="en-US" altLang="ko-KR" sz="4400" b="1" spc="-150" dirty="0" smtClean="0">
-                <a:solidFill>
-                  <a:schemeClr val="accent1">
-                    <a:lumMod val="75000"/>
-                  </a:schemeClr>
-                </a:solidFill>
-                <a:effectLst>
-                  <a:outerShdw blurRad="38100" dist="38100" dir="2700000" algn="tl">
-                    <a:srgbClr val="000000">
-                      <a:alpha val="43137"/>
-                    </a:srgbClr>
-                  </a:outerShdw>
-                </a:effectLst>
-                <a:latin typeface="Calibri" panose="020F0502020204030204" pitchFamily="34" charset="0"/>
-                <a:cs typeface="Calibri" panose="020F0502020204030204" pitchFamily="34" charset="0"/>
-              </a:rPr>
-              <a:t>·</a:t>
-            </a:r>
-            <a:r>
-              <a:rPr kumimoji="1" lang="en-US" altLang="ja-JP" sz="4400" b="1" spc="-150" dirty="0" smtClean="0">
-                <a:solidFill>
-                  <a:srgbClr val="FFCD2F"/>
-                </a:solidFill>
-                <a:effectLst>
-                  <a:outerShdw blurRad="38100" dist="38100" dir="2700000" algn="tl">
-                    <a:srgbClr val="000000">
-                      <a:alpha val="43137"/>
-                    </a:srgbClr>
-                  </a:outerShdw>
-                </a:effectLst>
-                <a:latin typeface="Calibri" panose="020F0502020204030204" pitchFamily="34" charset="0"/>
-                <a:cs typeface="Calibri" panose="020F0502020204030204" pitchFamily="34" charset="0"/>
-              </a:rPr>
-              <a:t> A</a:t>
-            </a:r>
-            <a:r>
-              <a:rPr kumimoji="1" lang="en-US" altLang="ja-JP" sz="4400" b="1" spc="-150" dirty="0" smtClean="0">
-                <a:solidFill>
-                  <a:schemeClr val="accent1">
-                    <a:lumMod val="75000"/>
-                  </a:schemeClr>
-                </a:solidFill>
-                <a:effectLst>
-                  <a:outerShdw blurRad="38100" dist="38100" dir="2700000" algn="tl">
-                    <a:srgbClr val="000000">
-                      <a:alpha val="43137"/>
-                    </a:srgbClr>
-                  </a:outerShdw>
-                </a:effectLst>
-                <a:latin typeface="Calibri" panose="020F0502020204030204" pitchFamily="34" charset="0"/>
-                <a:cs typeface="Calibri" panose="020F0502020204030204" pitchFamily="34" charset="0"/>
-              </a:rPr>
-              <a:t>ndroid</a:t>
-            </a:r>
-            <a:endParaRPr kumimoji="1" lang="ja-JP" altLang="en-US" sz="4400" b="1" spc="-150" dirty="0">
-              <a:solidFill>
-                <a:schemeClr val="accent1">
-                  <a:lumMod val="75000"/>
-                </a:schemeClr>
-              </a:solidFill>
-              <a:effectLst>
-                <a:outerShdw blurRad="38100" dist="38100" dir="2700000" algn="tl">
-                  <a:srgbClr val="000000">
-                    <a:alpha val="43137"/>
-                  </a:srgbClr>
-                </a:outerShdw>
-              </a:effectLst>
-              <a:latin typeface="Calibri" panose="020F0502020204030204" pitchFamily="34" charset="0"/>
-              <a:cs typeface="Calibri" panose="020F0502020204030204" pitchFamily="34" charset="0"/>
-            </a:endParaRPr>
-          </a:p>
-        </p:txBody>
-      </p:sp>
-      <p:pic>
-        <p:nvPicPr>
-          <p:cNvPr id="12" name="그림 11">
-            <a:extLst>
-              <a:ext uri="{FF2B5EF4-FFF2-40B4-BE49-F238E27FC236}">
-                <a16:creationId xmlns="" xmlns:a16="http://schemas.microsoft.com/office/drawing/2014/main" id="{0F0992E8-2696-42E6-805A-0C12780D8FA1}"/>
-              </a:ext>
-            </a:extLst>
-          </p:cNvPr>
-          <p:cNvPicPr>
-            <a:picLocks noChangeAspect="1"/>
-          </p:cNvPicPr>
-          <p:nvPr/>
-        </p:nvPicPr>
-        <p:blipFill>
-          <a:blip r:embed="rId4" cstate="print">
-            <a:extLst>
-              <a:ext uri="{28A0092B-C50C-407E-A947-70E740481C1C}">
-                <a14:useLocalDpi xmlns:a14="http://schemas.microsoft.com/office/drawing/2010/main" val="0"/>
-              </a:ext>
-            </a:extLst>
-          </a:blip>
-          <a:stretch>
-            <a:fillRect/>
-          </a:stretch>
-        </p:blipFill>
-        <p:spPr>
-          <a:xfrm>
-            <a:off x="124734" y="117832"/>
-            <a:ext cx="720000" cy="720000"/>
-          </a:xfrm>
-          <a:prstGeom prst="rect">
-            <a:avLst/>
-          </a:prstGeom>
-        </p:spPr>
-      </p:pic>
-      <p:sp>
-        <p:nvSpPr>
-          <p:cNvPr id="3" name="직사각형 2"/>
-          <p:cNvSpPr/>
-          <p:nvPr/>
-        </p:nvSpPr>
-        <p:spPr>
-          <a:xfrm>
-            <a:off x="9544050" y="2800350"/>
-            <a:ext cx="838200" cy="2514600"/>
-          </a:xfrm>
-          <a:prstGeom prst="rect">
-            <a:avLst/>
-          </a:prstGeom>
-          <a:solidFill>
-            <a:srgbClr val="FF0000"/>
-          </a:solidFill>
-        </p:spPr>
-        <p:style>
-          <a:lnRef idx="2">
-            <a:schemeClr val="accent1">
-              <a:shade val="50000"/>
-            </a:schemeClr>
-          </a:lnRef>
-          <a:fillRef idx="1">
-            <a:schemeClr val="accent1"/>
-          </a:fillRef>
-          <a:effectRef idx="0">
-            <a:schemeClr val="accent1"/>
-          </a:effectRef>
-          <a:fontRef idx="minor">
-            <a:schemeClr val="lt1"/>
-          </a:fontRef>
-        </p:style>
-        <p:txBody>
-          <a:bodyPr rtlCol="0" anchor="ctr"/>
-          <a:lstStyle/>
-          <a:p>
-            <a:pPr algn="ctr"/>
-            <a:endParaRPr lang="ko-KR" altLang="en-US"/>
-          </a:p>
-        </p:txBody>
-      </p:sp>
-      <p:sp>
-        <p:nvSpPr>
-          <p:cNvPr id="13" name="직사각형 12"/>
-          <p:cNvSpPr/>
-          <p:nvPr/>
-        </p:nvSpPr>
-        <p:spPr>
-          <a:xfrm>
-            <a:off x="3501796" y="1976446"/>
+            <a:off x="5488644" y="2702543"/>
             <a:ext cx="4883340" cy="1558014"/>
           </a:xfrm>
           <a:prstGeom prst="rect">
@@ -16947,15 +13544,7 @@
                   <a:schemeClr val="tx1"/>
                 </a:solidFill>
               </a:rPr>
-              <a:t>		</a:t>
-            </a:r>
-            <a:r>
-              <a:rPr lang="en-US" altLang="ko-KR" sz="2000" dirty="0" smtClean="0">
-                <a:solidFill>
-                  <a:schemeClr val="tx1"/>
-                </a:solidFill>
-              </a:rPr>
-              <a:t>.</a:t>
+              <a:t>		.</a:t>
             </a:r>
             <a:r>
               <a:rPr lang="en-US" altLang="ko-KR" sz="2000" dirty="0" err="1" smtClean="0">
@@ -17075,10 +13664,157 @@
         </p:nvSpPr>
         <p:spPr>
           <a:xfrm>
-            <a:off x="2715639" y="5152700"/>
-            <a:ext cx="6069261" cy="585948"/>
+            <a:off x="2715639" y="5152699"/>
+            <a:ext cx="6599049" cy="867469"/>
           </a:xfrm>
           <a:prstGeom prst="roundRect">
+            <a:avLst/>
+          </a:prstGeom>
+          <a:solidFill>
+            <a:srgbClr val="F2F2F2"/>
+          </a:solidFill>
+          <a:ln>
+            <a:solidFill>
+              <a:schemeClr val="tx1"/>
+            </a:solidFill>
+          </a:ln>
+        </p:spPr>
+        <p:style>
+          <a:lnRef idx="2">
+            <a:schemeClr val="accent1">
+              <a:shade val="50000"/>
+            </a:schemeClr>
+          </a:lnRef>
+          <a:fillRef idx="1">
+            <a:schemeClr val="accent1"/>
+          </a:fillRef>
+          <a:effectRef idx="0">
+            <a:schemeClr val="accent1"/>
+          </a:effectRef>
+          <a:fontRef idx="minor">
+            <a:schemeClr val="lt1"/>
+          </a:fontRef>
+        </p:style>
+        <p:txBody>
+          <a:bodyPr rtlCol="0" anchor="ctr"/>
+          <a:lstStyle/>
+          <a:p>
+            <a:pPr latinLnBrk="0"/>
+            <a:r>
+              <a:rPr lang="en-US" altLang="ko-KR" sz="2000" dirty="0" smtClean="0">
+                <a:solidFill>
+                  <a:schemeClr val="tx1"/>
+                </a:solidFill>
+              </a:rPr>
+              <a:t>DOM</a:t>
+            </a:r>
+            <a:r>
+              <a:rPr lang="ko-KR" altLang="en-US" sz="2000" dirty="0" smtClean="0">
+                <a:solidFill>
+                  <a:schemeClr val="tx1"/>
+                </a:solidFill>
+              </a:rPr>
+              <a:t>을 이용하여 작성된 내용을 등록 처리한다</a:t>
+            </a:r>
+            <a:endParaRPr lang="en-US" altLang="ko-KR" sz="2000" dirty="0" smtClean="0">
+              <a:solidFill>
+                <a:schemeClr val="tx1"/>
+              </a:solidFill>
+            </a:endParaRPr>
+          </a:p>
+          <a:p>
+            <a:pPr latinLnBrk="0"/>
+            <a:r>
+              <a:rPr lang="en-US" altLang="ko-KR" sz="2000" dirty="0" smtClean="0">
+                <a:solidFill>
+                  <a:schemeClr val="tx1"/>
+                </a:solidFill>
+              </a:rPr>
+              <a:t>Date </a:t>
+            </a:r>
+            <a:r>
+              <a:rPr lang="ko-KR" altLang="en-US" sz="2000" dirty="0" smtClean="0">
+                <a:solidFill>
+                  <a:schemeClr val="tx1"/>
+                </a:solidFill>
+              </a:rPr>
+              <a:t>객체와 날짜 및 시간을 읽어오는 </a:t>
+            </a:r>
+            <a:r>
+              <a:rPr lang="ko-KR" altLang="en-US" sz="2000" dirty="0" err="1" smtClean="0">
+                <a:solidFill>
+                  <a:schemeClr val="tx1"/>
+                </a:solidFill>
+              </a:rPr>
+              <a:t>메서드</a:t>
+            </a:r>
+            <a:r>
+              <a:rPr lang="ko-KR" altLang="en-US" sz="2000" dirty="0" smtClean="0">
+                <a:solidFill>
+                  <a:schemeClr val="tx1"/>
+                </a:solidFill>
+              </a:rPr>
+              <a:t> 사용한다</a:t>
+            </a:r>
+            <a:endParaRPr lang="ko-KR" altLang="en-US" sz="2000" dirty="0">
+              <a:solidFill>
+                <a:schemeClr val="tx1"/>
+              </a:solidFill>
+            </a:endParaRPr>
+          </a:p>
+        </p:txBody>
+      </p:sp>
+      <p:cxnSp>
+        <p:nvCxnSpPr>
+          <p:cNvPr id="15" name="직선 화살표 연결선 14"/>
+          <p:cNvCxnSpPr>
+            <a:cxnSpLocks/>
+            <a:stCxn id="13" idx="2"/>
+          </p:cNvCxnSpPr>
+          <p:nvPr/>
+        </p:nvCxnSpPr>
+        <p:spPr>
+          <a:xfrm flipH="1">
+            <a:off x="5693664" y="4260557"/>
+            <a:ext cx="2236650" cy="641938"/>
+          </a:xfrm>
+          <a:prstGeom prst="straightConnector1">
+            <a:avLst/>
+          </a:prstGeom>
+          <a:ln w="12700">
+            <a:solidFill>
+              <a:srgbClr val="FF0000"/>
+            </a:solidFill>
+            <a:tailEnd type="triangle"/>
+          </a:ln>
+        </p:spPr>
+        <p:style>
+          <a:lnRef idx="1">
+            <a:schemeClr val="accent1"/>
+          </a:lnRef>
+          <a:fillRef idx="0">
+            <a:schemeClr val="accent1"/>
+          </a:fillRef>
+          <a:effectRef idx="0">
+            <a:schemeClr val="accent1"/>
+          </a:effectRef>
+          <a:fontRef idx="minor">
+            <a:schemeClr val="tx1"/>
+          </a:fontRef>
+        </p:style>
+      </p:cxnSp>
+      <p:sp>
+        <p:nvSpPr>
+          <p:cNvPr id="17" name="직사각형 16"/>
+          <p:cNvSpPr/>
+          <p:nvPr/>
+        </p:nvSpPr>
+        <p:spPr>
+          <a:xfrm>
+            <a:off x="5488644" y="1144529"/>
+            <a:ext cx="6703356" cy="1558014"/>
+          </a:xfrm>
+          <a:prstGeom prst="rect">
             <a:avLst/>
           </a:prstGeom>
           <a:solidFill>
@@ -17112,76 +13848,203 @@
           <a:p>
             <a:pPr latinLnBrk="0"/>
             <a:r>
+              <a:rPr lang="en-US" altLang="ko-KR" sz="2000" dirty="0" err="1">
+                <a:solidFill>
+                  <a:schemeClr val="tx1"/>
+                </a:solidFill>
+              </a:rPr>
+              <a:t>var</a:t>
+            </a:r>
+            <a:r>
+              <a:rPr lang="en-US" altLang="ko-KR" sz="2000" dirty="0">
+                <a:solidFill>
+                  <a:schemeClr val="tx1"/>
+                </a:solidFill>
+              </a:rPr>
+              <a:t> txt = </a:t>
+            </a:r>
+            <a:r>
+              <a:rPr lang="en-US" altLang="ko-KR" sz="2000" dirty="0" err="1">
+                <a:solidFill>
+                  <a:schemeClr val="tx1"/>
+                </a:solidFill>
+              </a:rPr>
+              <a:t>document.querySelector</a:t>
+            </a:r>
+            <a:r>
+              <a:rPr lang="en-US" altLang="ko-KR" sz="2000" dirty="0">
+                <a:solidFill>
+                  <a:schemeClr val="tx1"/>
+                </a:solidFill>
+              </a:rPr>
+              <a:t>("#txt");</a:t>
+            </a:r>
+          </a:p>
+          <a:p>
+            <a:pPr latinLnBrk="0"/>
+            <a:r>
+              <a:rPr lang="en-US" altLang="ko-KR" sz="2000" dirty="0" err="1" smtClean="0">
+                <a:solidFill>
+                  <a:schemeClr val="tx1"/>
+                </a:solidFill>
+              </a:rPr>
+              <a:t>var</a:t>
+            </a:r>
+            <a:r>
               <a:rPr lang="en-US" altLang="ko-KR" sz="2000" dirty="0" smtClean="0">
                 <a:solidFill>
                   <a:schemeClr val="tx1"/>
                 </a:solidFill>
               </a:rPr>
-              <a:t>Date </a:t>
-            </a:r>
-            <a:r>
-              <a:rPr lang="ko-KR" altLang="en-US" sz="2000" dirty="0" smtClean="0">
+              <a:t> </a:t>
+            </a:r>
+            <a:r>
+              <a:rPr lang="en-US" altLang="ko-KR" sz="2000" dirty="0">
                 <a:solidFill>
                   <a:schemeClr val="tx1"/>
                 </a:solidFill>
               </a:rPr>
-              <a:t>객체와 날짜 및 시간을 읽어오는 </a:t>
-            </a:r>
-            <a:r>
-              <a:rPr lang="ko-KR" altLang="en-US" sz="2000" dirty="0" err="1" smtClean="0">
+              <a:t>chat </a:t>
+            </a:r>
+            <a:r>
+              <a:rPr lang="en-US" altLang="ko-KR" sz="2000" dirty="0" smtClean="0">
                 <a:solidFill>
                   <a:schemeClr val="tx1"/>
                 </a:solidFill>
               </a:rPr>
-              <a:t>메서드</a:t>
-            </a:r>
-            <a:endParaRPr lang="ko-KR" altLang="en-US" sz="2000" dirty="0">
+              <a:t>=</a:t>
+            </a:r>
+            <a:r>
+              <a:rPr lang="en-US" altLang="ko-KR" sz="2000" dirty="0" err="1" smtClean="0">
+                <a:solidFill>
+                  <a:schemeClr val="tx1"/>
+                </a:solidFill>
+              </a:rPr>
+              <a:t>document.querySelector</a:t>
+            </a:r>
+            <a:r>
+              <a:rPr lang="en-US" altLang="ko-KR" sz="2000" dirty="0">
+                <a:solidFill>
+                  <a:schemeClr val="tx1"/>
+                </a:solidFill>
+              </a:rPr>
+              <a:t>("#chat</a:t>
+            </a:r>
+            <a:r>
+              <a:rPr lang="en-US" altLang="ko-KR" sz="2000" dirty="0" smtClean="0">
+                <a:solidFill>
+                  <a:schemeClr val="tx1"/>
+                </a:solidFill>
+              </a:rPr>
+              <a:t>"); </a:t>
+            </a:r>
+            <a:r>
+              <a:rPr lang="en-US" altLang="ko-KR" sz="2000" dirty="0" err="1" smtClean="0">
+                <a:solidFill>
+                  <a:schemeClr val="tx1"/>
+                </a:solidFill>
+              </a:rPr>
+              <a:t>chat.innerHTML</a:t>
+            </a:r>
+            <a:r>
+              <a:rPr lang="en-US" altLang="ko-KR" sz="2000" dirty="0" smtClean="0">
+                <a:solidFill>
+                  <a:schemeClr val="tx1"/>
+                </a:solidFill>
+              </a:rPr>
+              <a:t> </a:t>
+            </a:r>
+            <a:r>
+              <a:rPr lang="en-US" altLang="ko-KR" sz="2000" dirty="0" smtClean="0">
+                <a:solidFill>
+                  <a:schemeClr val="tx1"/>
+                </a:solidFill>
+              </a:rPr>
+              <a:t>+="&lt;</a:t>
+            </a:r>
+            <a:r>
+              <a:rPr lang="en-US" altLang="ko-KR" sz="2000" dirty="0">
+                <a:solidFill>
+                  <a:schemeClr val="tx1"/>
+                </a:solidFill>
+              </a:rPr>
+              <a:t>h4 class=\"</a:t>
+            </a:r>
+            <a:r>
+              <a:rPr lang="en-US" altLang="ko-KR" sz="2000" dirty="0" err="1">
+                <a:solidFill>
+                  <a:schemeClr val="tx1"/>
+                </a:solidFill>
+              </a:rPr>
+              <a:t>i</a:t>
+            </a:r>
+            <a:r>
+              <a:rPr lang="en-US" altLang="ko-KR" sz="2000" dirty="0" smtClean="0">
+                <a:solidFill>
+                  <a:schemeClr val="tx1"/>
+                </a:solidFill>
+              </a:rPr>
+              <a:t>\"&gt;</a:t>
+            </a:r>
+            <a:r>
+              <a:rPr lang="en-US" altLang="ko-KR" sz="2000" dirty="0" err="1" smtClean="0">
+                <a:solidFill>
+                  <a:schemeClr val="tx1"/>
+                </a:solidFill>
+              </a:rPr>
+              <a:t>txt.value</a:t>
+            </a:r>
+            <a:r>
+              <a:rPr lang="en-US" altLang="ko-KR" sz="2000" dirty="0">
+                <a:solidFill>
+                  <a:schemeClr val="tx1"/>
+                </a:solidFill>
+              </a:rPr>
+              <a:t>+"&lt;/</a:t>
+            </a:r>
+            <a:r>
+              <a:rPr lang="en-US" altLang="ko-KR" sz="2000" dirty="0" smtClean="0">
+                <a:solidFill>
+                  <a:schemeClr val="tx1"/>
+                </a:solidFill>
+              </a:rPr>
+              <a:t>h4&gt;;</a:t>
+            </a:r>
+            <a:endParaRPr lang="en-US" altLang="ko-KR" sz="2000" dirty="0">
               <a:solidFill>
                 <a:schemeClr val="tx1"/>
               </a:solidFill>
             </a:endParaRPr>
           </a:p>
+          <a:p>
+            <a:pPr latinLnBrk="0"/>
+            <a:r>
+              <a:rPr lang="en-US" altLang="ko-KR" sz="2000" dirty="0" err="1" smtClean="0">
+                <a:solidFill>
+                  <a:schemeClr val="tx1"/>
+                </a:solidFill>
+              </a:rPr>
+              <a:t>txt.value</a:t>
+            </a:r>
+            <a:r>
+              <a:rPr lang="en-US" altLang="ko-KR" sz="2000" dirty="0" smtClean="0">
+                <a:solidFill>
+                  <a:schemeClr val="tx1"/>
+                </a:solidFill>
+              </a:rPr>
+              <a:t> </a:t>
+            </a:r>
+            <a:r>
+              <a:rPr lang="en-US" altLang="ko-KR" sz="2000" dirty="0">
+                <a:solidFill>
+                  <a:schemeClr val="tx1"/>
+                </a:solidFill>
+              </a:rPr>
+              <a:t>= "";</a:t>
+            </a:r>
+          </a:p>
         </p:txBody>
       </p:sp>
-      <p:cxnSp>
-        <p:nvCxnSpPr>
-          <p:cNvPr id="15" name="직선 화살표 연결선 14"/>
-          <p:cNvCxnSpPr>
-            <a:cxnSpLocks/>
-            <a:stCxn id="13" idx="2"/>
-          </p:cNvCxnSpPr>
-          <p:nvPr/>
-        </p:nvCxnSpPr>
-        <p:spPr>
-          <a:xfrm flipH="1">
-            <a:off x="5580993" y="3534460"/>
-            <a:ext cx="362473" cy="1069071"/>
-          </a:xfrm>
-          <a:prstGeom prst="straightConnector1">
-            <a:avLst/>
-          </a:prstGeom>
-          <a:ln w="12700">
-            <a:solidFill>
-              <a:srgbClr val="FF0000"/>
-            </a:solidFill>
-            <a:tailEnd type="triangle"/>
-          </a:ln>
-        </p:spPr>
-        <p:style>
-          <a:lnRef idx="1">
-            <a:schemeClr val="accent1"/>
-          </a:lnRef>
-          <a:fillRef idx="0">
-            <a:schemeClr val="accent1"/>
-          </a:fillRef>
-          <a:effectRef idx="0">
-            <a:schemeClr val="accent1"/>
-          </a:effectRef>
-          <a:fontRef idx="minor">
-            <a:schemeClr val="tx1"/>
-          </a:fontRef>
-        </p:style>
-      </p:cxnSp>
     </p:spTree>
     <p:extLst>
       <p:ext uri="{BB962C8B-B14F-4D97-AF65-F5344CB8AC3E}">
@@ -17443,7 +14306,7 @@
           <p:nvPr>
             <p:extLst>
               <p:ext uri="{D42A27DB-BD31-4B8C-83A1-F6EECF244321}">
-                <p14:modId xmlns:p14="http://schemas.microsoft.com/office/powerpoint/2010/main" val="3883146299"/>
+                <p14:modId xmlns:p14="http://schemas.microsoft.com/office/powerpoint/2010/main" val="1472711126"/>
               </p:ext>
             </p:extLst>
           </p:nvPr>
@@ -22186,12 +19049,12 @@
                     <a:p>
                       <a:pPr algn="ctr" fontAlgn="ctr" latinLnBrk="0"/>
                       <a:r>
-                        <a:rPr lang="en-US" altLang="ko-KR" sz="1600" b="0" i="0" u="none" strike="noStrike" dirty="0" smtClean="0">
+                        <a:rPr lang="ko-KR" altLang="en-US" sz="1600" b="0" i="0" u="none" strike="noStrike" dirty="0" err="1" smtClean="0">
                           <a:effectLst/>
                           <a:latin typeface="맑은 고딕" panose="020B0503020000020004" pitchFamily="50" charset="-127"/>
                           <a:ea typeface="맑은 고딕" panose="020B0503020000020004" pitchFamily="50" charset="-127"/>
                         </a:rPr>
-                        <a:t>-</a:t>
+                        <a:t>완</a:t>
                       </a:r>
                       <a:r>
                         <a:rPr lang="ko-KR" altLang="en-US" sz="1600" b="0" i="0" u="none" strike="noStrike" dirty="0">
@@ -22651,12 +19514,12 @@
                     <a:p>
                       <a:pPr algn="ctr" fontAlgn="ctr" latinLnBrk="0"/>
                       <a:r>
-                        <a:rPr lang="en-US" altLang="ko-KR" sz="1600" b="0" i="0" u="none" strike="noStrike" dirty="0" smtClean="0">
+                        <a:rPr lang="ko-KR" altLang="en-US" sz="1600" b="0" i="0" u="none" strike="noStrike" dirty="0" smtClean="0">
                           <a:effectLst/>
                           <a:latin typeface="맑은 고딕" panose="020B0503020000020004" pitchFamily="50" charset="-127"/>
                           <a:ea typeface="맑은 고딕" panose="020B0503020000020004" pitchFamily="50" charset="-127"/>
                         </a:rPr>
-                        <a:t>-</a:t>
+                        <a:t>완</a:t>
                       </a:r>
                       <a:r>
                         <a:rPr lang="ko-KR" altLang="en-US" sz="1600" b="0" i="0" u="none" strike="noStrike" dirty="0">
@@ -40135,14 +36998,14 @@
         </p:nvSpPr>
         <p:spPr>
           <a:xfrm>
-            <a:off x="1561140" y="4973317"/>
-            <a:ext cx="6477521" cy="867468"/>
+            <a:off x="1356851" y="4948878"/>
+            <a:ext cx="4617230" cy="867468"/>
           </a:xfrm>
           <a:prstGeom prst="roundRect">
             <a:avLst/>
           </a:prstGeom>
           <a:solidFill>
-            <a:schemeClr val="bg1"/>
+            <a:srgbClr val="F2F2F2"/>
           </a:solidFill>
           <a:ln>
             <a:solidFill>
@@ -41725,8 +38588,8 @@
         </p:nvSpPr>
         <p:spPr>
           <a:xfrm>
-            <a:off x="582039" y="2007533"/>
-            <a:ext cx="5802511" cy="1749238"/>
+            <a:off x="582039" y="2427777"/>
+            <a:ext cx="4660521" cy="1328993"/>
           </a:xfrm>
           <a:prstGeom prst="rect">
             <a:avLst/>
@@ -41944,18 +38807,7 @@
                   <a:schemeClr val="tx1"/>
                 </a:solidFill>
               </a:rPr>
-              <a:t>"-";</a:t>
-            </a:r>
-          </a:p>
-          <a:p>
-            <a:pPr latinLnBrk="0"/>
-            <a:r>
-              <a:rPr lang="en-US" altLang="ko-KR" sz="2000" dirty="0" smtClean="0">
-                <a:solidFill>
-                  <a:schemeClr val="tx1"/>
-                </a:solidFill>
-              </a:rPr>
-              <a:t>}</a:t>
+              <a:t>"-";}</a:t>
             </a:r>
             <a:endParaRPr lang="en-US" altLang="ko-KR" sz="2000" dirty="0">
               <a:solidFill>
@@ -41979,14 +38831,14 @@
         </p:nvSpPr>
         <p:spPr>
           <a:xfrm>
-            <a:off x="5435908" y="4016399"/>
+            <a:off x="582039" y="5630699"/>
             <a:ext cx="6477521" cy="867468"/>
           </a:xfrm>
           <a:prstGeom prst="roundRect">
             <a:avLst/>
           </a:prstGeom>
           <a:solidFill>
-            <a:schemeClr val="bg1"/>
+            <a:srgbClr val="F2F2F2"/>
           </a:solidFill>
           <a:ln>
             <a:solidFill>
@@ -42130,8 +38982,8 @@
         </p:nvCxnSpPr>
         <p:spPr>
           <a:xfrm>
-            <a:off x="3483295" y="3756771"/>
-            <a:ext cx="2126673" cy="1678466"/>
+            <a:off x="2912300" y="3756770"/>
+            <a:ext cx="2697668" cy="1678467"/>
           </a:xfrm>
           <a:prstGeom prst="straightConnector1">
             <a:avLst/>
@@ -42294,30 +39146,6 @@
       </p:sp>
       <p:pic>
         <p:nvPicPr>
-          <p:cNvPr id="57" name="그림 56"/>
-          <p:cNvPicPr>
-            <a:picLocks noChangeAspect="1"/>
-          </p:cNvPicPr>
-          <p:nvPr/>
-        </p:nvPicPr>
-        <p:blipFill>
-          <a:blip r:embed="rId2"/>
-          <a:stretch>
-            <a:fillRect/>
-          </a:stretch>
-        </p:blipFill>
-        <p:spPr>
-          <a:xfrm>
-            <a:off x="8784900" y="1786466"/>
-            <a:ext cx="2511001" cy="4464001"/>
-          </a:xfrm>
-          <a:prstGeom prst="rect">
-            <a:avLst/>
-          </a:prstGeom>
-        </p:spPr>
-      </p:pic>
-      <p:pic>
-        <p:nvPicPr>
           <p:cNvPr id="77" name="그림 76">
             <a:extLst>
               <a:ext uri="{FF2B5EF4-FFF2-40B4-BE49-F238E27FC236}">
@@ -42331,7 +39159,7 @@
           <p:nvPr/>
         </p:nvPicPr>
         <p:blipFill>
-          <a:blip r:embed="rId3" cstate="print">
+          <a:blip r:embed="rId2" cstate="print">
             <a:extLst>
               <a:ext uri="{28A0092B-C50C-407E-A947-70E740481C1C}">
                 <a14:useLocalDpi xmlns:a14="http://schemas.microsoft.com/office/drawing/2010/main" val="0"/>
@@ -42480,7 +39308,7 @@
           <p:nvPr/>
         </p:nvPicPr>
         <p:blipFill>
-          <a:blip r:embed="rId4"/>
+          <a:blip r:embed="rId3"/>
           <a:stretch>
             <a:fillRect/>
           </a:stretch>
@@ -42537,49 +39365,35 @@
           </a:p>
         </p:txBody>
       </p:sp>
-      <p:sp>
-        <p:nvSpPr>
-          <p:cNvPr id="12" name="직사각형 11"/>
-          <p:cNvSpPr/>
+      <p:pic>
+        <p:nvPicPr>
+          <p:cNvPr id="3" name="그림 2"/>
+          <p:cNvPicPr>
+            <a:picLocks noChangeAspect="1"/>
+          </p:cNvPicPr>
           <p:nvPr/>
-        </p:nvSpPr>
+        </p:nvPicPr>
+        <p:blipFill>
+          <a:blip r:embed="rId4"/>
+          <a:stretch>
+            <a:fillRect/>
+          </a:stretch>
+        </p:blipFill>
         <p:spPr>
           <a:xfrm>
-            <a:off x="9544050" y="2800350"/>
-            <a:ext cx="838200" cy="2514600"/>
+            <a:off x="8784899" y="1786466"/>
+            <a:ext cx="2511001" cy="4459867"/>
           </a:xfrm>
           <a:prstGeom prst="rect">
             <a:avLst/>
           </a:prstGeom>
-          <a:solidFill>
-            <a:srgbClr val="FF0000"/>
-          </a:solidFill>
+          <a:ln>
+            <a:solidFill>
+              <a:schemeClr val="tx1"/>
+            </a:solidFill>
+          </a:ln>
         </p:spPr>
-        <p:style>
-          <a:lnRef idx="2">
-            <a:schemeClr val="accent1">
-              <a:shade val="50000"/>
-            </a:schemeClr>
-          </a:lnRef>
-          <a:fillRef idx="1">
-            <a:schemeClr val="accent1"/>
-          </a:fillRef>
-          <a:effectRef idx="0">
-            <a:schemeClr val="accent1"/>
-          </a:effectRef>
-          <a:fontRef idx="minor">
-            <a:schemeClr val="lt1"/>
-          </a:fontRef>
-        </p:style>
-        <p:txBody>
-          <a:bodyPr rtlCol="0" anchor="ctr"/>
-          <a:lstStyle/>
-          <a:p>
-            <a:pPr algn="ctr"/>
-            <a:endParaRPr lang="ko-KR" altLang="en-US"/>
-          </a:p>
-        </p:txBody>
-      </p:sp>
+      </p:pic>
     </p:spTree>
     <p:extLst>
       <p:ext uri="{BB962C8B-B14F-4D97-AF65-F5344CB8AC3E}">
@@ -42591,12 +39405,6 @@
     <a:masterClrMapping/>
   </p:clrMapOvr>
 </p:sld>
-</file>
-
-<file path=ppt/tags/tag1.xml><?xml version="1.0" encoding="utf-8"?>
-<p:tagLst xmlns:a="http://schemas.openxmlformats.org/drawingml/2006/main" xmlns:r="http://schemas.openxmlformats.org/officeDocument/2006/relationships" xmlns:p="http://schemas.openxmlformats.org/presentationml/2006/main">
-  <p:tag name="SMARTSETTINGSHASH" val="xZU/W0IqlvXPkJ37/hSWg5jSIFh0KZmI7sT1syyiYH8="/>
-</p:tagLst>
 </file>
 
 <file path=ppt/theme/theme1.xml><?xml version="1.0" encoding="utf-8"?>

--- a/WebContent/hsw/3조 화면구현_hsw.pptx
+++ b/WebContent/hsw/3조 화면구현_hsw.pptx
@@ -280,7 +280,7 @@
           <a:p>
             <a:fld id="{F8B5EFE0-875C-42C8-A769-0BC60867F1E2}" type="datetimeFigureOut">
               <a:rPr lang="ko-KR" altLang="en-US" smtClean="0"/>
-              <a:t>2020-02-27 Thu</a:t>
+              <a:t>20-02-27 [Thu]</a:t>
             </a:fld>
             <a:endParaRPr lang="ko-KR" altLang="en-US"/>
           </a:p>
@@ -448,7 +448,7 @@
           <a:p>
             <a:fld id="{F8B5EFE0-875C-42C8-A769-0BC60867F1E2}" type="datetimeFigureOut">
               <a:rPr lang="ko-KR" altLang="en-US" smtClean="0"/>
-              <a:t>2020-02-27 Thu</a:t>
+              <a:t>20-02-27 [Thu]</a:t>
             </a:fld>
             <a:endParaRPr lang="ko-KR" altLang="en-US"/>
           </a:p>
@@ -626,7 +626,7 @@
           <a:p>
             <a:fld id="{F8B5EFE0-875C-42C8-A769-0BC60867F1E2}" type="datetimeFigureOut">
               <a:rPr lang="ko-KR" altLang="en-US" smtClean="0"/>
-              <a:t>2020-02-27 Thu</a:t>
+              <a:t>20-02-27 [Thu]</a:t>
             </a:fld>
             <a:endParaRPr lang="ko-KR" altLang="en-US"/>
           </a:p>
@@ -709,7 +709,7 @@
           <p:cNvPr id="2" name="제목 1">
             <a:extLst>
               <a:ext uri="{FF2B5EF4-FFF2-40B4-BE49-F238E27FC236}">
-                <a16:creationId xmlns:a16="http://schemas.microsoft.com/office/drawing/2014/main" xmlns="" id="{9E5E4632-E9C2-430D-8860-5B671341959C}"/>
+                <a16:creationId xmlns:a16="http://schemas.microsoft.com/office/drawing/2014/main" id="{9E5E4632-E9C2-430D-8860-5B671341959C}"/>
               </a:ext>
             </a:extLst>
           </p:cNvPr>
@@ -746,7 +746,7 @@
           <p:cNvPr id="3" name="부제목 2">
             <a:extLst>
               <a:ext uri="{FF2B5EF4-FFF2-40B4-BE49-F238E27FC236}">
-                <a16:creationId xmlns:a16="http://schemas.microsoft.com/office/drawing/2014/main" xmlns="" id="{8516A487-29F9-4EB6-A4BF-CF7F6C176945}"/>
+                <a16:creationId xmlns:a16="http://schemas.microsoft.com/office/drawing/2014/main" id="{8516A487-29F9-4EB6-A4BF-CF7F6C176945}"/>
               </a:ext>
             </a:extLst>
           </p:cNvPr>
@@ -816,7 +816,7 @@
           <p:cNvPr id="4" name="날짜 개체 틀 3">
             <a:extLst>
               <a:ext uri="{FF2B5EF4-FFF2-40B4-BE49-F238E27FC236}">
-                <a16:creationId xmlns:a16="http://schemas.microsoft.com/office/drawing/2014/main" xmlns="" id="{5458794D-BF22-4D43-9B43-3407B0731DF3}"/>
+                <a16:creationId xmlns:a16="http://schemas.microsoft.com/office/drawing/2014/main" id="{5458794D-BF22-4D43-9B43-3407B0731DF3}"/>
               </a:ext>
             </a:extLst>
           </p:cNvPr>
@@ -841,7 +841,7 @@
                 </a:solidFill>
               </a:rPr>
               <a:pPr/>
-              <a:t>2020-02-27 Thu</a:t>
+              <a:t>20-02-27 [Thu]</a:t>
             </a:fld>
             <a:endParaRPr lang="ko-KR" altLang="en-US">
               <a:solidFill>
@@ -858,7 +858,7 @@
           <p:cNvPr id="5" name="바닥글 개체 틀 4">
             <a:extLst>
               <a:ext uri="{FF2B5EF4-FFF2-40B4-BE49-F238E27FC236}">
-                <a16:creationId xmlns:a16="http://schemas.microsoft.com/office/drawing/2014/main" xmlns="" id="{B1CF189C-4CDA-41C3-A048-F232B4C4B8D2}"/>
+                <a16:creationId xmlns:a16="http://schemas.microsoft.com/office/drawing/2014/main" id="{B1CF189C-4CDA-41C3-A048-F232B4C4B8D2}"/>
               </a:ext>
             </a:extLst>
           </p:cNvPr>
@@ -889,7 +889,7 @@
           <p:cNvPr id="6" name="슬라이드 번호 개체 틀 5">
             <a:extLst>
               <a:ext uri="{FF2B5EF4-FFF2-40B4-BE49-F238E27FC236}">
-                <a16:creationId xmlns:a16="http://schemas.microsoft.com/office/drawing/2014/main" xmlns="" id="{BAF061BA-CD52-4A93-9968-2D177FB0947C}"/>
+                <a16:creationId xmlns:a16="http://schemas.microsoft.com/office/drawing/2014/main" id="{BAF061BA-CD52-4A93-9968-2D177FB0947C}"/>
               </a:ext>
             </a:extLst>
           </p:cNvPr>
@@ -961,7 +961,7 @@
           <p:cNvPr id="2" name="제목 1">
             <a:extLst>
               <a:ext uri="{FF2B5EF4-FFF2-40B4-BE49-F238E27FC236}">
-                <a16:creationId xmlns:a16="http://schemas.microsoft.com/office/drawing/2014/main" xmlns="" id="{2478CD97-4610-41D5-9293-07E4F7EF8330}"/>
+                <a16:creationId xmlns:a16="http://schemas.microsoft.com/office/drawing/2014/main" id="{2478CD97-4610-41D5-9293-07E4F7EF8330}"/>
               </a:ext>
             </a:extLst>
           </p:cNvPr>
@@ -989,7 +989,7 @@
           <p:cNvPr id="3" name="내용 개체 틀 2">
             <a:extLst>
               <a:ext uri="{FF2B5EF4-FFF2-40B4-BE49-F238E27FC236}">
-                <a16:creationId xmlns:a16="http://schemas.microsoft.com/office/drawing/2014/main" xmlns="" id="{A4761A08-28DB-4E61-B23C-47F9FF94B03B}"/>
+                <a16:creationId xmlns:a16="http://schemas.microsoft.com/office/drawing/2014/main" id="{A4761A08-28DB-4E61-B23C-47F9FF94B03B}"/>
               </a:ext>
             </a:extLst>
           </p:cNvPr>
@@ -1046,7 +1046,7 @@
           <p:cNvPr id="4" name="날짜 개체 틀 3">
             <a:extLst>
               <a:ext uri="{FF2B5EF4-FFF2-40B4-BE49-F238E27FC236}">
-                <a16:creationId xmlns:a16="http://schemas.microsoft.com/office/drawing/2014/main" xmlns="" id="{8A0B1E4E-9D0C-4F38-8350-90F7893A1DD4}"/>
+                <a16:creationId xmlns:a16="http://schemas.microsoft.com/office/drawing/2014/main" id="{8A0B1E4E-9D0C-4F38-8350-90F7893A1DD4}"/>
               </a:ext>
             </a:extLst>
           </p:cNvPr>
@@ -1071,7 +1071,7 @@
                 </a:solidFill>
               </a:rPr>
               <a:pPr/>
-              <a:t>2020-02-27 Thu</a:t>
+              <a:t>20-02-27 [Thu]</a:t>
             </a:fld>
             <a:endParaRPr lang="ko-KR" altLang="en-US">
               <a:solidFill>
@@ -1088,7 +1088,7 @@
           <p:cNvPr id="5" name="바닥글 개체 틀 4">
             <a:extLst>
               <a:ext uri="{FF2B5EF4-FFF2-40B4-BE49-F238E27FC236}">
-                <a16:creationId xmlns:a16="http://schemas.microsoft.com/office/drawing/2014/main" xmlns="" id="{3EB51119-FFCC-46AF-9F51-2823DEF4A6AF}"/>
+                <a16:creationId xmlns:a16="http://schemas.microsoft.com/office/drawing/2014/main" id="{3EB51119-FFCC-46AF-9F51-2823DEF4A6AF}"/>
               </a:ext>
             </a:extLst>
           </p:cNvPr>
@@ -1119,7 +1119,7 @@
           <p:cNvPr id="6" name="슬라이드 번호 개체 틀 5">
             <a:extLst>
               <a:ext uri="{FF2B5EF4-FFF2-40B4-BE49-F238E27FC236}">
-                <a16:creationId xmlns:a16="http://schemas.microsoft.com/office/drawing/2014/main" xmlns="" id="{5E5C2C86-356F-4ACF-9EEC-3B3D8462A39C}"/>
+                <a16:creationId xmlns:a16="http://schemas.microsoft.com/office/drawing/2014/main" id="{5E5C2C86-356F-4ACF-9EEC-3B3D8462A39C}"/>
               </a:ext>
             </a:extLst>
           </p:cNvPr>
@@ -1191,7 +1191,7 @@
           <p:cNvPr id="2" name="제목 1">
             <a:extLst>
               <a:ext uri="{FF2B5EF4-FFF2-40B4-BE49-F238E27FC236}">
-                <a16:creationId xmlns:a16="http://schemas.microsoft.com/office/drawing/2014/main" xmlns="" id="{DBF78962-7159-4DAF-9E07-D4AC9AFA9BC1}"/>
+                <a16:creationId xmlns:a16="http://schemas.microsoft.com/office/drawing/2014/main" id="{DBF78962-7159-4DAF-9E07-D4AC9AFA9BC1}"/>
               </a:ext>
             </a:extLst>
           </p:cNvPr>
@@ -1228,7 +1228,7 @@
           <p:cNvPr id="3" name="텍스트 개체 틀 2">
             <a:extLst>
               <a:ext uri="{FF2B5EF4-FFF2-40B4-BE49-F238E27FC236}">
-                <a16:creationId xmlns:a16="http://schemas.microsoft.com/office/drawing/2014/main" xmlns="" id="{FAB5D699-135E-49BA-9606-CB890CD5D6CE}"/>
+                <a16:creationId xmlns:a16="http://schemas.microsoft.com/office/drawing/2014/main" id="{FAB5D699-135E-49BA-9606-CB890CD5D6CE}"/>
               </a:ext>
             </a:extLst>
           </p:cNvPr>
@@ -1353,7 +1353,7 @@
           <p:cNvPr id="4" name="날짜 개체 틀 3">
             <a:extLst>
               <a:ext uri="{FF2B5EF4-FFF2-40B4-BE49-F238E27FC236}">
-                <a16:creationId xmlns:a16="http://schemas.microsoft.com/office/drawing/2014/main" xmlns="" id="{3717AFA4-E80B-48F1-B566-3D5FA0DCC2E5}"/>
+                <a16:creationId xmlns:a16="http://schemas.microsoft.com/office/drawing/2014/main" id="{3717AFA4-E80B-48F1-B566-3D5FA0DCC2E5}"/>
               </a:ext>
             </a:extLst>
           </p:cNvPr>
@@ -1378,7 +1378,7 @@
                 </a:solidFill>
               </a:rPr>
               <a:pPr/>
-              <a:t>2020-02-27 Thu</a:t>
+              <a:t>20-02-27 [Thu]</a:t>
             </a:fld>
             <a:endParaRPr lang="ko-KR" altLang="en-US">
               <a:solidFill>
@@ -1395,7 +1395,7 @@
           <p:cNvPr id="5" name="바닥글 개체 틀 4">
             <a:extLst>
               <a:ext uri="{FF2B5EF4-FFF2-40B4-BE49-F238E27FC236}">
-                <a16:creationId xmlns:a16="http://schemas.microsoft.com/office/drawing/2014/main" xmlns="" id="{530C7227-51F8-4DD4-93DC-2046C220BC2B}"/>
+                <a16:creationId xmlns:a16="http://schemas.microsoft.com/office/drawing/2014/main" id="{530C7227-51F8-4DD4-93DC-2046C220BC2B}"/>
               </a:ext>
             </a:extLst>
           </p:cNvPr>
@@ -1426,7 +1426,7 @@
           <p:cNvPr id="6" name="슬라이드 번호 개체 틀 5">
             <a:extLst>
               <a:ext uri="{FF2B5EF4-FFF2-40B4-BE49-F238E27FC236}">
-                <a16:creationId xmlns:a16="http://schemas.microsoft.com/office/drawing/2014/main" xmlns="" id="{CF23AE0C-87AE-419F-8C21-C05064D5F98B}"/>
+                <a16:creationId xmlns:a16="http://schemas.microsoft.com/office/drawing/2014/main" id="{CF23AE0C-87AE-419F-8C21-C05064D5F98B}"/>
               </a:ext>
             </a:extLst>
           </p:cNvPr>
@@ -1498,7 +1498,7 @@
           <p:cNvPr id="2" name="제목 1">
             <a:extLst>
               <a:ext uri="{FF2B5EF4-FFF2-40B4-BE49-F238E27FC236}">
-                <a16:creationId xmlns:a16="http://schemas.microsoft.com/office/drawing/2014/main" xmlns="" id="{EF53F05C-1B53-4997-8D4F-574B40BFB6D2}"/>
+                <a16:creationId xmlns:a16="http://schemas.microsoft.com/office/drawing/2014/main" id="{EF53F05C-1B53-4997-8D4F-574B40BFB6D2}"/>
               </a:ext>
             </a:extLst>
           </p:cNvPr>
@@ -1526,7 +1526,7 @@
           <p:cNvPr id="3" name="내용 개체 틀 2">
             <a:extLst>
               <a:ext uri="{FF2B5EF4-FFF2-40B4-BE49-F238E27FC236}">
-                <a16:creationId xmlns:a16="http://schemas.microsoft.com/office/drawing/2014/main" xmlns="" id="{F2EE759F-A91E-45FB-BC0F-52B204A43CE5}"/>
+                <a16:creationId xmlns:a16="http://schemas.microsoft.com/office/drawing/2014/main" id="{F2EE759F-A91E-45FB-BC0F-52B204A43CE5}"/>
               </a:ext>
             </a:extLst>
           </p:cNvPr>
@@ -1588,7 +1588,7 @@
           <p:cNvPr id="4" name="내용 개체 틀 3">
             <a:extLst>
               <a:ext uri="{FF2B5EF4-FFF2-40B4-BE49-F238E27FC236}">
-                <a16:creationId xmlns:a16="http://schemas.microsoft.com/office/drawing/2014/main" xmlns="" id="{CBA814ED-B083-468B-A3B1-B0834E8C8212}"/>
+                <a16:creationId xmlns:a16="http://schemas.microsoft.com/office/drawing/2014/main" id="{CBA814ED-B083-468B-A3B1-B0834E8C8212}"/>
               </a:ext>
             </a:extLst>
           </p:cNvPr>
@@ -1650,7 +1650,7 @@
           <p:cNvPr id="5" name="날짜 개체 틀 4">
             <a:extLst>
               <a:ext uri="{FF2B5EF4-FFF2-40B4-BE49-F238E27FC236}">
-                <a16:creationId xmlns:a16="http://schemas.microsoft.com/office/drawing/2014/main" xmlns="" id="{877DEBD2-BAE9-4C14-A7E8-517148C14EED}"/>
+                <a16:creationId xmlns:a16="http://schemas.microsoft.com/office/drawing/2014/main" id="{877DEBD2-BAE9-4C14-A7E8-517148C14EED}"/>
               </a:ext>
             </a:extLst>
           </p:cNvPr>
@@ -1675,7 +1675,7 @@
                 </a:solidFill>
               </a:rPr>
               <a:pPr/>
-              <a:t>2020-02-27 Thu</a:t>
+              <a:t>20-02-27 [Thu]</a:t>
             </a:fld>
             <a:endParaRPr lang="ko-KR" altLang="en-US">
               <a:solidFill>
@@ -1692,7 +1692,7 @@
           <p:cNvPr id="6" name="바닥글 개체 틀 5">
             <a:extLst>
               <a:ext uri="{FF2B5EF4-FFF2-40B4-BE49-F238E27FC236}">
-                <a16:creationId xmlns:a16="http://schemas.microsoft.com/office/drawing/2014/main" xmlns="" id="{2F72D31F-47DB-4B78-B8CC-AB9D0A4DCEC0}"/>
+                <a16:creationId xmlns:a16="http://schemas.microsoft.com/office/drawing/2014/main" id="{2F72D31F-47DB-4B78-B8CC-AB9D0A4DCEC0}"/>
               </a:ext>
             </a:extLst>
           </p:cNvPr>
@@ -1723,7 +1723,7 @@
           <p:cNvPr id="7" name="슬라이드 번호 개체 틀 6">
             <a:extLst>
               <a:ext uri="{FF2B5EF4-FFF2-40B4-BE49-F238E27FC236}">
-                <a16:creationId xmlns:a16="http://schemas.microsoft.com/office/drawing/2014/main" xmlns="" id="{F1B67971-49C1-46A6-BFE1-F14E5E9F87CF}"/>
+                <a16:creationId xmlns:a16="http://schemas.microsoft.com/office/drawing/2014/main" id="{F1B67971-49C1-46A6-BFE1-F14E5E9F87CF}"/>
               </a:ext>
             </a:extLst>
           </p:cNvPr>
@@ -1795,7 +1795,7 @@
           <p:cNvPr id="2" name="제목 1">
             <a:extLst>
               <a:ext uri="{FF2B5EF4-FFF2-40B4-BE49-F238E27FC236}">
-                <a16:creationId xmlns:a16="http://schemas.microsoft.com/office/drawing/2014/main" xmlns="" id="{E54246B1-789C-445A-A33C-EE193AF6AB31}"/>
+                <a16:creationId xmlns:a16="http://schemas.microsoft.com/office/drawing/2014/main" id="{E54246B1-789C-445A-A33C-EE193AF6AB31}"/>
               </a:ext>
             </a:extLst>
           </p:cNvPr>
@@ -1828,7 +1828,7 @@
           <p:cNvPr id="3" name="텍스트 개체 틀 2">
             <a:extLst>
               <a:ext uri="{FF2B5EF4-FFF2-40B4-BE49-F238E27FC236}">
-                <a16:creationId xmlns:a16="http://schemas.microsoft.com/office/drawing/2014/main" xmlns="" id="{C60DCCE6-A432-4D2A-810A-99E8AFAD1DD0}"/>
+                <a16:creationId xmlns:a16="http://schemas.microsoft.com/office/drawing/2014/main" id="{C60DCCE6-A432-4D2A-810A-99E8AFAD1DD0}"/>
               </a:ext>
             </a:extLst>
           </p:cNvPr>
@@ -1899,7 +1899,7 @@
           <p:cNvPr id="4" name="내용 개체 틀 3">
             <a:extLst>
               <a:ext uri="{FF2B5EF4-FFF2-40B4-BE49-F238E27FC236}">
-                <a16:creationId xmlns:a16="http://schemas.microsoft.com/office/drawing/2014/main" xmlns="" id="{16D0CEB2-1187-4252-AD05-8D872A1D3F3F}"/>
+                <a16:creationId xmlns:a16="http://schemas.microsoft.com/office/drawing/2014/main" id="{16D0CEB2-1187-4252-AD05-8D872A1D3F3F}"/>
               </a:ext>
             </a:extLst>
           </p:cNvPr>
@@ -1961,7 +1961,7 @@
           <p:cNvPr id="5" name="텍스트 개체 틀 4">
             <a:extLst>
               <a:ext uri="{FF2B5EF4-FFF2-40B4-BE49-F238E27FC236}">
-                <a16:creationId xmlns:a16="http://schemas.microsoft.com/office/drawing/2014/main" xmlns="" id="{5AE31809-3F66-4FEC-8D60-2F4D07A12196}"/>
+                <a16:creationId xmlns:a16="http://schemas.microsoft.com/office/drawing/2014/main" id="{5AE31809-3F66-4FEC-8D60-2F4D07A12196}"/>
               </a:ext>
             </a:extLst>
           </p:cNvPr>
@@ -2032,7 +2032,7 @@
           <p:cNvPr id="6" name="내용 개체 틀 5">
             <a:extLst>
               <a:ext uri="{FF2B5EF4-FFF2-40B4-BE49-F238E27FC236}">
-                <a16:creationId xmlns:a16="http://schemas.microsoft.com/office/drawing/2014/main" xmlns="" id="{A23AB223-7027-45B7-A59D-E463A79FDDD7}"/>
+                <a16:creationId xmlns:a16="http://schemas.microsoft.com/office/drawing/2014/main" id="{A23AB223-7027-45B7-A59D-E463A79FDDD7}"/>
               </a:ext>
             </a:extLst>
           </p:cNvPr>
@@ -2094,7 +2094,7 @@
           <p:cNvPr id="7" name="날짜 개체 틀 6">
             <a:extLst>
               <a:ext uri="{FF2B5EF4-FFF2-40B4-BE49-F238E27FC236}">
-                <a16:creationId xmlns:a16="http://schemas.microsoft.com/office/drawing/2014/main" xmlns="" id="{D2A2B8DD-7358-465C-8CC1-F71D7DE0E812}"/>
+                <a16:creationId xmlns:a16="http://schemas.microsoft.com/office/drawing/2014/main" id="{D2A2B8DD-7358-465C-8CC1-F71D7DE0E812}"/>
               </a:ext>
             </a:extLst>
           </p:cNvPr>
@@ -2119,7 +2119,7 @@
                 </a:solidFill>
               </a:rPr>
               <a:pPr/>
-              <a:t>2020-02-27 Thu</a:t>
+              <a:t>20-02-27 [Thu]</a:t>
             </a:fld>
             <a:endParaRPr lang="ko-KR" altLang="en-US">
               <a:solidFill>
@@ -2136,7 +2136,7 @@
           <p:cNvPr id="8" name="바닥글 개체 틀 7">
             <a:extLst>
               <a:ext uri="{FF2B5EF4-FFF2-40B4-BE49-F238E27FC236}">
-                <a16:creationId xmlns:a16="http://schemas.microsoft.com/office/drawing/2014/main" xmlns="" id="{0D010038-A30A-4B64-BB25-7C3590F3E110}"/>
+                <a16:creationId xmlns:a16="http://schemas.microsoft.com/office/drawing/2014/main" id="{0D010038-A30A-4B64-BB25-7C3590F3E110}"/>
               </a:ext>
             </a:extLst>
           </p:cNvPr>
@@ -2167,7 +2167,7 @@
           <p:cNvPr id="9" name="슬라이드 번호 개체 틀 8">
             <a:extLst>
               <a:ext uri="{FF2B5EF4-FFF2-40B4-BE49-F238E27FC236}">
-                <a16:creationId xmlns:a16="http://schemas.microsoft.com/office/drawing/2014/main" xmlns="" id="{65054B27-799F-4A0D-8BE0-631E52465DC1}"/>
+                <a16:creationId xmlns:a16="http://schemas.microsoft.com/office/drawing/2014/main" id="{65054B27-799F-4A0D-8BE0-631E52465DC1}"/>
               </a:ext>
             </a:extLst>
           </p:cNvPr>
@@ -2239,7 +2239,7 @@
           <p:cNvPr id="2" name="제목 1">
             <a:extLst>
               <a:ext uri="{FF2B5EF4-FFF2-40B4-BE49-F238E27FC236}">
-                <a16:creationId xmlns:a16="http://schemas.microsoft.com/office/drawing/2014/main" xmlns="" id="{C485E51C-A240-4608-92DA-E50F807F41C0}"/>
+                <a16:creationId xmlns:a16="http://schemas.microsoft.com/office/drawing/2014/main" id="{C485E51C-A240-4608-92DA-E50F807F41C0}"/>
               </a:ext>
             </a:extLst>
           </p:cNvPr>
@@ -2267,7 +2267,7 @@
           <p:cNvPr id="3" name="날짜 개체 틀 2">
             <a:extLst>
               <a:ext uri="{FF2B5EF4-FFF2-40B4-BE49-F238E27FC236}">
-                <a16:creationId xmlns:a16="http://schemas.microsoft.com/office/drawing/2014/main" xmlns="" id="{2B851E15-AFBE-4FC3-8B78-027D54EB8877}"/>
+                <a16:creationId xmlns:a16="http://schemas.microsoft.com/office/drawing/2014/main" id="{2B851E15-AFBE-4FC3-8B78-027D54EB8877}"/>
               </a:ext>
             </a:extLst>
           </p:cNvPr>
@@ -2292,7 +2292,7 @@
                 </a:solidFill>
               </a:rPr>
               <a:pPr/>
-              <a:t>2020-02-27 Thu</a:t>
+              <a:t>20-02-27 [Thu]</a:t>
             </a:fld>
             <a:endParaRPr lang="ko-KR" altLang="en-US">
               <a:solidFill>
@@ -2309,7 +2309,7 @@
           <p:cNvPr id="4" name="바닥글 개체 틀 3">
             <a:extLst>
               <a:ext uri="{FF2B5EF4-FFF2-40B4-BE49-F238E27FC236}">
-                <a16:creationId xmlns:a16="http://schemas.microsoft.com/office/drawing/2014/main" xmlns="" id="{5FEBB580-75E4-48D4-AEF3-E10C58CF6EA4}"/>
+                <a16:creationId xmlns:a16="http://schemas.microsoft.com/office/drawing/2014/main" id="{5FEBB580-75E4-48D4-AEF3-E10C58CF6EA4}"/>
               </a:ext>
             </a:extLst>
           </p:cNvPr>
@@ -2340,7 +2340,7 @@
           <p:cNvPr id="5" name="슬라이드 번호 개체 틀 4">
             <a:extLst>
               <a:ext uri="{FF2B5EF4-FFF2-40B4-BE49-F238E27FC236}">
-                <a16:creationId xmlns:a16="http://schemas.microsoft.com/office/drawing/2014/main" xmlns="" id="{BF32AC2E-0C50-4FB0-8820-A7AC6BDE4173}"/>
+                <a16:creationId xmlns:a16="http://schemas.microsoft.com/office/drawing/2014/main" id="{BF32AC2E-0C50-4FB0-8820-A7AC6BDE4173}"/>
               </a:ext>
             </a:extLst>
           </p:cNvPr>
@@ -2412,7 +2412,7 @@
           <p:cNvPr id="2" name="날짜 개체 틀 1">
             <a:extLst>
               <a:ext uri="{FF2B5EF4-FFF2-40B4-BE49-F238E27FC236}">
-                <a16:creationId xmlns:a16="http://schemas.microsoft.com/office/drawing/2014/main" xmlns="" id="{2C192448-72D9-4BA8-A3A5-9279810622F2}"/>
+                <a16:creationId xmlns:a16="http://schemas.microsoft.com/office/drawing/2014/main" id="{2C192448-72D9-4BA8-A3A5-9279810622F2}"/>
               </a:ext>
             </a:extLst>
           </p:cNvPr>
@@ -2437,7 +2437,7 @@
                 </a:solidFill>
               </a:rPr>
               <a:pPr/>
-              <a:t>2020-02-27 Thu</a:t>
+              <a:t>20-02-27 [Thu]</a:t>
             </a:fld>
             <a:endParaRPr lang="ko-KR" altLang="en-US">
               <a:solidFill>
@@ -2454,7 +2454,7 @@
           <p:cNvPr id="3" name="바닥글 개체 틀 2">
             <a:extLst>
               <a:ext uri="{FF2B5EF4-FFF2-40B4-BE49-F238E27FC236}">
-                <a16:creationId xmlns:a16="http://schemas.microsoft.com/office/drawing/2014/main" xmlns="" id="{6A464358-B5B5-49B6-9CA3-2BE74CF87DC8}"/>
+                <a16:creationId xmlns:a16="http://schemas.microsoft.com/office/drawing/2014/main" id="{6A464358-B5B5-49B6-9CA3-2BE74CF87DC8}"/>
               </a:ext>
             </a:extLst>
           </p:cNvPr>
@@ -2485,7 +2485,7 @@
           <p:cNvPr id="4" name="슬라이드 번호 개체 틀 3">
             <a:extLst>
               <a:ext uri="{FF2B5EF4-FFF2-40B4-BE49-F238E27FC236}">
-                <a16:creationId xmlns:a16="http://schemas.microsoft.com/office/drawing/2014/main" xmlns="" id="{5B606F01-6E92-4C16-A968-94433D122A35}"/>
+                <a16:creationId xmlns:a16="http://schemas.microsoft.com/office/drawing/2014/main" id="{5B606F01-6E92-4C16-A968-94433D122A35}"/>
               </a:ext>
             </a:extLst>
           </p:cNvPr>
@@ -2557,7 +2557,7 @@
           <p:cNvPr id="2" name="제목 1">
             <a:extLst>
               <a:ext uri="{FF2B5EF4-FFF2-40B4-BE49-F238E27FC236}">
-                <a16:creationId xmlns:a16="http://schemas.microsoft.com/office/drawing/2014/main" xmlns="" id="{78C9915E-4301-4868-A5EC-6F607A83BF22}"/>
+                <a16:creationId xmlns:a16="http://schemas.microsoft.com/office/drawing/2014/main" id="{78C9915E-4301-4868-A5EC-6F607A83BF22}"/>
               </a:ext>
             </a:extLst>
           </p:cNvPr>
@@ -2594,7 +2594,7 @@
           <p:cNvPr id="3" name="내용 개체 틀 2">
             <a:extLst>
               <a:ext uri="{FF2B5EF4-FFF2-40B4-BE49-F238E27FC236}">
-                <a16:creationId xmlns:a16="http://schemas.microsoft.com/office/drawing/2014/main" xmlns="" id="{4507BFFD-DC79-4CFE-A2B2-BACA06190953}"/>
+                <a16:creationId xmlns:a16="http://schemas.microsoft.com/office/drawing/2014/main" id="{4507BFFD-DC79-4CFE-A2B2-BACA06190953}"/>
               </a:ext>
             </a:extLst>
           </p:cNvPr>
@@ -2684,7 +2684,7 @@
           <p:cNvPr id="4" name="텍스트 개체 틀 3">
             <a:extLst>
               <a:ext uri="{FF2B5EF4-FFF2-40B4-BE49-F238E27FC236}">
-                <a16:creationId xmlns:a16="http://schemas.microsoft.com/office/drawing/2014/main" xmlns="" id="{9A00C531-2EB8-4478-9A6C-4CD6FE675072}"/>
+                <a16:creationId xmlns:a16="http://schemas.microsoft.com/office/drawing/2014/main" id="{9A00C531-2EB8-4478-9A6C-4CD6FE675072}"/>
               </a:ext>
             </a:extLst>
           </p:cNvPr>
@@ -2755,7 +2755,7 @@
           <p:cNvPr id="5" name="날짜 개체 틀 4">
             <a:extLst>
               <a:ext uri="{FF2B5EF4-FFF2-40B4-BE49-F238E27FC236}">
-                <a16:creationId xmlns:a16="http://schemas.microsoft.com/office/drawing/2014/main" xmlns="" id="{8B9102F9-10D2-4689-A3F0-BD4C609347E9}"/>
+                <a16:creationId xmlns:a16="http://schemas.microsoft.com/office/drawing/2014/main" id="{8B9102F9-10D2-4689-A3F0-BD4C609347E9}"/>
               </a:ext>
             </a:extLst>
           </p:cNvPr>
@@ -2780,7 +2780,7 @@
                 </a:solidFill>
               </a:rPr>
               <a:pPr/>
-              <a:t>2020-02-27 Thu</a:t>
+              <a:t>20-02-27 [Thu]</a:t>
             </a:fld>
             <a:endParaRPr lang="ko-KR" altLang="en-US">
               <a:solidFill>
@@ -2797,7 +2797,7 @@
           <p:cNvPr id="6" name="바닥글 개체 틀 5">
             <a:extLst>
               <a:ext uri="{FF2B5EF4-FFF2-40B4-BE49-F238E27FC236}">
-                <a16:creationId xmlns:a16="http://schemas.microsoft.com/office/drawing/2014/main" xmlns="" id="{D7F39764-04A1-4A55-9A18-7F042A006344}"/>
+                <a16:creationId xmlns:a16="http://schemas.microsoft.com/office/drawing/2014/main" id="{D7F39764-04A1-4A55-9A18-7F042A006344}"/>
               </a:ext>
             </a:extLst>
           </p:cNvPr>
@@ -2828,7 +2828,7 @@
           <p:cNvPr id="7" name="슬라이드 번호 개체 틀 6">
             <a:extLst>
               <a:ext uri="{FF2B5EF4-FFF2-40B4-BE49-F238E27FC236}">
-                <a16:creationId xmlns:a16="http://schemas.microsoft.com/office/drawing/2014/main" xmlns="" id="{34225F41-6CDF-4265-BBB3-81FCF28FB82A}"/>
+                <a16:creationId xmlns:a16="http://schemas.microsoft.com/office/drawing/2014/main" id="{34225F41-6CDF-4265-BBB3-81FCF28FB82A}"/>
               </a:ext>
             </a:extLst>
           </p:cNvPr>
@@ -2985,7 +2985,7 @@
           <a:p>
             <a:fld id="{F8B5EFE0-875C-42C8-A769-0BC60867F1E2}" type="datetimeFigureOut">
               <a:rPr lang="ko-KR" altLang="en-US" smtClean="0"/>
-              <a:t>2020-02-27 Thu</a:t>
+              <a:t>20-02-27 [Thu]</a:t>
             </a:fld>
             <a:endParaRPr lang="ko-KR" altLang="en-US"/>
           </a:p>
@@ -3068,7 +3068,7 @@
           <p:cNvPr id="2" name="제목 1">
             <a:extLst>
               <a:ext uri="{FF2B5EF4-FFF2-40B4-BE49-F238E27FC236}">
-                <a16:creationId xmlns:a16="http://schemas.microsoft.com/office/drawing/2014/main" xmlns="" id="{E1595260-FA6D-4888-ADF7-F499EEC9CAF3}"/>
+                <a16:creationId xmlns:a16="http://schemas.microsoft.com/office/drawing/2014/main" id="{E1595260-FA6D-4888-ADF7-F499EEC9CAF3}"/>
               </a:ext>
             </a:extLst>
           </p:cNvPr>
@@ -3105,7 +3105,7 @@
           <p:cNvPr id="3" name="그림 개체 틀 2">
             <a:extLst>
               <a:ext uri="{FF2B5EF4-FFF2-40B4-BE49-F238E27FC236}">
-                <a16:creationId xmlns:a16="http://schemas.microsoft.com/office/drawing/2014/main" xmlns="" id="{83A50628-D8CA-4077-960A-F39CE72B43AC}"/>
+                <a16:creationId xmlns:a16="http://schemas.microsoft.com/office/drawing/2014/main" id="{83A50628-D8CA-4077-960A-F39CE72B43AC}"/>
               </a:ext>
             </a:extLst>
           </p:cNvPr>
@@ -3172,7 +3172,7 @@
           <p:cNvPr id="4" name="텍스트 개체 틀 3">
             <a:extLst>
               <a:ext uri="{FF2B5EF4-FFF2-40B4-BE49-F238E27FC236}">
-                <a16:creationId xmlns:a16="http://schemas.microsoft.com/office/drawing/2014/main" xmlns="" id="{19E7AA03-FBD8-4A50-A92B-5AC38CFD2159}"/>
+                <a16:creationId xmlns:a16="http://schemas.microsoft.com/office/drawing/2014/main" id="{19E7AA03-FBD8-4A50-A92B-5AC38CFD2159}"/>
               </a:ext>
             </a:extLst>
           </p:cNvPr>
@@ -3243,7 +3243,7 @@
           <p:cNvPr id="5" name="날짜 개체 틀 4">
             <a:extLst>
               <a:ext uri="{FF2B5EF4-FFF2-40B4-BE49-F238E27FC236}">
-                <a16:creationId xmlns:a16="http://schemas.microsoft.com/office/drawing/2014/main" xmlns="" id="{68D9E59A-44BD-4C8B-A629-A61BC819DCDC}"/>
+                <a16:creationId xmlns:a16="http://schemas.microsoft.com/office/drawing/2014/main" id="{68D9E59A-44BD-4C8B-A629-A61BC819DCDC}"/>
               </a:ext>
             </a:extLst>
           </p:cNvPr>
@@ -3268,7 +3268,7 @@
                 </a:solidFill>
               </a:rPr>
               <a:pPr/>
-              <a:t>2020-02-27 Thu</a:t>
+              <a:t>20-02-27 [Thu]</a:t>
             </a:fld>
             <a:endParaRPr lang="ko-KR" altLang="en-US">
               <a:solidFill>
@@ -3285,7 +3285,7 @@
           <p:cNvPr id="6" name="바닥글 개체 틀 5">
             <a:extLst>
               <a:ext uri="{FF2B5EF4-FFF2-40B4-BE49-F238E27FC236}">
-                <a16:creationId xmlns:a16="http://schemas.microsoft.com/office/drawing/2014/main" xmlns="" id="{1D2B7321-A165-476B-A4ED-83B774277E09}"/>
+                <a16:creationId xmlns:a16="http://schemas.microsoft.com/office/drawing/2014/main" id="{1D2B7321-A165-476B-A4ED-83B774277E09}"/>
               </a:ext>
             </a:extLst>
           </p:cNvPr>
@@ -3316,7 +3316,7 @@
           <p:cNvPr id="7" name="슬라이드 번호 개체 틀 6">
             <a:extLst>
               <a:ext uri="{FF2B5EF4-FFF2-40B4-BE49-F238E27FC236}">
-                <a16:creationId xmlns:a16="http://schemas.microsoft.com/office/drawing/2014/main" xmlns="" id="{07F02D81-149F-45ED-BBC5-576EF0493F03}"/>
+                <a16:creationId xmlns:a16="http://schemas.microsoft.com/office/drawing/2014/main" id="{07F02D81-149F-45ED-BBC5-576EF0493F03}"/>
               </a:ext>
             </a:extLst>
           </p:cNvPr>
@@ -3388,7 +3388,7 @@
           <p:cNvPr id="2" name="제목 1">
             <a:extLst>
               <a:ext uri="{FF2B5EF4-FFF2-40B4-BE49-F238E27FC236}">
-                <a16:creationId xmlns:a16="http://schemas.microsoft.com/office/drawing/2014/main" xmlns="" id="{C7E2F226-2DB6-4832-A3E8-E1A82BC8412B}"/>
+                <a16:creationId xmlns:a16="http://schemas.microsoft.com/office/drawing/2014/main" id="{C7E2F226-2DB6-4832-A3E8-E1A82BC8412B}"/>
               </a:ext>
             </a:extLst>
           </p:cNvPr>
@@ -3416,7 +3416,7 @@
           <p:cNvPr id="3" name="세로 텍스트 개체 틀 2">
             <a:extLst>
               <a:ext uri="{FF2B5EF4-FFF2-40B4-BE49-F238E27FC236}">
-                <a16:creationId xmlns:a16="http://schemas.microsoft.com/office/drawing/2014/main" xmlns="" id="{35E32266-CD01-4901-8FE7-5010FC0706F7}"/>
+                <a16:creationId xmlns:a16="http://schemas.microsoft.com/office/drawing/2014/main" id="{35E32266-CD01-4901-8FE7-5010FC0706F7}"/>
               </a:ext>
             </a:extLst>
           </p:cNvPr>
@@ -3473,7 +3473,7 @@
           <p:cNvPr id="4" name="날짜 개체 틀 3">
             <a:extLst>
               <a:ext uri="{FF2B5EF4-FFF2-40B4-BE49-F238E27FC236}">
-                <a16:creationId xmlns:a16="http://schemas.microsoft.com/office/drawing/2014/main" xmlns="" id="{8918B274-9924-4562-A19B-0EF8383C8F5F}"/>
+                <a16:creationId xmlns:a16="http://schemas.microsoft.com/office/drawing/2014/main" id="{8918B274-9924-4562-A19B-0EF8383C8F5F}"/>
               </a:ext>
             </a:extLst>
           </p:cNvPr>
@@ -3498,7 +3498,7 @@
                 </a:solidFill>
               </a:rPr>
               <a:pPr/>
-              <a:t>2020-02-27 Thu</a:t>
+              <a:t>20-02-27 [Thu]</a:t>
             </a:fld>
             <a:endParaRPr lang="ko-KR" altLang="en-US">
               <a:solidFill>
@@ -3515,7 +3515,7 @@
           <p:cNvPr id="5" name="바닥글 개체 틀 4">
             <a:extLst>
               <a:ext uri="{FF2B5EF4-FFF2-40B4-BE49-F238E27FC236}">
-                <a16:creationId xmlns:a16="http://schemas.microsoft.com/office/drawing/2014/main" xmlns="" id="{48ABDFFA-1327-4FDA-A13E-DCF7D4AB5F2C}"/>
+                <a16:creationId xmlns:a16="http://schemas.microsoft.com/office/drawing/2014/main" id="{48ABDFFA-1327-4FDA-A13E-DCF7D4AB5F2C}"/>
               </a:ext>
             </a:extLst>
           </p:cNvPr>
@@ -3546,7 +3546,7 @@
           <p:cNvPr id="6" name="슬라이드 번호 개체 틀 5">
             <a:extLst>
               <a:ext uri="{FF2B5EF4-FFF2-40B4-BE49-F238E27FC236}">
-                <a16:creationId xmlns:a16="http://schemas.microsoft.com/office/drawing/2014/main" xmlns="" id="{7E941122-80C3-410F-B4B5-38B3C974463E}"/>
+                <a16:creationId xmlns:a16="http://schemas.microsoft.com/office/drawing/2014/main" id="{7E941122-80C3-410F-B4B5-38B3C974463E}"/>
               </a:ext>
             </a:extLst>
           </p:cNvPr>
@@ -3618,7 +3618,7 @@
           <p:cNvPr id="2" name="세로 제목 1">
             <a:extLst>
               <a:ext uri="{FF2B5EF4-FFF2-40B4-BE49-F238E27FC236}">
-                <a16:creationId xmlns:a16="http://schemas.microsoft.com/office/drawing/2014/main" xmlns="" id="{F39004B4-A2BB-4353-9490-3CFBF08BEECF}"/>
+                <a16:creationId xmlns:a16="http://schemas.microsoft.com/office/drawing/2014/main" id="{F39004B4-A2BB-4353-9490-3CFBF08BEECF}"/>
               </a:ext>
             </a:extLst>
           </p:cNvPr>
@@ -3651,7 +3651,7 @@
           <p:cNvPr id="3" name="세로 텍스트 개체 틀 2">
             <a:extLst>
               <a:ext uri="{FF2B5EF4-FFF2-40B4-BE49-F238E27FC236}">
-                <a16:creationId xmlns:a16="http://schemas.microsoft.com/office/drawing/2014/main" xmlns="" id="{17E252EA-6994-4BCF-9119-33B60AFB14F3}"/>
+                <a16:creationId xmlns:a16="http://schemas.microsoft.com/office/drawing/2014/main" id="{17E252EA-6994-4BCF-9119-33B60AFB14F3}"/>
               </a:ext>
             </a:extLst>
           </p:cNvPr>
@@ -3713,7 +3713,7 @@
           <p:cNvPr id="4" name="날짜 개체 틀 3">
             <a:extLst>
               <a:ext uri="{FF2B5EF4-FFF2-40B4-BE49-F238E27FC236}">
-                <a16:creationId xmlns:a16="http://schemas.microsoft.com/office/drawing/2014/main" xmlns="" id="{205F8584-D66D-4296-852C-CFABE2A758E0}"/>
+                <a16:creationId xmlns:a16="http://schemas.microsoft.com/office/drawing/2014/main" id="{205F8584-D66D-4296-852C-CFABE2A758E0}"/>
               </a:ext>
             </a:extLst>
           </p:cNvPr>
@@ -3738,7 +3738,7 @@
                 </a:solidFill>
               </a:rPr>
               <a:pPr/>
-              <a:t>2020-02-27 Thu</a:t>
+              <a:t>20-02-27 [Thu]</a:t>
             </a:fld>
             <a:endParaRPr lang="ko-KR" altLang="en-US">
               <a:solidFill>
@@ -3755,7 +3755,7 @@
           <p:cNvPr id="5" name="바닥글 개체 틀 4">
             <a:extLst>
               <a:ext uri="{FF2B5EF4-FFF2-40B4-BE49-F238E27FC236}">
-                <a16:creationId xmlns:a16="http://schemas.microsoft.com/office/drawing/2014/main" xmlns="" id="{A78C3D8F-5F5B-47A5-9BBC-6F058C6ECD7E}"/>
+                <a16:creationId xmlns:a16="http://schemas.microsoft.com/office/drawing/2014/main" id="{A78C3D8F-5F5B-47A5-9BBC-6F058C6ECD7E}"/>
               </a:ext>
             </a:extLst>
           </p:cNvPr>
@@ -3786,7 +3786,7 @@
           <p:cNvPr id="6" name="슬라이드 번호 개체 틀 5">
             <a:extLst>
               <a:ext uri="{FF2B5EF4-FFF2-40B4-BE49-F238E27FC236}">
-                <a16:creationId xmlns:a16="http://schemas.microsoft.com/office/drawing/2014/main" xmlns="" id="{7E72ED3D-DC97-4CF5-A83F-A0F4CD5D3061}"/>
+                <a16:creationId xmlns:a16="http://schemas.microsoft.com/office/drawing/2014/main" id="{7E72ED3D-DC97-4CF5-A83F-A0F4CD5D3061}"/>
               </a:ext>
             </a:extLst>
           </p:cNvPr>
@@ -3858,7 +3858,7 @@
           <p:cNvPr id="2" name="제목 1">
             <a:extLst>
               <a:ext uri="{FF2B5EF4-FFF2-40B4-BE49-F238E27FC236}">
-                <a16:creationId xmlns:a16="http://schemas.microsoft.com/office/drawing/2014/main" xmlns="" id="{9E5E4632-E9C2-430D-8860-5B671341959C}"/>
+                <a16:creationId xmlns:a16="http://schemas.microsoft.com/office/drawing/2014/main" id="{9E5E4632-E9C2-430D-8860-5B671341959C}"/>
               </a:ext>
             </a:extLst>
           </p:cNvPr>
@@ -3895,7 +3895,7 @@
           <p:cNvPr id="3" name="부제목 2">
             <a:extLst>
               <a:ext uri="{FF2B5EF4-FFF2-40B4-BE49-F238E27FC236}">
-                <a16:creationId xmlns:a16="http://schemas.microsoft.com/office/drawing/2014/main" xmlns="" id="{8516A487-29F9-4EB6-A4BF-CF7F6C176945}"/>
+                <a16:creationId xmlns:a16="http://schemas.microsoft.com/office/drawing/2014/main" id="{8516A487-29F9-4EB6-A4BF-CF7F6C176945}"/>
               </a:ext>
             </a:extLst>
           </p:cNvPr>
@@ -3965,7 +3965,7 @@
           <p:cNvPr id="4" name="날짜 개체 틀 3">
             <a:extLst>
               <a:ext uri="{FF2B5EF4-FFF2-40B4-BE49-F238E27FC236}">
-                <a16:creationId xmlns:a16="http://schemas.microsoft.com/office/drawing/2014/main" xmlns="" id="{5458794D-BF22-4D43-9B43-3407B0731DF3}"/>
+                <a16:creationId xmlns:a16="http://schemas.microsoft.com/office/drawing/2014/main" id="{5458794D-BF22-4D43-9B43-3407B0731DF3}"/>
               </a:ext>
             </a:extLst>
           </p:cNvPr>
@@ -3990,7 +3990,7 @@
                 </a:solidFill>
               </a:rPr>
               <a:pPr/>
-              <a:t>2020-02-27 Thu</a:t>
+              <a:t>20-02-27 [Thu]</a:t>
             </a:fld>
             <a:endParaRPr lang="ko-KR" altLang="en-US">
               <a:solidFill>
@@ -4007,7 +4007,7 @@
           <p:cNvPr id="5" name="바닥글 개체 틀 4">
             <a:extLst>
               <a:ext uri="{FF2B5EF4-FFF2-40B4-BE49-F238E27FC236}">
-                <a16:creationId xmlns:a16="http://schemas.microsoft.com/office/drawing/2014/main" xmlns="" id="{B1CF189C-4CDA-41C3-A048-F232B4C4B8D2}"/>
+                <a16:creationId xmlns:a16="http://schemas.microsoft.com/office/drawing/2014/main" id="{B1CF189C-4CDA-41C3-A048-F232B4C4B8D2}"/>
               </a:ext>
             </a:extLst>
           </p:cNvPr>
@@ -4038,7 +4038,7 @@
           <p:cNvPr id="6" name="슬라이드 번호 개체 틀 5">
             <a:extLst>
               <a:ext uri="{FF2B5EF4-FFF2-40B4-BE49-F238E27FC236}">
-                <a16:creationId xmlns:a16="http://schemas.microsoft.com/office/drawing/2014/main" xmlns="" id="{BAF061BA-CD52-4A93-9968-2D177FB0947C}"/>
+                <a16:creationId xmlns:a16="http://schemas.microsoft.com/office/drawing/2014/main" id="{BAF061BA-CD52-4A93-9968-2D177FB0947C}"/>
               </a:ext>
             </a:extLst>
           </p:cNvPr>
@@ -4110,7 +4110,7 @@
           <p:cNvPr id="2" name="제목 1">
             <a:extLst>
               <a:ext uri="{FF2B5EF4-FFF2-40B4-BE49-F238E27FC236}">
-                <a16:creationId xmlns:a16="http://schemas.microsoft.com/office/drawing/2014/main" xmlns="" id="{2478CD97-4610-41D5-9293-07E4F7EF8330}"/>
+                <a16:creationId xmlns:a16="http://schemas.microsoft.com/office/drawing/2014/main" id="{2478CD97-4610-41D5-9293-07E4F7EF8330}"/>
               </a:ext>
             </a:extLst>
           </p:cNvPr>
@@ -4138,7 +4138,7 @@
           <p:cNvPr id="3" name="내용 개체 틀 2">
             <a:extLst>
               <a:ext uri="{FF2B5EF4-FFF2-40B4-BE49-F238E27FC236}">
-                <a16:creationId xmlns:a16="http://schemas.microsoft.com/office/drawing/2014/main" xmlns="" id="{A4761A08-28DB-4E61-B23C-47F9FF94B03B}"/>
+                <a16:creationId xmlns:a16="http://schemas.microsoft.com/office/drawing/2014/main" id="{A4761A08-28DB-4E61-B23C-47F9FF94B03B}"/>
               </a:ext>
             </a:extLst>
           </p:cNvPr>
@@ -4195,7 +4195,7 @@
           <p:cNvPr id="4" name="날짜 개체 틀 3">
             <a:extLst>
               <a:ext uri="{FF2B5EF4-FFF2-40B4-BE49-F238E27FC236}">
-                <a16:creationId xmlns:a16="http://schemas.microsoft.com/office/drawing/2014/main" xmlns="" id="{8A0B1E4E-9D0C-4F38-8350-90F7893A1DD4}"/>
+                <a16:creationId xmlns:a16="http://schemas.microsoft.com/office/drawing/2014/main" id="{8A0B1E4E-9D0C-4F38-8350-90F7893A1DD4}"/>
               </a:ext>
             </a:extLst>
           </p:cNvPr>
@@ -4220,7 +4220,7 @@
                 </a:solidFill>
               </a:rPr>
               <a:pPr/>
-              <a:t>2020-02-27 Thu</a:t>
+              <a:t>20-02-27 [Thu]</a:t>
             </a:fld>
             <a:endParaRPr lang="ko-KR" altLang="en-US">
               <a:solidFill>
@@ -4237,7 +4237,7 @@
           <p:cNvPr id="5" name="바닥글 개체 틀 4">
             <a:extLst>
               <a:ext uri="{FF2B5EF4-FFF2-40B4-BE49-F238E27FC236}">
-                <a16:creationId xmlns:a16="http://schemas.microsoft.com/office/drawing/2014/main" xmlns="" id="{3EB51119-FFCC-46AF-9F51-2823DEF4A6AF}"/>
+                <a16:creationId xmlns:a16="http://schemas.microsoft.com/office/drawing/2014/main" id="{3EB51119-FFCC-46AF-9F51-2823DEF4A6AF}"/>
               </a:ext>
             </a:extLst>
           </p:cNvPr>
@@ -4268,7 +4268,7 @@
           <p:cNvPr id="6" name="슬라이드 번호 개체 틀 5">
             <a:extLst>
               <a:ext uri="{FF2B5EF4-FFF2-40B4-BE49-F238E27FC236}">
-                <a16:creationId xmlns:a16="http://schemas.microsoft.com/office/drawing/2014/main" xmlns="" id="{5E5C2C86-356F-4ACF-9EEC-3B3D8462A39C}"/>
+                <a16:creationId xmlns:a16="http://schemas.microsoft.com/office/drawing/2014/main" id="{5E5C2C86-356F-4ACF-9EEC-3B3D8462A39C}"/>
               </a:ext>
             </a:extLst>
           </p:cNvPr>
@@ -4340,7 +4340,7 @@
           <p:cNvPr id="2" name="제목 1">
             <a:extLst>
               <a:ext uri="{FF2B5EF4-FFF2-40B4-BE49-F238E27FC236}">
-                <a16:creationId xmlns:a16="http://schemas.microsoft.com/office/drawing/2014/main" xmlns="" id="{DBF78962-7159-4DAF-9E07-D4AC9AFA9BC1}"/>
+                <a16:creationId xmlns:a16="http://schemas.microsoft.com/office/drawing/2014/main" id="{DBF78962-7159-4DAF-9E07-D4AC9AFA9BC1}"/>
               </a:ext>
             </a:extLst>
           </p:cNvPr>
@@ -4377,7 +4377,7 @@
           <p:cNvPr id="3" name="텍스트 개체 틀 2">
             <a:extLst>
               <a:ext uri="{FF2B5EF4-FFF2-40B4-BE49-F238E27FC236}">
-                <a16:creationId xmlns:a16="http://schemas.microsoft.com/office/drawing/2014/main" xmlns="" id="{FAB5D699-135E-49BA-9606-CB890CD5D6CE}"/>
+                <a16:creationId xmlns:a16="http://schemas.microsoft.com/office/drawing/2014/main" id="{FAB5D699-135E-49BA-9606-CB890CD5D6CE}"/>
               </a:ext>
             </a:extLst>
           </p:cNvPr>
@@ -4502,7 +4502,7 @@
           <p:cNvPr id="4" name="날짜 개체 틀 3">
             <a:extLst>
               <a:ext uri="{FF2B5EF4-FFF2-40B4-BE49-F238E27FC236}">
-                <a16:creationId xmlns:a16="http://schemas.microsoft.com/office/drawing/2014/main" xmlns="" id="{3717AFA4-E80B-48F1-B566-3D5FA0DCC2E5}"/>
+                <a16:creationId xmlns:a16="http://schemas.microsoft.com/office/drawing/2014/main" id="{3717AFA4-E80B-48F1-B566-3D5FA0DCC2E5}"/>
               </a:ext>
             </a:extLst>
           </p:cNvPr>
@@ -4527,7 +4527,7 @@
                 </a:solidFill>
               </a:rPr>
               <a:pPr/>
-              <a:t>2020-02-27 Thu</a:t>
+              <a:t>20-02-27 [Thu]</a:t>
             </a:fld>
             <a:endParaRPr lang="ko-KR" altLang="en-US">
               <a:solidFill>
@@ -4544,7 +4544,7 @@
           <p:cNvPr id="5" name="바닥글 개체 틀 4">
             <a:extLst>
               <a:ext uri="{FF2B5EF4-FFF2-40B4-BE49-F238E27FC236}">
-                <a16:creationId xmlns:a16="http://schemas.microsoft.com/office/drawing/2014/main" xmlns="" id="{530C7227-51F8-4DD4-93DC-2046C220BC2B}"/>
+                <a16:creationId xmlns:a16="http://schemas.microsoft.com/office/drawing/2014/main" id="{530C7227-51F8-4DD4-93DC-2046C220BC2B}"/>
               </a:ext>
             </a:extLst>
           </p:cNvPr>
@@ -4575,7 +4575,7 @@
           <p:cNvPr id="6" name="슬라이드 번호 개체 틀 5">
             <a:extLst>
               <a:ext uri="{FF2B5EF4-FFF2-40B4-BE49-F238E27FC236}">
-                <a16:creationId xmlns:a16="http://schemas.microsoft.com/office/drawing/2014/main" xmlns="" id="{CF23AE0C-87AE-419F-8C21-C05064D5F98B}"/>
+                <a16:creationId xmlns:a16="http://schemas.microsoft.com/office/drawing/2014/main" id="{CF23AE0C-87AE-419F-8C21-C05064D5F98B}"/>
               </a:ext>
             </a:extLst>
           </p:cNvPr>
@@ -4647,7 +4647,7 @@
           <p:cNvPr id="2" name="제목 1">
             <a:extLst>
               <a:ext uri="{FF2B5EF4-FFF2-40B4-BE49-F238E27FC236}">
-                <a16:creationId xmlns:a16="http://schemas.microsoft.com/office/drawing/2014/main" xmlns="" id="{EF53F05C-1B53-4997-8D4F-574B40BFB6D2}"/>
+                <a16:creationId xmlns:a16="http://schemas.microsoft.com/office/drawing/2014/main" id="{EF53F05C-1B53-4997-8D4F-574B40BFB6D2}"/>
               </a:ext>
             </a:extLst>
           </p:cNvPr>
@@ -4675,7 +4675,7 @@
           <p:cNvPr id="3" name="내용 개체 틀 2">
             <a:extLst>
               <a:ext uri="{FF2B5EF4-FFF2-40B4-BE49-F238E27FC236}">
-                <a16:creationId xmlns:a16="http://schemas.microsoft.com/office/drawing/2014/main" xmlns="" id="{F2EE759F-A91E-45FB-BC0F-52B204A43CE5}"/>
+                <a16:creationId xmlns:a16="http://schemas.microsoft.com/office/drawing/2014/main" id="{F2EE759F-A91E-45FB-BC0F-52B204A43CE5}"/>
               </a:ext>
             </a:extLst>
           </p:cNvPr>
@@ -4737,7 +4737,7 @@
           <p:cNvPr id="4" name="내용 개체 틀 3">
             <a:extLst>
               <a:ext uri="{FF2B5EF4-FFF2-40B4-BE49-F238E27FC236}">
-                <a16:creationId xmlns:a16="http://schemas.microsoft.com/office/drawing/2014/main" xmlns="" id="{CBA814ED-B083-468B-A3B1-B0834E8C8212}"/>
+                <a16:creationId xmlns:a16="http://schemas.microsoft.com/office/drawing/2014/main" id="{CBA814ED-B083-468B-A3B1-B0834E8C8212}"/>
               </a:ext>
             </a:extLst>
           </p:cNvPr>
@@ -4799,7 +4799,7 @@
           <p:cNvPr id="5" name="날짜 개체 틀 4">
             <a:extLst>
               <a:ext uri="{FF2B5EF4-FFF2-40B4-BE49-F238E27FC236}">
-                <a16:creationId xmlns:a16="http://schemas.microsoft.com/office/drawing/2014/main" xmlns="" id="{877DEBD2-BAE9-4C14-A7E8-517148C14EED}"/>
+                <a16:creationId xmlns:a16="http://schemas.microsoft.com/office/drawing/2014/main" id="{877DEBD2-BAE9-4C14-A7E8-517148C14EED}"/>
               </a:ext>
             </a:extLst>
           </p:cNvPr>
@@ -4824,7 +4824,7 @@
                 </a:solidFill>
               </a:rPr>
               <a:pPr/>
-              <a:t>2020-02-27 Thu</a:t>
+              <a:t>20-02-27 [Thu]</a:t>
             </a:fld>
             <a:endParaRPr lang="ko-KR" altLang="en-US">
               <a:solidFill>
@@ -4841,7 +4841,7 @@
           <p:cNvPr id="6" name="바닥글 개체 틀 5">
             <a:extLst>
               <a:ext uri="{FF2B5EF4-FFF2-40B4-BE49-F238E27FC236}">
-                <a16:creationId xmlns:a16="http://schemas.microsoft.com/office/drawing/2014/main" xmlns="" id="{2F72D31F-47DB-4B78-B8CC-AB9D0A4DCEC0}"/>
+                <a16:creationId xmlns:a16="http://schemas.microsoft.com/office/drawing/2014/main" id="{2F72D31F-47DB-4B78-B8CC-AB9D0A4DCEC0}"/>
               </a:ext>
             </a:extLst>
           </p:cNvPr>
@@ -4872,7 +4872,7 @@
           <p:cNvPr id="7" name="슬라이드 번호 개체 틀 6">
             <a:extLst>
               <a:ext uri="{FF2B5EF4-FFF2-40B4-BE49-F238E27FC236}">
-                <a16:creationId xmlns:a16="http://schemas.microsoft.com/office/drawing/2014/main" xmlns="" id="{F1B67971-49C1-46A6-BFE1-F14E5E9F87CF}"/>
+                <a16:creationId xmlns:a16="http://schemas.microsoft.com/office/drawing/2014/main" id="{F1B67971-49C1-46A6-BFE1-F14E5E9F87CF}"/>
               </a:ext>
             </a:extLst>
           </p:cNvPr>
@@ -4944,7 +4944,7 @@
           <p:cNvPr id="2" name="제목 1">
             <a:extLst>
               <a:ext uri="{FF2B5EF4-FFF2-40B4-BE49-F238E27FC236}">
-                <a16:creationId xmlns:a16="http://schemas.microsoft.com/office/drawing/2014/main" xmlns="" id="{E54246B1-789C-445A-A33C-EE193AF6AB31}"/>
+                <a16:creationId xmlns:a16="http://schemas.microsoft.com/office/drawing/2014/main" id="{E54246B1-789C-445A-A33C-EE193AF6AB31}"/>
               </a:ext>
             </a:extLst>
           </p:cNvPr>
@@ -4977,7 +4977,7 @@
           <p:cNvPr id="3" name="텍스트 개체 틀 2">
             <a:extLst>
               <a:ext uri="{FF2B5EF4-FFF2-40B4-BE49-F238E27FC236}">
-                <a16:creationId xmlns:a16="http://schemas.microsoft.com/office/drawing/2014/main" xmlns="" id="{C60DCCE6-A432-4D2A-810A-99E8AFAD1DD0}"/>
+                <a16:creationId xmlns:a16="http://schemas.microsoft.com/office/drawing/2014/main" id="{C60DCCE6-A432-4D2A-810A-99E8AFAD1DD0}"/>
               </a:ext>
             </a:extLst>
           </p:cNvPr>
@@ -5048,7 +5048,7 @@
           <p:cNvPr id="4" name="내용 개체 틀 3">
             <a:extLst>
               <a:ext uri="{FF2B5EF4-FFF2-40B4-BE49-F238E27FC236}">
-                <a16:creationId xmlns:a16="http://schemas.microsoft.com/office/drawing/2014/main" xmlns="" id="{16D0CEB2-1187-4252-AD05-8D872A1D3F3F}"/>
+                <a16:creationId xmlns:a16="http://schemas.microsoft.com/office/drawing/2014/main" id="{16D0CEB2-1187-4252-AD05-8D872A1D3F3F}"/>
               </a:ext>
             </a:extLst>
           </p:cNvPr>
@@ -5110,7 +5110,7 @@
           <p:cNvPr id="5" name="텍스트 개체 틀 4">
             <a:extLst>
               <a:ext uri="{FF2B5EF4-FFF2-40B4-BE49-F238E27FC236}">
-                <a16:creationId xmlns:a16="http://schemas.microsoft.com/office/drawing/2014/main" xmlns="" id="{5AE31809-3F66-4FEC-8D60-2F4D07A12196}"/>
+                <a16:creationId xmlns:a16="http://schemas.microsoft.com/office/drawing/2014/main" id="{5AE31809-3F66-4FEC-8D60-2F4D07A12196}"/>
               </a:ext>
             </a:extLst>
           </p:cNvPr>
@@ -5181,7 +5181,7 @@
           <p:cNvPr id="6" name="내용 개체 틀 5">
             <a:extLst>
               <a:ext uri="{FF2B5EF4-FFF2-40B4-BE49-F238E27FC236}">
-                <a16:creationId xmlns:a16="http://schemas.microsoft.com/office/drawing/2014/main" xmlns="" id="{A23AB223-7027-45B7-A59D-E463A79FDDD7}"/>
+                <a16:creationId xmlns:a16="http://schemas.microsoft.com/office/drawing/2014/main" id="{A23AB223-7027-45B7-A59D-E463A79FDDD7}"/>
               </a:ext>
             </a:extLst>
           </p:cNvPr>
@@ -5243,7 +5243,7 @@
           <p:cNvPr id="7" name="날짜 개체 틀 6">
             <a:extLst>
               <a:ext uri="{FF2B5EF4-FFF2-40B4-BE49-F238E27FC236}">
-                <a16:creationId xmlns:a16="http://schemas.microsoft.com/office/drawing/2014/main" xmlns="" id="{D2A2B8DD-7358-465C-8CC1-F71D7DE0E812}"/>
+                <a16:creationId xmlns:a16="http://schemas.microsoft.com/office/drawing/2014/main" id="{D2A2B8DD-7358-465C-8CC1-F71D7DE0E812}"/>
               </a:ext>
             </a:extLst>
           </p:cNvPr>
@@ -5268,7 +5268,7 @@
                 </a:solidFill>
               </a:rPr>
               <a:pPr/>
-              <a:t>2020-02-27 Thu</a:t>
+              <a:t>20-02-27 [Thu]</a:t>
             </a:fld>
             <a:endParaRPr lang="ko-KR" altLang="en-US">
               <a:solidFill>
@@ -5285,7 +5285,7 @@
           <p:cNvPr id="8" name="바닥글 개체 틀 7">
             <a:extLst>
               <a:ext uri="{FF2B5EF4-FFF2-40B4-BE49-F238E27FC236}">
-                <a16:creationId xmlns:a16="http://schemas.microsoft.com/office/drawing/2014/main" xmlns="" id="{0D010038-A30A-4B64-BB25-7C3590F3E110}"/>
+                <a16:creationId xmlns:a16="http://schemas.microsoft.com/office/drawing/2014/main" id="{0D010038-A30A-4B64-BB25-7C3590F3E110}"/>
               </a:ext>
             </a:extLst>
           </p:cNvPr>
@@ -5316,7 +5316,7 @@
           <p:cNvPr id="9" name="슬라이드 번호 개체 틀 8">
             <a:extLst>
               <a:ext uri="{FF2B5EF4-FFF2-40B4-BE49-F238E27FC236}">
-                <a16:creationId xmlns:a16="http://schemas.microsoft.com/office/drawing/2014/main" xmlns="" id="{65054B27-799F-4A0D-8BE0-631E52465DC1}"/>
+                <a16:creationId xmlns:a16="http://schemas.microsoft.com/office/drawing/2014/main" id="{65054B27-799F-4A0D-8BE0-631E52465DC1}"/>
               </a:ext>
             </a:extLst>
           </p:cNvPr>
@@ -5388,7 +5388,7 @@
           <p:cNvPr id="2" name="제목 1">
             <a:extLst>
               <a:ext uri="{FF2B5EF4-FFF2-40B4-BE49-F238E27FC236}">
-                <a16:creationId xmlns:a16="http://schemas.microsoft.com/office/drawing/2014/main" xmlns="" id="{C485E51C-A240-4608-92DA-E50F807F41C0}"/>
+                <a16:creationId xmlns:a16="http://schemas.microsoft.com/office/drawing/2014/main" id="{C485E51C-A240-4608-92DA-E50F807F41C0}"/>
               </a:ext>
             </a:extLst>
           </p:cNvPr>
@@ -5416,7 +5416,7 @@
           <p:cNvPr id="3" name="날짜 개체 틀 2">
             <a:extLst>
               <a:ext uri="{FF2B5EF4-FFF2-40B4-BE49-F238E27FC236}">
-                <a16:creationId xmlns:a16="http://schemas.microsoft.com/office/drawing/2014/main" xmlns="" id="{2B851E15-AFBE-4FC3-8B78-027D54EB8877}"/>
+                <a16:creationId xmlns:a16="http://schemas.microsoft.com/office/drawing/2014/main" id="{2B851E15-AFBE-4FC3-8B78-027D54EB8877}"/>
               </a:ext>
             </a:extLst>
           </p:cNvPr>
@@ -5441,7 +5441,7 @@
                 </a:solidFill>
               </a:rPr>
               <a:pPr/>
-              <a:t>2020-02-27 Thu</a:t>
+              <a:t>20-02-27 [Thu]</a:t>
             </a:fld>
             <a:endParaRPr lang="ko-KR" altLang="en-US">
               <a:solidFill>
@@ -5458,7 +5458,7 @@
           <p:cNvPr id="4" name="바닥글 개체 틀 3">
             <a:extLst>
               <a:ext uri="{FF2B5EF4-FFF2-40B4-BE49-F238E27FC236}">
-                <a16:creationId xmlns:a16="http://schemas.microsoft.com/office/drawing/2014/main" xmlns="" id="{5FEBB580-75E4-48D4-AEF3-E10C58CF6EA4}"/>
+                <a16:creationId xmlns:a16="http://schemas.microsoft.com/office/drawing/2014/main" id="{5FEBB580-75E4-48D4-AEF3-E10C58CF6EA4}"/>
               </a:ext>
             </a:extLst>
           </p:cNvPr>
@@ -5489,7 +5489,7 @@
           <p:cNvPr id="5" name="슬라이드 번호 개체 틀 4">
             <a:extLst>
               <a:ext uri="{FF2B5EF4-FFF2-40B4-BE49-F238E27FC236}">
-                <a16:creationId xmlns:a16="http://schemas.microsoft.com/office/drawing/2014/main" xmlns="" id="{BF32AC2E-0C50-4FB0-8820-A7AC6BDE4173}"/>
+                <a16:creationId xmlns:a16="http://schemas.microsoft.com/office/drawing/2014/main" id="{BF32AC2E-0C50-4FB0-8820-A7AC6BDE4173}"/>
               </a:ext>
             </a:extLst>
           </p:cNvPr>
@@ -5561,7 +5561,7 @@
           <p:cNvPr id="2" name="날짜 개체 틀 1">
             <a:extLst>
               <a:ext uri="{FF2B5EF4-FFF2-40B4-BE49-F238E27FC236}">
-                <a16:creationId xmlns:a16="http://schemas.microsoft.com/office/drawing/2014/main" xmlns="" id="{2C192448-72D9-4BA8-A3A5-9279810622F2}"/>
+                <a16:creationId xmlns:a16="http://schemas.microsoft.com/office/drawing/2014/main" id="{2C192448-72D9-4BA8-A3A5-9279810622F2}"/>
               </a:ext>
             </a:extLst>
           </p:cNvPr>
@@ -5586,7 +5586,7 @@
                 </a:solidFill>
               </a:rPr>
               <a:pPr/>
-              <a:t>2020-02-27 Thu</a:t>
+              <a:t>20-02-27 [Thu]</a:t>
             </a:fld>
             <a:endParaRPr lang="ko-KR" altLang="en-US">
               <a:solidFill>
@@ -5603,7 +5603,7 @@
           <p:cNvPr id="3" name="바닥글 개체 틀 2">
             <a:extLst>
               <a:ext uri="{FF2B5EF4-FFF2-40B4-BE49-F238E27FC236}">
-                <a16:creationId xmlns:a16="http://schemas.microsoft.com/office/drawing/2014/main" xmlns="" id="{6A464358-B5B5-49B6-9CA3-2BE74CF87DC8}"/>
+                <a16:creationId xmlns:a16="http://schemas.microsoft.com/office/drawing/2014/main" id="{6A464358-B5B5-49B6-9CA3-2BE74CF87DC8}"/>
               </a:ext>
             </a:extLst>
           </p:cNvPr>
@@ -5634,7 +5634,7 @@
           <p:cNvPr id="4" name="슬라이드 번호 개체 틀 3">
             <a:extLst>
               <a:ext uri="{FF2B5EF4-FFF2-40B4-BE49-F238E27FC236}">
-                <a16:creationId xmlns:a16="http://schemas.microsoft.com/office/drawing/2014/main" xmlns="" id="{5B606F01-6E92-4C16-A968-94433D122A35}"/>
+                <a16:creationId xmlns:a16="http://schemas.microsoft.com/office/drawing/2014/main" id="{5B606F01-6E92-4C16-A968-94433D122A35}"/>
               </a:ext>
             </a:extLst>
           </p:cNvPr>
@@ -5868,7 +5868,7 @@
           <a:p>
             <a:fld id="{F8B5EFE0-875C-42C8-A769-0BC60867F1E2}" type="datetimeFigureOut">
               <a:rPr lang="ko-KR" altLang="en-US" smtClean="0"/>
-              <a:t>2020-02-27 Thu</a:t>
+              <a:t>20-02-27 [Thu]</a:t>
             </a:fld>
             <a:endParaRPr lang="ko-KR" altLang="en-US"/>
           </a:p>
@@ -5951,7 +5951,7 @@
           <p:cNvPr id="2" name="제목 1">
             <a:extLst>
               <a:ext uri="{FF2B5EF4-FFF2-40B4-BE49-F238E27FC236}">
-                <a16:creationId xmlns:a16="http://schemas.microsoft.com/office/drawing/2014/main" xmlns="" id="{78C9915E-4301-4868-A5EC-6F607A83BF22}"/>
+                <a16:creationId xmlns:a16="http://schemas.microsoft.com/office/drawing/2014/main" id="{78C9915E-4301-4868-A5EC-6F607A83BF22}"/>
               </a:ext>
             </a:extLst>
           </p:cNvPr>
@@ -5988,7 +5988,7 @@
           <p:cNvPr id="3" name="내용 개체 틀 2">
             <a:extLst>
               <a:ext uri="{FF2B5EF4-FFF2-40B4-BE49-F238E27FC236}">
-                <a16:creationId xmlns:a16="http://schemas.microsoft.com/office/drawing/2014/main" xmlns="" id="{4507BFFD-DC79-4CFE-A2B2-BACA06190953}"/>
+                <a16:creationId xmlns:a16="http://schemas.microsoft.com/office/drawing/2014/main" id="{4507BFFD-DC79-4CFE-A2B2-BACA06190953}"/>
               </a:ext>
             </a:extLst>
           </p:cNvPr>
@@ -6078,7 +6078,7 @@
           <p:cNvPr id="4" name="텍스트 개체 틀 3">
             <a:extLst>
               <a:ext uri="{FF2B5EF4-FFF2-40B4-BE49-F238E27FC236}">
-                <a16:creationId xmlns:a16="http://schemas.microsoft.com/office/drawing/2014/main" xmlns="" id="{9A00C531-2EB8-4478-9A6C-4CD6FE675072}"/>
+                <a16:creationId xmlns:a16="http://schemas.microsoft.com/office/drawing/2014/main" id="{9A00C531-2EB8-4478-9A6C-4CD6FE675072}"/>
               </a:ext>
             </a:extLst>
           </p:cNvPr>
@@ -6149,7 +6149,7 @@
           <p:cNvPr id="5" name="날짜 개체 틀 4">
             <a:extLst>
               <a:ext uri="{FF2B5EF4-FFF2-40B4-BE49-F238E27FC236}">
-                <a16:creationId xmlns:a16="http://schemas.microsoft.com/office/drawing/2014/main" xmlns="" id="{8B9102F9-10D2-4689-A3F0-BD4C609347E9}"/>
+                <a16:creationId xmlns:a16="http://schemas.microsoft.com/office/drawing/2014/main" id="{8B9102F9-10D2-4689-A3F0-BD4C609347E9}"/>
               </a:ext>
             </a:extLst>
           </p:cNvPr>
@@ -6174,7 +6174,7 @@
                 </a:solidFill>
               </a:rPr>
               <a:pPr/>
-              <a:t>2020-02-27 Thu</a:t>
+              <a:t>20-02-27 [Thu]</a:t>
             </a:fld>
             <a:endParaRPr lang="ko-KR" altLang="en-US">
               <a:solidFill>
@@ -6191,7 +6191,7 @@
           <p:cNvPr id="6" name="바닥글 개체 틀 5">
             <a:extLst>
               <a:ext uri="{FF2B5EF4-FFF2-40B4-BE49-F238E27FC236}">
-                <a16:creationId xmlns:a16="http://schemas.microsoft.com/office/drawing/2014/main" xmlns="" id="{D7F39764-04A1-4A55-9A18-7F042A006344}"/>
+                <a16:creationId xmlns:a16="http://schemas.microsoft.com/office/drawing/2014/main" id="{D7F39764-04A1-4A55-9A18-7F042A006344}"/>
               </a:ext>
             </a:extLst>
           </p:cNvPr>
@@ -6222,7 +6222,7 @@
           <p:cNvPr id="7" name="슬라이드 번호 개체 틀 6">
             <a:extLst>
               <a:ext uri="{FF2B5EF4-FFF2-40B4-BE49-F238E27FC236}">
-                <a16:creationId xmlns:a16="http://schemas.microsoft.com/office/drawing/2014/main" xmlns="" id="{34225F41-6CDF-4265-BBB3-81FCF28FB82A}"/>
+                <a16:creationId xmlns:a16="http://schemas.microsoft.com/office/drawing/2014/main" id="{34225F41-6CDF-4265-BBB3-81FCF28FB82A}"/>
               </a:ext>
             </a:extLst>
           </p:cNvPr>
@@ -6294,7 +6294,7 @@
           <p:cNvPr id="2" name="제목 1">
             <a:extLst>
               <a:ext uri="{FF2B5EF4-FFF2-40B4-BE49-F238E27FC236}">
-                <a16:creationId xmlns:a16="http://schemas.microsoft.com/office/drawing/2014/main" xmlns="" id="{E1595260-FA6D-4888-ADF7-F499EEC9CAF3}"/>
+                <a16:creationId xmlns:a16="http://schemas.microsoft.com/office/drawing/2014/main" id="{E1595260-FA6D-4888-ADF7-F499EEC9CAF3}"/>
               </a:ext>
             </a:extLst>
           </p:cNvPr>
@@ -6331,7 +6331,7 @@
           <p:cNvPr id="3" name="그림 개체 틀 2">
             <a:extLst>
               <a:ext uri="{FF2B5EF4-FFF2-40B4-BE49-F238E27FC236}">
-                <a16:creationId xmlns:a16="http://schemas.microsoft.com/office/drawing/2014/main" xmlns="" id="{83A50628-D8CA-4077-960A-F39CE72B43AC}"/>
+                <a16:creationId xmlns:a16="http://schemas.microsoft.com/office/drawing/2014/main" id="{83A50628-D8CA-4077-960A-F39CE72B43AC}"/>
               </a:ext>
             </a:extLst>
           </p:cNvPr>
@@ -6398,7 +6398,7 @@
           <p:cNvPr id="4" name="텍스트 개체 틀 3">
             <a:extLst>
               <a:ext uri="{FF2B5EF4-FFF2-40B4-BE49-F238E27FC236}">
-                <a16:creationId xmlns:a16="http://schemas.microsoft.com/office/drawing/2014/main" xmlns="" id="{19E7AA03-FBD8-4A50-A92B-5AC38CFD2159}"/>
+                <a16:creationId xmlns:a16="http://schemas.microsoft.com/office/drawing/2014/main" id="{19E7AA03-FBD8-4A50-A92B-5AC38CFD2159}"/>
               </a:ext>
             </a:extLst>
           </p:cNvPr>
@@ -6469,7 +6469,7 @@
           <p:cNvPr id="5" name="날짜 개체 틀 4">
             <a:extLst>
               <a:ext uri="{FF2B5EF4-FFF2-40B4-BE49-F238E27FC236}">
-                <a16:creationId xmlns:a16="http://schemas.microsoft.com/office/drawing/2014/main" xmlns="" id="{68D9E59A-44BD-4C8B-A629-A61BC819DCDC}"/>
+                <a16:creationId xmlns:a16="http://schemas.microsoft.com/office/drawing/2014/main" id="{68D9E59A-44BD-4C8B-A629-A61BC819DCDC}"/>
               </a:ext>
             </a:extLst>
           </p:cNvPr>
@@ -6494,7 +6494,7 @@
                 </a:solidFill>
               </a:rPr>
               <a:pPr/>
-              <a:t>2020-02-27 Thu</a:t>
+              <a:t>20-02-27 [Thu]</a:t>
             </a:fld>
             <a:endParaRPr lang="ko-KR" altLang="en-US">
               <a:solidFill>
@@ -6511,7 +6511,7 @@
           <p:cNvPr id="6" name="바닥글 개체 틀 5">
             <a:extLst>
               <a:ext uri="{FF2B5EF4-FFF2-40B4-BE49-F238E27FC236}">
-                <a16:creationId xmlns:a16="http://schemas.microsoft.com/office/drawing/2014/main" xmlns="" id="{1D2B7321-A165-476B-A4ED-83B774277E09}"/>
+                <a16:creationId xmlns:a16="http://schemas.microsoft.com/office/drawing/2014/main" id="{1D2B7321-A165-476B-A4ED-83B774277E09}"/>
               </a:ext>
             </a:extLst>
           </p:cNvPr>
@@ -6542,7 +6542,7 @@
           <p:cNvPr id="7" name="슬라이드 번호 개체 틀 6">
             <a:extLst>
               <a:ext uri="{FF2B5EF4-FFF2-40B4-BE49-F238E27FC236}">
-                <a16:creationId xmlns:a16="http://schemas.microsoft.com/office/drawing/2014/main" xmlns="" id="{07F02D81-149F-45ED-BBC5-576EF0493F03}"/>
+                <a16:creationId xmlns:a16="http://schemas.microsoft.com/office/drawing/2014/main" id="{07F02D81-149F-45ED-BBC5-576EF0493F03}"/>
               </a:ext>
             </a:extLst>
           </p:cNvPr>
@@ -6614,7 +6614,7 @@
           <p:cNvPr id="2" name="제목 1">
             <a:extLst>
               <a:ext uri="{FF2B5EF4-FFF2-40B4-BE49-F238E27FC236}">
-                <a16:creationId xmlns:a16="http://schemas.microsoft.com/office/drawing/2014/main" xmlns="" id="{C7E2F226-2DB6-4832-A3E8-E1A82BC8412B}"/>
+                <a16:creationId xmlns:a16="http://schemas.microsoft.com/office/drawing/2014/main" id="{C7E2F226-2DB6-4832-A3E8-E1A82BC8412B}"/>
               </a:ext>
             </a:extLst>
           </p:cNvPr>
@@ -6642,7 +6642,7 @@
           <p:cNvPr id="3" name="세로 텍스트 개체 틀 2">
             <a:extLst>
               <a:ext uri="{FF2B5EF4-FFF2-40B4-BE49-F238E27FC236}">
-                <a16:creationId xmlns:a16="http://schemas.microsoft.com/office/drawing/2014/main" xmlns="" id="{35E32266-CD01-4901-8FE7-5010FC0706F7}"/>
+                <a16:creationId xmlns:a16="http://schemas.microsoft.com/office/drawing/2014/main" id="{35E32266-CD01-4901-8FE7-5010FC0706F7}"/>
               </a:ext>
             </a:extLst>
           </p:cNvPr>
@@ -6699,7 +6699,7 @@
           <p:cNvPr id="4" name="날짜 개체 틀 3">
             <a:extLst>
               <a:ext uri="{FF2B5EF4-FFF2-40B4-BE49-F238E27FC236}">
-                <a16:creationId xmlns:a16="http://schemas.microsoft.com/office/drawing/2014/main" xmlns="" id="{8918B274-9924-4562-A19B-0EF8383C8F5F}"/>
+                <a16:creationId xmlns:a16="http://schemas.microsoft.com/office/drawing/2014/main" id="{8918B274-9924-4562-A19B-0EF8383C8F5F}"/>
               </a:ext>
             </a:extLst>
           </p:cNvPr>
@@ -6724,7 +6724,7 @@
                 </a:solidFill>
               </a:rPr>
               <a:pPr/>
-              <a:t>2020-02-27 Thu</a:t>
+              <a:t>20-02-27 [Thu]</a:t>
             </a:fld>
             <a:endParaRPr lang="ko-KR" altLang="en-US">
               <a:solidFill>
@@ -6741,7 +6741,7 @@
           <p:cNvPr id="5" name="바닥글 개체 틀 4">
             <a:extLst>
               <a:ext uri="{FF2B5EF4-FFF2-40B4-BE49-F238E27FC236}">
-                <a16:creationId xmlns:a16="http://schemas.microsoft.com/office/drawing/2014/main" xmlns="" id="{48ABDFFA-1327-4FDA-A13E-DCF7D4AB5F2C}"/>
+                <a16:creationId xmlns:a16="http://schemas.microsoft.com/office/drawing/2014/main" id="{48ABDFFA-1327-4FDA-A13E-DCF7D4AB5F2C}"/>
               </a:ext>
             </a:extLst>
           </p:cNvPr>
@@ -6772,7 +6772,7 @@
           <p:cNvPr id="6" name="슬라이드 번호 개체 틀 5">
             <a:extLst>
               <a:ext uri="{FF2B5EF4-FFF2-40B4-BE49-F238E27FC236}">
-                <a16:creationId xmlns:a16="http://schemas.microsoft.com/office/drawing/2014/main" xmlns="" id="{7E941122-80C3-410F-B4B5-38B3C974463E}"/>
+                <a16:creationId xmlns:a16="http://schemas.microsoft.com/office/drawing/2014/main" id="{7E941122-80C3-410F-B4B5-38B3C974463E}"/>
               </a:ext>
             </a:extLst>
           </p:cNvPr>
@@ -6844,7 +6844,7 @@
           <p:cNvPr id="2" name="세로 제목 1">
             <a:extLst>
               <a:ext uri="{FF2B5EF4-FFF2-40B4-BE49-F238E27FC236}">
-                <a16:creationId xmlns:a16="http://schemas.microsoft.com/office/drawing/2014/main" xmlns="" id="{F39004B4-A2BB-4353-9490-3CFBF08BEECF}"/>
+                <a16:creationId xmlns:a16="http://schemas.microsoft.com/office/drawing/2014/main" id="{F39004B4-A2BB-4353-9490-3CFBF08BEECF}"/>
               </a:ext>
             </a:extLst>
           </p:cNvPr>
@@ -6877,7 +6877,7 @@
           <p:cNvPr id="3" name="세로 텍스트 개체 틀 2">
             <a:extLst>
               <a:ext uri="{FF2B5EF4-FFF2-40B4-BE49-F238E27FC236}">
-                <a16:creationId xmlns:a16="http://schemas.microsoft.com/office/drawing/2014/main" xmlns="" id="{17E252EA-6994-4BCF-9119-33B60AFB14F3}"/>
+                <a16:creationId xmlns:a16="http://schemas.microsoft.com/office/drawing/2014/main" id="{17E252EA-6994-4BCF-9119-33B60AFB14F3}"/>
               </a:ext>
             </a:extLst>
           </p:cNvPr>
@@ -6939,7 +6939,7 @@
           <p:cNvPr id="4" name="날짜 개체 틀 3">
             <a:extLst>
               <a:ext uri="{FF2B5EF4-FFF2-40B4-BE49-F238E27FC236}">
-                <a16:creationId xmlns:a16="http://schemas.microsoft.com/office/drawing/2014/main" xmlns="" id="{205F8584-D66D-4296-852C-CFABE2A758E0}"/>
+                <a16:creationId xmlns:a16="http://schemas.microsoft.com/office/drawing/2014/main" id="{205F8584-D66D-4296-852C-CFABE2A758E0}"/>
               </a:ext>
             </a:extLst>
           </p:cNvPr>
@@ -6964,7 +6964,7 @@
                 </a:solidFill>
               </a:rPr>
               <a:pPr/>
-              <a:t>2020-02-27 Thu</a:t>
+              <a:t>20-02-27 [Thu]</a:t>
             </a:fld>
             <a:endParaRPr lang="ko-KR" altLang="en-US">
               <a:solidFill>
@@ -6981,7 +6981,7 @@
           <p:cNvPr id="5" name="바닥글 개체 틀 4">
             <a:extLst>
               <a:ext uri="{FF2B5EF4-FFF2-40B4-BE49-F238E27FC236}">
-                <a16:creationId xmlns:a16="http://schemas.microsoft.com/office/drawing/2014/main" xmlns="" id="{A78C3D8F-5F5B-47A5-9BBC-6F058C6ECD7E}"/>
+                <a16:creationId xmlns:a16="http://schemas.microsoft.com/office/drawing/2014/main" id="{A78C3D8F-5F5B-47A5-9BBC-6F058C6ECD7E}"/>
               </a:ext>
             </a:extLst>
           </p:cNvPr>
@@ -7012,7 +7012,7 @@
           <p:cNvPr id="6" name="슬라이드 번호 개체 틀 5">
             <a:extLst>
               <a:ext uri="{FF2B5EF4-FFF2-40B4-BE49-F238E27FC236}">
-                <a16:creationId xmlns:a16="http://schemas.microsoft.com/office/drawing/2014/main" xmlns="" id="{7E72ED3D-DC97-4CF5-A83F-A0F4CD5D3061}"/>
+                <a16:creationId xmlns:a16="http://schemas.microsoft.com/office/drawing/2014/main" id="{7E72ED3D-DC97-4CF5-A83F-A0F4CD5D3061}"/>
               </a:ext>
             </a:extLst>
           </p:cNvPr>
@@ -7230,7 +7230,7 @@
           <a:p>
             <a:fld id="{F8B5EFE0-875C-42C8-A769-0BC60867F1E2}" type="datetimeFigureOut">
               <a:rPr lang="ko-KR" altLang="en-US" smtClean="0"/>
-              <a:t>2020-02-27 Thu</a:t>
+              <a:t>20-02-27 [Thu]</a:t>
             </a:fld>
             <a:endParaRPr lang="ko-KR" altLang="en-US"/>
           </a:p>
@@ -7594,7 +7594,7 @@
           <a:p>
             <a:fld id="{F8B5EFE0-875C-42C8-A769-0BC60867F1E2}" type="datetimeFigureOut">
               <a:rPr lang="ko-KR" altLang="en-US" smtClean="0"/>
-              <a:t>2020-02-27 Thu</a:t>
+              <a:t>20-02-27 [Thu]</a:t>
             </a:fld>
             <a:endParaRPr lang="ko-KR" altLang="en-US"/>
           </a:p>
@@ -7711,7 +7711,7 @@
           <a:p>
             <a:fld id="{F8B5EFE0-875C-42C8-A769-0BC60867F1E2}" type="datetimeFigureOut">
               <a:rPr lang="ko-KR" altLang="en-US" smtClean="0"/>
-              <a:t>2020-02-27 Thu</a:t>
+              <a:t>20-02-27 [Thu]</a:t>
             </a:fld>
             <a:endParaRPr lang="ko-KR" altLang="en-US"/>
           </a:p>
@@ -7806,7 +7806,7 @@
           <a:p>
             <a:fld id="{F8B5EFE0-875C-42C8-A769-0BC60867F1E2}" type="datetimeFigureOut">
               <a:rPr lang="ko-KR" altLang="en-US" smtClean="0"/>
-              <a:t>2020-02-27 Thu</a:t>
+              <a:t>20-02-27 [Thu]</a:t>
             </a:fld>
             <a:endParaRPr lang="ko-KR" altLang="en-US"/>
           </a:p>
@@ -8081,7 +8081,7 @@
           <a:p>
             <a:fld id="{F8B5EFE0-875C-42C8-A769-0BC60867F1E2}" type="datetimeFigureOut">
               <a:rPr lang="ko-KR" altLang="en-US" smtClean="0"/>
-              <a:t>2020-02-27 Thu</a:t>
+              <a:t>20-02-27 [Thu]</a:t>
             </a:fld>
             <a:endParaRPr lang="ko-KR" altLang="en-US"/>
           </a:p>
@@ -8333,7 +8333,7 @@
           <a:p>
             <a:fld id="{F8B5EFE0-875C-42C8-A769-0BC60867F1E2}" type="datetimeFigureOut">
               <a:rPr lang="ko-KR" altLang="en-US" smtClean="0"/>
-              <a:t>2020-02-27 Thu</a:t>
+              <a:t>20-02-27 [Thu]</a:t>
             </a:fld>
             <a:endParaRPr lang="ko-KR" altLang="en-US"/>
           </a:p>
@@ -8544,7 +8544,7 @@
           <a:p>
             <a:fld id="{F8B5EFE0-875C-42C8-A769-0BC60867F1E2}" type="datetimeFigureOut">
               <a:rPr lang="ko-KR" altLang="en-US" smtClean="0"/>
-              <a:t>2020-02-27 Thu</a:t>
+              <a:t>20-02-27 [Thu]</a:t>
             </a:fld>
             <a:endParaRPr lang="ko-KR" altLang="en-US"/>
           </a:p>
@@ -8959,7 +8959,7 @@
           <p:cNvPr id="2" name="제목 개체 틀 1">
             <a:extLst>
               <a:ext uri="{FF2B5EF4-FFF2-40B4-BE49-F238E27FC236}">
-                <a16:creationId xmlns:a16="http://schemas.microsoft.com/office/drawing/2014/main" xmlns="" id="{738525D4-1253-4608-9D52-B7981AC4FCC8}"/>
+                <a16:creationId xmlns:a16="http://schemas.microsoft.com/office/drawing/2014/main" id="{738525D4-1253-4608-9D52-B7981AC4FCC8}"/>
               </a:ext>
             </a:extLst>
           </p:cNvPr>
@@ -8997,7 +8997,7 @@
           <p:cNvPr id="3" name="텍스트 개체 틀 2">
             <a:extLst>
               <a:ext uri="{FF2B5EF4-FFF2-40B4-BE49-F238E27FC236}">
-                <a16:creationId xmlns:a16="http://schemas.microsoft.com/office/drawing/2014/main" xmlns="" id="{0D5AEAAA-7600-4903-ACEF-1D36CDCD268E}"/>
+                <a16:creationId xmlns:a16="http://schemas.microsoft.com/office/drawing/2014/main" id="{0D5AEAAA-7600-4903-ACEF-1D36CDCD268E}"/>
               </a:ext>
             </a:extLst>
           </p:cNvPr>
@@ -9064,7 +9064,7 @@
           <p:cNvPr id="4" name="날짜 개체 틀 3">
             <a:extLst>
               <a:ext uri="{FF2B5EF4-FFF2-40B4-BE49-F238E27FC236}">
-                <a16:creationId xmlns:a16="http://schemas.microsoft.com/office/drawing/2014/main" xmlns="" id="{4DC8EC6A-27D7-4EF9-B45D-C2D39B14F126}"/>
+                <a16:creationId xmlns:a16="http://schemas.microsoft.com/office/drawing/2014/main" id="{4DC8EC6A-27D7-4EF9-B45D-C2D39B14F126}"/>
               </a:ext>
             </a:extLst>
           </p:cNvPr>
@@ -9107,7 +9107,7 @@
                 </a:solidFill>
               </a:rPr>
               <a:pPr/>
-              <a:t>2020-02-27 Thu</a:t>
+              <a:t>20-02-27 [Thu]</a:t>
             </a:fld>
             <a:endParaRPr lang="ko-KR" altLang="en-US">
               <a:solidFill>
@@ -9124,7 +9124,7 @@
           <p:cNvPr id="5" name="바닥글 개체 틀 4">
             <a:extLst>
               <a:ext uri="{FF2B5EF4-FFF2-40B4-BE49-F238E27FC236}">
-                <a16:creationId xmlns:a16="http://schemas.microsoft.com/office/drawing/2014/main" xmlns="" id="{260EB541-017D-4B3F-9895-2DFE884EA7DA}"/>
+                <a16:creationId xmlns:a16="http://schemas.microsoft.com/office/drawing/2014/main" id="{260EB541-017D-4B3F-9895-2DFE884EA7DA}"/>
               </a:ext>
             </a:extLst>
           </p:cNvPr>
@@ -9173,7 +9173,7 @@
           <p:cNvPr id="6" name="슬라이드 번호 개체 틀 5">
             <a:extLst>
               <a:ext uri="{FF2B5EF4-FFF2-40B4-BE49-F238E27FC236}">
-                <a16:creationId xmlns:a16="http://schemas.microsoft.com/office/drawing/2014/main" xmlns="" id="{51440F6D-AE56-4BC9-B00D-4A215980C939}"/>
+                <a16:creationId xmlns:a16="http://schemas.microsoft.com/office/drawing/2014/main" id="{51440F6D-AE56-4BC9-B00D-4A215980C939}"/>
               </a:ext>
             </a:extLst>
           </p:cNvPr>
@@ -9559,7 +9559,7 @@
           <p:cNvPr id="2" name="제목 개체 틀 1">
             <a:extLst>
               <a:ext uri="{FF2B5EF4-FFF2-40B4-BE49-F238E27FC236}">
-                <a16:creationId xmlns:a16="http://schemas.microsoft.com/office/drawing/2014/main" xmlns="" id="{738525D4-1253-4608-9D52-B7981AC4FCC8}"/>
+                <a16:creationId xmlns:a16="http://schemas.microsoft.com/office/drawing/2014/main" id="{738525D4-1253-4608-9D52-B7981AC4FCC8}"/>
               </a:ext>
             </a:extLst>
           </p:cNvPr>
@@ -9597,7 +9597,7 @@
           <p:cNvPr id="3" name="텍스트 개체 틀 2">
             <a:extLst>
               <a:ext uri="{FF2B5EF4-FFF2-40B4-BE49-F238E27FC236}">
-                <a16:creationId xmlns:a16="http://schemas.microsoft.com/office/drawing/2014/main" xmlns="" id="{0D5AEAAA-7600-4903-ACEF-1D36CDCD268E}"/>
+                <a16:creationId xmlns:a16="http://schemas.microsoft.com/office/drawing/2014/main" id="{0D5AEAAA-7600-4903-ACEF-1D36CDCD268E}"/>
               </a:ext>
             </a:extLst>
           </p:cNvPr>
@@ -9664,7 +9664,7 @@
           <p:cNvPr id="4" name="날짜 개체 틀 3">
             <a:extLst>
               <a:ext uri="{FF2B5EF4-FFF2-40B4-BE49-F238E27FC236}">
-                <a16:creationId xmlns:a16="http://schemas.microsoft.com/office/drawing/2014/main" xmlns="" id="{4DC8EC6A-27D7-4EF9-B45D-C2D39B14F126}"/>
+                <a16:creationId xmlns:a16="http://schemas.microsoft.com/office/drawing/2014/main" id="{4DC8EC6A-27D7-4EF9-B45D-C2D39B14F126}"/>
               </a:ext>
             </a:extLst>
           </p:cNvPr>
@@ -9707,7 +9707,7 @@
                 </a:solidFill>
               </a:rPr>
               <a:pPr/>
-              <a:t>2020-02-27 Thu</a:t>
+              <a:t>20-02-27 [Thu]</a:t>
             </a:fld>
             <a:endParaRPr lang="ko-KR" altLang="en-US">
               <a:solidFill>
@@ -9724,7 +9724,7 @@
           <p:cNvPr id="5" name="바닥글 개체 틀 4">
             <a:extLst>
               <a:ext uri="{FF2B5EF4-FFF2-40B4-BE49-F238E27FC236}">
-                <a16:creationId xmlns:a16="http://schemas.microsoft.com/office/drawing/2014/main" xmlns="" id="{260EB541-017D-4B3F-9895-2DFE884EA7DA}"/>
+                <a16:creationId xmlns:a16="http://schemas.microsoft.com/office/drawing/2014/main" id="{260EB541-017D-4B3F-9895-2DFE884EA7DA}"/>
               </a:ext>
             </a:extLst>
           </p:cNvPr>
@@ -9773,7 +9773,7 @@
           <p:cNvPr id="6" name="슬라이드 번호 개체 틀 5">
             <a:extLst>
               <a:ext uri="{FF2B5EF4-FFF2-40B4-BE49-F238E27FC236}">
-                <a16:creationId xmlns:a16="http://schemas.microsoft.com/office/drawing/2014/main" xmlns="" id="{51440F6D-AE56-4BC9-B00D-4A215980C939}"/>
+                <a16:creationId xmlns:a16="http://schemas.microsoft.com/office/drawing/2014/main" id="{51440F6D-AE56-4BC9-B00D-4A215980C939}"/>
               </a:ext>
             </a:extLst>
           </p:cNvPr>
@@ -10162,7 +10162,7 @@
           <p:cNvPr id="3" name="부제목 2">
             <a:extLst>
               <a:ext uri="{FF2B5EF4-FFF2-40B4-BE49-F238E27FC236}">
-                <a16:creationId xmlns:a16="http://schemas.microsoft.com/office/drawing/2014/main" xmlns="" id="{84DAC65C-FE20-4D6D-AFFA-57D16B16FADF}"/>
+                <a16:creationId xmlns:a16="http://schemas.microsoft.com/office/drawing/2014/main" id="{84DAC65C-FE20-4D6D-AFFA-57D16B16FADF}"/>
               </a:ext>
             </a:extLst>
           </p:cNvPr>
@@ -10202,7 +10202,7 @@
           <p:cNvPr id="9" name="그림 8">
             <a:extLst>
               <a:ext uri="{FF2B5EF4-FFF2-40B4-BE49-F238E27FC236}">
-                <a16:creationId xmlns:a16="http://schemas.microsoft.com/office/drawing/2014/main" xmlns="" id="{58A568A6-F904-4025-9A14-67F5B32BB43F}"/>
+                <a16:creationId xmlns:a16="http://schemas.microsoft.com/office/drawing/2014/main" id="{58A568A6-F904-4025-9A14-67F5B32BB43F}"/>
               </a:ext>
             </a:extLst>
           </p:cNvPr>
@@ -10231,7 +10231,7 @@
           <p:cNvPr id="6" name="正方形/長方形 1">
             <a:extLst>
               <a:ext uri="{FF2B5EF4-FFF2-40B4-BE49-F238E27FC236}">
-                <a16:creationId xmlns:a16="http://schemas.microsoft.com/office/drawing/2014/main" xmlns="" id="{3DB5B2C5-F5B3-4CC9-BEAC-DB38B7D18AB0}"/>
+                <a16:creationId xmlns:a16="http://schemas.microsoft.com/office/drawing/2014/main" id="{3DB5B2C5-F5B3-4CC9-BEAC-DB38B7D18AB0}"/>
               </a:ext>
             </a:extLst>
           </p:cNvPr>
@@ -10287,7 +10287,7 @@
           <p:cNvPr id="5" name="그림 4">
             <a:extLst>
               <a:ext uri="{FF2B5EF4-FFF2-40B4-BE49-F238E27FC236}">
-                <a16:creationId xmlns:a16="http://schemas.microsoft.com/office/drawing/2014/main" xmlns="" id="{70CD73FB-6A8C-4053-8E55-05DD338095CE}"/>
+                <a16:creationId xmlns:a16="http://schemas.microsoft.com/office/drawing/2014/main" id="{70CD73FB-6A8C-4053-8E55-05DD338095CE}"/>
               </a:ext>
             </a:extLst>
           </p:cNvPr>
@@ -10323,7 +10323,7 @@
           <p:cNvPr id="10" name="TextBox 9">
             <a:extLst>
               <a:ext uri="{FF2B5EF4-FFF2-40B4-BE49-F238E27FC236}">
-                <a16:creationId xmlns:a16="http://schemas.microsoft.com/office/drawing/2014/main" xmlns="" id="{FE48E1B1-BE68-4CDF-B1A5-546E3D5FD453}"/>
+                <a16:creationId xmlns:a16="http://schemas.microsoft.com/office/drawing/2014/main" id="{FE48E1B1-BE68-4CDF-B1A5-546E3D5FD453}"/>
               </a:ext>
             </a:extLst>
           </p:cNvPr>
@@ -10476,6 +10476,35 @@
       </p:grpSpPr>
       <p:pic>
         <p:nvPicPr>
+          <p:cNvPr id="19" name="그림 18"/>
+          <p:cNvPicPr>
+            <a:picLocks noChangeAspect="1"/>
+          </p:cNvPicPr>
+          <p:nvPr/>
+        </p:nvPicPr>
+        <p:blipFill>
+          <a:blip r:embed="rId2"/>
+          <a:stretch>
+            <a:fillRect/>
+          </a:stretch>
+        </p:blipFill>
+        <p:spPr>
+          <a:xfrm>
+            <a:off x="896101" y="1786466"/>
+            <a:ext cx="7200000" cy="4459867"/>
+          </a:xfrm>
+          <a:prstGeom prst="rect">
+            <a:avLst/>
+          </a:prstGeom>
+          <a:ln>
+            <a:solidFill>
+              <a:schemeClr val="tx1"/>
+            </a:solidFill>
+          </a:ln>
+        </p:spPr>
+      </p:pic>
+      <p:pic>
+        <p:nvPicPr>
           <p:cNvPr id="55" name="그림 54"/>
           <p:cNvPicPr>
             <a:picLocks noChangeAspect="1"/>
@@ -10483,7 +10512,7 @@
           <p:nvPr/>
         </p:nvPicPr>
         <p:blipFill>
-          <a:blip r:embed="rId2"/>
+          <a:blip r:embed="rId3"/>
           <a:stretch>
             <a:fillRect/>
           </a:stretch>
@@ -10503,41 +10532,12 @@
           </a:ln>
         </p:spPr>
       </p:pic>
-      <p:pic>
-        <p:nvPicPr>
-          <p:cNvPr id="116" name="그림 115"/>
-          <p:cNvPicPr>
-            <a:picLocks noChangeAspect="1"/>
-          </p:cNvPicPr>
-          <p:nvPr/>
-        </p:nvPicPr>
-        <p:blipFill>
-          <a:blip r:embed="rId3"/>
-          <a:stretch>
-            <a:fillRect/>
-          </a:stretch>
-        </p:blipFill>
-        <p:spPr>
-          <a:xfrm>
-            <a:off x="896100" y="1786467"/>
-            <a:ext cx="7200000" cy="4459866"/>
-          </a:xfrm>
-          <a:prstGeom prst="rect">
-            <a:avLst/>
-          </a:prstGeom>
-          <a:ln>
-            <a:solidFill>
-              <a:schemeClr val="tx1"/>
-            </a:solidFill>
-          </a:ln>
-        </p:spPr>
-      </p:pic>
       <p:sp>
         <p:nvSpPr>
           <p:cNvPr id="2" name="직사각형 1">
             <a:extLst>
               <a:ext uri="{FF2B5EF4-FFF2-40B4-BE49-F238E27FC236}">
-                <a16:creationId xmlns:a16="http://schemas.microsoft.com/office/drawing/2014/main" xmlns="" id="{8E5B996D-DF87-49E5-95D1-45B1EEB9EE9A}"/>
+                <a16:creationId xmlns:a16="http://schemas.microsoft.com/office/drawing/2014/main" id="{8E5B996D-DF87-49E5-95D1-45B1EEB9EE9A}"/>
               </a:ext>
             </a:extLst>
           </p:cNvPr>
@@ -10589,7 +10589,7 @@
           <p:cNvPr id="4" name="직사각형 3">
             <a:extLst>
               <a:ext uri="{FF2B5EF4-FFF2-40B4-BE49-F238E27FC236}">
-                <a16:creationId xmlns:a16="http://schemas.microsoft.com/office/drawing/2014/main" xmlns="" id="{080CEE4E-4BCA-42C3-BECA-9BCEB9931EEA}"/>
+                <a16:creationId xmlns:a16="http://schemas.microsoft.com/office/drawing/2014/main" id="{080CEE4E-4BCA-42C3-BECA-9BCEB9931EEA}"/>
               </a:ext>
             </a:extLst>
           </p:cNvPr>
@@ -10675,254 +10675,10 @@
       </p:sp>
       <p:sp>
         <p:nvSpPr>
-          <p:cNvPr id="31" name="TextBox 30">
-            <a:extLst>
-              <a:ext uri="{FF2B5EF4-FFF2-40B4-BE49-F238E27FC236}">
-                <a16:creationId xmlns:a16="http://schemas.microsoft.com/office/drawing/2014/main" xmlns="" id="{9CCCD44E-9A9A-4ED8-A5D1-4872F5E16D21}"/>
-              </a:ext>
-            </a:extLst>
-          </p:cNvPr>
-          <p:cNvSpPr txBox="1"/>
-          <p:nvPr/>
-        </p:nvSpPr>
-        <p:spPr>
-          <a:xfrm>
-            <a:off x="10869037" y="1349602"/>
-            <a:ext cx="595618" cy="215444"/>
-          </a:xfrm>
-          <a:prstGeom prst="rect">
-            <a:avLst/>
-          </a:prstGeom>
-          <a:noFill/>
-        </p:spPr>
-        <p:txBody>
-          <a:bodyPr wrap="square" rtlCol="0">
-            <a:spAutoFit/>
-          </a:bodyPr>
-          <a:lstStyle/>
-          <a:p>
-            <a:r>
-              <a:rPr lang="ko-KR" altLang="en-US" sz="800" dirty="0"/>
-              <a:t>로그인</a:t>
-            </a:r>
-          </a:p>
-        </p:txBody>
-      </p:sp>
-      <p:pic>
-        <p:nvPicPr>
-          <p:cNvPr id="12" name="그림 11"/>
-          <p:cNvPicPr>
-            <a:picLocks noChangeAspect="1"/>
-          </p:cNvPicPr>
-          <p:nvPr/>
-        </p:nvPicPr>
-        <p:blipFill>
-          <a:blip r:embed="rId4"/>
-          <a:stretch>
-            <a:fillRect/>
-          </a:stretch>
-        </p:blipFill>
-        <p:spPr>
-          <a:xfrm>
-            <a:off x="1617091" y="4316546"/>
-            <a:ext cx="8420100" cy="876300"/>
-          </a:xfrm>
-          <a:prstGeom prst="rect">
-            <a:avLst/>
-          </a:prstGeom>
-          <a:ln>
-            <a:solidFill>
-              <a:schemeClr val="tx1"/>
-            </a:solidFill>
-          </a:ln>
-        </p:spPr>
-      </p:pic>
-      <p:pic>
-        <p:nvPicPr>
-          <p:cNvPr id="6" name="그림 5" descr="스크린샷이(가) 표시된 사진&#10;&#10;자동 생성된 설명">
-            <a:extLst>
-              <a:ext uri="{FF2B5EF4-FFF2-40B4-BE49-F238E27FC236}">
-                <a16:creationId xmlns:a16="http://schemas.microsoft.com/office/drawing/2014/main" xmlns="" id="{7D1DC28E-A97F-4F0E-AA0A-C1BEE9C97E58}"/>
-              </a:ext>
-            </a:extLst>
-          </p:cNvPr>
-          <p:cNvPicPr>
-            <a:picLocks noChangeAspect="1"/>
-          </p:cNvPicPr>
-          <p:nvPr/>
-        </p:nvPicPr>
-        <p:blipFill>
-          <a:blip r:embed="rId5">
-            <a:extLst>
-              <a:ext uri="{28A0092B-C50C-407E-A947-70E740481C1C}">
-                <a14:useLocalDpi xmlns:a14="http://schemas.microsoft.com/office/drawing/2010/main" val="0"/>
-              </a:ext>
-            </a:extLst>
-          </a:blip>
-          <a:stretch>
-            <a:fillRect/>
-          </a:stretch>
-        </p:blipFill>
-        <p:spPr>
-          <a:xfrm>
-            <a:off x="6170062" y="106898"/>
-            <a:ext cx="2172003" cy="1038370"/>
-          </a:xfrm>
-          <a:prstGeom prst="rect">
-            <a:avLst/>
-          </a:prstGeom>
-        </p:spPr>
-      </p:pic>
-      <p:pic>
-        <p:nvPicPr>
-          <p:cNvPr id="11" name="그림 10">
-            <a:extLst>
-              <a:ext uri="{FF2B5EF4-FFF2-40B4-BE49-F238E27FC236}">
-                <a16:creationId xmlns:a16="http://schemas.microsoft.com/office/drawing/2014/main" xmlns="" id="{211E1DB5-8016-4516-BD56-308E55C20C1C}"/>
-              </a:ext>
-            </a:extLst>
-          </p:cNvPr>
-          <p:cNvPicPr>
-            <a:picLocks noChangeAspect="1"/>
-          </p:cNvPicPr>
-          <p:nvPr/>
-        </p:nvPicPr>
-        <p:blipFill>
-          <a:blip r:embed="rId6">
-            <a:extLst>
-              <a:ext uri="{28A0092B-C50C-407E-A947-70E740481C1C}">
-                <a14:useLocalDpi xmlns:a14="http://schemas.microsoft.com/office/drawing/2010/main" val="0"/>
-              </a:ext>
-            </a:extLst>
-          </a:blip>
-          <a:stretch>
-            <a:fillRect/>
-          </a:stretch>
-        </p:blipFill>
-        <p:spPr>
-          <a:xfrm rot="10800000">
-            <a:off x="5055252" y="576310"/>
-            <a:ext cx="1108368" cy="125047"/>
-          </a:xfrm>
-          <a:prstGeom prst="rect">
-            <a:avLst/>
-          </a:prstGeom>
-        </p:spPr>
-      </p:pic>
-      <p:pic>
-        <p:nvPicPr>
-          <p:cNvPr id="15" name="그림 14" descr="표지판이(가) 표시된 사진&#10;&#10;자동 생성된 설명">
-            <a:extLst>
-              <a:ext uri="{FF2B5EF4-FFF2-40B4-BE49-F238E27FC236}">
-                <a16:creationId xmlns:a16="http://schemas.microsoft.com/office/drawing/2014/main" xmlns="" id="{5766484A-8763-4865-AEEC-35C99D8E1EE9}"/>
-              </a:ext>
-            </a:extLst>
-          </p:cNvPr>
-          <p:cNvPicPr>
-            <a:picLocks noChangeAspect="1"/>
-          </p:cNvPicPr>
-          <p:nvPr/>
-        </p:nvPicPr>
-        <p:blipFill>
-          <a:blip r:embed="rId7">
-            <a:extLst>
-              <a:ext uri="{28A0092B-C50C-407E-A947-70E740481C1C}">
-                <a14:useLocalDpi xmlns:a14="http://schemas.microsoft.com/office/drawing/2010/main" val="0"/>
-              </a:ext>
-            </a:extLst>
-          </a:blip>
-          <a:stretch>
-            <a:fillRect/>
-          </a:stretch>
-        </p:blipFill>
-        <p:spPr>
-          <a:xfrm>
-            <a:off x="9434769" y="106362"/>
-            <a:ext cx="2419106" cy="1415727"/>
-          </a:xfrm>
-          <a:prstGeom prst="rect">
-            <a:avLst/>
-          </a:prstGeom>
-        </p:spPr>
-      </p:pic>
-      <p:pic>
-        <p:nvPicPr>
-          <p:cNvPr id="18" name="그림 17">
-            <a:extLst>
-              <a:ext uri="{FF2B5EF4-FFF2-40B4-BE49-F238E27FC236}">
-                <a16:creationId xmlns:a16="http://schemas.microsoft.com/office/drawing/2014/main" xmlns="" id="{FE9996B3-BF94-48D0-94A3-9573110CCF87}"/>
-              </a:ext>
-            </a:extLst>
-          </p:cNvPr>
-          <p:cNvPicPr>
-            <a:picLocks noChangeAspect="1"/>
-          </p:cNvPicPr>
-          <p:nvPr/>
-        </p:nvPicPr>
-        <p:blipFill>
-          <a:blip r:embed="rId8">
-            <a:extLst>
-              <a:ext uri="{28A0092B-C50C-407E-A947-70E740481C1C}">
-                <a14:useLocalDpi xmlns:a14="http://schemas.microsoft.com/office/drawing/2010/main" val="0"/>
-              </a:ext>
-            </a:extLst>
-          </a:blip>
-          <a:stretch>
-            <a:fillRect/>
-          </a:stretch>
-        </p:blipFill>
-        <p:spPr>
-          <a:xfrm>
-            <a:off x="2772912" y="147021"/>
-            <a:ext cx="2305372" cy="800212"/>
-          </a:xfrm>
-          <a:prstGeom prst="rect">
-            <a:avLst/>
-          </a:prstGeom>
-        </p:spPr>
-      </p:pic>
-      <p:pic>
-        <p:nvPicPr>
-          <p:cNvPr id="99" name="그림 98">
-            <a:extLst>
-              <a:ext uri="{FF2B5EF4-FFF2-40B4-BE49-F238E27FC236}">
-                <a16:creationId xmlns:a16="http://schemas.microsoft.com/office/drawing/2014/main" xmlns="" id="{58AB2B4D-74FD-4E34-AD5D-C547D5CDA3C9}"/>
-              </a:ext>
-            </a:extLst>
-          </p:cNvPr>
-          <p:cNvPicPr>
-            <a:picLocks noChangeAspect="1"/>
-          </p:cNvPicPr>
-          <p:nvPr/>
-        </p:nvPicPr>
-        <p:blipFill>
-          <a:blip r:embed="rId6">
-            <a:extLst>
-              <a:ext uri="{28A0092B-C50C-407E-A947-70E740481C1C}">
-                <a14:useLocalDpi xmlns:a14="http://schemas.microsoft.com/office/drawing/2010/main" val="0"/>
-              </a:ext>
-            </a:extLst>
-          </a:blip>
-          <a:stretch>
-            <a:fillRect/>
-          </a:stretch>
-        </p:blipFill>
-        <p:spPr>
-          <a:xfrm>
-            <a:off x="8342065" y="593501"/>
-            <a:ext cx="1108368" cy="125047"/>
-          </a:xfrm>
-          <a:prstGeom prst="rect">
-            <a:avLst/>
-          </a:prstGeom>
-        </p:spPr>
-      </p:pic>
-      <p:sp>
-        <p:nvSpPr>
           <p:cNvPr id="115" name="사각형: 둥근 모서리 114">
             <a:extLst>
               <a:ext uri="{FF2B5EF4-FFF2-40B4-BE49-F238E27FC236}">
-                <a16:creationId xmlns:a16="http://schemas.microsoft.com/office/drawing/2014/main" xmlns="" id="{59E9FA8F-C318-4E7C-9749-F70BC404C1D0}"/>
+                <a16:creationId xmlns:a16="http://schemas.microsoft.com/office/drawing/2014/main" id="{59E9FA8F-C318-4E7C-9749-F70BC404C1D0}"/>
               </a:ext>
             </a:extLst>
           </p:cNvPr>
@@ -10931,7 +10687,7 @@
         </p:nvSpPr>
         <p:spPr>
           <a:xfrm>
-            <a:off x="5331017" y="1165006"/>
+            <a:off x="5331017" y="1060848"/>
             <a:ext cx="3716894" cy="954085"/>
           </a:xfrm>
           <a:prstGeom prst="roundRect">
@@ -10975,7 +10731,39 @@
                   <a:schemeClr val="tx1"/>
                 </a:solidFill>
               </a:rPr>
-              <a:t>시터</a:t>
+              <a:t>펫시팅</a:t>
+            </a:r>
+            <a:r>
+              <a:rPr lang="ko-KR" altLang="en-US" sz="1000" dirty="0" smtClean="0">
+                <a:solidFill>
+                  <a:schemeClr val="tx1"/>
+                </a:solidFill>
+              </a:rPr>
+              <a:t> 서비스 완료 후 리뷰 등록이 가능하다</a:t>
+            </a:r>
+            <a:r>
+              <a:rPr lang="en-US" altLang="ko-KR" sz="1000" dirty="0" smtClean="0">
+                <a:solidFill>
+                  <a:schemeClr val="tx1"/>
+                </a:solidFill>
+              </a:rPr>
+              <a:t>.</a:t>
+            </a:r>
+            <a:r>
+              <a:rPr lang="en-US" altLang="ko-KR" sz="1000" dirty="0" smtClean="0">
+                <a:solidFill>
+                  <a:schemeClr val="tx1"/>
+                </a:solidFill>
+              </a:rPr>
+              <a:t> </a:t>
+            </a:r>
+            <a:r>
+              <a:rPr lang="ko-KR" altLang="en-US" sz="1000" dirty="0" smtClean="0">
+                <a:solidFill>
+                  <a:schemeClr val="tx1"/>
+                </a:solidFill>
+              </a:rPr>
+              <a:t>내가 </a:t>
             </a:r>
             <a:r>
               <a:rPr lang="ko-KR" altLang="en-US" sz="1000" dirty="0">
@@ -10983,23 +10771,7 @@
                   <a:schemeClr val="tx1"/>
                 </a:solidFill>
               </a:rPr>
-              <a:t> </a:t>
-            </a:r>
-            <a:r>
-              <a:rPr lang="ko-KR" altLang="en-US" sz="1000" dirty="0" smtClean="0">
-                <a:solidFill>
-                  <a:schemeClr val="tx1"/>
-                </a:solidFill>
-              </a:rPr>
-              <a:t>이용이 </a:t>
-            </a:r>
-            <a:r>
-              <a:rPr lang="ko-KR" altLang="en-US" sz="1000" dirty="0">
-                <a:solidFill>
-                  <a:schemeClr val="tx1"/>
-                </a:solidFill>
-              </a:rPr>
-              <a:t>끝나면 </a:t>
+              <a:t>이용했던 </a:t>
             </a:r>
             <a:r>
               <a:rPr lang="ko-KR" altLang="en-US" sz="1000" dirty="0" err="1" smtClean="0">
@@ -11015,7 +10787,15 @@
                   <a:schemeClr val="tx1"/>
                 </a:solidFill>
               </a:rPr>
-              <a:t> 이용 현황 </a:t>
+              <a:t> 번호를 </a:t>
+            </a:r>
+            <a:r>
+              <a:rPr lang="ko-KR" altLang="en-US" sz="1000" dirty="0" smtClean="0">
+                <a:solidFill>
+                  <a:schemeClr val="tx1"/>
+                </a:solidFill>
+              </a:rPr>
+              <a:t>참조하여 </a:t>
             </a:r>
             <a:r>
               <a:rPr lang="ko-KR" altLang="en-US" sz="1000" dirty="0">
@@ -11023,7 +10803,23 @@
                   <a:schemeClr val="tx1"/>
                 </a:solidFill>
               </a:rPr>
-              <a:t>페이지에서 리뷰작성이 가능하다</a:t>
+              <a:t>리뷰 테이블 컬럼에 </a:t>
+            </a:r>
+            <a:r>
+              <a:rPr lang="ko-KR" altLang="en-US" sz="1000" dirty="0" smtClean="0">
+                <a:solidFill>
+                  <a:schemeClr val="tx1"/>
+                </a:solidFill>
+              </a:rPr>
+              <a:t>입력한 정보를 </a:t>
+            </a:r>
+            <a:r>
+              <a:rPr lang="en-US" altLang="ko-KR" sz="1000" dirty="0" smtClean="0">
+                <a:solidFill>
+                  <a:schemeClr val="tx1"/>
+                </a:solidFill>
+              </a:rPr>
+              <a:t>INSERT </a:t>
             </a:r>
             <a:r>
               <a:rPr lang="en-US" altLang="ko-KR" sz="1000" dirty="0">
@@ -11031,71 +10827,7 @@
                   <a:schemeClr val="tx1"/>
                 </a:solidFill>
               </a:rPr>
-              <a:t>.</a:t>
-            </a:r>
-            <a:r>
-              <a:rPr lang="ko-KR" altLang="en-US" sz="1000" dirty="0">
-                <a:solidFill>
-                  <a:schemeClr val="tx1"/>
-                </a:solidFill>
-              </a:rPr>
-              <a:t> </a:t>
-            </a:r>
-            <a:r>
-              <a:rPr lang="ko-KR" altLang="en-US" sz="1000" dirty="0" smtClean="0">
-                <a:solidFill>
-                  <a:schemeClr val="tx1"/>
-                </a:solidFill>
-              </a:rPr>
-              <a:t>내가 </a:t>
-            </a:r>
-            <a:r>
-              <a:rPr lang="ko-KR" altLang="en-US" sz="1000" dirty="0">
-                <a:solidFill>
-                  <a:schemeClr val="tx1"/>
-                </a:solidFill>
-              </a:rPr>
-              <a:t>이용했던 </a:t>
-            </a:r>
-            <a:r>
-              <a:rPr lang="ko-KR" altLang="en-US" sz="1000" dirty="0" err="1" smtClean="0">
-                <a:solidFill>
-                  <a:schemeClr val="tx1"/>
-                </a:solidFill>
-              </a:rPr>
-              <a:t>시터번호를</a:t>
-            </a:r>
-            <a:r>
-              <a:rPr lang="ko-KR" altLang="en-US" sz="1000" dirty="0" smtClean="0">
-                <a:solidFill>
-                  <a:schemeClr val="tx1"/>
-                </a:solidFill>
-              </a:rPr>
-              <a:t> 참조하여 </a:t>
-            </a:r>
-            <a:r>
-              <a:rPr lang="ko-KR" altLang="en-US" sz="1000" dirty="0">
-                <a:solidFill>
-                  <a:schemeClr val="tx1"/>
-                </a:solidFill>
-              </a:rPr>
-              <a:t>리뷰 테이블 컬럼에 맞는 정보를 </a:t>
-            </a:r>
-            <a:r>
-              <a:rPr lang="ko-KR" altLang="en-US" sz="1000" dirty="0" smtClean="0">
-                <a:solidFill>
-                  <a:schemeClr val="tx1"/>
-                </a:solidFill>
-              </a:rPr>
-              <a:t>입력해 </a:t>
-            </a:r>
-            <a:r>
-              <a:rPr lang="en-US" altLang="ko-KR" sz="1000" dirty="0">
-                <a:solidFill>
-                  <a:schemeClr val="tx1"/>
-                </a:solidFill>
-              </a:rPr>
-              <a:t>INSERT INTO</a:t>
+              <a:t>INTO</a:t>
             </a:r>
             <a:r>
               <a:rPr lang="ko-KR" altLang="en-US" sz="1000" dirty="0">
@@ -11134,8 +10866,8 @@
         </p:nvCxnSpPr>
         <p:spPr>
           <a:xfrm flipH="1">
-            <a:off x="5505450" y="5107148"/>
-            <a:ext cx="1363025" cy="626902"/>
+            <a:off x="5505451" y="3636410"/>
+            <a:ext cx="1529924" cy="2097640"/>
           </a:xfrm>
           <a:prstGeom prst="straightConnector1">
             <a:avLst/>
@@ -11167,7 +10899,7 @@
           <p:cNvPr id="118" name="TextBox 117">
             <a:extLst>
               <a:ext uri="{FF2B5EF4-FFF2-40B4-BE49-F238E27FC236}">
-                <a16:creationId xmlns="" xmlns:a16="http://schemas.microsoft.com/office/drawing/2014/main" id="{D12B0B12-AB99-4F88-B4B2-948DADC833EA}"/>
+                <a16:creationId xmlns:a16="http://schemas.microsoft.com/office/drawing/2014/main" id="{D12B0B12-AB99-4F88-B4B2-948DADC833EA}"/>
               </a:ext>
             </a:extLst>
           </p:cNvPr>
@@ -11250,7 +10982,7 @@
           <p:cNvPr id="119" name="그림 118">
             <a:extLst>
               <a:ext uri="{FF2B5EF4-FFF2-40B4-BE49-F238E27FC236}">
-                <a16:creationId xmlns="" xmlns:a16="http://schemas.microsoft.com/office/drawing/2014/main" id="{0F0992E8-2696-42E6-805A-0C12780D8FA1}"/>
+                <a16:creationId xmlns:a16="http://schemas.microsoft.com/office/drawing/2014/main" id="{0F0992E8-2696-42E6-805A-0C12780D8FA1}"/>
               </a:ext>
             </a:extLst>
           </p:cNvPr>
@@ -11260,7 +10992,7 @@
           <p:nvPr/>
         </p:nvPicPr>
         <p:blipFill>
-          <a:blip r:embed="rId9" cstate="print">
+          <a:blip r:embed="rId4" cstate="print">
             <a:extLst>
               <a:ext uri="{28A0092B-C50C-407E-A947-70E740481C1C}">
                 <a14:useLocalDpi xmlns:a14="http://schemas.microsoft.com/office/drawing/2010/main" val="0"/>
@@ -11279,6 +11011,64 @@
           <a:prstGeom prst="rect">
             <a:avLst/>
           </a:prstGeom>
+        </p:spPr>
+      </p:pic>
+      <p:pic>
+        <p:nvPicPr>
+          <p:cNvPr id="5" name="그림 4"/>
+          <p:cNvPicPr>
+            <a:picLocks noChangeAspect="1"/>
+          </p:cNvPicPr>
+          <p:nvPr/>
+        </p:nvPicPr>
+        <p:blipFill>
+          <a:blip r:embed="rId5"/>
+          <a:stretch>
+            <a:fillRect/>
+          </a:stretch>
+        </p:blipFill>
+        <p:spPr>
+          <a:xfrm>
+            <a:off x="3017307" y="2085583"/>
+            <a:ext cx="7343775" cy="2314575"/>
+          </a:xfrm>
+          <a:prstGeom prst="rect">
+            <a:avLst/>
+          </a:prstGeom>
+          <a:ln>
+            <a:solidFill>
+              <a:schemeClr val="tx1"/>
+            </a:solidFill>
+          </a:ln>
+        </p:spPr>
+      </p:pic>
+      <p:pic>
+        <p:nvPicPr>
+          <p:cNvPr id="7" name="그림 6"/>
+          <p:cNvPicPr>
+            <a:picLocks noChangeAspect="1"/>
+          </p:cNvPicPr>
+          <p:nvPr/>
+        </p:nvPicPr>
+        <p:blipFill>
+          <a:blip r:embed="rId6"/>
+          <a:stretch>
+            <a:fillRect/>
+          </a:stretch>
+        </p:blipFill>
+        <p:spPr>
+          <a:xfrm>
+            <a:off x="3032125" y="4541458"/>
+            <a:ext cx="8515350" cy="609600"/>
+          </a:xfrm>
+          <a:prstGeom prst="rect">
+            <a:avLst/>
+          </a:prstGeom>
+          <a:ln>
+            <a:solidFill>
+              <a:schemeClr val="tx1"/>
+            </a:solidFill>
+          </a:ln>
         </p:spPr>
       </p:pic>
     </p:spTree>
@@ -11313,6 +11103,35 @@
       </p:grpSpPr>
       <p:pic>
         <p:nvPicPr>
+          <p:cNvPr id="17" name="그림 16"/>
+          <p:cNvPicPr>
+            <a:picLocks noChangeAspect="1"/>
+          </p:cNvPicPr>
+          <p:nvPr/>
+        </p:nvPicPr>
+        <p:blipFill>
+          <a:blip r:embed="rId2"/>
+          <a:stretch>
+            <a:fillRect/>
+          </a:stretch>
+        </p:blipFill>
+        <p:spPr>
+          <a:xfrm>
+            <a:off x="896101" y="1786466"/>
+            <a:ext cx="7200000" cy="4459867"/>
+          </a:xfrm>
+          <a:prstGeom prst="rect">
+            <a:avLst/>
+          </a:prstGeom>
+          <a:ln>
+            <a:solidFill>
+              <a:schemeClr val="tx1"/>
+            </a:solidFill>
+          </a:ln>
+        </p:spPr>
+      </p:pic>
+      <p:pic>
+        <p:nvPicPr>
           <p:cNvPr id="16" name="그림 15"/>
           <p:cNvPicPr>
             <a:picLocks noChangeAspect="1"/>
@@ -11320,7 +11139,7 @@
           <p:nvPr/>
         </p:nvPicPr>
         <p:blipFill>
-          <a:blip r:embed="rId2"/>
+          <a:blip r:embed="rId3"/>
           <a:stretch>
             <a:fillRect/>
           </a:stretch>
@@ -11345,7 +11164,7 @@
           <p:cNvPr id="2" name="직사각형 1">
             <a:extLst>
               <a:ext uri="{FF2B5EF4-FFF2-40B4-BE49-F238E27FC236}">
-                <a16:creationId xmlns:a16="http://schemas.microsoft.com/office/drawing/2014/main" xmlns="" id="{8E5B996D-DF87-49E5-95D1-45B1EEB9EE9A}"/>
+                <a16:creationId xmlns:a16="http://schemas.microsoft.com/office/drawing/2014/main" id="{8E5B996D-DF87-49E5-95D1-45B1EEB9EE9A}"/>
               </a:ext>
             </a:extLst>
           </p:cNvPr>
@@ -11397,7 +11216,7 @@
           <p:cNvPr id="4" name="직사각형 3">
             <a:extLst>
               <a:ext uri="{FF2B5EF4-FFF2-40B4-BE49-F238E27FC236}">
-                <a16:creationId xmlns:a16="http://schemas.microsoft.com/office/drawing/2014/main" xmlns="" id="{080CEE4E-4BCA-42C3-BECA-9BCEB9931EEA}"/>
+                <a16:creationId xmlns:a16="http://schemas.microsoft.com/office/drawing/2014/main" id="{080CEE4E-4BCA-42C3-BECA-9BCEB9931EEA}"/>
               </a:ext>
             </a:extLst>
           </p:cNvPr>
@@ -11444,35 +11263,6 @@
           </a:p>
         </p:txBody>
       </p:sp>
-      <p:pic>
-        <p:nvPicPr>
-          <p:cNvPr id="10" name="그림 9"/>
-          <p:cNvPicPr>
-            <a:picLocks noChangeAspect="1"/>
-          </p:cNvPicPr>
-          <p:nvPr/>
-        </p:nvPicPr>
-        <p:blipFill>
-          <a:blip r:embed="rId3"/>
-          <a:stretch>
-            <a:fillRect/>
-          </a:stretch>
-        </p:blipFill>
-        <p:spPr>
-          <a:xfrm>
-            <a:off x="896100" y="1786467"/>
-            <a:ext cx="7200000" cy="4459866"/>
-          </a:xfrm>
-          <a:prstGeom prst="rect">
-            <a:avLst/>
-          </a:prstGeom>
-          <a:ln>
-            <a:solidFill>
-              <a:schemeClr val="tx1"/>
-            </a:solidFill>
-          </a:ln>
-        </p:spPr>
-      </p:pic>
       <p:sp>
         <p:nvSpPr>
           <p:cNvPr id="9" name="TextBox 8"/>
@@ -11515,7 +11305,7 @@
           <p:cNvPr id="11" name="TextBox 10">
             <a:extLst>
               <a:ext uri="{FF2B5EF4-FFF2-40B4-BE49-F238E27FC236}">
-                <a16:creationId xmlns="" xmlns:a16="http://schemas.microsoft.com/office/drawing/2014/main" id="{D12B0B12-AB99-4F88-B4B2-948DADC833EA}"/>
+                <a16:creationId xmlns:a16="http://schemas.microsoft.com/office/drawing/2014/main" id="{D12B0B12-AB99-4F88-B4B2-948DADC833EA}"/>
               </a:ext>
             </a:extLst>
           </p:cNvPr>
@@ -11653,7 +11443,7 @@
           <p:cNvPr id="12" name="그림 11">
             <a:extLst>
               <a:ext uri="{FF2B5EF4-FFF2-40B4-BE49-F238E27FC236}">
-                <a16:creationId xmlns="" xmlns:a16="http://schemas.microsoft.com/office/drawing/2014/main" id="{0F0992E8-2696-42E6-805A-0C12780D8FA1}"/>
+                <a16:creationId xmlns:a16="http://schemas.microsoft.com/office/drawing/2014/main" id="{0F0992E8-2696-42E6-805A-0C12780D8FA1}"/>
               </a:ext>
             </a:extLst>
           </p:cNvPr>
@@ -12049,7 +11839,7 @@
           <p:cNvPr id="15" name="사각형: 둥근 모서리 33">
             <a:extLst>
               <a:ext uri="{FF2B5EF4-FFF2-40B4-BE49-F238E27FC236}">
-                <a16:creationId xmlns:a16="http://schemas.microsoft.com/office/drawing/2014/main" xmlns="" id="{9FEA6CC2-F860-4762-B98D-92DFCBF74600}"/>
+                <a16:creationId xmlns:a16="http://schemas.microsoft.com/office/drawing/2014/main" id="{9FEA6CC2-F860-4762-B98D-92DFCBF74600}"/>
               </a:ext>
             </a:extLst>
           </p:cNvPr>
@@ -12232,7 +12022,7 @@
           <p:cNvPr id="2" name="직사각형 1">
             <a:extLst>
               <a:ext uri="{FF2B5EF4-FFF2-40B4-BE49-F238E27FC236}">
-                <a16:creationId xmlns:a16="http://schemas.microsoft.com/office/drawing/2014/main" xmlns="" id="{8E5B996D-DF87-49E5-95D1-45B1EEB9EE9A}"/>
+                <a16:creationId xmlns:a16="http://schemas.microsoft.com/office/drawing/2014/main" id="{8E5B996D-DF87-49E5-95D1-45B1EEB9EE9A}"/>
               </a:ext>
             </a:extLst>
           </p:cNvPr>
@@ -12284,7 +12074,7 @@
           <p:cNvPr id="4" name="직사각형 3">
             <a:extLst>
               <a:ext uri="{FF2B5EF4-FFF2-40B4-BE49-F238E27FC236}">
-                <a16:creationId xmlns:a16="http://schemas.microsoft.com/office/drawing/2014/main" xmlns="" id="{080CEE4E-4BCA-42C3-BECA-9BCEB9931EEA}"/>
+                <a16:creationId xmlns:a16="http://schemas.microsoft.com/office/drawing/2014/main" id="{080CEE4E-4BCA-42C3-BECA-9BCEB9931EEA}"/>
               </a:ext>
             </a:extLst>
           </p:cNvPr>
@@ -12336,7 +12126,7 @@
           <p:cNvPr id="77" name="그림 76">
             <a:extLst>
               <a:ext uri="{FF2B5EF4-FFF2-40B4-BE49-F238E27FC236}">
-                <a16:creationId xmlns="" xmlns:a16="http://schemas.microsoft.com/office/drawing/2014/main" id="{0F0992E8-2696-42E6-805A-0C12780D8FA1}"/>
+                <a16:creationId xmlns:a16="http://schemas.microsoft.com/office/drawing/2014/main" id="{0F0992E8-2696-42E6-805A-0C12780D8FA1}"/>
               </a:ext>
             </a:extLst>
           </p:cNvPr>
@@ -12372,7 +12162,7 @@
           <p:cNvPr id="78" name="TextBox 77">
             <a:extLst>
               <a:ext uri="{FF2B5EF4-FFF2-40B4-BE49-F238E27FC236}">
-                <a16:creationId xmlns="" xmlns:a16="http://schemas.microsoft.com/office/drawing/2014/main" id="{D12B0B12-AB99-4F88-B4B2-948DADC833EA}"/>
+                <a16:creationId xmlns:a16="http://schemas.microsoft.com/office/drawing/2014/main" id="{D12B0B12-AB99-4F88-B4B2-948DADC833EA}"/>
               </a:ext>
             </a:extLst>
           </p:cNvPr>
@@ -12486,35 +12276,6 @@
           </a:p>
         </p:txBody>
       </p:sp>
-      <p:pic>
-        <p:nvPicPr>
-          <p:cNvPr id="10" name="그림 9"/>
-          <p:cNvPicPr>
-            <a:picLocks noChangeAspect="1"/>
-          </p:cNvPicPr>
-          <p:nvPr/>
-        </p:nvPicPr>
-        <p:blipFill>
-          <a:blip r:embed="rId3"/>
-          <a:stretch>
-            <a:fillRect/>
-          </a:stretch>
-        </p:blipFill>
-        <p:spPr>
-          <a:xfrm>
-            <a:off x="896100" y="1786467"/>
-            <a:ext cx="7200000" cy="4459866"/>
-          </a:xfrm>
-          <a:prstGeom prst="rect">
-            <a:avLst/>
-          </a:prstGeom>
-          <a:ln>
-            <a:solidFill>
-              <a:schemeClr val="tx1"/>
-            </a:solidFill>
-          </a:ln>
-        </p:spPr>
-      </p:pic>
       <p:sp>
         <p:nvSpPr>
           <p:cNvPr id="11" name="TextBox 10"/>
@@ -12562,7 +12323,7 @@
           <p:nvPr/>
         </p:nvPicPr>
         <p:blipFill>
-          <a:blip r:embed="rId4"/>
+          <a:blip r:embed="rId3"/>
           <a:stretch>
             <a:fillRect/>
           </a:stretch>
@@ -12575,6 +12336,35 @@
           <a:prstGeom prst="rect">
             <a:avLst/>
           </a:prstGeom>
+        </p:spPr>
+      </p:pic>
+      <p:pic>
+        <p:nvPicPr>
+          <p:cNvPr id="13" name="그림 12"/>
+          <p:cNvPicPr>
+            <a:picLocks noChangeAspect="1"/>
+          </p:cNvPicPr>
+          <p:nvPr/>
+        </p:nvPicPr>
+        <p:blipFill>
+          <a:blip r:embed="rId4"/>
+          <a:stretch>
+            <a:fillRect/>
+          </a:stretch>
+        </p:blipFill>
+        <p:spPr>
+          <a:xfrm>
+            <a:off x="896101" y="1786466"/>
+            <a:ext cx="7200000" cy="4459867"/>
+          </a:xfrm>
+          <a:prstGeom prst="rect">
+            <a:avLst/>
+          </a:prstGeom>
+          <a:ln>
+            <a:solidFill>
+              <a:schemeClr val="tx1"/>
+            </a:solidFill>
+          </a:ln>
         </p:spPr>
       </p:pic>
     </p:spTree>
@@ -12607,12 +12397,41 @@
           <a:chExt cx="0" cy="0"/>
         </a:xfrm>
       </p:grpSpPr>
+      <p:pic>
+        <p:nvPicPr>
+          <p:cNvPr id="13" name="그림 12"/>
+          <p:cNvPicPr>
+            <a:picLocks noChangeAspect="1"/>
+          </p:cNvPicPr>
+          <p:nvPr/>
+        </p:nvPicPr>
+        <p:blipFill>
+          <a:blip r:embed="rId2"/>
+          <a:stretch>
+            <a:fillRect/>
+          </a:stretch>
+        </p:blipFill>
+        <p:spPr>
+          <a:xfrm>
+            <a:off x="896101" y="1786466"/>
+            <a:ext cx="7200000" cy="4459867"/>
+          </a:xfrm>
+          <a:prstGeom prst="rect">
+            <a:avLst/>
+          </a:prstGeom>
+          <a:ln>
+            <a:solidFill>
+              <a:schemeClr val="tx1"/>
+            </a:solidFill>
+          </a:ln>
+        </p:spPr>
+      </p:pic>
       <p:sp>
         <p:nvSpPr>
           <p:cNvPr id="2" name="직사각형 1">
             <a:extLst>
               <a:ext uri="{FF2B5EF4-FFF2-40B4-BE49-F238E27FC236}">
-                <a16:creationId xmlns:a16="http://schemas.microsoft.com/office/drawing/2014/main" xmlns="" id="{8E5B996D-DF87-49E5-95D1-45B1EEB9EE9A}"/>
+                <a16:creationId xmlns:a16="http://schemas.microsoft.com/office/drawing/2014/main" id="{8E5B996D-DF87-49E5-95D1-45B1EEB9EE9A}"/>
               </a:ext>
             </a:extLst>
           </p:cNvPr>
@@ -12664,7 +12483,7 @@
           <p:cNvPr id="4" name="직사각형 3">
             <a:extLst>
               <a:ext uri="{FF2B5EF4-FFF2-40B4-BE49-F238E27FC236}">
-                <a16:creationId xmlns:a16="http://schemas.microsoft.com/office/drawing/2014/main" xmlns="" id="{080CEE4E-4BCA-42C3-BECA-9BCEB9931EEA}"/>
+                <a16:creationId xmlns:a16="http://schemas.microsoft.com/office/drawing/2014/main" id="{080CEE4E-4BCA-42C3-BECA-9BCEB9931EEA}"/>
               </a:ext>
             </a:extLst>
           </p:cNvPr>
@@ -12711,35 +12530,6 @@
           </a:p>
         </p:txBody>
       </p:sp>
-      <p:pic>
-        <p:nvPicPr>
-          <p:cNvPr id="10" name="그림 9"/>
-          <p:cNvPicPr>
-            <a:picLocks noChangeAspect="1"/>
-          </p:cNvPicPr>
-          <p:nvPr/>
-        </p:nvPicPr>
-        <p:blipFill>
-          <a:blip r:embed="rId2"/>
-          <a:stretch>
-            <a:fillRect/>
-          </a:stretch>
-        </p:blipFill>
-        <p:spPr>
-          <a:xfrm>
-            <a:off x="896100" y="1786467"/>
-            <a:ext cx="7200000" cy="4459866"/>
-          </a:xfrm>
-          <a:prstGeom prst="rect">
-            <a:avLst/>
-          </a:prstGeom>
-          <a:ln>
-            <a:solidFill>
-              <a:schemeClr val="tx1"/>
-            </a:solidFill>
-          </a:ln>
-        </p:spPr>
-      </p:pic>
       <p:sp>
         <p:nvSpPr>
           <p:cNvPr id="11" name="TextBox 10"/>
@@ -12783,7 +12573,7 @@
           <p:cNvPr id="9" name="TextBox 8">
             <a:extLst>
               <a:ext uri="{FF2B5EF4-FFF2-40B4-BE49-F238E27FC236}">
-                <a16:creationId xmlns="" xmlns:a16="http://schemas.microsoft.com/office/drawing/2014/main" id="{D12B0B12-AB99-4F88-B4B2-948DADC833EA}"/>
+                <a16:creationId xmlns:a16="http://schemas.microsoft.com/office/drawing/2014/main" id="{D12B0B12-AB99-4F88-B4B2-948DADC833EA}"/>
               </a:ext>
             </a:extLst>
           </p:cNvPr>
@@ -12866,7 +12656,7 @@
           <p:cNvPr id="12" name="그림 11">
             <a:extLst>
               <a:ext uri="{FF2B5EF4-FFF2-40B4-BE49-F238E27FC236}">
-                <a16:creationId xmlns="" xmlns:a16="http://schemas.microsoft.com/office/drawing/2014/main" id="{0F0992E8-2696-42E6-805A-0C12780D8FA1}"/>
+                <a16:creationId xmlns:a16="http://schemas.microsoft.com/office/drawing/2014/main" id="{0F0992E8-2696-42E6-805A-0C12780D8FA1}"/>
               </a:ext>
             </a:extLst>
           </p:cNvPr>
@@ -12897,49 +12687,6 @@
           </a:prstGeom>
         </p:spPr>
       </p:pic>
-      <p:sp>
-        <p:nvSpPr>
-          <p:cNvPr id="3" name="직사각형 2"/>
-          <p:cNvSpPr/>
-          <p:nvPr/>
-        </p:nvSpPr>
-        <p:spPr>
-          <a:xfrm>
-            <a:off x="2743200" y="2612571"/>
-            <a:ext cx="6800850" cy="798286"/>
-          </a:xfrm>
-          <a:prstGeom prst="rect">
-            <a:avLst/>
-          </a:prstGeom>
-          <a:solidFill>
-            <a:srgbClr val="FF0000"/>
-          </a:solidFill>
-        </p:spPr>
-        <p:style>
-          <a:lnRef idx="2">
-            <a:schemeClr val="accent1">
-              <a:shade val="50000"/>
-            </a:schemeClr>
-          </a:lnRef>
-          <a:fillRef idx="1">
-            <a:schemeClr val="accent1"/>
-          </a:fillRef>
-          <a:effectRef idx="0">
-            <a:schemeClr val="accent1"/>
-          </a:effectRef>
-          <a:fontRef idx="minor">
-            <a:schemeClr val="lt1"/>
-          </a:fontRef>
-        </p:style>
-        <p:txBody>
-          <a:bodyPr rtlCol="0" anchor="ctr"/>
-          <a:lstStyle/>
-          <a:p>
-            <a:pPr algn="ctr"/>
-            <a:endParaRPr lang="ko-KR" altLang="en-US"/>
-          </a:p>
-        </p:txBody>
-      </p:sp>
       <p:pic>
         <p:nvPicPr>
           <p:cNvPr id="14" name="그림 13"/>
@@ -12964,6 +12711,179 @@
           </a:prstGeom>
         </p:spPr>
       </p:pic>
+      <p:pic>
+        <p:nvPicPr>
+          <p:cNvPr id="5" name="그림 4"/>
+          <p:cNvPicPr>
+            <a:picLocks noChangeAspect="1"/>
+          </p:cNvPicPr>
+          <p:nvPr/>
+        </p:nvPicPr>
+        <p:blipFill>
+          <a:blip r:embed="rId5"/>
+          <a:stretch>
+            <a:fillRect/>
+          </a:stretch>
+        </p:blipFill>
+        <p:spPr>
+          <a:xfrm>
+            <a:off x="4032250" y="2532088"/>
+            <a:ext cx="6562725" cy="1133475"/>
+          </a:xfrm>
+          <a:prstGeom prst="rect">
+            <a:avLst/>
+          </a:prstGeom>
+          <a:ln>
+            <a:solidFill>
+              <a:schemeClr val="tx1"/>
+            </a:solidFill>
+          </a:ln>
+        </p:spPr>
+      </p:pic>
+      <p:pic>
+        <p:nvPicPr>
+          <p:cNvPr id="6" name="그림 5"/>
+          <p:cNvPicPr>
+            <a:picLocks noChangeAspect="1"/>
+          </p:cNvPicPr>
+          <p:nvPr/>
+        </p:nvPicPr>
+        <p:blipFill>
+          <a:blip r:embed="rId6"/>
+          <a:stretch>
+            <a:fillRect/>
+          </a:stretch>
+        </p:blipFill>
+        <p:spPr>
+          <a:xfrm>
+            <a:off x="4032250" y="5071533"/>
+            <a:ext cx="6515100" cy="895350"/>
+          </a:xfrm>
+          <a:prstGeom prst="rect">
+            <a:avLst/>
+          </a:prstGeom>
+          <a:ln>
+            <a:solidFill>
+              <a:schemeClr val="tx1"/>
+            </a:solidFill>
+          </a:ln>
+        </p:spPr>
+      </p:pic>
+      <p:cxnSp>
+        <p:nvCxnSpPr>
+          <p:cNvPr id="15" name="직선 화살표 연결선 14"/>
+          <p:cNvCxnSpPr>
+            <a:cxnSpLocks/>
+            <a:stCxn id="5" idx="2"/>
+          </p:cNvCxnSpPr>
+          <p:nvPr/>
+        </p:nvCxnSpPr>
+        <p:spPr>
+          <a:xfrm flipH="1">
+            <a:off x="5511800" y="3665563"/>
+            <a:ext cx="1801813" cy="969937"/>
+          </a:xfrm>
+          <a:prstGeom prst="straightConnector1">
+            <a:avLst/>
+          </a:prstGeom>
+          <a:ln w="12700">
+            <a:solidFill>
+              <a:srgbClr val="FF0000"/>
+            </a:solidFill>
+            <a:tailEnd type="triangle"/>
+          </a:ln>
+        </p:spPr>
+        <p:style>
+          <a:lnRef idx="1">
+            <a:schemeClr val="accent1"/>
+          </a:lnRef>
+          <a:fillRef idx="0">
+            <a:schemeClr val="accent1"/>
+          </a:fillRef>
+          <a:effectRef idx="0">
+            <a:schemeClr val="accent1"/>
+          </a:effectRef>
+          <a:fontRef idx="minor">
+            <a:schemeClr val="tx1"/>
+          </a:fontRef>
+        </p:style>
+      </p:cxnSp>
+      <p:sp>
+        <p:nvSpPr>
+          <p:cNvPr id="16" name="사각형: 둥근 모서리 114">
+            <a:extLst>
+              <a:ext uri="{FF2B5EF4-FFF2-40B4-BE49-F238E27FC236}">
+                <a16:creationId xmlns:a16="http://schemas.microsoft.com/office/drawing/2014/main" id="{59E9FA8F-C318-4E7C-9749-F70BC404C1D0}"/>
+              </a:ext>
+            </a:extLst>
+          </p:cNvPr>
+          <p:cNvSpPr/>
+          <p:nvPr/>
+        </p:nvSpPr>
+        <p:spPr>
+          <a:xfrm>
+            <a:off x="5331017" y="1060848"/>
+            <a:ext cx="3716894" cy="954085"/>
+          </a:xfrm>
+          <a:prstGeom prst="roundRect">
+            <a:avLst/>
+          </a:prstGeom>
+          <a:solidFill>
+            <a:schemeClr val="bg1">
+              <a:lumMod val="95000"/>
+            </a:schemeClr>
+          </a:solidFill>
+          <a:ln>
+            <a:solidFill>
+              <a:schemeClr val="tx1"/>
+            </a:solidFill>
+          </a:ln>
+        </p:spPr>
+        <p:style>
+          <a:lnRef idx="2">
+            <a:schemeClr val="accent1">
+              <a:shade val="50000"/>
+            </a:schemeClr>
+          </a:lnRef>
+          <a:fillRef idx="1">
+            <a:schemeClr val="accent1"/>
+          </a:fillRef>
+          <a:effectRef idx="0">
+            <a:schemeClr val="accent1"/>
+          </a:effectRef>
+          <a:fontRef idx="minor">
+            <a:schemeClr val="lt1"/>
+          </a:fontRef>
+        </p:style>
+        <p:txBody>
+          <a:bodyPr rtlCol="0" anchor="ctr"/>
+          <a:lstStyle/>
+          <a:p>
+            <a:pPr algn="ctr" latinLnBrk="0"/>
+            <a:r>
+              <a:rPr lang="ko-KR" altLang="en-US" sz="1000" dirty="0" smtClean="0">
+                <a:solidFill>
+                  <a:schemeClr val="tx1"/>
+                </a:solidFill>
+              </a:rPr>
+              <a:t>글쓴이와 상대방 정보를 포함한 정보를 입력한다</a:t>
+            </a:r>
+            <a:r>
+              <a:rPr lang="en-US" altLang="ko-KR" sz="1000" dirty="0" smtClean="0">
+                <a:solidFill>
+                  <a:schemeClr val="tx1"/>
+                </a:solidFill>
+              </a:rPr>
+              <a:t>.</a:t>
+            </a:r>
+            <a:endParaRPr lang="ko-KR" altLang="en-US" sz="1000" dirty="0">
+              <a:solidFill>
+                <a:schemeClr val="tx1"/>
+              </a:solidFill>
+            </a:endParaRPr>
+          </a:p>
+        </p:txBody>
+      </p:sp>
     </p:spTree>
     <p:extLst>
       <p:ext uri="{BB962C8B-B14F-4D97-AF65-F5344CB8AC3E}">
@@ -12996,6 +12916,35 @@
       </p:grpSpPr>
       <p:pic>
         <p:nvPicPr>
+          <p:cNvPr id="18" name="그림 17"/>
+          <p:cNvPicPr>
+            <a:picLocks noChangeAspect="1"/>
+          </p:cNvPicPr>
+          <p:nvPr/>
+        </p:nvPicPr>
+        <p:blipFill>
+          <a:blip r:embed="rId2"/>
+          <a:stretch>
+            <a:fillRect/>
+          </a:stretch>
+        </p:blipFill>
+        <p:spPr>
+          <a:xfrm>
+            <a:off x="896101" y="1786466"/>
+            <a:ext cx="7200000" cy="4459867"/>
+          </a:xfrm>
+          <a:prstGeom prst="rect">
+            <a:avLst/>
+          </a:prstGeom>
+          <a:ln>
+            <a:solidFill>
+              <a:schemeClr val="tx1"/>
+            </a:solidFill>
+          </a:ln>
+        </p:spPr>
+      </p:pic>
+      <p:pic>
+        <p:nvPicPr>
           <p:cNvPr id="16" name="그림 15"/>
           <p:cNvPicPr>
             <a:picLocks noChangeAspect="1"/>
@@ -13003,7 +12952,7 @@
           <p:nvPr/>
         </p:nvPicPr>
         <p:blipFill>
-          <a:blip r:embed="rId2"/>
+          <a:blip r:embed="rId3"/>
           <a:stretch>
             <a:fillRect/>
           </a:stretch>
@@ -13023,7 +12972,7 @@
           <p:cNvPr id="2" name="직사각형 1">
             <a:extLst>
               <a:ext uri="{FF2B5EF4-FFF2-40B4-BE49-F238E27FC236}">
-                <a16:creationId xmlns:a16="http://schemas.microsoft.com/office/drawing/2014/main" xmlns="" id="{8E5B996D-DF87-49E5-95D1-45B1EEB9EE9A}"/>
+                <a16:creationId xmlns:a16="http://schemas.microsoft.com/office/drawing/2014/main" id="{8E5B996D-DF87-49E5-95D1-45B1EEB9EE9A}"/>
               </a:ext>
             </a:extLst>
           </p:cNvPr>
@@ -13075,7 +13024,7 @@
           <p:cNvPr id="4" name="직사각형 3">
             <a:extLst>
               <a:ext uri="{FF2B5EF4-FFF2-40B4-BE49-F238E27FC236}">
-                <a16:creationId xmlns:a16="http://schemas.microsoft.com/office/drawing/2014/main" xmlns="" id="{080CEE4E-4BCA-42C3-BECA-9BCEB9931EEA}"/>
+                <a16:creationId xmlns:a16="http://schemas.microsoft.com/office/drawing/2014/main" id="{080CEE4E-4BCA-42C3-BECA-9BCEB9931EEA}"/>
               </a:ext>
             </a:extLst>
           </p:cNvPr>
@@ -13122,35 +13071,6 @@
           </a:p>
         </p:txBody>
       </p:sp>
-      <p:pic>
-        <p:nvPicPr>
-          <p:cNvPr id="10" name="그림 9"/>
-          <p:cNvPicPr>
-            <a:picLocks noChangeAspect="1"/>
-          </p:cNvPicPr>
-          <p:nvPr/>
-        </p:nvPicPr>
-        <p:blipFill>
-          <a:blip r:embed="rId3"/>
-          <a:stretch>
-            <a:fillRect/>
-          </a:stretch>
-        </p:blipFill>
-        <p:spPr>
-          <a:xfrm>
-            <a:off x="896100" y="1786467"/>
-            <a:ext cx="7200000" cy="4459866"/>
-          </a:xfrm>
-          <a:prstGeom prst="rect">
-            <a:avLst/>
-          </a:prstGeom>
-          <a:ln>
-            <a:solidFill>
-              <a:schemeClr val="tx1"/>
-            </a:solidFill>
-          </a:ln>
-        </p:spPr>
-      </p:pic>
       <p:sp>
         <p:nvSpPr>
           <p:cNvPr id="11" name="TextBox 10"/>
@@ -13194,7 +13114,7 @@
           <p:cNvPr id="9" name="TextBox 8">
             <a:extLst>
               <a:ext uri="{FF2B5EF4-FFF2-40B4-BE49-F238E27FC236}">
-                <a16:creationId xmlns="" xmlns:a16="http://schemas.microsoft.com/office/drawing/2014/main" id="{D12B0B12-AB99-4F88-B4B2-948DADC833EA}"/>
+                <a16:creationId xmlns:a16="http://schemas.microsoft.com/office/drawing/2014/main" id="{D12B0B12-AB99-4F88-B4B2-948DADC833EA}"/>
               </a:ext>
             </a:extLst>
           </p:cNvPr>
@@ -13332,7 +13252,7 @@
           <p:cNvPr id="12" name="그림 11">
             <a:extLst>
               <a:ext uri="{FF2B5EF4-FFF2-40B4-BE49-F238E27FC236}">
-                <a16:creationId xmlns="" xmlns:a16="http://schemas.microsoft.com/office/drawing/2014/main" id="{0F0992E8-2696-42E6-805A-0C12780D8FA1}"/>
+                <a16:creationId xmlns:a16="http://schemas.microsoft.com/office/drawing/2014/main" id="{0F0992E8-2696-42E6-805A-0C12780D8FA1}"/>
               </a:ext>
             </a:extLst>
           </p:cNvPr>
@@ -13655,7 +13575,7 @@
           <p:cNvPr id="14" name="사각형: 둥근 모서리 33">
             <a:extLst>
               <a:ext uri="{FF2B5EF4-FFF2-40B4-BE49-F238E27FC236}">
-                <a16:creationId xmlns:a16="http://schemas.microsoft.com/office/drawing/2014/main" xmlns="" id="{9FEA6CC2-F860-4762-B98D-92DFCBF74600}"/>
+                <a16:creationId xmlns:a16="http://schemas.microsoft.com/office/drawing/2014/main" id="{9FEA6CC2-F860-4762-B98D-92DFCBF74600}"/>
               </a:ext>
             </a:extLst>
           </p:cNvPr>
@@ -13952,15 +13872,7 @@
                   <a:schemeClr val="tx1"/>
                 </a:solidFill>
               </a:rPr>
-              <a:t> </a:t>
-            </a:r>
-            <a:r>
-              <a:rPr lang="en-US" altLang="ko-KR" sz="2000" dirty="0" smtClean="0">
-                <a:solidFill>
-                  <a:schemeClr val="tx1"/>
-                </a:solidFill>
-              </a:rPr>
-              <a:t>+="&lt;</a:t>
+              <a:t> +="&lt;</a:t>
             </a:r>
             <a:r>
               <a:rPr lang="en-US" altLang="ko-KR" sz="2000" dirty="0">
@@ -14080,7 +13992,7 @@
           <p:cNvPr id="2" name="직사각형 1">
             <a:extLst>
               <a:ext uri="{FF2B5EF4-FFF2-40B4-BE49-F238E27FC236}">
-                <a16:creationId xmlns:a16="http://schemas.microsoft.com/office/drawing/2014/main" xmlns="" id="{8E5B996D-DF87-49E5-95D1-45B1EEB9EE9A}"/>
+                <a16:creationId xmlns:a16="http://schemas.microsoft.com/office/drawing/2014/main" id="{8E5B996D-DF87-49E5-95D1-45B1EEB9EE9A}"/>
               </a:ext>
             </a:extLst>
           </p:cNvPr>
@@ -14132,7 +14044,7 @@
           <p:cNvPr id="4" name="직사각형 3">
             <a:extLst>
               <a:ext uri="{FF2B5EF4-FFF2-40B4-BE49-F238E27FC236}">
-                <a16:creationId xmlns:a16="http://schemas.microsoft.com/office/drawing/2014/main" xmlns="" id="{080CEE4E-4BCA-42C3-BECA-9BCEB9931EEA}"/>
+                <a16:creationId xmlns:a16="http://schemas.microsoft.com/office/drawing/2014/main" id="{080CEE4E-4BCA-42C3-BECA-9BCEB9931EEA}"/>
               </a:ext>
             </a:extLst>
           </p:cNvPr>
@@ -14184,7 +14096,7 @@
           <p:cNvPr id="5" name="TextBox 4">
             <a:extLst>
               <a:ext uri="{FF2B5EF4-FFF2-40B4-BE49-F238E27FC236}">
-                <a16:creationId xmlns:a16="http://schemas.microsoft.com/office/drawing/2014/main" xmlns="" id="{D12B0B12-AB99-4F88-B4B2-948DADC833EA}"/>
+                <a16:creationId xmlns:a16="http://schemas.microsoft.com/office/drawing/2014/main" id="{D12B0B12-AB99-4F88-B4B2-948DADC833EA}"/>
               </a:ext>
             </a:extLst>
           </p:cNvPr>
@@ -14267,7 +14179,7 @@
           <p:cNvPr id="9" name="그림 8">
             <a:extLst>
               <a:ext uri="{FF2B5EF4-FFF2-40B4-BE49-F238E27FC236}">
-                <a16:creationId xmlns:a16="http://schemas.microsoft.com/office/drawing/2014/main" xmlns="" id="{0F0992E8-2696-42E6-805A-0C12780D8FA1}"/>
+                <a16:creationId xmlns:a16="http://schemas.microsoft.com/office/drawing/2014/main" id="{0F0992E8-2696-42E6-805A-0C12780D8FA1}"/>
               </a:ext>
             </a:extLst>
           </p:cNvPr>
@@ -14323,64 +14235,70 @@
                 <a:gridCol w="721819">
                   <a:extLst>
                     <a:ext uri="{9D8B030D-6E8A-4147-A177-3AD203B41FA5}">
-                      <a16:colId xmlns:a16="http://schemas.microsoft.com/office/drawing/2014/main" xmlns="" val="20000"/>
+                      <a16:colId xmlns:a16="http://schemas.microsoft.com/office/drawing/2014/main" val="20000"/>
                     </a:ext>
                   </a:extLst>
                 </a:gridCol>
                 <a:gridCol w="996853">
                   <a:extLst>
                     <a:ext uri="{9D8B030D-6E8A-4147-A177-3AD203B41FA5}">
-                      <a16:colId xmlns:a16="http://schemas.microsoft.com/office/drawing/2014/main" xmlns="" val="20001"/>
+                      <a16:colId xmlns:a16="http://schemas.microsoft.com/office/drawing/2014/main" val="20001"/>
                     </a:ext>
                   </a:extLst>
                 </a:gridCol>
                 <a:gridCol w="2091038">
                   <a:extLst>
                     <a:ext uri="{9D8B030D-6E8A-4147-A177-3AD203B41FA5}">
-                      <a16:colId xmlns:a16="http://schemas.microsoft.com/office/drawing/2014/main" xmlns="" val="20002"/>
+                      <a16:colId xmlns:a16="http://schemas.microsoft.com/office/drawing/2014/main" val="20002"/>
                     </a:ext>
                   </a:extLst>
                 </a:gridCol>
                 <a:gridCol w="4084858">
                   <a:extLst>
                     <a:ext uri="{9D8B030D-6E8A-4147-A177-3AD203B41FA5}">
-                      <a16:colId xmlns:a16="http://schemas.microsoft.com/office/drawing/2014/main" xmlns="" val="20003"/>
+                      <a16:colId xmlns:a16="http://schemas.microsoft.com/office/drawing/2014/main" val="20003"/>
                     </a:ext>
                   </a:extLst>
                 </a:gridCol>
                 <a:gridCol w="527378">
                   <a:extLst>
                     <a:ext uri="{9D8B030D-6E8A-4147-A177-3AD203B41FA5}">
-                      <a16:colId xmlns:a16="http://schemas.microsoft.com/office/drawing/2014/main" xmlns="" val="20004"/>
+                      <a16:colId xmlns:a16="http://schemas.microsoft.com/office/drawing/2014/main" val="20004"/>
                     </a:ext>
                   </a:extLst>
                 </a:gridCol>
                 <a:gridCol w="717443">
                   <a:extLst>
                     <a:ext uri="{9D8B030D-6E8A-4147-A177-3AD203B41FA5}">
-                      <a16:colId xmlns:a16="http://schemas.microsoft.com/office/drawing/2014/main" xmlns="" val="20005"/>
+                      <a16:colId xmlns:a16="http://schemas.microsoft.com/office/drawing/2014/main" val="20005"/>
                     </a:ext>
                   </a:extLst>
                 </a:gridCol>
                 <a:gridCol w="359615">
                   <a:extLst>
                     <a:ext uri="{9D8B030D-6E8A-4147-A177-3AD203B41FA5}">
-                      <a16:colId xmlns:a16="http://schemas.microsoft.com/office/drawing/2014/main" xmlns="" val="20006"/>
+                      <a16:colId xmlns:a16="http://schemas.microsoft.com/office/drawing/2014/main" val="20006"/>
                     </a:ext>
                   </a:extLst>
                 </a:gridCol>
                 <a:gridCol w="359615">
                   <a:extLst>
                     <a:ext uri="{9D8B030D-6E8A-4147-A177-3AD203B41FA5}">
-                      <a16:colId xmlns:a16="http://schemas.microsoft.com/office/drawing/2014/main" xmlns="" val="20007"/>
+                      <a16:colId xmlns:a16="http://schemas.microsoft.com/office/drawing/2014/main" val="20007"/>
                     </a:ext>
                   </a:extLst>
                 </a:gridCol>
-                <a:gridCol w="828000"/>
+                <a:gridCol w="828000">
+                  <a:extLst>
+                    <a:ext uri="{9D8B030D-6E8A-4147-A177-3AD203B41FA5}">
+                      <a16:colId xmlns:a16="http://schemas.microsoft.com/office/drawing/2014/main" val="20009"/>
+                    </a:ext>
+                  </a:extLst>
+                </a:gridCol>
                 <a:gridCol w="612000">
                   <a:extLst>
                     <a:ext uri="{9D8B030D-6E8A-4147-A177-3AD203B41FA5}">
-                      <a16:colId xmlns:a16="http://schemas.microsoft.com/office/drawing/2014/main" xmlns="" val="20008"/>
+                      <a16:colId xmlns:a16="http://schemas.microsoft.com/office/drawing/2014/main" val="20008"/>
                     </a:ext>
                   </a:extLst>
                 </a:gridCol>
@@ -14983,7 +14901,7 @@
                 </a:tc>
                 <a:extLst>
                   <a:ext uri="{0D108BD9-81ED-4DB2-BD59-A6C34878D82A}">
-                    <a16:rowId xmlns:a16="http://schemas.microsoft.com/office/drawing/2014/main" xmlns="" val="10000"/>
+                    <a16:rowId xmlns:a16="http://schemas.microsoft.com/office/drawing/2014/main" val="10000"/>
                   </a:ext>
                 </a:extLst>
               </a:tr>
@@ -15561,7 +15479,7 @@
                 </a:tc>
                 <a:extLst>
                   <a:ext uri="{0D108BD9-81ED-4DB2-BD59-A6C34878D82A}">
-                    <a16:rowId xmlns:a16="http://schemas.microsoft.com/office/drawing/2014/main" xmlns="" val="10001"/>
+                    <a16:rowId xmlns:a16="http://schemas.microsoft.com/office/drawing/2014/main" val="10001"/>
                   </a:ext>
                 </a:extLst>
               </a:tr>
@@ -16023,7 +15941,7 @@
                 </a:tc>
                 <a:extLst>
                   <a:ext uri="{0D108BD9-81ED-4DB2-BD59-A6C34878D82A}">
-                    <a16:rowId xmlns:a16="http://schemas.microsoft.com/office/drawing/2014/main" xmlns="" val="10002"/>
+                    <a16:rowId xmlns:a16="http://schemas.microsoft.com/office/drawing/2014/main" val="10002"/>
                   </a:ext>
                 </a:extLst>
               </a:tr>
@@ -16477,7 +16395,7 @@
                 </a:tc>
                 <a:extLst>
                   <a:ext uri="{0D108BD9-81ED-4DB2-BD59-A6C34878D82A}">
-                    <a16:rowId xmlns:a16="http://schemas.microsoft.com/office/drawing/2014/main" xmlns="" val="10003"/>
+                    <a16:rowId xmlns:a16="http://schemas.microsoft.com/office/drawing/2014/main" val="10003"/>
                   </a:ext>
                 </a:extLst>
               </a:tr>
@@ -16959,7 +16877,7 @@
                 </a:tc>
                 <a:extLst>
                   <a:ext uri="{0D108BD9-81ED-4DB2-BD59-A6C34878D82A}">
-                    <a16:rowId xmlns:a16="http://schemas.microsoft.com/office/drawing/2014/main" xmlns="" val="10004"/>
+                    <a16:rowId xmlns:a16="http://schemas.microsoft.com/office/drawing/2014/main" val="10004"/>
                   </a:ext>
                 </a:extLst>
               </a:tr>
@@ -17397,7 +17315,7 @@
                 </a:tc>
                 <a:extLst>
                   <a:ext uri="{0D108BD9-81ED-4DB2-BD59-A6C34878D82A}">
-                    <a16:rowId xmlns:a16="http://schemas.microsoft.com/office/drawing/2014/main" xmlns="" val="10005"/>
+                    <a16:rowId xmlns:a16="http://schemas.microsoft.com/office/drawing/2014/main" val="10005"/>
                   </a:ext>
                 </a:extLst>
               </a:tr>
@@ -18014,7 +17932,7 @@
                 </a:tc>
                 <a:extLst>
                   <a:ext uri="{0D108BD9-81ED-4DB2-BD59-A6C34878D82A}">
-                    <a16:rowId xmlns:a16="http://schemas.microsoft.com/office/drawing/2014/main" xmlns="" val="10006"/>
+                    <a16:rowId xmlns:a16="http://schemas.microsoft.com/office/drawing/2014/main" val="10006"/>
                   </a:ext>
                 </a:extLst>
               </a:tr>
@@ -18569,7 +18487,7 @@
                 </a:tc>
                 <a:extLst>
                   <a:ext uri="{0D108BD9-81ED-4DB2-BD59-A6C34878D82A}">
-                    <a16:rowId xmlns:a16="http://schemas.microsoft.com/office/drawing/2014/main" xmlns="" val="10007"/>
+                    <a16:rowId xmlns:a16="http://schemas.microsoft.com/office/drawing/2014/main" val="10007"/>
                   </a:ext>
                 </a:extLst>
               </a:tr>
@@ -19107,7 +19025,7 @@
                 </a:tc>
                 <a:extLst>
                   <a:ext uri="{0D108BD9-81ED-4DB2-BD59-A6C34878D82A}">
-                    <a16:rowId xmlns:a16="http://schemas.microsoft.com/office/drawing/2014/main" xmlns="" val="10008"/>
+                    <a16:rowId xmlns:a16="http://schemas.microsoft.com/office/drawing/2014/main" val="10008"/>
                   </a:ext>
                 </a:extLst>
               </a:tr>
@@ -19572,7 +19490,7 @@
                 </a:tc>
                 <a:extLst>
                   <a:ext uri="{0D108BD9-81ED-4DB2-BD59-A6C34878D82A}">
-                    <a16:rowId xmlns:a16="http://schemas.microsoft.com/office/drawing/2014/main" xmlns="" val="10009"/>
+                    <a16:rowId xmlns:a16="http://schemas.microsoft.com/office/drawing/2014/main" val="10009"/>
                   </a:ext>
                 </a:extLst>
               </a:tr>
@@ -20054,7 +19972,7 @@
                 </a:tc>
                 <a:extLst>
                   <a:ext uri="{0D108BD9-81ED-4DB2-BD59-A6C34878D82A}">
-                    <a16:rowId xmlns:a16="http://schemas.microsoft.com/office/drawing/2014/main" xmlns="" val="10010"/>
+                    <a16:rowId xmlns:a16="http://schemas.microsoft.com/office/drawing/2014/main" val="10010"/>
                   </a:ext>
                 </a:extLst>
               </a:tr>
@@ -20097,7 +20015,7 @@
           <p:cNvPr id="2" name="직사각형 1">
             <a:extLst>
               <a:ext uri="{FF2B5EF4-FFF2-40B4-BE49-F238E27FC236}">
-                <a16:creationId xmlns:a16="http://schemas.microsoft.com/office/drawing/2014/main" xmlns="" id="{8E5B996D-DF87-49E5-95D1-45B1EEB9EE9A}"/>
+                <a16:creationId xmlns:a16="http://schemas.microsoft.com/office/drawing/2014/main" id="{8E5B996D-DF87-49E5-95D1-45B1EEB9EE9A}"/>
               </a:ext>
             </a:extLst>
           </p:cNvPr>
@@ -20149,7 +20067,7 @@
           <p:cNvPr id="4" name="직사각형 3">
             <a:extLst>
               <a:ext uri="{FF2B5EF4-FFF2-40B4-BE49-F238E27FC236}">
-                <a16:creationId xmlns:a16="http://schemas.microsoft.com/office/drawing/2014/main" xmlns="" id="{080CEE4E-4BCA-42C3-BECA-9BCEB9931EEA}"/>
+                <a16:creationId xmlns:a16="http://schemas.microsoft.com/office/drawing/2014/main" id="{080CEE4E-4BCA-42C3-BECA-9BCEB9931EEA}"/>
               </a:ext>
             </a:extLst>
           </p:cNvPr>
@@ -20201,7 +20119,7 @@
           <p:cNvPr id="9" name="그림 8">
             <a:extLst>
               <a:ext uri="{FF2B5EF4-FFF2-40B4-BE49-F238E27FC236}">
-                <a16:creationId xmlns:a16="http://schemas.microsoft.com/office/drawing/2014/main" xmlns="" id="{0F0992E8-2696-42E6-805A-0C12780D8FA1}"/>
+                <a16:creationId xmlns:a16="http://schemas.microsoft.com/office/drawing/2014/main" id="{0F0992E8-2696-42E6-805A-0C12780D8FA1}"/>
               </a:ext>
             </a:extLst>
           </p:cNvPr>
@@ -20257,64 +20175,70 @@
                 <a:gridCol w="721819">
                   <a:extLst>
                     <a:ext uri="{9D8B030D-6E8A-4147-A177-3AD203B41FA5}">
-                      <a16:colId xmlns:a16="http://schemas.microsoft.com/office/drawing/2014/main" xmlns="" val="20000"/>
+                      <a16:colId xmlns:a16="http://schemas.microsoft.com/office/drawing/2014/main" val="20000"/>
                     </a:ext>
                   </a:extLst>
                 </a:gridCol>
                 <a:gridCol w="996853">
                   <a:extLst>
                     <a:ext uri="{9D8B030D-6E8A-4147-A177-3AD203B41FA5}">
-                      <a16:colId xmlns:a16="http://schemas.microsoft.com/office/drawing/2014/main" xmlns="" val="20001"/>
+                      <a16:colId xmlns:a16="http://schemas.microsoft.com/office/drawing/2014/main" val="20001"/>
                     </a:ext>
                   </a:extLst>
                 </a:gridCol>
                 <a:gridCol w="2091038">
                   <a:extLst>
                     <a:ext uri="{9D8B030D-6E8A-4147-A177-3AD203B41FA5}">
-                      <a16:colId xmlns:a16="http://schemas.microsoft.com/office/drawing/2014/main" xmlns="" val="20002"/>
+                      <a16:colId xmlns:a16="http://schemas.microsoft.com/office/drawing/2014/main" val="20002"/>
                     </a:ext>
                   </a:extLst>
                 </a:gridCol>
                 <a:gridCol w="4084858">
                   <a:extLst>
                     <a:ext uri="{9D8B030D-6E8A-4147-A177-3AD203B41FA5}">
-                      <a16:colId xmlns:a16="http://schemas.microsoft.com/office/drawing/2014/main" xmlns="" val="20003"/>
+                      <a16:colId xmlns:a16="http://schemas.microsoft.com/office/drawing/2014/main" val="20003"/>
                     </a:ext>
                   </a:extLst>
                 </a:gridCol>
                 <a:gridCol w="527378">
                   <a:extLst>
                     <a:ext uri="{9D8B030D-6E8A-4147-A177-3AD203B41FA5}">
-                      <a16:colId xmlns:a16="http://schemas.microsoft.com/office/drawing/2014/main" xmlns="" val="20004"/>
+                      <a16:colId xmlns:a16="http://schemas.microsoft.com/office/drawing/2014/main" val="20004"/>
                     </a:ext>
                   </a:extLst>
                 </a:gridCol>
                 <a:gridCol w="717443">
                   <a:extLst>
                     <a:ext uri="{9D8B030D-6E8A-4147-A177-3AD203B41FA5}">
-                      <a16:colId xmlns:a16="http://schemas.microsoft.com/office/drawing/2014/main" xmlns="" val="20005"/>
+                      <a16:colId xmlns:a16="http://schemas.microsoft.com/office/drawing/2014/main" val="20005"/>
                     </a:ext>
                   </a:extLst>
                 </a:gridCol>
                 <a:gridCol w="359615">
                   <a:extLst>
                     <a:ext uri="{9D8B030D-6E8A-4147-A177-3AD203B41FA5}">
-                      <a16:colId xmlns:a16="http://schemas.microsoft.com/office/drawing/2014/main" xmlns="" val="20006"/>
+                      <a16:colId xmlns:a16="http://schemas.microsoft.com/office/drawing/2014/main" val="20006"/>
                     </a:ext>
                   </a:extLst>
                 </a:gridCol>
                 <a:gridCol w="359615">
                   <a:extLst>
                     <a:ext uri="{9D8B030D-6E8A-4147-A177-3AD203B41FA5}">
-                      <a16:colId xmlns:a16="http://schemas.microsoft.com/office/drawing/2014/main" xmlns="" val="20007"/>
+                      <a16:colId xmlns:a16="http://schemas.microsoft.com/office/drawing/2014/main" val="20007"/>
                     </a:ext>
                   </a:extLst>
                 </a:gridCol>
-                <a:gridCol w="828000"/>
+                <a:gridCol w="828000">
+                  <a:extLst>
+                    <a:ext uri="{9D8B030D-6E8A-4147-A177-3AD203B41FA5}">
+                      <a16:colId xmlns:a16="http://schemas.microsoft.com/office/drawing/2014/main" val="20009"/>
+                    </a:ext>
+                  </a:extLst>
+                </a:gridCol>
                 <a:gridCol w="612000">
                   <a:extLst>
                     <a:ext uri="{9D8B030D-6E8A-4147-A177-3AD203B41FA5}">
-                      <a16:colId xmlns:a16="http://schemas.microsoft.com/office/drawing/2014/main" xmlns="" val="20008"/>
+                      <a16:colId xmlns:a16="http://schemas.microsoft.com/office/drawing/2014/main" val="20008"/>
                     </a:ext>
                   </a:extLst>
                 </a:gridCol>
@@ -20917,7 +20841,7 @@
                 </a:tc>
                 <a:extLst>
                   <a:ext uri="{0D108BD9-81ED-4DB2-BD59-A6C34878D82A}">
-                    <a16:rowId xmlns:a16="http://schemas.microsoft.com/office/drawing/2014/main" xmlns="" val="10000"/>
+                    <a16:rowId xmlns:a16="http://schemas.microsoft.com/office/drawing/2014/main" val="10000"/>
                   </a:ext>
                 </a:extLst>
               </a:tr>
@@ -21501,6 +21425,11 @@
                     </a:lnB>
                   </a:tcPr>
                 </a:tc>
+                <a:extLst>
+                  <a:ext uri="{0D108BD9-81ED-4DB2-BD59-A6C34878D82A}">
+                    <a16:rowId xmlns:a16="http://schemas.microsoft.com/office/drawing/2014/main" val="10001"/>
+                  </a:ext>
+                </a:extLst>
               </a:tr>
               <a:tr h="374400">
                 <a:tc vMerge="1">
@@ -22085,6 +22014,11 @@
                     </a:lnB>
                   </a:tcPr>
                 </a:tc>
+                <a:extLst>
+                  <a:ext uri="{0D108BD9-81ED-4DB2-BD59-A6C34878D82A}">
+                    <a16:rowId xmlns:a16="http://schemas.microsoft.com/office/drawing/2014/main" val="10002"/>
+                  </a:ext>
+                </a:extLst>
               </a:tr>
               <a:tr h="374400">
                 <a:tc vMerge="1">
@@ -22700,6 +22634,11 @@
                     </a:lnB>
                   </a:tcPr>
                 </a:tc>
+                <a:extLst>
+                  <a:ext uri="{0D108BD9-81ED-4DB2-BD59-A6C34878D82A}">
+                    <a16:rowId xmlns:a16="http://schemas.microsoft.com/office/drawing/2014/main" val="10003"/>
+                  </a:ext>
+                </a:extLst>
               </a:tr>
               <a:tr h="374400">
                 <a:tc vMerge="1">
@@ -23276,6 +23215,11 @@
                     </a:lnB>
                   </a:tcPr>
                 </a:tc>
+                <a:extLst>
+                  <a:ext uri="{0D108BD9-81ED-4DB2-BD59-A6C34878D82A}">
+                    <a16:rowId xmlns:a16="http://schemas.microsoft.com/office/drawing/2014/main" val="10004"/>
+                  </a:ext>
+                </a:extLst>
               </a:tr>
               <a:tr h="374400">
                 <a:tc vMerge="1">
@@ -23899,6 +23843,11 @@
                     </a:lnB>
                   </a:tcPr>
                 </a:tc>
+                <a:extLst>
+                  <a:ext uri="{0D108BD9-81ED-4DB2-BD59-A6C34878D82A}">
+                    <a16:rowId xmlns:a16="http://schemas.microsoft.com/office/drawing/2014/main" val="10005"/>
+                  </a:ext>
+                </a:extLst>
               </a:tr>
               <a:tr h="374400">
                 <a:tc vMerge="1">
@@ -24483,6 +24432,11 @@
                     </a:lnB>
                   </a:tcPr>
                 </a:tc>
+                <a:extLst>
+                  <a:ext uri="{0D108BD9-81ED-4DB2-BD59-A6C34878D82A}">
+                    <a16:rowId xmlns:a16="http://schemas.microsoft.com/office/drawing/2014/main" val="10006"/>
+                  </a:ext>
+                </a:extLst>
               </a:tr>
               <a:tr h="374400">
                 <a:tc vMerge="1">
@@ -25035,6 +24989,11 @@
                     </a:lnB>
                   </a:tcPr>
                 </a:tc>
+                <a:extLst>
+                  <a:ext uri="{0D108BD9-81ED-4DB2-BD59-A6C34878D82A}">
+                    <a16:rowId xmlns:a16="http://schemas.microsoft.com/office/drawing/2014/main" val="10007"/>
+                  </a:ext>
+                </a:extLst>
               </a:tr>
               <a:tr h="374400">
                 <a:tc vMerge="1">
@@ -25579,6 +25538,11 @@
                     </a:lnB>
                   </a:tcPr>
                 </a:tc>
+                <a:extLst>
+                  <a:ext uri="{0D108BD9-81ED-4DB2-BD59-A6C34878D82A}">
+                    <a16:rowId xmlns:a16="http://schemas.microsoft.com/office/drawing/2014/main" val="10008"/>
+                  </a:ext>
+                </a:extLst>
               </a:tr>
               <a:tr h="374400">
                 <a:tc vMerge="1">
@@ -26123,6 +26087,11 @@
                     </a:lnB>
                   </a:tcPr>
                 </a:tc>
+                <a:extLst>
+                  <a:ext uri="{0D108BD9-81ED-4DB2-BD59-A6C34878D82A}">
+                    <a16:rowId xmlns:a16="http://schemas.microsoft.com/office/drawing/2014/main" val="10009"/>
+                  </a:ext>
+                </a:extLst>
               </a:tr>
               <a:tr h="374400">
                 <a:tc vMerge="1">
@@ -26689,6 +26658,11 @@
                     </a:lnB>
                   </a:tcPr>
                 </a:tc>
+                <a:extLst>
+                  <a:ext uri="{0D108BD9-81ED-4DB2-BD59-A6C34878D82A}">
+                    <a16:rowId xmlns:a16="http://schemas.microsoft.com/office/drawing/2014/main" val="10010"/>
+                  </a:ext>
+                </a:extLst>
               </a:tr>
               <a:tr h="374400">
                 <a:tc vMerge="1">
@@ -27265,6 +27239,11 @@
                     </a:lnB>
                   </a:tcPr>
                 </a:tc>
+                <a:extLst>
+                  <a:ext uri="{0D108BD9-81ED-4DB2-BD59-A6C34878D82A}">
+                    <a16:rowId xmlns:a16="http://schemas.microsoft.com/office/drawing/2014/main" val="10011"/>
+                  </a:ext>
+                </a:extLst>
               </a:tr>
               <a:tr h="374400">
                 <a:tc vMerge="1">
@@ -27809,6 +27788,11 @@
                     </a:lnB>
                   </a:tcPr>
                 </a:tc>
+                <a:extLst>
+                  <a:ext uri="{0D108BD9-81ED-4DB2-BD59-A6C34878D82A}">
+                    <a16:rowId xmlns:a16="http://schemas.microsoft.com/office/drawing/2014/main" val="10012"/>
+                  </a:ext>
+                </a:extLst>
               </a:tr>
             </a:tbl>
           </a:graphicData>
@@ -27819,7 +27803,7 @@
           <p:cNvPr id="7" name="TextBox 6">
             <a:extLst>
               <a:ext uri="{FF2B5EF4-FFF2-40B4-BE49-F238E27FC236}">
-                <a16:creationId xmlns:a16="http://schemas.microsoft.com/office/drawing/2014/main" xmlns="" id="{D12B0B12-AB99-4F88-B4B2-948DADC833EA}"/>
+                <a16:creationId xmlns:a16="http://schemas.microsoft.com/office/drawing/2014/main" id="{D12B0B12-AB99-4F88-B4B2-948DADC833EA}"/>
               </a:ext>
             </a:extLst>
           </p:cNvPr>
@@ -27932,7 +27916,7 @@
           <p:cNvPr id="2" name="직사각형 1">
             <a:extLst>
               <a:ext uri="{FF2B5EF4-FFF2-40B4-BE49-F238E27FC236}">
-                <a16:creationId xmlns:a16="http://schemas.microsoft.com/office/drawing/2014/main" xmlns="" id="{8E5B996D-DF87-49E5-95D1-45B1EEB9EE9A}"/>
+                <a16:creationId xmlns:a16="http://schemas.microsoft.com/office/drawing/2014/main" id="{8E5B996D-DF87-49E5-95D1-45B1EEB9EE9A}"/>
               </a:ext>
             </a:extLst>
           </p:cNvPr>
@@ -27984,7 +27968,7 @@
           <p:cNvPr id="4" name="직사각형 3">
             <a:extLst>
               <a:ext uri="{FF2B5EF4-FFF2-40B4-BE49-F238E27FC236}">
-                <a16:creationId xmlns:a16="http://schemas.microsoft.com/office/drawing/2014/main" xmlns="" id="{080CEE4E-4BCA-42C3-BECA-9BCEB9931EEA}"/>
+                <a16:creationId xmlns:a16="http://schemas.microsoft.com/office/drawing/2014/main" id="{080CEE4E-4BCA-42C3-BECA-9BCEB9931EEA}"/>
               </a:ext>
             </a:extLst>
           </p:cNvPr>
@@ -28036,7 +28020,7 @@
           <p:cNvPr id="9" name="그림 8">
             <a:extLst>
               <a:ext uri="{FF2B5EF4-FFF2-40B4-BE49-F238E27FC236}">
-                <a16:creationId xmlns:a16="http://schemas.microsoft.com/office/drawing/2014/main" xmlns="" id="{0F0992E8-2696-42E6-805A-0C12780D8FA1}"/>
+                <a16:creationId xmlns:a16="http://schemas.microsoft.com/office/drawing/2014/main" id="{0F0992E8-2696-42E6-805A-0C12780D8FA1}"/>
               </a:ext>
             </a:extLst>
           </p:cNvPr>
@@ -28092,64 +28076,70 @@
                 <a:gridCol w="721819">
                   <a:extLst>
                     <a:ext uri="{9D8B030D-6E8A-4147-A177-3AD203B41FA5}">
-                      <a16:colId xmlns:a16="http://schemas.microsoft.com/office/drawing/2014/main" xmlns="" val="20000"/>
+                      <a16:colId xmlns:a16="http://schemas.microsoft.com/office/drawing/2014/main" val="20000"/>
                     </a:ext>
                   </a:extLst>
                 </a:gridCol>
                 <a:gridCol w="996853">
                   <a:extLst>
                     <a:ext uri="{9D8B030D-6E8A-4147-A177-3AD203B41FA5}">
-                      <a16:colId xmlns:a16="http://schemas.microsoft.com/office/drawing/2014/main" xmlns="" val="20001"/>
+                      <a16:colId xmlns:a16="http://schemas.microsoft.com/office/drawing/2014/main" val="20001"/>
                     </a:ext>
                   </a:extLst>
                 </a:gridCol>
                 <a:gridCol w="2091038">
                   <a:extLst>
                     <a:ext uri="{9D8B030D-6E8A-4147-A177-3AD203B41FA5}">
-                      <a16:colId xmlns:a16="http://schemas.microsoft.com/office/drawing/2014/main" xmlns="" val="20002"/>
+                      <a16:colId xmlns:a16="http://schemas.microsoft.com/office/drawing/2014/main" val="20002"/>
                     </a:ext>
                   </a:extLst>
                 </a:gridCol>
                 <a:gridCol w="4084858">
                   <a:extLst>
                     <a:ext uri="{9D8B030D-6E8A-4147-A177-3AD203B41FA5}">
-                      <a16:colId xmlns:a16="http://schemas.microsoft.com/office/drawing/2014/main" xmlns="" val="20003"/>
+                      <a16:colId xmlns:a16="http://schemas.microsoft.com/office/drawing/2014/main" val="20003"/>
                     </a:ext>
                   </a:extLst>
                 </a:gridCol>
                 <a:gridCol w="527378">
                   <a:extLst>
                     <a:ext uri="{9D8B030D-6E8A-4147-A177-3AD203B41FA5}">
-                      <a16:colId xmlns:a16="http://schemas.microsoft.com/office/drawing/2014/main" xmlns="" val="20004"/>
+                      <a16:colId xmlns:a16="http://schemas.microsoft.com/office/drawing/2014/main" val="20004"/>
                     </a:ext>
                   </a:extLst>
                 </a:gridCol>
                 <a:gridCol w="717443">
                   <a:extLst>
                     <a:ext uri="{9D8B030D-6E8A-4147-A177-3AD203B41FA5}">
-                      <a16:colId xmlns:a16="http://schemas.microsoft.com/office/drawing/2014/main" xmlns="" val="20005"/>
+                      <a16:colId xmlns:a16="http://schemas.microsoft.com/office/drawing/2014/main" val="20005"/>
                     </a:ext>
                   </a:extLst>
                 </a:gridCol>
                 <a:gridCol w="359615">
                   <a:extLst>
                     <a:ext uri="{9D8B030D-6E8A-4147-A177-3AD203B41FA5}">
-                      <a16:colId xmlns:a16="http://schemas.microsoft.com/office/drawing/2014/main" xmlns="" val="20006"/>
+                      <a16:colId xmlns:a16="http://schemas.microsoft.com/office/drawing/2014/main" val="20006"/>
                     </a:ext>
                   </a:extLst>
                 </a:gridCol>
                 <a:gridCol w="359615">
                   <a:extLst>
                     <a:ext uri="{9D8B030D-6E8A-4147-A177-3AD203B41FA5}">
-                      <a16:colId xmlns:a16="http://schemas.microsoft.com/office/drawing/2014/main" xmlns="" val="20007"/>
+                      <a16:colId xmlns:a16="http://schemas.microsoft.com/office/drawing/2014/main" val="20007"/>
                     </a:ext>
                   </a:extLst>
                 </a:gridCol>
-                <a:gridCol w="828000"/>
+                <a:gridCol w="828000">
+                  <a:extLst>
+                    <a:ext uri="{9D8B030D-6E8A-4147-A177-3AD203B41FA5}">
+                      <a16:colId xmlns:a16="http://schemas.microsoft.com/office/drawing/2014/main" val="20009"/>
+                    </a:ext>
+                  </a:extLst>
+                </a:gridCol>
                 <a:gridCol w="612000">
                   <a:extLst>
                     <a:ext uri="{9D8B030D-6E8A-4147-A177-3AD203B41FA5}">
-                      <a16:colId xmlns:a16="http://schemas.microsoft.com/office/drawing/2014/main" xmlns="" val="20008"/>
+                      <a16:colId xmlns:a16="http://schemas.microsoft.com/office/drawing/2014/main" val="20008"/>
                     </a:ext>
                   </a:extLst>
                 </a:gridCol>
@@ -28752,7 +28742,7 @@
                 </a:tc>
                 <a:extLst>
                   <a:ext uri="{0D108BD9-81ED-4DB2-BD59-A6C34878D82A}">
-                    <a16:rowId xmlns:a16="http://schemas.microsoft.com/office/drawing/2014/main" xmlns="" val="10000"/>
+                    <a16:rowId xmlns:a16="http://schemas.microsoft.com/office/drawing/2014/main" val="10000"/>
                   </a:ext>
                 </a:extLst>
               </a:tr>
@@ -29336,6 +29326,11 @@
                     </a:lnB>
                   </a:tcPr>
                 </a:tc>
+                <a:extLst>
+                  <a:ext uri="{0D108BD9-81ED-4DB2-BD59-A6C34878D82A}">
+                    <a16:rowId xmlns:a16="http://schemas.microsoft.com/office/drawing/2014/main" val="10001"/>
+                  </a:ext>
+                </a:extLst>
               </a:tr>
               <a:tr h="374400">
                 <a:tc vMerge="1">
@@ -29880,6 +29875,11 @@
                     </a:lnB>
                   </a:tcPr>
                 </a:tc>
+                <a:extLst>
+                  <a:ext uri="{0D108BD9-81ED-4DB2-BD59-A6C34878D82A}">
+                    <a16:rowId xmlns:a16="http://schemas.microsoft.com/office/drawing/2014/main" val="10002"/>
+                  </a:ext>
+                </a:extLst>
               </a:tr>
               <a:tr h="374400">
                 <a:tc vMerge="1">
@@ -30424,6 +30424,11 @@
                     </a:lnB>
                   </a:tcPr>
                 </a:tc>
+                <a:extLst>
+                  <a:ext uri="{0D108BD9-81ED-4DB2-BD59-A6C34878D82A}">
+                    <a16:rowId xmlns:a16="http://schemas.microsoft.com/office/drawing/2014/main" val="10003"/>
+                  </a:ext>
+                </a:extLst>
               </a:tr>
               <a:tr h="374400">
                 <a:tc vMerge="1">
@@ -30991,6 +30996,11 @@
                     </a:lnB>
                   </a:tcPr>
                 </a:tc>
+                <a:extLst>
+                  <a:ext uri="{0D108BD9-81ED-4DB2-BD59-A6C34878D82A}">
+                    <a16:rowId xmlns:a16="http://schemas.microsoft.com/office/drawing/2014/main" val="10004"/>
+                  </a:ext>
+                </a:extLst>
               </a:tr>
               <a:tr h="374400">
                 <a:tc vMerge="1">
@@ -31559,6 +31569,11 @@
                     </a:lnB>
                   </a:tcPr>
                 </a:tc>
+                <a:extLst>
+                  <a:ext uri="{0D108BD9-81ED-4DB2-BD59-A6C34878D82A}">
+                    <a16:rowId xmlns:a16="http://schemas.microsoft.com/office/drawing/2014/main" val="10005"/>
+                  </a:ext>
+                </a:extLst>
               </a:tr>
               <a:tr h="374400">
                 <a:tc vMerge="1">
@@ -32110,6 +32125,11 @@
                     </a:lnB>
                   </a:tcPr>
                 </a:tc>
+                <a:extLst>
+                  <a:ext uri="{0D108BD9-81ED-4DB2-BD59-A6C34878D82A}">
+                    <a16:rowId xmlns:a16="http://schemas.microsoft.com/office/drawing/2014/main" val="10006"/>
+                  </a:ext>
+                </a:extLst>
               </a:tr>
               <a:tr h="374400">
                 <a:tc vMerge="1">
@@ -32654,6 +32674,11 @@
                     </a:lnB>
                   </a:tcPr>
                 </a:tc>
+                <a:extLst>
+                  <a:ext uri="{0D108BD9-81ED-4DB2-BD59-A6C34878D82A}">
+                    <a16:rowId xmlns:a16="http://schemas.microsoft.com/office/drawing/2014/main" val="10007"/>
+                  </a:ext>
+                </a:extLst>
               </a:tr>
               <a:tr h="374400">
                 <a:tc vMerge="1">
@@ -33198,6 +33223,11 @@
                     </a:lnB>
                   </a:tcPr>
                 </a:tc>
+                <a:extLst>
+                  <a:ext uri="{0D108BD9-81ED-4DB2-BD59-A6C34878D82A}">
+                    <a16:rowId xmlns:a16="http://schemas.microsoft.com/office/drawing/2014/main" val="10008"/>
+                  </a:ext>
+                </a:extLst>
               </a:tr>
               <a:tr h="374400">
                 <a:tc vMerge="1">
@@ -33749,6 +33779,11 @@
                     </a:lnB>
                   </a:tcPr>
                 </a:tc>
+                <a:extLst>
+                  <a:ext uri="{0D108BD9-81ED-4DB2-BD59-A6C34878D82A}">
+                    <a16:rowId xmlns:a16="http://schemas.microsoft.com/office/drawing/2014/main" val="10009"/>
+                  </a:ext>
+                </a:extLst>
               </a:tr>
               <a:tr h="374400">
                 <a:tc>
@@ -34322,6 +34357,11 @@
                     </a:lnB>
                   </a:tcPr>
                 </a:tc>
+                <a:extLst>
+                  <a:ext uri="{0D108BD9-81ED-4DB2-BD59-A6C34878D82A}">
+                    <a16:rowId xmlns:a16="http://schemas.microsoft.com/office/drawing/2014/main" val="10010"/>
+                  </a:ext>
+                </a:extLst>
               </a:tr>
             </a:tbl>
           </a:graphicData>
@@ -34332,7 +34372,7 @@
           <p:cNvPr id="7" name="TextBox 6">
             <a:extLst>
               <a:ext uri="{FF2B5EF4-FFF2-40B4-BE49-F238E27FC236}">
-                <a16:creationId xmlns:a16="http://schemas.microsoft.com/office/drawing/2014/main" xmlns="" id="{D12B0B12-AB99-4F88-B4B2-948DADC833EA}"/>
+                <a16:creationId xmlns:a16="http://schemas.microsoft.com/office/drawing/2014/main" id="{D12B0B12-AB99-4F88-B4B2-948DADC833EA}"/>
               </a:ext>
             </a:extLst>
           </p:cNvPr>
@@ -34445,7 +34485,7 @@
           <p:cNvPr id="2" name="직사각형 1">
             <a:extLst>
               <a:ext uri="{FF2B5EF4-FFF2-40B4-BE49-F238E27FC236}">
-                <a16:creationId xmlns:a16="http://schemas.microsoft.com/office/drawing/2014/main" xmlns="" id="{8E5B996D-DF87-49E5-95D1-45B1EEB9EE9A}"/>
+                <a16:creationId xmlns:a16="http://schemas.microsoft.com/office/drawing/2014/main" id="{8E5B996D-DF87-49E5-95D1-45B1EEB9EE9A}"/>
               </a:ext>
             </a:extLst>
           </p:cNvPr>
@@ -34497,7 +34537,7 @@
           <p:cNvPr id="4" name="직사각형 3">
             <a:extLst>
               <a:ext uri="{FF2B5EF4-FFF2-40B4-BE49-F238E27FC236}">
-                <a16:creationId xmlns:a16="http://schemas.microsoft.com/office/drawing/2014/main" xmlns="" id="{080CEE4E-4BCA-42C3-BECA-9BCEB9931EEA}"/>
+                <a16:creationId xmlns:a16="http://schemas.microsoft.com/office/drawing/2014/main" id="{080CEE4E-4BCA-42C3-BECA-9BCEB9931EEA}"/>
               </a:ext>
             </a:extLst>
           </p:cNvPr>
@@ -34549,7 +34589,7 @@
           <p:cNvPr id="9" name="그림 8">
             <a:extLst>
               <a:ext uri="{FF2B5EF4-FFF2-40B4-BE49-F238E27FC236}">
-                <a16:creationId xmlns:a16="http://schemas.microsoft.com/office/drawing/2014/main" xmlns="" id="{0F0992E8-2696-42E6-805A-0C12780D8FA1}"/>
+                <a16:creationId xmlns:a16="http://schemas.microsoft.com/office/drawing/2014/main" id="{0F0992E8-2696-42E6-805A-0C12780D8FA1}"/>
               </a:ext>
             </a:extLst>
           </p:cNvPr>
@@ -34584,7 +34624,7 @@
           <p:cNvPr id="7" name="TextBox 6">
             <a:extLst>
               <a:ext uri="{FF2B5EF4-FFF2-40B4-BE49-F238E27FC236}">
-                <a16:creationId xmlns:a16="http://schemas.microsoft.com/office/drawing/2014/main" xmlns="" id="{D12B0B12-AB99-4F88-B4B2-948DADC833EA}"/>
+                <a16:creationId xmlns:a16="http://schemas.microsoft.com/office/drawing/2014/main" id="{D12B0B12-AB99-4F88-B4B2-948DADC833EA}"/>
               </a:ext>
             </a:extLst>
           </p:cNvPr>
@@ -34739,7 +34779,7 @@
           <p:cNvPr id="6" name="TextBox 5">
             <a:extLst>
               <a:ext uri="{FF2B5EF4-FFF2-40B4-BE49-F238E27FC236}">
-                <a16:creationId xmlns:a16="http://schemas.microsoft.com/office/drawing/2014/main" xmlns="" id="{FC5FF861-6DF0-4DCF-8542-36B8E9293364}"/>
+                <a16:creationId xmlns:a16="http://schemas.microsoft.com/office/drawing/2014/main" id="{FC5FF861-6DF0-4DCF-8542-36B8E9293364}"/>
               </a:ext>
             </a:extLst>
           </p:cNvPr>
@@ -34775,7 +34815,7 @@
           <p:cNvPr id="8" name="TextBox 7">
             <a:extLst>
               <a:ext uri="{FF2B5EF4-FFF2-40B4-BE49-F238E27FC236}">
-                <a16:creationId xmlns:a16="http://schemas.microsoft.com/office/drawing/2014/main" xmlns="" id="{C0AE0B6A-CC52-48BC-961D-C5BA09945829}"/>
+                <a16:creationId xmlns:a16="http://schemas.microsoft.com/office/drawing/2014/main" id="{C0AE0B6A-CC52-48BC-961D-C5BA09945829}"/>
               </a:ext>
             </a:extLst>
           </p:cNvPr>
@@ -34877,7 +34917,7 @@
           <p:cNvPr id="12" name="TextBox 11">
             <a:extLst>
               <a:ext uri="{FF2B5EF4-FFF2-40B4-BE49-F238E27FC236}">
-                <a16:creationId xmlns:a16="http://schemas.microsoft.com/office/drawing/2014/main" xmlns="" id="{FC5FF861-6DF0-4DCF-8542-36B8E9293364}"/>
+                <a16:creationId xmlns:a16="http://schemas.microsoft.com/office/drawing/2014/main" id="{FC5FF861-6DF0-4DCF-8542-36B8E9293364}"/>
               </a:ext>
             </a:extLst>
           </p:cNvPr>
@@ -34913,7 +34953,7 @@
           <p:cNvPr id="13" name="TextBox 12">
             <a:extLst>
               <a:ext uri="{FF2B5EF4-FFF2-40B4-BE49-F238E27FC236}">
-                <a16:creationId xmlns:a16="http://schemas.microsoft.com/office/drawing/2014/main" xmlns="" id="{C0AE0B6A-CC52-48BC-961D-C5BA09945829}"/>
+                <a16:creationId xmlns:a16="http://schemas.microsoft.com/office/drawing/2014/main" id="{C0AE0B6A-CC52-48BC-961D-C5BA09945829}"/>
               </a:ext>
             </a:extLst>
           </p:cNvPr>
@@ -35042,7 +35082,7 @@
           <p:cNvPr id="4" name="그림 3" descr="실내, 사람이(가) 표시된 사진&#10;&#10;자동 생성된 설명">
             <a:extLst>
               <a:ext uri="{FF2B5EF4-FFF2-40B4-BE49-F238E27FC236}">
-                <a16:creationId xmlns:a16="http://schemas.microsoft.com/office/drawing/2014/main" xmlns="" id="{4D077A45-DF2B-4618-9394-A141B13B1420}"/>
+                <a16:creationId xmlns:a16="http://schemas.microsoft.com/office/drawing/2014/main" id="{4D077A45-DF2B-4618-9394-A141B13B1420}"/>
               </a:ext>
             </a:extLst>
           </p:cNvPr>
@@ -35078,7 +35118,7 @@
           <p:cNvPr id="5" name="TextBox 4">
             <a:extLst>
               <a:ext uri="{FF2B5EF4-FFF2-40B4-BE49-F238E27FC236}">
-                <a16:creationId xmlns:a16="http://schemas.microsoft.com/office/drawing/2014/main" xmlns="" id="{23D82F33-5629-4A89-96F7-5348A5E7BF64}"/>
+                <a16:creationId xmlns:a16="http://schemas.microsoft.com/office/drawing/2014/main" id="{23D82F33-5629-4A89-96F7-5348A5E7BF64}"/>
               </a:ext>
             </a:extLst>
           </p:cNvPr>
@@ -35169,7 +35209,7 @@
           <p:cNvPr id="3" name="직선 연결선 2">
             <a:extLst>
               <a:ext uri="{FF2B5EF4-FFF2-40B4-BE49-F238E27FC236}">
-                <a16:creationId xmlns:a16="http://schemas.microsoft.com/office/drawing/2014/main" xmlns="" id="{22C88A6A-9EE5-43F3-8DB2-D705BE56968A}"/>
+                <a16:creationId xmlns:a16="http://schemas.microsoft.com/office/drawing/2014/main" id="{22C88A6A-9EE5-43F3-8DB2-D705BE56968A}"/>
               </a:ext>
             </a:extLst>
           </p:cNvPr>
@@ -35205,7 +35245,7 @@
           <p:cNvPr id="4" name="TextBox 3">
             <a:extLst>
               <a:ext uri="{FF2B5EF4-FFF2-40B4-BE49-F238E27FC236}">
-                <a16:creationId xmlns:a16="http://schemas.microsoft.com/office/drawing/2014/main" xmlns="" id="{FC5FF861-6DF0-4DCF-8542-36B8E9293364}"/>
+                <a16:creationId xmlns:a16="http://schemas.microsoft.com/office/drawing/2014/main" id="{FC5FF861-6DF0-4DCF-8542-36B8E9293364}"/>
               </a:ext>
             </a:extLst>
           </p:cNvPr>
@@ -35241,7 +35281,7 @@
           <p:cNvPr id="5" name="TextBox 4">
             <a:extLst>
               <a:ext uri="{FF2B5EF4-FFF2-40B4-BE49-F238E27FC236}">
-                <a16:creationId xmlns:a16="http://schemas.microsoft.com/office/drawing/2014/main" xmlns="" id="{C0AE0B6A-CC52-48BC-961D-C5BA09945829}"/>
+                <a16:creationId xmlns:a16="http://schemas.microsoft.com/office/drawing/2014/main" id="{C0AE0B6A-CC52-48BC-961D-C5BA09945829}"/>
               </a:ext>
             </a:extLst>
           </p:cNvPr>
@@ -35372,7 +35412,7 @@
           <p:cNvPr id="2" name="직사각형 1">
             <a:extLst>
               <a:ext uri="{FF2B5EF4-FFF2-40B4-BE49-F238E27FC236}">
-                <a16:creationId xmlns:a16="http://schemas.microsoft.com/office/drawing/2014/main" xmlns="" id="{8E5B996D-DF87-49E5-95D1-45B1EEB9EE9A}"/>
+                <a16:creationId xmlns:a16="http://schemas.microsoft.com/office/drawing/2014/main" id="{8E5B996D-DF87-49E5-95D1-45B1EEB9EE9A}"/>
               </a:ext>
             </a:extLst>
           </p:cNvPr>
@@ -35424,7 +35464,7 @@
           <p:cNvPr id="4" name="직사각형 3">
             <a:extLst>
               <a:ext uri="{FF2B5EF4-FFF2-40B4-BE49-F238E27FC236}">
-                <a16:creationId xmlns:a16="http://schemas.microsoft.com/office/drawing/2014/main" xmlns="" id="{080CEE4E-4BCA-42C3-BECA-9BCEB9931EEA}"/>
+                <a16:creationId xmlns:a16="http://schemas.microsoft.com/office/drawing/2014/main" id="{080CEE4E-4BCA-42C3-BECA-9BCEB9931EEA}"/>
               </a:ext>
             </a:extLst>
           </p:cNvPr>
@@ -35518,7 +35558,7 @@
           <p:cNvPr id="77" name="그림 76">
             <a:extLst>
               <a:ext uri="{FF2B5EF4-FFF2-40B4-BE49-F238E27FC236}">
-                <a16:creationId xmlns="" xmlns:a16="http://schemas.microsoft.com/office/drawing/2014/main" id="{0F0992E8-2696-42E6-805A-0C12780D8FA1}"/>
+                <a16:creationId xmlns:a16="http://schemas.microsoft.com/office/drawing/2014/main" id="{0F0992E8-2696-42E6-805A-0C12780D8FA1}"/>
               </a:ext>
             </a:extLst>
           </p:cNvPr>
@@ -35554,7 +35594,7 @@
           <p:cNvPr id="78" name="TextBox 77">
             <a:extLst>
               <a:ext uri="{FF2B5EF4-FFF2-40B4-BE49-F238E27FC236}">
-                <a16:creationId xmlns="" xmlns:a16="http://schemas.microsoft.com/office/drawing/2014/main" id="{D12B0B12-AB99-4F88-B4B2-948DADC833EA}"/>
+                <a16:creationId xmlns:a16="http://schemas.microsoft.com/office/drawing/2014/main" id="{D12B0B12-AB99-4F88-B4B2-948DADC833EA}"/>
               </a:ext>
             </a:extLst>
           </p:cNvPr>
@@ -35670,7 +35710,7 @@
       </p:sp>
       <p:pic>
         <p:nvPicPr>
-          <p:cNvPr id="6" name="그림 5"/>
+          <p:cNvPr id="10" name="그림 9"/>
           <p:cNvPicPr>
             <a:picLocks noChangeAspect="1"/>
           </p:cNvPicPr>
@@ -35684,8 +35724,8 @@
         </p:blipFill>
         <p:spPr>
           <a:xfrm>
-            <a:off x="896100" y="1786466"/>
-            <a:ext cx="7200000" cy="4459867"/>
+            <a:off x="8784900" y="1786466"/>
+            <a:ext cx="2511001" cy="4459867"/>
           </a:xfrm>
           <a:prstGeom prst="rect">
             <a:avLst/>
@@ -35699,7 +35739,7 @@
       </p:pic>
       <p:pic>
         <p:nvPicPr>
-          <p:cNvPr id="10" name="그림 9"/>
+          <p:cNvPr id="12" name="그림 11"/>
           <p:cNvPicPr>
             <a:picLocks noChangeAspect="1"/>
           </p:cNvPicPr>
@@ -35713,8 +35753,8 @@
         </p:blipFill>
         <p:spPr>
           <a:xfrm>
-            <a:off x="8784900" y="1786466"/>
-            <a:ext cx="2511001" cy="4459867"/>
+            <a:off x="896101" y="1786466"/>
+            <a:ext cx="7200000" cy="4459867"/>
           </a:xfrm>
           <a:prstGeom prst="rect">
             <a:avLst/>
@@ -35758,6 +35798,35 @@
       </p:grpSpPr>
       <p:pic>
         <p:nvPicPr>
+          <p:cNvPr id="17" name="그림 16"/>
+          <p:cNvPicPr>
+            <a:picLocks noChangeAspect="1"/>
+          </p:cNvPicPr>
+          <p:nvPr/>
+        </p:nvPicPr>
+        <p:blipFill>
+          <a:blip r:embed="rId2"/>
+          <a:stretch>
+            <a:fillRect/>
+          </a:stretch>
+        </p:blipFill>
+        <p:spPr>
+          <a:xfrm>
+            <a:off x="896101" y="1786466"/>
+            <a:ext cx="7200000" cy="4459867"/>
+          </a:xfrm>
+          <a:prstGeom prst="rect">
+            <a:avLst/>
+          </a:prstGeom>
+          <a:ln>
+            <a:solidFill>
+              <a:schemeClr val="tx1"/>
+            </a:solidFill>
+          </a:ln>
+        </p:spPr>
+      </p:pic>
+      <p:pic>
+        <p:nvPicPr>
           <p:cNvPr id="51" name="그림 50"/>
           <p:cNvPicPr>
             <a:picLocks noChangeAspect="1"/>
@@ -35765,7 +35834,7 @@
           <p:nvPr/>
         </p:nvPicPr>
         <p:blipFill>
-          <a:blip r:embed="rId2"/>
+          <a:blip r:embed="rId3"/>
           <a:stretch>
             <a:fillRect/>
           </a:stretch>
@@ -35785,41 +35854,12 @@
           </a:ln>
         </p:spPr>
       </p:pic>
-      <p:pic>
-        <p:nvPicPr>
-          <p:cNvPr id="81" name="그림 80"/>
-          <p:cNvPicPr>
-            <a:picLocks noChangeAspect="1"/>
-          </p:cNvPicPr>
-          <p:nvPr/>
-        </p:nvPicPr>
-        <p:blipFill>
-          <a:blip r:embed="rId3"/>
-          <a:stretch>
-            <a:fillRect/>
-          </a:stretch>
-        </p:blipFill>
-        <p:spPr>
-          <a:xfrm>
-            <a:off x="896100" y="1786466"/>
-            <a:ext cx="7200000" cy="4459867"/>
-          </a:xfrm>
-          <a:prstGeom prst="rect">
-            <a:avLst/>
-          </a:prstGeom>
-          <a:ln>
-            <a:solidFill>
-              <a:schemeClr val="tx1"/>
-            </a:solidFill>
-          </a:ln>
-        </p:spPr>
-      </p:pic>
       <p:sp>
         <p:nvSpPr>
           <p:cNvPr id="2" name="직사각형 1">
             <a:extLst>
               <a:ext uri="{FF2B5EF4-FFF2-40B4-BE49-F238E27FC236}">
-                <a16:creationId xmlns:a16="http://schemas.microsoft.com/office/drawing/2014/main" xmlns="" id="{8E5B996D-DF87-49E5-95D1-45B1EEB9EE9A}"/>
+                <a16:creationId xmlns:a16="http://schemas.microsoft.com/office/drawing/2014/main" id="{8E5B996D-DF87-49E5-95D1-45B1EEB9EE9A}"/>
               </a:ext>
             </a:extLst>
           </p:cNvPr>
@@ -35871,7 +35911,7 @@
           <p:cNvPr id="4" name="직사각형 3">
             <a:extLst>
               <a:ext uri="{FF2B5EF4-FFF2-40B4-BE49-F238E27FC236}">
-                <a16:creationId xmlns:a16="http://schemas.microsoft.com/office/drawing/2014/main" xmlns="" id="{080CEE4E-4BCA-42C3-BECA-9BCEB9931EEA}"/>
+                <a16:creationId xmlns:a16="http://schemas.microsoft.com/office/drawing/2014/main" id="{080CEE4E-4BCA-42C3-BECA-9BCEB9931EEA}"/>
               </a:ext>
             </a:extLst>
           </p:cNvPr>
@@ -35918,156 +35958,12 @@
           </a:p>
         </p:txBody>
       </p:sp>
-      <p:pic>
-        <p:nvPicPr>
-          <p:cNvPr id="12" name="그림 11">
-            <a:extLst>
-              <a:ext uri="{FF2B5EF4-FFF2-40B4-BE49-F238E27FC236}">
-                <a16:creationId xmlns:a16="http://schemas.microsoft.com/office/drawing/2014/main" xmlns="" id="{025A1AD6-2F58-4AAA-B67A-89D73BF149CC}"/>
-              </a:ext>
-            </a:extLst>
-          </p:cNvPr>
-          <p:cNvPicPr>
-            <a:picLocks noChangeAspect="1"/>
-          </p:cNvPicPr>
-          <p:nvPr/>
-        </p:nvPicPr>
-        <p:blipFill>
-          <a:blip r:embed="rId4">
-            <a:extLst>
-              <a:ext uri="{28A0092B-C50C-407E-A947-70E740481C1C}">
-                <a14:useLocalDpi xmlns:a14="http://schemas.microsoft.com/office/drawing/2010/main" val="0"/>
-              </a:ext>
-            </a:extLst>
-          </a:blip>
-          <a:stretch>
-            <a:fillRect/>
-          </a:stretch>
-        </p:blipFill>
-        <p:spPr>
-          <a:xfrm>
-            <a:off x="8042878" y="2551489"/>
-            <a:ext cx="2048161" cy="876422"/>
-          </a:xfrm>
-          <a:prstGeom prst="rect">
-            <a:avLst/>
-          </a:prstGeom>
-        </p:spPr>
-      </p:pic>
-      <p:pic>
-        <p:nvPicPr>
-          <p:cNvPr id="18" name="그림 17">
-            <a:extLst>
-              <a:ext uri="{FF2B5EF4-FFF2-40B4-BE49-F238E27FC236}">
-                <a16:creationId xmlns:a16="http://schemas.microsoft.com/office/drawing/2014/main" xmlns="" id="{7D8A552C-D6C5-4C98-8987-1C21F94261B5}"/>
-              </a:ext>
-            </a:extLst>
-          </p:cNvPr>
-          <p:cNvPicPr>
-            <a:picLocks noChangeAspect="1"/>
-          </p:cNvPicPr>
-          <p:nvPr/>
-        </p:nvPicPr>
-        <p:blipFill>
-          <a:blip r:embed="rId5">
-            <a:extLst>
-              <a:ext uri="{28A0092B-C50C-407E-A947-70E740481C1C}">
-                <a14:useLocalDpi xmlns:a14="http://schemas.microsoft.com/office/drawing/2010/main" val="0"/>
-              </a:ext>
-            </a:extLst>
-          </a:blip>
-          <a:stretch>
-            <a:fillRect/>
-          </a:stretch>
-        </p:blipFill>
-        <p:spPr>
-          <a:xfrm>
-            <a:off x="2395409" y="208012"/>
-            <a:ext cx="7802064" cy="828791"/>
-          </a:xfrm>
-          <a:prstGeom prst="rect">
-            <a:avLst/>
-          </a:prstGeom>
-        </p:spPr>
-      </p:pic>
-      <p:pic>
-        <p:nvPicPr>
-          <p:cNvPr id="21" name="그림 20">
-            <a:extLst>
-              <a:ext uri="{FF2B5EF4-FFF2-40B4-BE49-F238E27FC236}">
-                <a16:creationId xmlns:a16="http://schemas.microsoft.com/office/drawing/2014/main" xmlns="" id="{87336D50-763B-4523-9F7F-8FCCD859E246}"/>
-              </a:ext>
-            </a:extLst>
-          </p:cNvPr>
-          <p:cNvPicPr>
-            <a:picLocks noChangeAspect="1"/>
-          </p:cNvPicPr>
-          <p:nvPr/>
-        </p:nvPicPr>
-        <p:blipFill>
-          <a:blip r:embed="rId6">
-            <a:extLst>
-              <a:ext uri="{28A0092B-C50C-407E-A947-70E740481C1C}">
-                <a14:useLocalDpi xmlns:a14="http://schemas.microsoft.com/office/drawing/2010/main" val="0"/>
-              </a:ext>
-            </a:extLst>
-          </a:blip>
-          <a:stretch>
-            <a:fillRect/>
-          </a:stretch>
-        </p:blipFill>
-        <p:spPr>
-          <a:xfrm>
-            <a:off x="8154628" y="4609675"/>
-            <a:ext cx="1834394" cy="1449847"/>
-          </a:xfrm>
-          <a:prstGeom prst="rect">
-            <a:avLst/>
-          </a:prstGeom>
-        </p:spPr>
-      </p:pic>
-      <p:pic>
-        <p:nvPicPr>
-          <p:cNvPr id="64" name="그림 63">
-            <a:extLst>
-              <a:ext uri="{FF2B5EF4-FFF2-40B4-BE49-F238E27FC236}">
-                <a16:creationId xmlns:a16="http://schemas.microsoft.com/office/drawing/2014/main" xmlns="" id="{0F1DDDAC-BD63-466F-8FE5-D6716A1043FC}"/>
-              </a:ext>
-            </a:extLst>
-          </p:cNvPr>
-          <p:cNvPicPr>
-            <a:picLocks noChangeAspect="1"/>
-          </p:cNvPicPr>
-          <p:nvPr/>
-        </p:nvPicPr>
-        <p:blipFill>
-          <a:blip r:embed="rId7">
-            <a:extLst>
-              <a:ext uri="{28A0092B-C50C-407E-A947-70E740481C1C}">
-                <a14:useLocalDpi xmlns:a14="http://schemas.microsoft.com/office/drawing/2010/main" val="0"/>
-              </a:ext>
-            </a:extLst>
-          </a:blip>
-          <a:stretch>
-            <a:fillRect/>
-          </a:stretch>
-        </p:blipFill>
-        <p:spPr>
-          <a:xfrm rot="16200000">
-            <a:off x="8313106" y="1666453"/>
-            <a:ext cx="1633280" cy="184267"/>
-          </a:xfrm>
-          <a:prstGeom prst="rect">
-            <a:avLst/>
-          </a:prstGeom>
-        </p:spPr>
-      </p:pic>
       <p:sp>
         <p:nvSpPr>
           <p:cNvPr id="67" name="사각형: 둥근 모서리 66">
             <a:extLst>
               <a:ext uri="{FF2B5EF4-FFF2-40B4-BE49-F238E27FC236}">
-                <a16:creationId xmlns:a16="http://schemas.microsoft.com/office/drawing/2014/main" xmlns="" id="{10855128-3E97-4BCE-B839-99B088CEAF2D}"/>
+                <a16:creationId xmlns:a16="http://schemas.microsoft.com/office/drawing/2014/main" id="{10855128-3E97-4BCE-B839-99B088CEAF2D}"/>
               </a:ext>
             </a:extLst>
           </p:cNvPr>
@@ -36115,20 +36011,12 @@
           <a:p>
             <a:pPr algn="ctr" latinLnBrk="0"/>
             <a:r>
-              <a:rPr lang="ko-KR" altLang="en-US" sz="1000" dirty="0" err="1">
+              <a:rPr lang="ko-KR" altLang="en-US" sz="1000" dirty="0" err="1" smtClean="0">
                 <a:solidFill>
                   <a:schemeClr val="tx1"/>
                 </a:solidFill>
               </a:rPr>
-              <a:t>시터</a:t>
-            </a:r>
-            <a:r>
-              <a:rPr lang="ko-KR" altLang="en-US" sz="1000" dirty="0">
-                <a:solidFill>
-                  <a:schemeClr val="tx1"/>
-                </a:solidFill>
-              </a:rPr>
-              <a:t> 이용현황 페이지에서는 보호자회원이 </a:t>
+              <a:t>펫시팅</a:t>
             </a:r>
             <a:r>
               <a:rPr lang="ko-KR" altLang="en-US" sz="1000" dirty="0" smtClean="0">
@@ -36136,7 +36024,7 @@
                   <a:schemeClr val="tx1"/>
                 </a:solidFill>
               </a:rPr>
-              <a:t>이용 중 이거나 과거에 이용한 서비스 이용현황을 표시해준다</a:t>
+              <a:t> 이용현황에서는 보호자 회원이 이용중이거나 과거에 이용했던 서비스들의 이용 내역을 보여준다</a:t>
             </a:r>
             <a:r>
               <a:rPr lang="en-US" altLang="ko-KR" sz="1000" dirty="0" smtClean="0">
@@ -36144,8 +36032,13 @@
                   <a:schemeClr val="tx1"/>
                 </a:solidFill>
               </a:rPr>
-              <a:t>.</a:t>
-            </a:r>
+              <a:t>,.</a:t>
+            </a:r>
+            <a:endParaRPr lang="en-US" altLang="ko-KR" sz="1000" dirty="0" smtClean="0">
+              <a:solidFill>
+                <a:schemeClr val="tx1"/>
+              </a:solidFill>
+            </a:endParaRPr>
           </a:p>
         </p:txBody>
       </p:sp>
@@ -36154,13 +36047,12 @@
           <p:cNvPr id="58" name="직선 화살표 연결선 57"/>
           <p:cNvCxnSpPr>
             <a:cxnSpLocks/>
-            <a:stCxn id="59" idx="2"/>
           </p:cNvCxnSpPr>
           <p:nvPr/>
         </p:nvCxnSpPr>
         <p:spPr>
           <a:xfrm flipH="1">
-            <a:off x="3875314" y="3956956"/>
+            <a:off x="3566534" y="3900624"/>
             <a:ext cx="2000256" cy="411844"/>
           </a:xfrm>
           <a:prstGeom prst="straightConnector1">
@@ -36188,41 +36080,12 @@
           </a:fontRef>
         </p:style>
       </p:cxnSp>
-      <p:pic>
-        <p:nvPicPr>
-          <p:cNvPr id="59" name="그림 58"/>
-          <p:cNvPicPr>
-            <a:picLocks noChangeAspect="1"/>
-          </p:cNvPicPr>
-          <p:nvPr/>
-        </p:nvPicPr>
-        <p:blipFill>
-          <a:blip r:embed="rId8"/>
-          <a:stretch>
-            <a:fillRect/>
-          </a:stretch>
-        </p:blipFill>
-        <p:spPr>
-          <a:xfrm>
-            <a:off x="3525838" y="2250676"/>
-            <a:ext cx="4699464" cy="1706280"/>
-          </a:xfrm>
-          <a:prstGeom prst="rect">
-            <a:avLst/>
-          </a:prstGeom>
-          <a:ln>
-            <a:solidFill>
-              <a:schemeClr val="tx1"/>
-            </a:solidFill>
-          </a:ln>
-        </p:spPr>
-      </p:pic>
       <p:sp>
         <p:nvSpPr>
           <p:cNvPr id="74" name="TextBox 73">
             <a:extLst>
               <a:ext uri="{FF2B5EF4-FFF2-40B4-BE49-F238E27FC236}">
-                <a16:creationId xmlns="" xmlns:a16="http://schemas.microsoft.com/office/drawing/2014/main" id="{D12B0B12-AB99-4F88-B4B2-948DADC833EA}"/>
+                <a16:creationId xmlns:a16="http://schemas.microsoft.com/office/drawing/2014/main" id="{D12B0B12-AB99-4F88-B4B2-948DADC833EA}"/>
               </a:ext>
             </a:extLst>
           </p:cNvPr>
@@ -36305,7 +36168,7 @@
           <p:cNvPr id="75" name="그림 74">
             <a:extLst>
               <a:ext uri="{FF2B5EF4-FFF2-40B4-BE49-F238E27FC236}">
-                <a16:creationId xmlns="" xmlns:a16="http://schemas.microsoft.com/office/drawing/2014/main" id="{0F0992E8-2696-42E6-805A-0C12780D8FA1}"/>
+                <a16:creationId xmlns:a16="http://schemas.microsoft.com/office/drawing/2014/main" id="{0F0992E8-2696-42E6-805A-0C12780D8FA1}"/>
               </a:ext>
             </a:extLst>
           </p:cNvPr>
@@ -36315,7 +36178,7 @@
           <p:nvPr/>
         </p:nvPicPr>
         <p:blipFill>
-          <a:blip r:embed="rId9" cstate="print">
+          <a:blip r:embed="rId4" cstate="print">
             <a:extLst>
               <a:ext uri="{28A0092B-C50C-407E-A947-70E740481C1C}">
                 <a14:useLocalDpi xmlns:a14="http://schemas.microsoft.com/office/drawing/2010/main" val="0"/>
@@ -36330,42 +36193,6 @@
           <a:xfrm>
             <a:off x="124734" y="117832"/>
             <a:ext cx="720000" cy="720000"/>
-          </a:xfrm>
-          <a:prstGeom prst="rect">
-            <a:avLst/>
-          </a:prstGeom>
-        </p:spPr>
-      </p:pic>
-      <p:pic>
-        <p:nvPicPr>
-          <p:cNvPr id="52" name="그림 51">
-            <a:extLst>
-              <a:ext uri="{FF2B5EF4-FFF2-40B4-BE49-F238E27FC236}">
-                <a16:creationId xmlns:a16="http://schemas.microsoft.com/office/drawing/2014/main" xmlns="" id="{F329720A-BF82-4E91-8D95-83149846BCC9}"/>
-              </a:ext>
-            </a:extLst>
-          </p:cNvPr>
-          <p:cNvPicPr>
-            <a:picLocks noChangeAspect="1"/>
-          </p:cNvPicPr>
-          <p:nvPr/>
-        </p:nvPicPr>
-        <p:blipFill>
-          <a:blip r:embed="rId7">
-            <a:extLst>
-              <a:ext uri="{28A0092B-C50C-407E-A947-70E740481C1C}">
-                <a14:useLocalDpi xmlns:a14="http://schemas.microsoft.com/office/drawing/2010/main" val="0"/>
-              </a:ext>
-            </a:extLst>
-          </a:blip>
-          <a:stretch>
-            <a:fillRect/>
-          </a:stretch>
-        </p:blipFill>
-        <p:spPr>
-          <a:xfrm rot="5400000">
-            <a:off x="8543954" y="3951203"/>
-            <a:ext cx="1159730" cy="130841"/>
           </a:xfrm>
           <a:prstGeom prst="rect">
             <a:avLst/>
@@ -36414,6 +36241,64 @@
           </a:p>
         </p:txBody>
       </p:sp>
+      <p:pic>
+        <p:nvPicPr>
+          <p:cNvPr id="3" name="그림 2"/>
+          <p:cNvPicPr>
+            <a:picLocks noChangeAspect="1"/>
+          </p:cNvPicPr>
+          <p:nvPr/>
+        </p:nvPicPr>
+        <p:blipFill>
+          <a:blip r:embed="rId5"/>
+          <a:stretch>
+            <a:fillRect/>
+          </a:stretch>
+        </p:blipFill>
+        <p:spPr>
+          <a:xfrm>
+            <a:off x="2370920" y="2270552"/>
+            <a:ext cx="7450160" cy="1822831"/>
+          </a:xfrm>
+          <a:prstGeom prst="rect">
+            <a:avLst/>
+          </a:prstGeom>
+          <a:ln>
+            <a:solidFill>
+              <a:schemeClr val="tx1"/>
+            </a:solidFill>
+          </a:ln>
+        </p:spPr>
+      </p:pic>
+      <p:pic>
+        <p:nvPicPr>
+          <p:cNvPr id="5" name="그림 4"/>
+          <p:cNvPicPr>
+            <a:picLocks noChangeAspect="1"/>
+          </p:cNvPicPr>
+          <p:nvPr/>
+        </p:nvPicPr>
+        <p:blipFill>
+          <a:blip r:embed="rId6"/>
+          <a:stretch>
+            <a:fillRect/>
+          </a:stretch>
+        </p:blipFill>
+        <p:spPr>
+          <a:xfrm>
+            <a:off x="4566662" y="4220383"/>
+            <a:ext cx="5861839" cy="1221706"/>
+          </a:xfrm>
+          <a:prstGeom prst="rect">
+            <a:avLst/>
+          </a:prstGeom>
+          <a:ln>
+            <a:solidFill>
+              <a:schemeClr val="tx1"/>
+            </a:solidFill>
+          </a:ln>
+        </p:spPr>
+      </p:pic>
     </p:spTree>
     <p:extLst>
       <p:ext uri="{BB962C8B-B14F-4D97-AF65-F5344CB8AC3E}">
@@ -36446,7 +36331,7 @@
       </p:grpSpPr>
       <p:pic>
         <p:nvPicPr>
-          <p:cNvPr id="13" name="그림 12"/>
+          <p:cNvPr id="15" name="그림 14"/>
           <p:cNvPicPr>
             <a:picLocks noChangeAspect="1"/>
           </p:cNvPicPr>
@@ -36460,7 +36345,7 @@
         </p:blipFill>
         <p:spPr>
           <a:xfrm>
-            <a:off x="896100" y="1786466"/>
+            <a:off x="896101" y="1786466"/>
             <a:ext cx="7200000" cy="4459867"/>
           </a:xfrm>
           <a:prstGeom prst="rect">
@@ -36478,7 +36363,7 @@
           <p:cNvPr id="2" name="직사각형 1">
             <a:extLst>
               <a:ext uri="{FF2B5EF4-FFF2-40B4-BE49-F238E27FC236}">
-                <a16:creationId xmlns:a16="http://schemas.microsoft.com/office/drawing/2014/main" xmlns="" id="{8E5B996D-DF87-49E5-95D1-45B1EEB9EE9A}"/>
+                <a16:creationId xmlns:a16="http://schemas.microsoft.com/office/drawing/2014/main" id="{8E5B996D-DF87-49E5-95D1-45B1EEB9EE9A}"/>
               </a:ext>
             </a:extLst>
           </p:cNvPr>
@@ -36530,7 +36415,7 @@
           <p:cNvPr id="4" name="직사각형 3">
             <a:extLst>
               <a:ext uri="{FF2B5EF4-FFF2-40B4-BE49-F238E27FC236}">
-                <a16:creationId xmlns:a16="http://schemas.microsoft.com/office/drawing/2014/main" xmlns="" id="{080CEE4E-4BCA-42C3-BECA-9BCEB9931EEA}"/>
+                <a16:creationId xmlns:a16="http://schemas.microsoft.com/office/drawing/2014/main" id="{080CEE4E-4BCA-42C3-BECA-9BCEB9931EEA}"/>
               </a:ext>
             </a:extLst>
           </p:cNvPr>
@@ -36582,7 +36467,7 @@
           <p:cNvPr id="11" name="TextBox 10">
             <a:extLst>
               <a:ext uri="{FF2B5EF4-FFF2-40B4-BE49-F238E27FC236}">
-                <a16:creationId xmlns="" xmlns:a16="http://schemas.microsoft.com/office/drawing/2014/main" id="{D12B0B12-AB99-4F88-B4B2-948DADC833EA}"/>
+                <a16:creationId xmlns:a16="http://schemas.microsoft.com/office/drawing/2014/main" id="{D12B0B12-AB99-4F88-B4B2-948DADC833EA}"/>
               </a:ext>
             </a:extLst>
           </p:cNvPr>
@@ -36720,7 +36605,7 @@
           <p:cNvPr id="12" name="그림 11">
             <a:extLst>
               <a:ext uri="{FF2B5EF4-FFF2-40B4-BE49-F238E27FC236}">
-                <a16:creationId xmlns="" xmlns:a16="http://schemas.microsoft.com/office/drawing/2014/main" id="{0F0992E8-2696-42E6-805A-0C12780D8FA1}"/>
+                <a16:creationId xmlns:a16="http://schemas.microsoft.com/office/drawing/2014/main" id="{0F0992E8-2696-42E6-805A-0C12780D8FA1}"/>
               </a:ext>
             </a:extLst>
           </p:cNvPr>
@@ -36989,7 +36874,7 @@
           <p:cNvPr id="19" name="사각형: 둥근 모서리 33">
             <a:extLst>
               <a:ext uri="{FF2B5EF4-FFF2-40B4-BE49-F238E27FC236}">
-                <a16:creationId xmlns:a16="http://schemas.microsoft.com/office/drawing/2014/main" xmlns="" id="{9FEA6CC2-F860-4762-B98D-92DFCBF74600}"/>
+                <a16:creationId xmlns:a16="http://schemas.microsoft.com/office/drawing/2014/main" id="{9FEA6CC2-F860-4762-B98D-92DFCBF74600}"/>
               </a:ext>
             </a:extLst>
           </p:cNvPr>
@@ -37172,7 +37057,7 @@
           <p:cNvPr id="2" name="직사각형 1">
             <a:extLst>
               <a:ext uri="{FF2B5EF4-FFF2-40B4-BE49-F238E27FC236}">
-                <a16:creationId xmlns:a16="http://schemas.microsoft.com/office/drawing/2014/main" xmlns="" id="{8E5B996D-DF87-49E5-95D1-45B1EEB9EE9A}"/>
+                <a16:creationId xmlns:a16="http://schemas.microsoft.com/office/drawing/2014/main" id="{8E5B996D-DF87-49E5-95D1-45B1EEB9EE9A}"/>
               </a:ext>
             </a:extLst>
           </p:cNvPr>
@@ -37224,7 +37109,7 @@
           <p:cNvPr id="4" name="직사각형 3">
             <a:extLst>
               <a:ext uri="{FF2B5EF4-FFF2-40B4-BE49-F238E27FC236}">
-                <a16:creationId xmlns:a16="http://schemas.microsoft.com/office/drawing/2014/main" xmlns="" id="{080CEE4E-4BCA-42C3-BECA-9BCEB9931EEA}"/>
+                <a16:creationId xmlns:a16="http://schemas.microsoft.com/office/drawing/2014/main" id="{080CEE4E-4BCA-42C3-BECA-9BCEB9931EEA}"/>
               </a:ext>
             </a:extLst>
           </p:cNvPr>
@@ -37322,7 +37207,7 @@
           <p:cNvPr id="77" name="그림 76">
             <a:extLst>
               <a:ext uri="{FF2B5EF4-FFF2-40B4-BE49-F238E27FC236}">
-                <a16:creationId xmlns="" xmlns:a16="http://schemas.microsoft.com/office/drawing/2014/main" id="{0F0992E8-2696-42E6-805A-0C12780D8FA1}"/>
+                <a16:creationId xmlns:a16="http://schemas.microsoft.com/office/drawing/2014/main" id="{0F0992E8-2696-42E6-805A-0C12780D8FA1}"/>
               </a:ext>
             </a:extLst>
           </p:cNvPr>
@@ -37358,7 +37243,7 @@
           <p:cNvPr id="78" name="TextBox 77">
             <a:extLst>
               <a:ext uri="{FF2B5EF4-FFF2-40B4-BE49-F238E27FC236}">
-                <a16:creationId xmlns="" xmlns:a16="http://schemas.microsoft.com/office/drawing/2014/main" id="{D12B0B12-AB99-4F88-B4B2-948DADC833EA}"/>
+                <a16:creationId xmlns:a16="http://schemas.microsoft.com/office/drawing/2014/main" id="{D12B0B12-AB99-4F88-B4B2-948DADC833EA}"/>
               </a:ext>
             </a:extLst>
           </p:cNvPr>
@@ -37474,7 +37359,7 @@
       </p:sp>
       <p:pic>
         <p:nvPicPr>
-          <p:cNvPr id="6" name="그림 5"/>
+          <p:cNvPr id="12" name="그림 11"/>
           <p:cNvPicPr>
             <a:picLocks noChangeAspect="1"/>
           </p:cNvPicPr>
@@ -37488,22 +37373,17 @@
         </p:blipFill>
         <p:spPr>
           <a:xfrm>
-            <a:off x="896100" y="1786466"/>
-            <a:ext cx="7200000" cy="4459867"/>
+            <a:off x="8784900" y="1786466"/>
+            <a:ext cx="2511001" cy="4459867"/>
           </a:xfrm>
           <a:prstGeom prst="rect">
             <a:avLst/>
           </a:prstGeom>
-          <a:ln>
-            <a:solidFill>
-              <a:schemeClr val="tx1"/>
-            </a:solidFill>
-          </a:ln>
         </p:spPr>
       </p:pic>
       <p:pic>
         <p:nvPicPr>
-          <p:cNvPr id="12" name="그림 11"/>
+          <p:cNvPr id="9" name="그림 8"/>
           <p:cNvPicPr>
             <a:picLocks noChangeAspect="1"/>
           </p:cNvPicPr>
@@ -37517,12 +37397,17 @@
         </p:blipFill>
         <p:spPr>
           <a:xfrm>
-            <a:off x="8784900" y="1786466"/>
-            <a:ext cx="2511001" cy="4459867"/>
+            <a:off x="896101" y="1786466"/>
+            <a:ext cx="7200000" cy="4459867"/>
           </a:xfrm>
           <a:prstGeom prst="rect">
             <a:avLst/>
           </a:prstGeom>
+          <a:ln>
+            <a:solidFill>
+              <a:schemeClr val="tx1"/>
+            </a:solidFill>
+          </a:ln>
         </p:spPr>
       </p:pic>
     </p:spTree>
@@ -37557,6 +37442,35 @@
       </p:grpSpPr>
       <p:pic>
         <p:nvPicPr>
+          <p:cNvPr id="12" name="그림 11"/>
+          <p:cNvPicPr>
+            <a:picLocks noChangeAspect="1"/>
+          </p:cNvPicPr>
+          <p:nvPr/>
+        </p:nvPicPr>
+        <p:blipFill>
+          <a:blip r:embed="rId2"/>
+          <a:stretch>
+            <a:fillRect/>
+          </a:stretch>
+        </p:blipFill>
+        <p:spPr>
+          <a:xfrm>
+            <a:off x="896101" y="1786466"/>
+            <a:ext cx="7200000" cy="4459867"/>
+          </a:xfrm>
+          <a:prstGeom prst="rect">
+            <a:avLst/>
+          </a:prstGeom>
+          <a:ln>
+            <a:solidFill>
+              <a:schemeClr val="tx1"/>
+            </a:solidFill>
+          </a:ln>
+        </p:spPr>
+      </p:pic>
+      <p:pic>
+        <p:nvPicPr>
           <p:cNvPr id="23" name="그림 22"/>
           <p:cNvPicPr>
             <a:picLocks noChangeAspect="1"/>
@@ -37564,7 +37478,7 @@
           <p:nvPr/>
         </p:nvPicPr>
         <p:blipFill>
-          <a:blip r:embed="rId2"/>
+          <a:blip r:embed="rId3"/>
           <a:stretch>
             <a:fillRect/>
           </a:stretch>
@@ -37579,41 +37493,12 @@
           </a:prstGeom>
         </p:spPr>
       </p:pic>
-      <p:pic>
-        <p:nvPicPr>
-          <p:cNvPr id="81" name="그림 80"/>
-          <p:cNvPicPr>
-            <a:picLocks noChangeAspect="1"/>
-          </p:cNvPicPr>
-          <p:nvPr/>
-        </p:nvPicPr>
-        <p:blipFill>
-          <a:blip r:embed="rId3"/>
-          <a:stretch>
-            <a:fillRect/>
-          </a:stretch>
-        </p:blipFill>
-        <p:spPr>
-          <a:xfrm>
-            <a:off x="896100" y="1786466"/>
-            <a:ext cx="7200000" cy="4459867"/>
-          </a:xfrm>
-          <a:prstGeom prst="rect">
-            <a:avLst/>
-          </a:prstGeom>
-          <a:ln>
-            <a:solidFill>
-              <a:schemeClr val="tx1"/>
-            </a:solidFill>
-          </a:ln>
-        </p:spPr>
-      </p:pic>
       <p:sp>
         <p:nvSpPr>
           <p:cNvPr id="2" name="직사각형 1">
             <a:extLst>
               <a:ext uri="{FF2B5EF4-FFF2-40B4-BE49-F238E27FC236}">
-                <a16:creationId xmlns:a16="http://schemas.microsoft.com/office/drawing/2014/main" xmlns="" id="{8E5B996D-DF87-49E5-95D1-45B1EEB9EE9A}"/>
+                <a16:creationId xmlns:a16="http://schemas.microsoft.com/office/drawing/2014/main" id="{8E5B996D-DF87-49E5-95D1-45B1EEB9EE9A}"/>
               </a:ext>
             </a:extLst>
           </p:cNvPr>
@@ -37665,7 +37550,7 @@
           <p:cNvPr id="4" name="직사각형 3">
             <a:extLst>
               <a:ext uri="{FF2B5EF4-FFF2-40B4-BE49-F238E27FC236}">
-                <a16:creationId xmlns:a16="http://schemas.microsoft.com/office/drawing/2014/main" xmlns="" id="{080CEE4E-4BCA-42C3-BECA-9BCEB9931EEA}"/>
+                <a16:creationId xmlns:a16="http://schemas.microsoft.com/office/drawing/2014/main" id="{080CEE4E-4BCA-42C3-BECA-9BCEB9931EEA}"/>
               </a:ext>
             </a:extLst>
           </p:cNvPr>
@@ -37717,7 +37602,7 @@
           <p:cNvPr id="74" name="TextBox 73">
             <a:extLst>
               <a:ext uri="{FF2B5EF4-FFF2-40B4-BE49-F238E27FC236}">
-                <a16:creationId xmlns="" xmlns:a16="http://schemas.microsoft.com/office/drawing/2014/main" id="{D12B0B12-AB99-4F88-B4B2-948DADC833EA}"/>
+                <a16:creationId xmlns:a16="http://schemas.microsoft.com/office/drawing/2014/main" id="{D12B0B12-AB99-4F88-B4B2-948DADC833EA}"/>
               </a:ext>
             </a:extLst>
           </p:cNvPr>
@@ -37800,7 +37685,7 @@
           <p:cNvPr id="75" name="그림 74">
             <a:extLst>
               <a:ext uri="{FF2B5EF4-FFF2-40B4-BE49-F238E27FC236}">
-                <a16:creationId xmlns="" xmlns:a16="http://schemas.microsoft.com/office/drawing/2014/main" id="{0F0992E8-2696-42E6-805A-0C12780D8FA1}"/>
+                <a16:creationId xmlns:a16="http://schemas.microsoft.com/office/drawing/2014/main" id="{0F0992E8-2696-42E6-805A-0C12780D8FA1}"/>
               </a:ext>
             </a:extLst>
           </p:cNvPr>
@@ -37835,14 +37720,14 @@
         <p:nvCxnSpPr>
           <p:cNvPr id="76" name="직선 화살표 연결선 75"/>
           <p:cNvCxnSpPr>
-            <a:stCxn id="24" idx="2"/>
+            <a:stCxn id="5" idx="2"/>
           </p:cNvCxnSpPr>
           <p:nvPr/>
         </p:nvCxnSpPr>
         <p:spPr>
           <a:xfrm flipH="1">
-            <a:off x="4702629" y="4640651"/>
-            <a:ext cx="2277268" cy="815835"/>
+            <a:off x="4702629" y="4552950"/>
+            <a:ext cx="1393371" cy="903536"/>
           </a:xfrm>
           <a:prstGeom prst="straightConnector1">
             <a:avLst/>
@@ -37915,41 +37800,12 @@
           </a:p>
         </p:txBody>
       </p:sp>
-      <p:pic>
-        <p:nvPicPr>
-          <p:cNvPr id="24" name="그림 23"/>
-          <p:cNvPicPr>
-            <a:picLocks noChangeAspect="1"/>
-          </p:cNvPicPr>
-          <p:nvPr/>
-        </p:nvPicPr>
-        <p:blipFill>
-          <a:blip r:embed="rId5"/>
-          <a:stretch>
-            <a:fillRect/>
-          </a:stretch>
-        </p:blipFill>
-        <p:spPr>
-          <a:xfrm>
-            <a:off x="2307884" y="2602301"/>
-            <a:ext cx="9344025" cy="2038350"/>
-          </a:xfrm>
-          <a:prstGeom prst="rect">
-            <a:avLst/>
-          </a:prstGeom>
-          <a:ln>
-            <a:solidFill>
-              <a:schemeClr val="tx1"/>
-            </a:solidFill>
-          </a:ln>
-        </p:spPr>
-      </p:pic>
       <p:sp>
         <p:nvSpPr>
           <p:cNvPr id="25" name="사각형: 둥근 모서리 51">
             <a:extLst>
               <a:ext uri="{FF2B5EF4-FFF2-40B4-BE49-F238E27FC236}">
-                <a16:creationId xmlns:a16="http://schemas.microsoft.com/office/drawing/2014/main" xmlns="" id="{29DE75C8-A2D7-49CE-A6F4-8350D367C7F9}"/>
+                <a16:creationId xmlns:a16="http://schemas.microsoft.com/office/drawing/2014/main" id="{29DE75C8-A2D7-49CE-A6F4-8350D367C7F9}"/>
               </a:ext>
             </a:extLst>
           </p:cNvPr>
@@ -38000,15 +37856,39 @@
                   <a:schemeClr val="tx1"/>
                 </a:solidFill>
               </a:rPr>
-              <a:t>보호자 </a:t>
-            </a:r>
-            <a:r>
-              <a:rPr lang="ko-KR" altLang="en-US" sz="1000" dirty="0">
+              <a:t>보호자의 </a:t>
+            </a:r>
+            <a:r>
+              <a:rPr lang="ko-KR" altLang="en-US" sz="1000" dirty="0" err="1" smtClean="0">
                 <a:solidFill>
                   <a:schemeClr val="tx1"/>
                 </a:solidFill>
               </a:rPr>
-              <a:t>예약 이용현황 페이지는 </a:t>
+              <a:t>펫시팅</a:t>
+            </a:r>
+            <a:r>
+              <a:rPr lang="ko-KR" altLang="en-US" sz="1000" dirty="0" smtClean="0">
+                <a:solidFill>
+                  <a:schemeClr val="tx1"/>
+                </a:solidFill>
+              </a:rPr>
+              <a:t> </a:t>
+            </a:r>
+            <a:r>
+              <a:rPr lang="ko-KR" altLang="en-US" sz="1000" dirty="0" err="1" smtClean="0">
+                <a:solidFill>
+                  <a:schemeClr val="tx1"/>
+                </a:solidFill>
+              </a:rPr>
+              <a:t>신청현황은</a:t>
+            </a:r>
+            <a:r>
+              <a:rPr lang="ko-KR" altLang="en-US" sz="1000" dirty="0" smtClean="0">
+                <a:solidFill>
+                  <a:schemeClr val="tx1"/>
+                </a:solidFill>
+              </a:rPr>
+              <a:t> </a:t>
             </a:r>
             <a:r>
               <a:rPr lang="ko-KR" altLang="en-US" sz="1000" dirty="0" err="1" smtClean="0">
@@ -38024,106 +37904,7 @@
                   <a:schemeClr val="tx1"/>
                 </a:solidFill>
               </a:rPr>
-              <a:t> 예약 페이지와 </a:t>
-            </a:r>
-            <a:r>
-              <a:rPr lang="ko-KR" altLang="en-US" sz="1000" dirty="0">
-                <a:solidFill>
-                  <a:schemeClr val="tx1"/>
-                </a:solidFill>
-              </a:rPr>
-              <a:t>반대로 </a:t>
-            </a:r>
-            <a:r>
-              <a:rPr lang="ko-KR" altLang="en-US" sz="1000" dirty="0" err="1" smtClean="0">
-                <a:solidFill>
-                  <a:schemeClr val="tx1"/>
-                </a:solidFill>
-              </a:rPr>
-              <a:t>시터회원이</a:t>
-            </a:r>
-            <a:r>
-              <a:rPr lang="ko-KR" altLang="en-US" sz="1000" dirty="0" smtClean="0">
-                <a:solidFill>
-                  <a:schemeClr val="tx1"/>
-                </a:solidFill>
-              </a:rPr>
-              <a:t> 예약된 </a:t>
-            </a:r>
-            <a:r>
-              <a:rPr lang="ko-KR" altLang="en-US" sz="1000" dirty="0">
-                <a:solidFill>
-                  <a:schemeClr val="tx1"/>
-                </a:solidFill>
-              </a:rPr>
-              <a:t>내용을 확인할 수 있는 페이지다</a:t>
-            </a:r>
-            <a:r>
-              <a:rPr lang="en-US" altLang="ko-KR" sz="1000" dirty="0">
-                <a:solidFill>
-                  <a:schemeClr val="tx1"/>
-                </a:solidFill>
-              </a:rPr>
-              <a:t>. </a:t>
-            </a:r>
-          </a:p>
-          <a:p>
-            <a:pPr algn="ctr" latinLnBrk="0"/>
-            <a:r>
-              <a:rPr lang="ko-KR" altLang="en-US" sz="1000" dirty="0">
-                <a:solidFill>
-                  <a:schemeClr val="tx1"/>
-                </a:solidFill>
-              </a:rPr>
-              <a:t>이름의 </a:t>
-            </a:r>
-            <a:r>
-              <a:rPr lang="ko-KR" altLang="en-US" sz="1000" dirty="0" err="1">
-                <a:solidFill>
-                  <a:schemeClr val="tx1"/>
-                </a:solidFill>
-              </a:rPr>
-              <a:t>컬럼</a:t>
-            </a:r>
-            <a:r>
-              <a:rPr lang="ko-KR" altLang="en-US" sz="1000" dirty="0">
-                <a:solidFill>
-                  <a:schemeClr val="tx1"/>
-                </a:solidFill>
-              </a:rPr>
-              <a:t> </a:t>
-            </a:r>
-            <a:r>
-              <a:rPr lang="ko-KR" altLang="en-US" sz="1000" dirty="0" smtClean="0">
-                <a:solidFill>
-                  <a:schemeClr val="tx1"/>
-                </a:solidFill>
-              </a:rPr>
-              <a:t>데이터에 </a:t>
-            </a:r>
-            <a:r>
-              <a:rPr lang="ko-KR" altLang="en-US" sz="1000" dirty="0" err="1">
-                <a:solidFill>
-                  <a:schemeClr val="tx1"/>
-                </a:solidFill>
-              </a:rPr>
-              <a:t>시터</a:t>
-            </a:r>
-            <a:r>
-              <a:rPr lang="ko-KR" altLang="en-US" sz="1000" dirty="0">
-                <a:solidFill>
-                  <a:schemeClr val="tx1"/>
-                </a:solidFill>
-              </a:rPr>
-              <a:t> 테이블을 참조하는 차이가 </a:t>
-            </a:r>
-            <a:r>
-              <a:rPr lang="ko-KR" altLang="en-US" sz="1000" dirty="0" smtClean="0">
-                <a:solidFill>
-                  <a:schemeClr val="tx1"/>
-                </a:solidFill>
-              </a:rPr>
-              <a:t>있으며</a:t>
+              <a:t> 회원을 대상으로 제공되며</a:t>
             </a:r>
             <a:r>
               <a:rPr lang="en-US" altLang="ko-KR" sz="1000" dirty="0" smtClean="0">
@@ -38139,7 +37920,55 @@
                   <a:schemeClr val="tx1"/>
                 </a:solidFill>
               </a:rPr>
-              <a:t>예약 수락</a:t>
+              <a:t>자신에게 서비스를 신청한 고객</a:t>
+            </a:r>
+            <a:r>
+              <a:rPr lang="en-US" altLang="ko-KR" sz="1000" dirty="0" smtClean="0">
+                <a:solidFill>
+                  <a:schemeClr val="tx1"/>
+                </a:solidFill>
+              </a:rPr>
+              <a:t>(</a:t>
+            </a:r>
+            <a:r>
+              <a:rPr lang="ko-KR" altLang="en-US" sz="1000" dirty="0" smtClean="0">
+                <a:solidFill>
+                  <a:schemeClr val="tx1"/>
+                </a:solidFill>
+              </a:rPr>
+              <a:t>보호자</a:t>
+            </a:r>
+            <a:r>
+              <a:rPr lang="en-US" altLang="ko-KR" sz="1000" dirty="0" smtClean="0">
+                <a:solidFill>
+                  <a:schemeClr val="tx1"/>
+                </a:solidFill>
+              </a:rPr>
+              <a:t>)</a:t>
+            </a:r>
+            <a:r>
+              <a:rPr lang="ko-KR" altLang="en-US" sz="1000" dirty="0" smtClean="0">
+                <a:solidFill>
+                  <a:schemeClr val="tx1"/>
+                </a:solidFill>
+              </a:rPr>
+              <a:t>의 정보를 제공한다</a:t>
+            </a:r>
+            <a:r>
+              <a:rPr lang="en-US" altLang="ko-KR" sz="1000" dirty="0" smtClean="0">
+                <a:solidFill>
+                  <a:schemeClr val="tx1"/>
+                </a:solidFill>
+              </a:rPr>
+              <a:t>. </a:t>
+            </a:r>
+            <a:r>
+              <a:rPr lang="ko-KR" altLang="en-US" sz="1000" dirty="0" smtClean="0">
+                <a:solidFill>
+                  <a:schemeClr val="tx1"/>
+                </a:solidFill>
+              </a:rPr>
+              <a:t>예약 확인 및 취소를 통해 수락</a:t>
             </a:r>
             <a:r>
               <a:rPr lang="en-US" altLang="ko-KR" sz="1000" dirty="0" smtClean="0">
@@ -38155,7 +37984,7 @@
                   <a:schemeClr val="tx1"/>
                 </a:solidFill>
               </a:rPr>
-              <a:t>거절을 입력할 수 있다</a:t>
+              <a:t>거절을 할 수 있다</a:t>
             </a:r>
             <a:r>
               <a:rPr lang="en-US" altLang="ko-KR" sz="1000" dirty="0" smtClean="0">
@@ -38173,6 +38002,64 @@
           </a:p>
         </p:txBody>
       </p:sp>
+      <p:pic>
+        <p:nvPicPr>
+          <p:cNvPr id="3" name="그림 2"/>
+          <p:cNvPicPr>
+            <a:picLocks noChangeAspect="1"/>
+          </p:cNvPicPr>
+          <p:nvPr/>
+        </p:nvPicPr>
+        <p:blipFill>
+          <a:blip r:embed="rId5"/>
+          <a:stretch>
+            <a:fillRect/>
+          </a:stretch>
+        </p:blipFill>
+        <p:spPr>
+          <a:xfrm>
+            <a:off x="5681513" y="4943429"/>
+            <a:ext cx="4829175" cy="1000125"/>
+          </a:xfrm>
+          <a:prstGeom prst="rect">
+            <a:avLst/>
+          </a:prstGeom>
+          <a:ln>
+            <a:solidFill>
+              <a:schemeClr val="tx1"/>
+            </a:solidFill>
+          </a:ln>
+        </p:spPr>
+      </p:pic>
+      <p:pic>
+        <p:nvPicPr>
+          <p:cNvPr id="5" name="그림 4"/>
+          <p:cNvPicPr>
+            <a:picLocks noChangeAspect="1"/>
+          </p:cNvPicPr>
+          <p:nvPr/>
+        </p:nvPicPr>
+        <p:blipFill>
+          <a:blip r:embed="rId6"/>
+          <a:stretch>
+            <a:fillRect/>
+          </a:stretch>
+        </p:blipFill>
+        <p:spPr>
+          <a:xfrm>
+            <a:off x="1524000" y="2305050"/>
+            <a:ext cx="9144000" cy="2247900"/>
+          </a:xfrm>
+          <a:prstGeom prst="rect">
+            <a:avLst/>
+          </a:prstGeom>
+          <a:ln>
+            <a:solidFill>
+              <a:schemeClr val="tx1"/>
+            </a:solidFill>
+          </a:ln>
+        </p:spPr>
+      </p:pic>
     </p:spTree>
     <p:extLst>
       <p:ext uri="{BB962C8B-B14F-4D97-AF65-F5344CB8AC3E}">
@@ -38205,7 +38092,7 @@
       </p:grpSpPr>
       <p:pic>
         <p:nvPicPr>
-          <p:cNvPr id="13" name="그림 12"/>
+          <p:cNvPr id="17" name="그림 16"/>
           <p:cNvPicPr>
             <a:picLocks noChangeAspect="1"/>
           </p:cNvPicPr>
@@ -38219,7 +38106,7 @@
         </p:blipFill>
         <p:spPr>
           <a:xfrm>
-            <a:off x="896100" y="1786466"/>
+            <a:off x="896101" y="1786466"/>
             <a:ext cx="7200000" cy="4459867"/>
           </a:xfrm>
           <a:prstGeom prst="rect">
@@ -38237,7 +38124,7 @@
           <p:cNvPr id="2" name="직사각형 1">
             <a:extLst>
               <a:ext uri="{FF2B5EF4-FFF2-40B4-BE49-F238E27FC236}">
-                <a16:creationId xmlns:a16="http://schemas.microsoft.com/office/drawing/2014/main" xmlns="" id="{8E5B996D-DF87-49E5-95D1-45B1EEB9EE9A}"/>
+                <a16:creationId xmlns:a16="http://schemas.microsoft.com/office/drawing/2014/main" id="{8E5B996D-DF87-49E5-95D1-45B1EEB9EE9A}"/>
               </a:ext>
             </a:extLst>
           </p:cNvPr>
@@ -38289,7 +38176,7 @@
           <p:cNvPr id="4" name="직사각형 3">
             <a:extLst>
               <a:ext uri="{FF2B5EF4-FFF2-40B4-BE49-F238E27FC236}">
-                <a16:creationId xmlns:a16="http://schemas.microsoft.com/office/drawing/2014/main" xmlns="" id="{080CEE4E-4BCA-42C3-BECA-9BCEB9931EEA}"/>
+                <a16:creationId xmlns:a16="http://schemas.microsoft.com/office/drawing/2014/main" id="{080CEE4E-4BCA-42C3-BECA-9BCEB9931EEA}"/>
               </a:ext>
             </a:extLst>
           </p:cNvPr>
@@ -38341,7 +38228,7 @@
           <p:cNvPr id="11" name="TextBox 10">
             <a:extLst>
               <a:ext uri="{FF2B5EF4-FFF2-40B4-BE49-F238E27FC236}">
-                <a16:creationId xmlns="" xmlns:a16="http://schemas.microsoft.com/office/drawing/2014/main" id="{D12B0B12-AB99-4F88-B4B2-948DADC833EA}"/>
+                <a16:creationId xmlns:a16="http://schemas.microsoft.com/office/drawing/2014/main" id="{D12B0B12-AB99-4F88-B4B2-948DADC833EA}"/>
               </a:ext>
             </a:extLst>
           </p:cNvPr>
@@ -38479,7 +38366,7 @@
           <p:cNvPr id="12" name="그림 11">
             <a:extLst>
               <a:ext uri="{FF2B5EF4-FFF2-40B4-BE49-F238E27FC236}">
-                <a16:creationId xmlns="" xmlns:a16="http://schemas.microsoft.com/office/drawing/2014/main" id="{0F0992E8-2696-42E6-805A-0C12780D8FA1}"/>
+                <a16:creationId xmlns:a16="http://schemas.microsoft.com/office/drawing/2014/main" id="{0F0992E8-2696-42E6-805A-0C12780D8FA1}"/>
               </a:ext>
             </a:extLst>
           </p:cNvPr>
@@ -38822,7 +38709,7 @@
           <p:cNvPr id="15" name="사각형: 둥근 모서리 33">
             <a:extLst>
               <a:ext uri="{FF2B5EF4-FFF2-40B4-BE49-F238E27FC236}">
-                <a16:creationId xmlns:a16="http://schemas.microsoft.com/office/drawing/2014/main" xmlns="" id="{9FEA6CC2-F860-4762-B98D-92DFCBF74600}"/>
+                <a16:creationId xmlns:a16="http://schemas.microsoft.com/office/drawing/2014/main" id="{9FEA6CC2-F860-4762-B98D-92DFCBF74600}"/>
               </a:ext>
             </a:extLst>
           </p:cNvPr>
@@ -39045,7 +38932,7 @@
           <p:cNvPr id="2" name="직사각형 1">
             <a:extLst>
               <a:ext uri="{FF2B5EF4-FFF2-40B4-BE49-F238E27FC236}">
-                <a16:creationId xmlns:a16="http://schemas.microsoft.com/office/drawing/2014/main" xmlns="" id="{8E5B996D-DF87-49E5-95D1-45B1EEB9EE9A}"/>
+                <a16:creationId xmlns:a16="http://schemas.microsoft.com/office/drawing/2014/main" id="{8E5B996D-DF87-49E5-95D1-45B1EEB9EE9A}"/>
               </a:ext>
             </a:extLst>
           </p:cNvPr>
@@ -39097,7 +38984,7 @@
           <p:cNvPr id="4" name="직사각형 3">
             <a:extLst>
               <a:ext uri="{FF2B5EF4-FFF2-40B4-BE49-F238E27FC236}">
-                <a16:creationId xmlns:a16="http://schemas.microsoft.com/office/drawing/2014/main" xmlns="" id="{080CEE4E-4BCA-42C3-BECA-9BCEB9931EEA}"/>
+                <a16:creationId xmlns:a16="http://schemas.microsoft.com/office/drawing/2014/main" id="{080CEE4E-4BCA-42C3-BECA-9BCEB9931EEA}"/>
               </a:ext>
             </a:extLst>
           </p:cNvPr>
@@ -39149,7 +39036,7 @@
           <p:cNvPr id="77" name="그림 76">
             <a:extLst>
               <a:ext uri="{FF2B5EF4-FFF2-40B4-BE49-F238E27FC236}">
-                <a16:creationId xmlns="" xmlns:a16="http://schemas.microsoft.com/office/drawing/2014/main" id="{0F0992E8-2696-42E6-805A-0C12780D8FA1}"/>
+                <a16:creationId xmlns:a16="http://schemas.microsoft.com/office/drawing/2014/main" id="{0F0992E8-2696-42E6-805A-0C12780D8FA1}"/>
               </a:ext>
             </a:extLst>
           </p:cNvPr>
@@ -39185,7 +39072,7 @@
           <p:cNvPr id="78" name="TextBox 77">
             <a:extLst>
               <a:ext uri="{FF2B5EF4-FFF2-40B4-BE49-F238E27FC236}">
-                <a16:creationId xmlns="" xmlns:a16="http://schemas.microsoft.com/office/drawing/2014/main" id="{D12B0B12-AB99-4F88-B4B2-948DADC833EA}"/>
+                <a16:creationId xmlns:a16="http://schemas.microsoft.com/office/drawing/2014/main" id="{D12B0B12-AB99-4F88-B4B2-948DADC833EA}"/>
               </a:ext>
             </a:extLst>
           </p:cNvPr>
@@ -39299,35 +39186,6 @@
           </a:p>
         </p:txBody>
       </p:sp>
-      <p:pic>
-        <p:nvPicPr>
-          <p:cNvPr id="10" name="그림 9"/>
-          <p:cNvPicPr>
-            <a:picLocks noChangeAspect="1"/>
-          </p:cNvPicPr>
-          <p:nvPr/>
-        </p:nvPicPr>
-        <p:blipFill>
-          <a:blip r:embed="rId3"/>
-          <a:stretch>
-            <a:fillRect/>
-          </a:stretch>
-        </p:blipFill>
-        <p:spPr>
-          <a:xfrm>
-            <a:off x="896100" y="1786467"/>
-            <a:ext cx="7200000" cy="4459866"/>
-          </a:xfrm>
-          <a:prstGeom prst="rect">
-            <a:avLst/>
-          </a:prstGeom>
-          <a:ln>
-            <a:solidFill>
-              <a:schemeClr val="tx1"/>
-            </a:solidFill>
-          </a:ln>
-        </p:spPr>
-      </p:pic>
       <p:sp>
         <p:nvSpPr>
           <p:cNvPr id="11" name="TextBox 10"/>
@@ -39374,7 +39232,7 @@
           <p:nvPr/>
         </p:nvPicPr>
         <p:blipFill>
-          <a:blip r:embed="rId4"/>
+          <a:blip r:embed="rId3"/>
           <a:stretch>
             <a:fillRect/>
           </a:stretch>
@@ -39383,6 +39241,35 @@
           <a:xfrm>
             <a:off x="8784899" y="1786466"/>
             <a:ext cx="2511001" cy="4459867"/>
+          </a:xfrm>
+          <a:prstGeom prst="rect">
+            <a:avLst/>
+          </a:prstGeom>
+          <a:ln>
+            <a:solidFill>
+              <a:schemeClr val="tx1"/>
+            </a:solidFill>
+          </a:ln>
+        </p:spPr>
+      </p:pic>
+      <p:pic>
+        <p:nvPicPr>
+          <p:cNvPr id="13" name="그림 12"/>
+          <p:cNvPicPr>
+            <a:picLocks noChangeAspect="1"/>
+          </p:cNvPicPr>
+          <p:nvPr/>
+        </p:nvPicPr>
+        <p:blipFill>
+          <a:blip r:embed="rId4"/>
+          <a:stretch>
+            <a:fillRect/>
+          </a:stretch>
+        </p:blipFill>
+        <p:spPr>
+          <a:xfrm>
+            <a:off x="896101" y="1786466"/>
+            <a:ext cx="7200000" cy="4459867"/>
           </a:xfrm>
           <a:prstGeom prst="rect">
             <a:avLst/>
